--- a/presentation/presentation.pptx
+++ b/presentation/presentation.pptx
@@ -5314,8 +5314,38 @@
         </p:blipFill>
         <p:spPr>
           <a:xfrm>
-            <a:off x="1822215" y="2157044"/>
+            <a:off x="1744999" y="1714068"/>
             <a:ext cx="3180569" cy="2543911"/>
+          </a:xfrm>
+          <a:prstGeom prst="rect">
+            <a:avLst/>
+          </a:prstGeom>
+        </p:spPr>
+      </p:pic>
+      <p:pic>
+        <p:nvPicPr>
+          <p:cNvPr id="3" name="Imagen 2" descr="Diagrama&#10;&#10;Descripción generada automáticamente">
+            <a:extLst>
+              <a:ext uri="{FF2B5EF4-FFF2-40B4-BE49-F238E27FC236}">
+                <a16:creationId xmlns:a16="http://schemas.microsoft.com/office/drawing/2014/main" id="{2A45A3DB-7502-FA60-DEB2-FF32E6064A8E}"/>
+              </a:ext>
+            </a:extLst>
+          </p:cNvPr>
+          <p:cNvPicPr>
+            <a:picLocks noChangeAspect="1"/>
+          </p:cNvPicPr>
+          <p:nvPr/>
+        </p:nvPicPr>
+        <p:blipFill>
+          <a:blip r:embed="rId3"/>
+          <a:stretch>
+            <a:fillRect/>
+          </a:stretch>
+        </p:blipFill>
+        <p:spPr>
+          <a:xfrm>
+            <a:off x="7404544" y="1513395"/>
+            <a:ext cx="3381375" cy="4010025"/>
           </a:xfrm>
           <a:prstGeom prst="rect">
             <a:avLst/>
@@ -13303,15 +13333,6 @@
 </file>
 
 <file path=customXml/item1.xml><?xml version="1.0" encoding="utf-8"?>
-<?mso-contentType ?>
-<FormTemplates xmlns="http://schemas.microsoft.com/sharepoint/v3/contenttype/forms">
-  <Display>DocumentLibraryForm</Display>
-  <Edit>DocumentLibraryForm</Edit>
-  <New>DocumentLibraryForm</New>
-</FormTemplates>
-</file>
-
-<file path=customXml/item2.xml><?xml version="1.0" encoding="utf-8"?>
 <ct:contentTypeSchema xmlns:ct="http://schemas.microsoft.com/office/2006/metadata/contentType" xmlns:ma="http://schemas.microsoft.com/office/2006/metadata/properties/metaAttributes" ct:_="" ma:_="" ma:contentTypeName="Document" ma:contentTypeID="0x01010079F111ED35F8CC479449609E8A0923A6" ma:contentTypeVersion="12" ma:contentTypeDescription="Create a new document." ma:contentTypeScope="" ma:versionID="426e97fa315356fffbdcd9876fe988c2">
   <xsd:schema xmlns:xsd="http://www.w3.org/2001/XMLSchema" xmlns:xs="http://www.w3.org/2001/XMLSchema" xmlns:p="http://schemas.microsoft.com/office/2006/metadata/properties" xmlns:ns2="71af3243-3dd4-4a8d-8c0d-dd76da1f02a5" xmlns:ns3="16c05727-aa75-4e4a-9b5f-8a80a1165891" targetNamespace="http://schemas.microsoft.com/office/2006/metadata/properties" ma:root="true" ma:fieldsID="14b8f0def80e6d70ce3def20c90759ae" ns2:_="" ns3:_="">
     <xsd:import namespace="71af3243-3dd4-4a8d-8c0d-dd76da1f02a5"/>
@@ -13532,6 +13553,15 @@
 </ct:contentTypeSchema>
 </file>
 
+<file path=customXml/item2.xml><?xml version="1.0" encoding="utf-8"?>
+<?mso-contentType ?>
+<FormTemplates xmlns="http://schemas.microsoft.com/sharepoint/v3/contenttype/forms">
+  <Display>DocumentLibraryForm</Display>
+  <Edit>DocumentLibraryForm</Edit>
+  <New>DocumentLibraryForm</New>
+</FormTemplates>
+</file>
+
 <file path=customXml/item3.xml><?xml version="1.0" encoding="utf-8"?>
 <p:properties xmlns:p="http://schemas.microsoft.com/office/2006/metadata/properties" xmlns:xsi="http://www.w3.org/2001/XMLSchema-instance" xmlns:pc="http://schemas.microsoft.com/office/infopath/2007/PartnerControls">
   <documentManagement>
@@ -13542,14 +13572,6 @@
 </file>
 
 <file path=customXml/itemProps1.xml><?xml version="1.0" encoding="utf-8"?>
-<ds:datastoreItem xmlns:ds="http://schemas.openxmlformats.org/officeDocument/2006/customXml" ds:itemID="{466BA265-3C9C-41FF-80C6-61A7F961C0DC}">
-  <ds:schemaRefs>
-    <ds:schemaRef ds:uri="http://schemas.microsoft.com/sharepoint/v3/contenttype/forms"/>
-  </ds:schemaRefs>
-</ds:datastoreItem>
-</file>
-
-<file path=customXml/itemProps2.xml><?xml version="1.0" encoding="utf-8"?>
 <ds:datastoreItem xmlns:ds="http://schemas.openxmlformats.org/officeDocument/2006/customXml" ds:itemID="{5055BC56-8FA3-435B-ACDD-0E8E6241EF63}">
   <ds:schemaRefs>
     <ds:schemaRef ds:uri="http://schemas.microsoft.com/office/2006/metadata/contentType"/>
@@ -13568,6 +13590,14 @@
 </ds:datastoreItem>
 </file>
 
+<file path=customXml/itemProps2.xml><?xml version="1.0" encoding="utf-8"?>
+<ds:datastoreItem xmlns:ds="http://schemas.openxmlformats.org/officeDocument/2006/customXml" ds:itemID="{466BA265-3C9C-41FF-80C6-61A7F961C0DC}">
+  <ds:schemaRefs>
+    <ds:schemaRef ds:uri="http://schemas.microsoft.com/sharepoint/v3/contenttype/forms"/>
+  </ds:schemaRefs>
+</ds:datastoreItem>
+</file>
+
 <file path=customXml/itemProps3.xml><?xml version="1.0" encoding="utf-8"?>
 <ds:datastoreItem xmlns:ds="http://schemas.openxmlformats.org/officeDocument/2006/customXml" ds:itemID="{B211B2B9-8CE5-4E5A-B70F-6B056FE844E8}">
   <ds:schemaRefs>

--- a/presentation/presentation.pptx
+++ b/presentation/presentation.pptx
@@ -1,27 +1,123 @@
 
 <file path=ppt/presentation.xml><?xml version="1.0" encoding="utf-8"?>
-<p:presentation xmlns:a="http://schemas.openxmlformats.org/drawingml/2006/main" xmlns:p="http://schemas.openxmlformats.org/presentationml/2006/main" xmlns:r="http://schemas.openxmlformats.org/officeDocument/2006/relationships" xmlns:p14="http://schemas.microsoft.com/office/powerpoint/2010/main" xmlns:p15="http://schemas.microsoft.com/office/powerpoint/2012/main" xmlns:mc="http://schemas.openxmlformats.org/markup-compatibility/2006">
+<p:presentation xmlns:a="http://schemas.openxmlformats.org/drawingml/2006/main" xmlns:r="http://schemas.openxmlformats.org/officeDocument/2006/relationships" xmlns:p="http://schemas.openxmlformats.org/presentationml/2006/main">
   <p:sldMasterIdLst>
-    <p:sldMasterId id="2147483648" r:id="rId2"/>
-    <p:sldMasterId id="2147483661" r:id="rId3"/>
-    <p:sldMasterId id="2147483674" r:id="rId4"/>
+    <p:sldMasterId id="2147483648" r:id="rId1"/>
+    <p:sldMasterId id="2147483661" r:id="rId2"/>
+    <p:sldMasterId id="2147483674" r:id="rId3"/>
   </p:sldMasterIdLst>
   <p:sldIdLst>
-    <p:sldId id="256" r:id="rId5"/>
-    <p:sldId id="257" r:id="rId6"/>
-    <p:sldId id="258" r:id="rId7"/>
-    <p:sldId id="259" r:id="rId8"/>
-    <p:sldId id="260" r:id="rId9"/>
-    <p:sldId id="261" r:id="rId10"/>
-    <p:sldId id="262" r:id="rId11"/>
+    <p:sldId id="256" r:id="rId4"/>
+    <p:sldId id="257" r:id="rId5"/>
+    <p:sldId id="258" r:id="rId6"/>
+    <p:sldId id="259" r:id="rId7"/>
+    <p:sldId id="260" r:id="rId8"/>
+    <p:sldId id="261" r:id="rId9"/>
+    <p:sldId id="262" r:id="rId10"/>
+    <p:sldId id="263" r:id="rId11"/>
   </p:sldIdLst>
   <p:sldSz cx="12192000" cy="6858000"/>
   <p:notesSz cx="6858000" cy="9144000"/>
+  <p:defaultTextStyle>
+    <a:defPPr>
+      <a:defRPr lang="es-ES"/>
+    </a:defPPr>
+    <a:lvl1pPr marL="0" algn="l" defTabSz="914400" rtl="0" eaLnBrk="1" latinLnBrk="0" hangingPunct="1">
+      <a:defRPr sz="1800" kern="1200">
+        <a:solidFill>
+          <a:schemeClr val="tx1"/>
+        </a:solidFill>
+        <a:latin typeface="+mn-lt"/>
+        <a:ea typeface="+mn-ea"/>
+        <a:cs typeface="+mn-cs"/>
+      </a:defRPr>
+    </a:lvl1pPr>
+    <a:lvl2pPr marL="457200" algn="l" defTabSz="914400" rtl="0" eaLnBrk="1" latinLnBrk="0" hangingPunct="1">
+      <a:defRPr sz="1800" kern="1200">
+        <a:solidFill>
+          <a:schemeClr val="tx1"/>
+        </a:solidFill>
+        <a:latin typeface="+mn-lt"/>
+        <a:ea typeface="+mn-ea"/>
+        <a:cs typeface="+mn-cs"/>
+      </a:defRPr>
+    </a:lvl2pPr>
+    <a:lvl3pPr marL="914400" algn="l" defTabSz="914400" rtl="0" eaLnBrk="1" latinLnBrk="0" hangingPunct="1">
+      <a:defRPr sz="1800" kern="1200">
+        <a:solidFill>
+          <a:schemeClr val="tx1"/>
+        </a:solidFill>
+        <a:latin typeface="+mn-lt"/>
+        <a:ea typeface="+mn-ea"/>
+        <a:cs typeface="+mn-cs"/>
+      </a:defRPr>
+    </a:lvl3pPr>
+    <a:lvl4pPr marL="1371600" algn="l" defTabSz="914400" rtl="0" eaLnBrk="1" latinLnBrk="0" hangingPunct="1">
+      <a:defRPr sz="1800" kern="1200">
+        <a:solidFill>
+          <a:schemeClr val="tx1"/>
+        </a:solidFill>
+        <a:latin typeface="+mn-lt"/>
+        <a:ea typeface="+mn-ea"/>
+        <a:cs typeface="+mn-cs"/>
+      </a:defRPr>
+    </a:lvl4pPr>
+    <a:lvl5pPr marL="1828800" algn="l" defTabSz="914400" rtl="0" eaLnBrk="1" latinLnBrk="0" hangingPunct="1">
+      <a:defRPr sz="1800" kern="1200">
+        <a:solidFill>
+          <a:schemeClr val="tx1"/>
+        </a:solidFill>
+        <a:latin typeface="+mn-lt"/>
+        <a:ea typeface="+mn-ea"/>
+        <a:cs typeface="+mn-cs"/>
+      </a:defRPr>
+    </a:lvl5pPr>
+    <a:lvl6pPr marL="2286000" algn="l" defTabSz="914400" rtl="0" eaLnBrk="1" latinLnBrk="0" hangingPunct="1">
+      <a:defRPr sz="1800" kern="1200">
+        <a:solidFill>
+          <a:schemeClr val="tx1"/>
+        </a:solidFill>
+        <a:latin typeface="+mn-lt"/>
+        <a:ea typeface="+mn-ea"/>
+        <a:cs typeface="+mn-cs"/>
+      </a:defRPr>
+    </a:lvl6pPr>
+    <a:lvl7pPr marL="2743200" algn="l" defTabSz="914400" rtl="0" eaLnBrk="1" latinLnBrk="0" hangingPunct="1">
+      <a:defRPr sz="1800" kern="1200">
+        <a:solidFill>
+          <a:schemeClr val="tx1"/>
+        </a:solidFill>
+        <a:latin typeface="+mn-lt"/>
+        <a:ea typeface="+mn-ea"/>
+        <a:cs typeface="+mn-cs"/>
+      </a:defRPr>
+    </a:lvl7pPr>
+    <a:lvl8pPr marL="3200400" algn="l" defTabSz="914400" rtl="0" eaLnBrk="1" latinLnBrk="0" hangingPunct="1">
+      <a:defRPr sz="1800" kern="1200">
+        <a:solidFill>
+          <a:schemeClr val="tx1"/>
+        </a:solidFill>
+        <a:latin typeface="+mn-lt"/>
+        <a:ea typeface="+mn-ea"/>
+        <a:cs typeface="+mn-cs"/>
+      </a:defRPr>
+    </a:lvl8pPr>
+    <a:lvl9pPr marL="3657600" algn="l" defTabSz="914400" rtl="0" eaLnBrk="1" latinLnBrk="0" hangingPunct="1">
+      <a:defRPr sz="1800" kern="1200">
+        <a:solidFill>
+          <a:schemeClr val="tx1"/>
+        </a:solidFill>
+        <a:latin typeface="+mn-lt"/>
+        <a:ea typeface="+mn-ea"/>
+        <a:cs typeface="+mn-cs"/>
+      </a:defRPr>
+    </a:lvl9pPr>
+  </p:defaultTextStyle>
 </p:presentation>
 </file>
 
 <file path=ppt/slideLayouts/slideLayout1.xml><?xml version="1.0" encoding="utf-8"?>
-<p:sldLayout xmlns:a="http://schemas.openxmlformats.org/drawingml/2006/main" xmlns:p="http://schemas.openxmlformats.org/presentationml/2006/main" xmlns:r="http://schemas.openxmlformats.org/officeDocument/2006/relationships" xmlns:p14="http://schemas.microsoft.com/office/powerpoint/2010/main" xmlns:p15="http://schemas.microsoft.com/office/powerpoint/2012/main" xmlns:mc="http://schemas.openxmlformats.org/markup-compatibility/2006" type="blank" preserve="1">
+<p:sldLayout xmlns:a="http://schemas.openxmlformats.org/drawingml/2006/main" xmlns:r="http://schemas.openxmlformats.org/officeDocument/2006/relationships" xmlns:p="http://schemas.openxmlformats.org/presentationml/2006/main" type="blank" preserve="1">
   <p:cSld name="Blank Slide">
     <p:spTree>
       <p:nvGrpSpPr>
@@ -39,11 +135,14 @@
       </p:grpSpPr>
     </p:spTree>
   </p:cSld>
+  <p:clrMapOvr>
+    <a:masterClrMapping/>
+  </p:clrMapOvr>
 </p:sldLayout>
 </file>
 
 <file path=ppt/slideLayouts/slideLayout10.xml><?xml version="1.0" encoding="utf-8"?>
-<p:sldLayout xmlns:a="http://schemas.openxmlformats.org/drawingml/2006/main" xmlns:p="http://schemas.openxmlformats.org/presentationml/2006/main" xmlns:r="http://schemas.openxmlformats.org/officeDocument/2006/relationships" xmlns:p14="http://schemas.microsoft.com/office/powerpoint/2010/main" xmlns:p15="http://schemas.microsoft.com/office/powerpoint/2012/main" xmlns:mc="http://schemas.openxmlformats.org/markup-compatibility/2006" type="objOverTx" preserve="1">
+<p:sldLayout xmlns:a="http://schemas.openxmlformats.org/drawingml/2006/main" xmlns:r="http://schemas.openxmlformats.org/officeDocument/2006/relationships" xmlns:p="http://schemas.openxmlformats.org/presentationml/2006/main" type="objOverTx" preserve="1">
   <p:cSld name="Title, Content over Content">
     <p:spTree>
       <p:nvGrpSpPr>
@@ -83,11 +182,12 @@
           </a:ln>
         </p:spPr>
         <p:txBody>
-          <a:bodyPr lIns="0" rIns="0" tIns="0" bIns="0" anchor="ctr">
+          <a:bodyPr lIns="0" tIns="0" rIns="0" bIns="0" anchor="ctr">
             <a:noAutofit/>
           </a:bodyPr>
-          <a:p>
-            <a:endParaRPr b="0" lang="es-ES" sz="1800" spc="-1" strike="noStrike">
+          <a:lstStyle/>
+          <a:p>
+            <a:endParaRPr lang="es-ES" sz="1800" b="0" strike="noStrike" spc="-1">
               <a:solidFill>
                 <a:srgbClr val="000000"/>
               </a:solidFill>
@@ -120,9 +220,10 @@
           </a:ln>
         </p:spPr>
         <p:txBody>
-          <a:bodyPr lIns="0" rIns="0" tIns="0" bIns="0" anchor="t">
+          <a:bodyPr lIns="0" tIns="0" rIns="0" bIns="0" anchor="t">
             <a:normAutofit fontScale="24000"/>
           </a:bodyPr>
+          <a:lstStyle/>
           <a:p>
             <a:pPr>
               <a:lnSpc>
@@ -133,7 +234,7 @@
               </a:spcBef>
               <a:buNone/>
             </a:pPr>
-            <a:endParaRPr b="0" lang="es-ES" sz="2800" spc="-1" strike="noStrike">
+            <a:endParaRPr lang="es-ES" sz="2800" b="0" strike="noStrike" spc="-1">
               <a:solidFill>
                 <a:srgbClr val="000000"/>
               </a:solidFill>
@@ -166,9 +267,10 @@
           </a:ln>
         </p:spPr>
         <p:txBody>
-          <a:bodyPr lIns="0" rIns="0" tIns="0" bIns="0" anchor="t">
+          <a:bodyPr lIns="0" tIns="0" rIns="0" bIns="0" anchor="t">
             <a:normAutofit fontScale="24000"/>
           </a:bodyPr>
+          <a:lstStyle/>
           <a:p>
             <a:pPr>
               <a:lnSpc>
@@ -179,7 +281,7 @@
               </a:spcBef>
               <a:buNone/>
             </a:pPr>
-            <a:endParaRPr b="0" lang="es-ES" sz="2800" spc="-1" strike="noStrike">
+            <a:endParaRPr lang="es-ES" sz="2800" b="0" strike="noStrike" spc="-1">
               <a:solidFill>
                 <a:srgbClr val="000000"/>
               </a:solidFill>
@@ -190,11 +292,14 @@
       </p:sp>
     </p:spTree>
   </p:cSld>
+  <p:clrMapOvr>
+    <a:masterClrMapping/>
+  </p:clrMapOvr>
 </p:sldLayout>
 </file>
 
 <file path=ppt/slideLayouts/slideLayout11.xml><?xml version="1.0" encoding="utf-8"?>
-<p:sldLayout xmlns:a="http://schemas.openxmlformats.org/drawingml/2006/main" xmlns:p="http://schemas.openxmlformats.org/presentationml/2006/main" xmlns:r="http://schemas.openxmlformats.org/officeDocument/2006/relationships" xmlns:p14="http://schemas.microsoft.com/office/powerpoint/2010/main" xmlns:p15="http://schemas.microsoft.com/office/powerpoint/2012/main" xmlns:mc="http://schemas.openxmlformats.org/markup-compatibility/2006" type="fourObj" preserve="1">
+<p:sldLayout xmlns:a="http://schemas.openxmlformats.org/drawingml/2006/main" xmlns:r="http://schemas.openxmlformats.org/officeDocument/2006/relationships" xmlns:p="http://schemas.openxmlformats.org/presentationml/2006/main" type="fourObj" preserve="1">
   <p:cSld name="Title, 4 Content">
     <p:spTree>
       <p:nvGrpSpPr>
@@ -234,11 +339,12 @@
           </a:ln>
         </p:spPr>
         <p:txBody>
-          <a:bodyPr lIns="0" rIns="0" tIns="0" bIns="0" anchor="ctr">
+          <a:bodyPr lIns="0" tIns="0" rIns="0" bIns="0" anchor="ctr">
             <a:noAutofit/>
           </a:bodyPr>
-          <a:p>
-            <a:endParaRPr b="0" lang="es-ES" sz="1800" spc="-1" strike="noStrike">
+          <a:lstStyle/>
+          <a:p>
+            <a:endParaRPr lang="es-ES" sz="1800" b="0" strike="noStrike" spc="-1">
               <a:solidFill>
                 <a:srgbClr val="000000"/>
               </a:solidFill>
@@ -271,9 +377,10 @@
           </a:ln>
         </p:spPr>
         <p:txBody>
-          <a:bodyPr lIns="0" rIns="0" tIns="0" bIns="0" anchor="t">
+          <a:bodyPr lIns="0" tIns="0" rIns="0" bIns="0" anchor="t">
             <a:normAutofit fontScale="19000"/>
           </a:bodyPr>
+          <a:lstStyle/>
           <a:p>
             <a:pPr>
               <a:lnSpc>
@@ -284,7 +391,7 @@
               </a:spcBef>
               <a:buNone/>
             </a:pPr>
-            <a:endParaRPr b="0" lang="es-ES" sz="2800" spc="-1" strike="noStrike">
+            <a:endParaRPr lang="es-ES" sz="2800" b="0" strike="noStrike" spc="-1">
               <a:solidFill>
                 <a:srgbClr val="000000"/>
               </a:solidFill>
@@ -317,9 +424,10 @@
           </a:ln>
         </p:spPr>
         <p:txBody>
-          <a:bodyPr lIns="0" rIns="0" tIns="0" bIns="0" anchor="t">
+          <a:bodyPr lIns="0" tIns="0" rIns="0" bIns="0" anchor="t">
             <a:normAutofit fontScale="19000"/>
           </a:bodyPr>
+          <a:lstStyle/>
           <a:p>
             <a:pPr>
               <a:lnSpc>
@@ -330,7 +438,7 @@
               </a:spcBef>
               <a:buNone/>
             </a:pPr>
-            <a:endParaRPr b="0" lang="es-ES" sz="2800" spc="-1" strike="noStrike">
+            <a:endParaRPr lang="es-ES" sz="2800" b="0" strike="noStrike" spc="-1">
               <a:solidFill>
                 <a:srgbClr val="000000"/>
               </a:solidFill>
@@ -363,9 +471,10 @@
           </a:ln>
         </p:spPr>
         <p:txBody>
-          <a:bodyPr lIns="0" rIns="0" tIns="0" bIns="0" anchor="t">
+          <a:bodyPr lIns="0" tIns="0" rIns="0" bIns="0" anchor="t">
             <a:normAutofit fontScale="19000"/>
           </a:bodyPr>
+          <a:lstStyle/>
           <a:p>
             <a:pPr>
               <a:lnSpc>
@@ -376,7 +485,7 @@
               </a:spcBef>
               <a:buNone/>
             </a:pPr>
-            <a:endParaRPr b="0" lang="es-ES" sz="2800" spc="-1" strike="noStrike">
+            <a:endParaRPr lang="es-ES" sz="2800" b="0" strike="noStrike" spc="-1">
               <a:solidFill>
                 <a:srgbClr val="000000"/>
               </a:solidFill>
@@ -409,9 +518,10 @@
           </a:ln>
         </p:spPr>
         <p:txBody>
-          <a:bodyPr lIns="0" rIns="0" tIns="0" bIns="0" anchor="t">
+          <a:bodyPr lIns="0" tIns="0" rIns="0" bIns="0" anchor="t">
             <a:normAutofit fontScale="19000"/>
           </a:bodyPr>
+          <a:lstStyle/>
           <a:p>
             <a:pPr>
               <a:lnSpc>
@@ -422,7 +532,7 @@
               </a:spcBef>
               <a:buNone/>
             </a:pPr>
-            <a:endParaRPr b="0" lang="es-ES" sz="2800" spc="-1" strike="noStrike">
+            <a:endParaRPr lang="es-ES" sz="2800" b="0" strike="noStrike" spc="-1">
               <a:solidFill>
                 <a:srgbClr val="000000"/>
               </a:solidFill>
@@ -433,11 +543,14 @@
       </p:sp>
     </p:spTree>
   </p:cSld>
+  <p:clrMapOvr>
+    <a:masterClrMapping/>
+  </p:clrMapOvr>
 </p:sldLayout>
 </file>
 
 <file path=ppt/slideLayouts/slideLayout12.xml><?xml version="1.0" encoding="utf-8"?>
-<p:sldLayout xmlns:a="http://schemas.openxmlformats.org/drawingml/2006/main" xmlns:p="http://schemas.openxmlformats.org/presentationml/2006/main" xmlns:r="http://schemas.openxmlformats.org/officeDocument/2006/relationships" xmlns:p14="http://schemas.microsoft.com/office/powerpoint/2010/main" xmlns:p15="http://schemas.microsoft.com/office/powerpoint/2012/main" xmlns:mc="http://schemas.openxmlformats.org/markup-compatibility/2006" type="blank" preserve="1">
+<p:sldLayout xmlns:a="http://schemas.openxmlformats.org/drawingml/2006/main" xmlns:r="http://schemas.openxmlformats.org/officeDocument/2006/relationships" xmlns:p="http://schemas.openxmlformats.org/presentationml/2006/main" type="blank" preserve="1">
   <p:cSld name="Title, 6 Content">
     <p:spTree>
       <p:nvGrpSpPr>
@@ -477,11 +590,12 @@
           </a:ln>
         </p:spPr>
         <p:txBody>
-          <a:bodyPr lIns="0" rIns="0" tIns="0" bIns="0" anchor="ctr">
+          <a:bodyPr lIns="0" tIns="0" rIns="0" bIns="0" anchor="ctr">
             <a:noAutofit/>
           </a:bodyPr>
-          <a:p>
-            <a:endParaRPr b="0" lang="es-ES" sz="1800" spc="-1" strike="noStrike">
+          <a:lstStyle/>
+          <a:p>
+            <a:endParaRPr lang="es-ES" sz="1800" b="0" strike="noStrike" spc="-1">
               <a:solidFill>
                 <a:srgbClr val="000000"/>
               </a:solidFill>
@@ -514,9 +628,10 @@
           </a:ln>
         </p:spPr>
         <p:txBody>
-          <a:bodyPr lIns="0" rIns="0" tIns="0" bIns="0" anchor="t">
+          <a:bodyPr lIns="0" tIns="0" rIns="0" bIns="0" anchor="t">
             <a:normAutofit fontScale="14000"/>
           </a:bodyPr>
+          <a:lstStyle/>
           <a:p>
             <a:pPr>
               <a:lnSpc>
@@ -527,7 +642,7 @@
               </a:spcBef>
               <a:buNone/>
             </a:pPr>
-            <a:endParaRPr b="0" lang="es-ES" sz="2800" spc="-1" strike="noStrike">
+            <a:endParaRPr lang="es-ES" sz="2800" b="0" strike="noStrike" spc="-1">
               <a:solidFill>
                 <a:srgbClr val="000000"/>
               </a:solidFill>
@@ -560,9 +675,10 @@
           </a:ln>
         </p:spPr>
         <p:txBody>
-          <a:bodyPr lIns="0" rIns="0" tIns="0" bIns="0" anchor="t">
+          <a:bodyPr lIns="0" tIns="0" rIns="0" bIns="0" anchor="t">
             <a:normAutofit fontScale="14000"/>
           </a:bodyPr>
+          <a:lstStyle/>
           <a:p>
             <a:pPr>
               <a:lnSpc>
@@ -573,7 +689,7 @@
               </a:spcBef>
               <a:buNone/>
             </a:pPr>
-            <a:endParaRPr b="0" lang="es-ES" sz="2800" spc="-1" strike="noStrike">
+            <a:endParaRPr lang="es-ES" sz="2800" b="0" strike="noStrike" spc="-1">
               <a:solidFill>
                 <a:srgbClr val="000000"/>
               </a:solidFill>
@@ -606,9 +722,10 @@
           </a:ln>
         </p:spPr>
         <p:txBody>
-          <a:bodyPr lIns="0" rIns="0" tIns="0" bIns="0" anchor="t">
+          <a:bodyPr lIns="0" tIns="0" rIns="0" bIns="0" anchor="t">
             <a:normAutofit fontScale="14000"/>
           </a:bodyPr>
+          <a:lstStyle/>
           <a:p>
             <a:pPr>
               <a:lnSpc>
@@ -619,7 +736,7 @@
               </a:spcBef>
               <a:buNone/>
             </a:pPr>
-            <a:endParaRPr b="0" lang="es-ES" sz="2800" spc="-1" strike="noStrike">
+            <a:endParaRPr lang="es-ES" sz="2800" b="0" strike="noStrike" spc="-1">
               <a:solidFill>
                 <a:srgbClr val="000000"/>
               </a:solidFill>
@@ -652,9 +769,10 @@
           </a:ln>
         </p:spPr>
         <p:txBody>
-          <a:bodyPr lIns="0" rIns="0" tIns="0" bIns="0" anchor="t">
+          <a:bodyPr lIns="0" tIns="0" rIns="0" bIns="0" anchor="t">
             <a:normAutofit fontScale="14000"/>
           </a:bodyPr>
+          <a:lstStyle/>
           <a:p>
             <a:pPr>
               <a:lnSpc>
@@ -665,7 +783,7 @@
               </a:spcBef>
               <a:buNone/>
             </a:pPr>
-            <a:endParaRPr b="0" lang="es-ES" sz="2800" spc="-1" strike="noStrike">
+            <a:endParaRPr lang="es-ES" sz="2800" b="0" strike="noStrike" spc="-1">
               <a:solidFill>
                 <a:srgbClr val="000000"/>
               </a:solidFill>
@@ -698,9 +816,10 @@
           </a:ln>
         </p:spPr>
         <p:txBody>
-          <a:bodyPr lIns="0" rIns="0" tIns="0" bIns="0" anchor="t">
+          <a:bodyPr lIns="0" tIns="0" rIns="0" bIns="0" anchor="t">
             <a:normAutofit fontScale="14000"/>
           </a:bodyPr>
+          <a:lstStyle/>
           <a:p>
             <a:pPr>
               <a:lnSpc>
@@ -711,7 +830,7 @@
               </a:spcBef>
               <a:buNone/>
             </a:pPr>
-            <a:endParaRPr b="0" lang="es-ES" sz="2800" spc="-1" strike="noStrike">
+            <a:endParaRPr lang="es-ES" sz="2800" b="0" strike="noStrike" spc="-1">
               <a:solidFill>
                 <a:srgbClr val="000000"/>
               </a:solidFill>
@@ -744,9 +863,10 @@
           </a:ln>
         </p:spPr>
         <p:txBody>
-          <a:bodyPr lIns="0" rIns="0" tIns="0" bIns="0" anchor="t">
+          <a:bodyPr lIns="0" tIns="0" rIns="0" bIns="0" anchor="t">
             <a:normAutofit fontScale="14000"/>
           </a:bodyPr>
+          <a:lstStyle/>
           <a:p>
             <a:pPr>
               <a:lnSpc>
@@ -757,7 +877,7 @@
               </a:spcBef>
               <a:buNone/>
             </a:pPr>
-            <a:endParaRPr b="0" lang="es-ES" sz="2800" spc="-1" strike="noStrike">
+            <a:endParaRPr lang="es-ES" sz="2800" b="0" strike="noStrike" spc="-1">
               <a:solidFill>
                 <a:srgbClr val="000000"/>
               </a:solidFill>
@@ -768,11 +888,14 @@
       </p:sp>
     </p:spTree>
   </p:cSld>
+  <p:clrMapOvr>
+    <a:masterClrMapping/>
+  </p:clrMapOvr>
 </p:sldLayout>
 </file>
 
 <file path=ppt/slideLayouts/slideLayout13.xml><?xml version="1.0" encoding="utf-8"?>
-<p:sldLayout xmlns:a="http://schemas.openxmlformats.org/drawingml/2006/main" xmlns:p="http://schemas.openxmlformats.org/presentationml/2006/main" xmlns:r="http://schemas.openxmlformats.org/officeDocument/2006/relationships" xmlns:p14="http://schemas.microsoft.com/office/powerpoint/2010/main" xmlns:p15="http://schemas.microsoft.com/office/powerpoint/2012/main" xmlns:mc="http://schemas.openxmlformats.org/markup-compatibility/2006" type="blank" preserve="1">
+<p:sldLayout xmlns:a="http://schemas.openxmlformats.org/drawingml/2006/main" xmlns:r="http://schemas.openxmlformats.org/officeDocument/2006/relationships" xmlns:p="http://schemas.openxmlformats.org/presentationml/2006/main" type="blank" preserve="1">
   <p:cSld name="Blank Slide">
     <p:spTree>
       <p:nvGrpSpPr>
@@ -790,11 +913,14 @@
       </p:grpSpPr>
     </p:spTree>
   </p:cSld>
+  <p:clrMapOvr>
+    <a:masterClrMapping/>
+  </p:clrMapOvr>
 </p:sldLayout>
 </file>
 
 <file path=ppt/slideLayouts/slideLayout14.xml><?xml version="1.0" encoding="utf-8"?>
-<p:sldLayout xmlns:a="http://schemas.openxmlformats.org/drawingml/2006/main" xmlns:p="http://schemas.openxmlformats.org/presentationml/2006/main" xmlns:r="http://schemas.openxmlformats.org/officeDocument/2006/relationships" xmlns:p14="http://schemas.microsoft.com/office/powerpoint/2010/main" xmlns:p15="http://schemas.microsoft.com/office/powerpoint/2012/main" xmlns:mc="http://schemas.openxmlformats.org/markup-compatibility/2006" type="tx" preserve="1">
+<p:sldLayout xmlns:a="http://schemas.openxmlformats.org/drawingml/2006/main" xmlns:r="http://schemas.openxmlformats.org/officeDocument/2006/relationships" xmlns:p="http://schemas.openxmlformats.org/presentationml/2006/main" type="tx" preserve="1">
   <p:cSld name="Title Slide">
     <p:spTree>
       <p:nvGrpSpPr>
@@ -834,11 +960,12 @@
           </a:ln>
         </p:spPr>
         <p:txBody>
-          <a:bodyPr lIns="0" rIns="0" tIns="0" bIns="0" anchor="ctr">
+          <a:bodyPr lIns="0" tIns="0" rIns="0" bIns="0" anchor="ctr">
             <a:noAutofit/>
           </a:bodyPr>
-          <a:p>
-            <a:endParaRPr b="0" lang="es-ES" sz="1800" spc="-1" strike="noStrike">
+          <a:lstStyle/>
+          <a:p>
+            <a:endParaRPr lang="es-ES" sz="1800" b="0" strike="noStrike" spc="-1">
               <a:solidFill>
                 <a:srgbClr val="000000"/>
               </a:solidFill>
@@ -871,14 +998,15 @@
           </a:ln>
         </p:spPr>
         <p:txBody>
-          <a:bodyPr lIns="0" rIns="0" tIns="0" bIns="0" anchor="ctr">
+          <a:bodyPr lIns="0" tIns="0" rIns="0" bIns="0" anchor="ctr">
             <a:noAutofit/>
           </a:bodyPr>
+          <a:lstStyle/>
           <a:p>
             <a:pPr algn="ctr">
               <a:buNone/>
             </a:pPr>
-            <a:endParaRPr b="0" lang="es-ES" sz="3200" spc="-1" strike="noStrike">
+            <a:endParaRPr lang="es-ES" sz="3200" b="0" strike="noStrike" spc="-1">
               <a:latin typeface="Arial"/>
             </a:endParaRPr>
           </a:p>
@@ -886,11 +1014,14 @@
       </p:sp>
     </p:spTree>
   </p:cSld>
+  <p:clrMapOvr>
+    <a:masterClrMapping/>
+  </p:clrMapOvr>
 </p:sldLayout>
 </file>
 
 <file path=ppt/slideLayouts/slideLayout15.xml><?xml version="1.0" encoding="utf-8"?>
-<p:sldLayout xmlns:a="http://schemas.openxmlformats.org/drawingml/2006/main" xmlns:p="http://schemas.openxmlformats.org/presentationml/2006/main" xmlns:r="http://schemas.openxmlformats.org/officeDocument/2006/relationships" xmlns:p14="http://schemas.microsoft.com/office/powerpoint/2010/main" xmlns:p15="http://schemas.microsoft.com/office/powerpoint/2012/main" xmlns:mc="http://schemas.openxmlformats.org/markup-compatibility/2006" type="obj" preserve="1">
+<p:sldLayout xmlns:a="http://schemas.openxmlformats.org/drawingml/2006/main" xmlns:r="http://schemas.openxmlformats.org/officeDocument/2006/relationships" xmlns:p="http://schemas.openxmlformats.org/presentationml/2006/main" type="obj" preserve="1">
   <p:cSld name="Title, Content">
     <p:spTree>
       <p:nvGrpSpPr>
@@ -930,11 +1061,12 @@
           </a:ln>
         </p:spPr>
         <p:txBody>
-          <a:bodyPr lIns="0" rIns="0" tIns="0" bIns="0" anchor="ctr">
+          <a:bodyPr lIns="0" tIns="0" rIns="0" bIns="0" anchor="ctr">
             <a:noAutofit/>
           </a:bodyPr>
-          <a:p>
-            <a:endParaRPr b="0" lang="es-ES" sz="1800" spc="-1" strike="noStrike">
+          <a:lstStyle/>
+          <a:p>
+            <a:endParaRPr lang="es-ES" sz="1800" b="0" strike="noStrike" spc="-1">
               <a:solidFill>
                 <a:srgbClr val="000000"/>
               </a:solidFill>
@@ -967,9 +1099,10 @@
           </a:ln>
         </p:spPr>
         <p:txBody>
-          <a:bodyPr lIns="0" rIns="0" tIns="0" bIns="0" anchor="t">
+          <a:bodyPr lIns="0" tIns="0" rIns="0" bIns="0" anchor="t">
             <a:normAutofit fontScale="39000"/>
           </a:bodyPr>
+          <a:lstStyle/>
           <a:p>
             <a:pPr>
               <a:lnSpc>
@@ -980,7 +1113,7 @@
               </a:spcBef>
               <a:buNone/>
             </a:pPr>
-            <a:endParaRPr b="0" lang="es-ES" sz="2800" spc="-1" strike="noStrike">
+            <a:endParaRPr lang="es-ES" sz="2800" b="0" strike="noStrike" spc="-1">
               <a:solidFill>
                 <a:srgbClr val="000000"/>
               </a:solidFill>
@@ -991,11 +1124,14 @@
       </p:sp>
     </p:spTree>
   </p:cSld>
+  <p:clrMapOvr>
+    <a:masterClrMapping/>
+  </p:clrMapOvr>
 </p:sldLayout>
 </file>
 
 <file path=ppt/slideLayouts/slideLayout16.xml><?xml version="1.0" encoding="utf-8"?>
-<p:sldLayout xmlns:a="http://schemas.openxmlformats.org/drawingml/2006/main" xmlns:p="http://schemas.openxmlformats.org/presentationml/2006/main" xmlns:r="http://schemas.openxmlformats.org/officeDocument/2006/relationships" xmlns:p14="http://schemas.microsoft.com/office/powerpoint/2010/main" xmlns:p15="http://schemas.microsoft.com/office/powerpoint/2012/main" xmlns:mc="http://schemas.openxmlformats.org/markup-compatibility/2006" type="twoObj" preserve="1">
+<p:sldLayout xmlns:a="http://schemas.openxmlformats.org/drawingml/2006/main" xmlns:r="http://schemas.openxmlformats.org/officeDocument/2006/relationships" xmlns:p="http://schemas.openxmlformats.org/presentationml/2006/main" type="twoObj" preserve="1">
   <p:cSld name="Title, 2 Content">
     <p:spTree>
       <p:nvGrpSpPr>
@@ -1035,11 +1171,12 @@
           </a:ln>
         </p:spPr>
         <p:txBody>
-          <a:bodyPr lIns="0" rIns="0" tIns="0" bIns="0" anchor="ctr">
+          <a:bodyPr lIns="0" tIns="0" rIns="0" bIns="0" anchor="ctr">
             <a:noAutofit/>
           </a:bodyPr>
-          <a:p>
-            <a:endParaRPr b="0" lang="es-ES" sz="1800" spc="-1" strike="noStrike">
+          <a:lstStyle/>
+          <a:p>
+            <a:endParaRPr lang="es-ES" sz="1800" b="0" strike="noStrike" spc="-1">
               <a:solidFill>
                 <a:srgbClr val="000000"/>
               </a:solidFill>
@@ -1072,9 +1209,10 @@
           </a:ln>
         </p:spPr>
         <p:txBody>
-          <a:bodyPr lIns="0" rIns="0" tIns="0" bIns="0" anchor="t">
+          <a:bodyPr lIns="0" tIns="0" rIns="0" bIns="0" anchor="t">
             <a:normAutofit fontScale="25000"/>
           </a:bodyPr>
+          <a:lstStyle/>
           <a:p>
             <a:pPr>
               <a:lnSpc>
@@ -1085,7 +1223,7 @@
               </a:spcBef>
               <a:buNone/>
             </a:pPr>
-            <a:endParaRPr b="0" lang="es-ES" sz="2800" spc="-1" strike="noStrike">
+            <a:endParaRPr lang="es-ES" sz="2800" b="0" strike="noStrike" spc="-1">
               <a:solidFill>
                 <a:srgbClr val="000000"/>
               </a:solidFill>
@@ -1118,9 +1256,10 @@
           </a:ln>
         </p:spPr>
         <p:txBody>
-          <a:bodyPr lIns="0" rIns="0" tIns="0" bIns="0" anchor="t">
+          <a:bodyPr lIns="0" tIns="0" rIns="0" bIns="0" anchor="t">
             <a:normAutofit fontScale="25000"/>
           </a:bodyPr>
+          <a:lstStyle/>
           <a:p>
             <a:pPr>
               <a:lnSpc>
@@ -1131,7 +1270,7 @@
               </a:spcBef>
               <a:buNone/>
             </a:pPr>
-            <a:endParaRPr b="0" lang="es-ES" sz="2800" spc="-1" strike="noStrike">
+            <a:endParaRPr lang="es-ES" sz="2800" b="0" strike="noStrike" spc="-1">
               <a:solidFill>
                 <a:srgbClr val="000000"/>
               </a:solidFill>
@@ -1142,11 +1281,14 @@
       </p:sp>
     </p:spTree>
   </p:cSld>
+  <p:clrMapOvr>
+    <a:masterClrMapping/>
+  </p:clrMapOvr>
 </p:sldLayout>
 </file>
 
 <file path=ppt/slideLayouts/slideLayout17.xml><?xml version="1.0" encoding="utf-8"?>
-<p:sldLayout xmlns:a="http://schemas.openxmlformats.org/drawingml/2006/main" xmlns:p="http://schemas.openxmlformats.org/presentationml/2006/main" xmlns:r="http://schemas.openxmlformats.org/officeDocument/2006/relationships" xmlns:p14="http://schemas.microsoft.com/office/powerpoint/2010/main" xmlns:p15="http://schemas.microsoft.com/office/powerpoint/2012/main" xmlns:mc="http://schemas.openxmlformats.org/markup-compatibility/2006" type="titleOnly" preserve="1">
+<p:sldLayout xmlns:a="http://schemas.openxmlformats.org/drawingml/2006/main" xmlns:r="http://schemas.openxmlformats.org/officeDocument/2006/relationships" xmlns:p="http://schemas.openxmlformats.org/presentationml/2006/main" type="titleOnly" preserve="1">
   <p:cSld name="Title Only">
     <p:spTree>
       <p:nvGrpSpPr>
@@ -1186,11 +1328,12 @@
           </a:ln>
         </p:spPr>
         <p:txBody>
-          <a:bodyPr lIns="0" rIns="0" tIns="0" bIns="0" anchor="ctr">
+          <a:bodyPr lIns="0" tIns="0" rIns="0" bIns="0" anchor="ctr">
             <a:noAutofit/>
           </a:bodyPr>
-          <a:p>
-            <a:endParaRPr b="0" lang="es-ES" sz="1800" spc="-1" strike="noStrike">
+          <a:lstStyle/>
+          <a:p>
+            <a:endParaRPr lang="es-ES" sz="1800" b="0" strike="noStrike" spc="-1">
               <a:solidFill>
                 <a:srgbClr val="000000"/>
               </a:solidFill>
@@ -1201,11 +1344,14 @@
       </p:sp>
     </p:spTree>
   </p:cSld>
+  <p:clrMapOvr>
+    <a:masterClrMapping/>
+  </p:clrMapOvr>
 </p:sldLayout>
 </file>
 
 <file path=ppt/slideLayouts/slideLayout18.xml><?xml version="1.0" encoding="utf-8"?>
-<p:sldLayout xmlns:a="http://schemas.openxmlformats.org/drawingml/2006/main" xmlns:p="http://schemas.openxmlformats.org/presentationml/2006/main" xmlns:r="http://schemas.openxmlformats.org/officeDocument/2006/relationships" xmlns:p14="http://schemas.microsoft.com/office/powerpoint/2010/main" xmlns:p15="http://schemas.microsoft.com/office/powerpoint/2012/main" xmlns:mc="http://schemas.openxmlformats.org/markup-compatibility/2006" type="objOnly" preserve="1">
+<p:sldLayout xmlns:a="http://schemas.openxmlformats.org/drawingml/2006/main" xmlns:r="http://schemas.openxmlformats.org/officeDocument/2006/relationships" xmlns:p="http://schemas.openxmlformats.org/presentationml/2006/main" type="objOnly" preserve="1">
   <p:cSld name="Centered Text">
     <p:spTree>
       <p:nvGrpSpPr>
@@ -1245,14 +1391,15 @@
           </a:ln>
         </p:spPr>
         <p:txBody>
-          <a:bodyPr lIns="0" rIns="0" tIns="0" bIns="0" anchor="ctr">
+          <a:bodyPr lIns="0" tIns="0" rIns="0" bIns="0" anchor="ctr">
             <a:noAutofit/>
           </a:bodyPr>
+          <a:lstStyle/>
           <a:p>
             <a:pPr algn="ctr">
               <a:buNone/>
             </a:pPr>
-            <a:endParaRPr b="0" lang="es-ES" sz="3200" spc="-1" strike="noStrike">
+            <a:endParaRPr lang="es-ES" sz="3200" b="0" strike="noStrike" spc="-1">
               <a:latin typeface="Arial"/>
             </a:endParaRPr>
           </a:p>
@@ -1260,11 +1407,14 @@
       </p:sp>
     </p:spTree>
   </p:cSld>
+  <p:clrMapOvr>
+    <a:masterClrMapping/>
+  </p:clrMapOvr>
 </p:sldLayout>
 </file>
 
 <file path=ppt/slideLayouts/slideLayout19.xml><?xml version="1.0" encoding="utf-8"?>
-<p:sldLayout xmlns:a="http://schemas.openxmlformats.org/drawingml/2006/main" xmlns:p="http://schemas.openxmlformats.org/presentationml/2006/main" xmlns:r="http://schemas.openxmlformats.org/officeDocument/2006/relationships" xmlns:p14="http://schemas.microsoft.com/office/powerpoint/2010/main" xmlns:p15="http://schemas.microsoft.com/office/powerpoint/2012/main" xmlns:mc="http://schemas.openxmlformats.org/markup-compatibility/2006" type="twoObjAndObj" preserve="1">
+<p:sldLayout xmlns:a="http://schemas.openxmlformats.org/drawingml/2006/main" xmlns:r="http://schemas.openxmlformats.org/officeDocument/2006/relationships" xmlns:p="http://schemas.openxmlformats.org/presentationml/2006/main" type="twoObjAndObj" preserve="1">
   <p:cSld name="Title, 2 Content and Content">
     <p:spTree>
       <p:nvGrpSpPr>
@@ -1304,11 +1454,12 @@
           </a:ln>
         </p:spPr>
         <p:txBody>
-          <a:bodyPr lIns="0" rIns="0" tIns="0" bIns="0" anchor="ctr">
+          <a:bodyPr lIns="0" tIns="0" rIns="0" bIns="0" anchor="ctr">
             <a:noAutofit/>
           </a:bodyPr>
-          <a:p>
-            <a:endParaRPr b="0" lang="es-ES" sz="1800" spc="-1" strike="noStrike">
+          <a:lstStyle/>
+          <a:p>
+            <a:endParaRPr lang="es-ES" sz="1800" b="0" strike="noStrike" spc="-1">
               <a:solidFill>
                 <a:srgbClr val="000000"/>
               </a:solidFill>
@@ -1341,9 +1492,10 @@
           </a:ln>
         </p:spPr>
         <p:txBody>
-          <a:bodyPr lIns="0" rIns="0" tIns="0" bIns="0" anchor="t">
+          <a:bodyPr lIns="0" tIns="0" rIns="0" bIns="0" anchor="t">
             <a:normAutofit fontScale="19000"/>
           </a:bodyPr>
+          <a:lstStyle/>
           <a:p>
             <a:pPr>
               <a:lnSpc>
@@ -1354,7 +1506,7 @@
               </a:spcBef>
               <a:buNone/>
             </a:pPr>
-            <a:endParaRPr b="0" lang="es-ES" sz="2800" spc="-1" strike="noStrike">
+            <a:endParaRPr lang="es-ES" sz="2800" b="0" strike="noStrike" spc="-1">
               <a:solidFill>
                 <a:srgbClr val="000000"/>
               </a:solidFill>
@@ -1387,9 +1539,10 @@
           </a:ln>
         </p:spPr>
         <p:txBody>
-          <a:bodyPr lIns="0" rIns="0" tIns="0" bIns="0" anchor="t">
+          <a:bodyPr lIns="0" tIns="0" rIns="0" bIns="0" anchor="t">
             <a:normAutofit fontScale="25000"/>
           </a:bodyPr>
+          <a:lstStyle/>
           <a:p>
             <a:pPr>
               <a:lnSpc>
@@ -1400,7 +1553,7 @@
               </a:spcBef>
               <a:buNone/>
             </a:pPr>
-            <a:endParaRPr b="0" lang="es-ES" sz="2800" spc="-1" strike="noStrike">
+            <a:endParaRPr lang="es-ES" sz="2800" b="0" strike="noStrike" spc="-1">
               <a:solidFill>
                 <a:srgbClr val="000000"/>
               </a:solidFill>
@@ -1433,9 +1586,10 @@
           </a:ln>
         </p:spPr>
         <p:txBody>
-          <a:bodyPr lIns="0" rIns="0" tIns="0" bIns="0" anchor="t">
+          <a:bodyPr lIns="0" tIns="0" rIns="0" bIns="0" anchor="t">
             <a:normAutofit fontScale="19000"/>
           </a:bodyPr>
+          <a:lstStyle/>
           <a:p>
             <a:pPr>
               <a:lnSpc>
@@ -1446,7 +1600,7 @@
               </a:spcBef>
               <a:buNone/>
             </a:pPr>
-            <a:endParaRPr b="0" lang="es-ES" sz="2800" spc="-1" strike="noStrike">
+            <a:endParaRPr lang="es-ES" sz="2800" b="0" strike="noStrike" spc="-1">
               <a:solidFill>
                 <a:srgbClr val="000000"/>
               </a:solidFill>
@@ -1457,11 +1611,14 @@
       </p:sp>
     </p:spTree>
   </p:cSld>
+  <p:clrMapOvr>
+    <a:masterClrMapping/>
+  </p:clrMapOvr>
 </p:sldLayout>
 </file>
 
 <file path=ppt/slideLayouts/slideLayout2.xml><?xml version="1.0" encoding="utf-8"?>
-<p:sldLayout xmlns:a="http://schemas.openxmlformats.org/drawingml/2006/main" xmlns:p="http://schemas.openxmlformats.org/presentationml/2006/main" xmlns:r="http://schemas.openxmlformats.org/officeDocument/2006/relationships" xmlns:p14="http://schemas.microsoft.com/office/powerpoint/2010/main" xmlns:p15="http://schemas.microsoft.com/office/powerpoint/2012/main" xmlns:mc="http://schemas.openxmlformats.org/markup-compatibility/2006" type="tx" preserve="1">
+<p:sldLayout xmlns:a="http://schemas.openxmlformats.org/drawingml/2006/main" xmlns:r="http://schemas.openxmlformats.org/officeDocument/2006/relationships" xmlns:p="http://schemas.openxmlformats.org/presentationml/2006/main" type="tx" preserve="1">
   <p:cSld name="Title Slide">
     <p:spTree>
       <p:nvGrpSpPr>
@@ -1501,11 +1658,12 @@
           </a:ln>
         </p:spPr>
         <p:txBody>
-          <a:bodyPr lIns="0" rIns="0" tIns="0" bIns="0" anchor="ctr">
+          <a:bodyPr lIns="0" tIns="0" rIns="0" bIns="0" anchor="ctr">
             <a:noAutofit/>
           </a:bodyPr>
-          <a:p>
-            <a:endParaRPr b="0" lang="es-ES" sz="1800" spc="-1" strike="noStrike">
+          <a:lstStyle/>
+          <a:p>
+            <a:endParaRPr lang="es-ES" sz="1800" b="0" strike="noStrike" spc="-1">
               <a:solidFill>
                 <a:srgbClr val="000000"/>
               </a:solidFill>
@@ -1538,14 +1696,15 @@
           </a:ln>
         </p:spPr>
         <p:txBody>
-          <a:bodyPr lIns="0" rIns="0" tIns="0" bIns="0" anchor="ctr">
+          <a:bodyPr lIns="0" tIns="0" rIns="0" bIns="0" anchor="ctr">
             <a:noAutofit/>
           </a:bodyPr>
+          <a:lstStyle/>
           <a:p>
             <a:pPr algn="ctr">
               <a:buNone/>
             </a:pPr>
-            <a:endParaRPr b="0" lang="es-ES" sz="3200" spc="-1" strike="noStrike">
+            <a:endParaRPr lang="es-ES" sz="3200" b="0" strike="noStrike" spc="-1">
               <a:latin typeface="Arial"/>
             </a:endParaRPr>
           </a:p>
@@ -1553,11 +1712,14 @@
       </p:sp>
     </p:spTree>
   </p:cSld>
+  <p:clrMapOvr>
+    <a:masterClrMapping/>
+  </p:clrMapOvr>
 </p:sldLayout>
 </file>
 
 <file path=ppt/slideLayouts/slideLayout20.xml><?xml version="1.0" encoding="utf-8"?>
-<p:sldLayout xmlns:a="http://schemas.openxmlformats.org/drawingml/2006/main" xmlns:p="http://schemas.openxmlformats.org/presentationml/2006/main" xmlns:r="http://schemas.openxmlformats.org/officeDocument/2006/relationships" xmlns:p14="http://schemas.microsoft.com/office/powerpoint/2010/main" xmlns:p15="http://schemas.microsoft.com/office/powerpoint/2012/main" xmlns:mc="http://schemas.openxmlformats.org/markup-compatibility/2006" type="objAndTwoObj" preserve="1">
+<p:sldLayout xmlns:a="http://schemas.openxmlformats.org/drawingml/2006/main" xmlns:r="http://schemas.openxmlformats.org/officeDocument/2006/relationships" xmlns:p="http://schemas.openxmlformats.org/presentationml/2006/main" type="objAndTwoObj" preserve="1">
   <p:cSld name="Title Content and 2 Content">
     <p:spTree>
       <p:nvGrpSpPr>
@@ -1597,11 +1759,12 @@
           </a:ln>
         </p:spPr>
         <p:txBody>
-          <a:bodyPr lIns="0" rIns="0" tIns="0" bIns="0" anchor="ctr">
+          <a:bodyPr lIns="0" tIns="0" rIns="0" bIns="0" anchor="ctr">
             <a:noAutofit/>
           </a:bodyPr>
-          <a:p>
-            <a:endParaRPr b="0" lang="es-ES" sz="1800" spc="-1" strike="noStrike">
+          <a:lstStyle/>
+          <a:p>
+            <a:endParaRPr lang="es-ES" sz="1800" b="0" strike="noStrike" spc="-1">
               <a:solidFill>
                 <a:srgbClr val="000000"/>
               </a:solidFill>
@@ -1634,9 +1797,10 @@
           </a:ln>
         </p:spPr>
         <p:txBody>
-          <a:bodyPr lIns="0" rIns="0" tIns="0" bIns="0" anchor="t">
+          <a:bodyPr lIns="0" tIns="0" rIns="0" bIns="0" anchor="t">
             <a:normAutofit fontScale="25000"/>
           </a:bodyPr>
+          <a:lstStyle/>
           <a:p>
             <a:pPr>
               <a:lnSpc>
@@ -1647,7 +1811,7 @@
               </a:spcBef>
               <a:buNone/>
             </a:pPr>
-            <a:endParaRPr b="0" lang="es-ES" sz="2800" spc="-1" strike="noStrike">
+            <a:endParaRPr lang="es-ES" sz="2800" b="0" strike="noStrike" spc="-1">
               <a:solidFill>
                 <a:srgbClr val="000000"/>
               </a:solidFill>
@@ -1680,9 +1844,10 @@
           </a:ln>
         </p:spPr>
         <p:txBody>
-          <a:bodyPr lIns="0" rIns="0" tIns="0" bIns="0" anchor="t">
+          <a:bodyPr lIns="0" tIns="0" rIns="0" bIns="0" anchor="t">
             <a:normAutofit fontScale="19000"/>
           </a:bodyPr>
+          <a:lstStyle/>
           <a:p>
             <a:pPr>
               <a:lnSpc>
@@ -1693,7 +1858,7 @@
               </a:spcBef>
               <a:buNone/>
             </a:pPr>
-            <a:endParaRPr b="0" lang="es-ES" sz="2800" spc="-1" strike="noStrike">
+            <a:endParaRPr lang="es-ES" sz="2800" b="0" strike="noStrike" spc="-1">
               <a:solidFill>
                 <a:srgbClr val="000000"/>
               </a:solidFill>
@@ -1726,9 +1891,10 @@
           </a:ln>
         </p:spPr>
         <p:txBody>
-          <a:bodyPr lIns="0" rIns="0" tIns="0" bIns="0" anchor="t">
+          <a:bodyPr lIns="0" tIns="0" rIns="0" bIns="0" anchor="t">
             <a:normAutofit fontScale="19000"/>
           </a:bodyPr>
+          <a:lstStyle/>
           <a:p>
             <a:pPr>
               <a:lnSpc>
@@ -1739,7 +1905,7 @@
               </a:spcBef>
               <a:buNone/>
             </a:pPr>
-            <a:endParaRPr b="0" lang="es-ES" sz="2800" spc="-1" strike="noStrike">
+            <a:endParaRPr lang="es-ES" sz="2800" b="0" strike="noStrike" spc="-1">
               <a:solidFill>
                 <a:srgbClr val="000000"/>
               </a:solidFill>
@@ -1750,11 +1916,14 @@
       </p:sp>
     </p:spTree>
   </p:cSld>
+  <p:clrMapOvr>
+    <a:masterClrMapping/>
+  </p:clrMapOvr>
 </p:sldLayout>
 </file>
 
 <file path=ppt/slideLayouts/slideLayout21.xml><?xml version="1.0" encoding="utf-8"?>
-<p:sldLayout xmlns:a="http://schemas.openxmlformats.org/drawingml/2006/main" xmlns:p="http://schemas.openxmlformats.org/presentationml/2006/main" xmlns:r="http://schemas.openxmlformats.org/officeDocument/2006/relationships" xmlns:p14="http://schemas.microsoft.com/office/powerpoint/2010/main" xmlns:p15="http://schemas.microsoft.com/office/powerpoint/2012/main" xmlns:mc="http://schemas.openxmlformats.org/markup-compatibility/2006" type="twoObjOverTx" preserve="1">
+<p:sldLayout xmlns:a="http://schemas.openxmlformats.org/drawingml/2006/main" xmlns:r="http://schemas.openxmlformats.org/officeDocument/2006/relationships" xmlns:p="http://schemas.openxmlformats.org/presentationml/2006/main" type="twoObjOverTx" preserve="1">
   <p:cSld name="Title, 2 Content over Content">
     <p:spTree>
       <p:nvGrpSpPr>
@@ -1794,11 +1963,12 @@
           </a:ln>
         </p:spPr>
         <p:txBody>
-          <a:bodyPr lIns="0" rIns="0" tIns="0" bIns="0" anchor="ctr">
+          <a:bodyPr lIns="0" tIns="0" rIns="0" bIns="0" anchor="ctr">
             <a:noAutofit/>
           </a:bodyPr>
-          <a:p>
-            <a:endParaRPr b="0" lang="es-ES" sz="1800" spc="-1" strike="noStrike">
+          <a:lstStyle/>
+          <a:p>
+            <a:endParaRPr lang="es-ES" sz="1800" b="0" strike="noStrike" spc="-1">
               <a:solidFill>
                 <a:srgbClr val="000000"/>
               </a:solidFill>
@@ -1831,9 +2001,10 @@
           </a:ln>
         </p:spPr>
         <p:txBody>
-          <a:bodyPr lIns="0" rIns="0" tIns="0" bIns="0" anchor="t">
+          <a:bodyPr lIns="0" tIns="0" rIns="0" bIns="0" anchor="t">
             <a:normAutofit fontScale="19000"/>
           </a:bodyPr>
+          <a:lstStyle/>
           <a:p>
             <a:pPr>
               <a:lnSpc>
@@ -1844,7 +2015,7 @@
               </a:spcBef>
               <a:buNone/>
             </a:pPr>
-            <a:endParaRPr b="0" lang="es-ES" sz="2800" spc="-1" strike="noStrike">
+            <a:endParaRPr lang="es-ES" sz="2800" b="0" strike="noStrike" spc="-1">
               <a:solidFill>
                 <a:srgbClr val="000000"/>
               </a:solidFill>
@@ -1877,9 +2048,10 @@
           </a:ln>
         </p:spPr>
         <p:txBody>
-          <a:bodyPr lIns="0" rIns="0" tIns="0" bIns="0" anchor="t">
+          <a:bodyPr lIns="0" tIns="0" rIns="0" bIns="0" anchor="t">
             <a:normAutofit fontScale="19000"/>
           </a:bodyPr>
+          <a:lstStyle/>
           <a:p>
             <a:pPr>
               <a:lnSpc>
@@ -1890,7 +2062,7 @@
               </a:spcBef>
               <a:buNone/>
             </a:pPr>
-            <a:endParaRPr b="0" lang="es-ES" sz="2800" spc="-1" strike="noStrike">
+            <a:endParaRPr lang="es-ES" sz="2800" b="0" strike="noStrike" spc="-1">
               <a:solidFill>
                 <a:srgbClr val="000000"/>
               </a:solidFill>
@@ -1923,9 +2095,10 @@
           </a:ln>
         </p:spPr>
         <p:txBody>
-          <a:bodyPr lIns="0" rIns="0" tIns="0" bIns="0" anchor="t">
+          <a:bodyPr lIns="0" tIns="0" rIns="0" bIns="0" anchor="t">
             <a:normAutofit fontScale="24000"/>
           </a:bodyPr>
+          <a:lstStyle/>
           <a:p>
             <a:pPr>
               <a:lnSpc>
@@ -1936,7 +2109,7 @@
               </a:spcBef>
               <a:buNone/>
             </a:pPr>
-            <a:endParaRPr b="0" lang="es-ES" sz="2800" spc="-1" strike="noStrike">
+            <a:endParaRPr lang="es-ES" sz="2800" b="0" strike="noStrike" spc="-1">
               <a:solidFill>
                 <a:srgbClr val="000000"/>
               </a:solidFill>
@@ -1947,11 +2120,14 @@
       </p:sp>
     </p:spTree>
   </p:cSld>
+  <p:clrMapOvr>
+    <a:masterClrMapping/>
+  </p:clrMapOvr>
 </p:sldLayout>
 </file>
 
 <file path=ppt/slideLayouts/slideLayout22.xml><?xml version="1.0" encoding="utf-8"?>
-<p:sldLayout xmlns:a="http://schemas.openxmlformats.org/drawingml/2006/main" xmlns:p="http://schemas.openxmlformats.org/presentationml/2006/main" xmlns:r="http://schemas.openxmlformats.org/officeDocument/2006/relationships" xmlns:p14="http://schemas.microsoft.com/office/powerpoint/2010/main" xmlns:p15="http://schemas.microsoft.com/office/powerpoint/2012/main" xmlns:mc="http://schemas.openxmlformats.org/markup-compatibility/2006" type="objOverTx" preserve="1">
+<p:sldLayout xmlns:a="http://schemas.openxmlformats.org/drawingml/2006/main" xmlns:r="http://schemas.openxmlformats.org/officeDocument/2006/relationships" xmlns:p="http://schemas.openxmlformats.org/presentationml/2006/main" type="objOverTx" preserve="1">
   <p:cSld name="Title, Content over Content">
     <p:spTree>
       <p:nvGrpSpPr>
@@ -1991,11 +2167,12 @@
           </a:ln>
         </p:spPr>
         <p:txBody>
-          <a:bodyPr lIns="0" rIns="0" tIns="0" bIns="0" anchor="ctr">
+          <a:bodyPr lIns="0" tIns="0" rIns="0" bIns="0" anchor="ctr">
             <a:noAutofit/>
           </a:bodyPr>
-          <a:p>
-            <a:endParaRPr b="0" lang="es-ES" sz="1800" spc="-1" strike="noStrike">
+          <a:lstStyle/>
+          <a:p>
+            <a:endParaRPr lang="es-ES" sz="1800" b="0" strike="noStrike" spc="-1">
               <a:solidFill>
                 <a:srgbClr val="000000"/>
               </a:solidFill>
@@ -2028,9 +2205,10 @@
           </a:ln>
         </p:spPr>
         <p:txBody>
-          <a:bodyPr lIns="0" rIns="0" tIns="0" bIns="0" anchor="t">
+          <a:bodyPr lIns="0" tIns="0" rIns="0" bIns="0" anchor="t">
             <a:normAutofit fontScale="24000"/>
           </a:bodyPr>
+          <a:lstStyle/>
           <a:p>
             <a:pPr>
               <a:lnSpc>
@@ -2041,7 +2219,7 @@
               </a:spcBef>
               <a:buNone/>
             </a:pPr>
-            <a:endParaRPr b="0" lang="es-ES" sz="2800" spc="-1" strike="noStrike">
+            <a:endParaRPr lang="es-ES" sz="2800" b="0" strike="noStrike" spc="-1">
               <a:solidFill>
                 <a:srgbClr val="000000"/>
               </a:solidFill>
@@ -2074,9 +2252,10 @@
           </a:ln>
         </p:spPr>
         <p:txBody>
-          <a:bodyPr lIns="0" rIns="0" tIns="0" bIns="0" anchor="t">
+          <a:bodyPr lIns="0" tIns="0" rIns="0" bIns="0" anchor="t">
             <a:normAutofit fontScale="24000"/>
           </a:bodyPr>
+          <a:lstStyle/>
           <a:p>
             <a:pPr>
               <a:lnSpc>
@@ -2087,7 +2266,7 @@
               </a:spcBef>
               <a:buNone/>
             </a:pPr>
-            <a:endParaRPr b="0" lang="es-ES" sz="2800" spc="-1" strike="noStrike">
+            <a:endParaRPr lang="es-ES" sz="2800" b="0" strike="noStrike" spc="-1">
               <a:solidFill>
                 <a:srgbClr val="000000"/>
               </a:solidFill>
@@ -2098,11 +2277,14 @@
       </p:sp>
     </p:spTree>
   </p:cSld>
+  <p:clrMapOvr>
+    <a:masterClrMapping/>
+  </p:clrMapOvr>
 </p:sldLayout>
 </file>
 
 <file path=ppt/slideLayouts/slideLayout23.xml><?xml version="1.0" encoding="utf-8"?>
-<p:sldLayout xmlns:a="http://schemas.openxmlformats.org/drawingml/2006/main" xmlns:p="http://schemas.openxmlformats.org/presentationml/2006/main" xmlns:r="http://schemas.openxmlformats.org/officeDocument/2006/relationships" xmlns:p14="http://schemas.microsoft.com/office/powerpoint/2010/main" xmlns:p15="http://schemas.microsoft.com/office/powerpoint/2012/main" xmlns:mc="http://schemas.openxmlformats.org/markup-compatibility/2006" type="fourObj" preserve="1">
+<p:sldLayout xmlns:a="http://schemas.openxmlformats.org/drawingml/2006/main" xmlns:r="http://schemas.openxmlformats.org/officeDocument/2006/relationships" xmlns:p="http://schemas.openxmlformats.org/presentationml/2006/main" type="fourObj" preserve="1">
   <p:cSld name="Title, 4 Content">
     <p:spTree>
       <p:nvGrpSpPr>
@@ -2142,11 +2324,12 @@
           </a:ln>
         </p:spPr>
         <p:txBody>
-          <a:bodyPr lIns="0" rIns="0" tIns="0" bIns="0" anchor="ctr">
+          <a:bodyPr lIns="0" tIns="0" rIns="0" bIns="0" anchor="ctr">
             <a:noAutofit/>
           </a:bodyPr>
-          <a:p>
-            <a:endParaRPr b="0" lang="es-ES" sz="1800" spc="-1" strike="noStrike">
+          <a:lstStyle/>
+          <a:p>
+            <a:endParaRPr lang="es-ES" sz="1800" b="0" strike="noStrike" spc="-1">
               <a:solidFill>
                 <a:srgbClr val="000000"/>
               </a:solidFill>
@@ -2179,9 +2362,10 @@
           </a:ln>
         </p:spPr>
         <p:txBody>
-          <a:bodyPr lIns="0" rIns="0" tIns="0" bIns="0" anchor="t">
+          <a:bodyPr lIns="0" tIns="0" rIns="0" bIns="0" anchor="t">
             <a:normAutofit fontScale="19000"/>
           </a:bodyPr>
+          <a:lstStyle/>
           <a:p>
             <a:pPr>
               <a:lnSpc>
@@ -2192,7 +2376,7 @@
               </a:spcBef>
               <a:buNone/>
             </a:pPr>
-            <a:endParaRPr b="0" lang="es-ES" sz="2800" spc="-1" strike="noStrike">
+            <a:endParaRPr lang="es-ES" sz="2800" b="0" strike="noStrike" spc="-1">
               <a:solidFill>
                 <a:srgbClr val="000000"/>
               </a:solidFill>
@@ -2225,9 +2409,10 @@
           </a:ln>
         </p:spPr>
         <p:txBody>
-          <a:bodyPr lIns="0" rIns="0" tIns="0" bIns="0" anchor="t">
+          <a:bodyPr lIns="0" tIns="0" rIns="0" bIns="0" anchor="t">
             <a:normAutofit fontScale="19000"/>
           </a:bodyPr>
+          <a:lstStyle/>
           <a:p>
             <a:pPr>
               <a:lnSpc>
@@ -2238,7 +2423,7 @@
               </a:spcBef>
               <a:buNone/>
             </a:pPr>
-            <a:endParaRPr b="0" lang="es-ES" sz="2800" spc="-1" strike="noStrike">
+            <a:endParaRPr lang="es-ES" sz="2800" b="0" strike="noStrike" spc="-1">
               <a:solidFill>
                 <a:srgbClr val="000000"/>
               </a:solidFill>
@@ -2271,9 +2456,10 @@
           </a:ln>
         </p:spPr>
         <p:txBody>
-          <a:bodyPr lIns="0" rIns="0" tIns="0" bIns="0" anchor="t">
+          <a:bodyPr lIns="0" tIns="0" rIns="0" bIns="0" anchor="t">
             <a:normAutofit fontScale="19000"/>
           </a:bodyPr>
+          <a:lstStyle/>
           <a:p>
             <a:pPr>
               <a:lnSpc>
@@ -2284,7 +2470,7 @@
               </a:spcBef>
               <a:buNone/>
             </a:pPr>
-            <a:endParaRPr b="0" lang="es-ES" sz="2800" spc="-1" strike="noStrike">
+            <a:endParaRPr lang="es-ES" sz="2800" b="0" strike="noStrike" spc="-1">
               <a:solidFill>
                 <a:srgbClr val="000000"/>
               </a:solidFill>
@@ -2317,9 +2503,10 @@
           </a:ln>
         </p:spPr>
         <p:txBody>
-          <a:bodyPr lIns="0" rIns="0" tIns="0" bIns="0" anchor="t">
+          <a:bodyPr lIns="0" tIns="0" rIns="0" bIns="0" anchor="t">
             <a:normAutofit fontScale="19000"/>
           </a:bodyPr>
+          <a:lstStyle/>
           <a:p>
             <a:pPr>
               <a:lnSpc>
@@ -2330,7 +2517,7 @@
               </a:spcBef>
               <a:buNone/>
             </a:pPr>
-            <a:endParaRPr b="0" lang="es-ES" sz="2800" spc="-1" strike="noStrike">
+            <a:endParaRPr lang="es-ES" sz="2800" b="0" strike="noStrike" spc="-1">
               <a:solidFill>
                 <a:srgbClr val="000000"/>
               </a:solidFill>
@@ -2341,11 +2528,14 @@
       </p:sp>
     </p:spTree>
   </p:cSld>
+  <p:clrMapOvr>
+    <a:masterClrMapping/>
+  </p:clrMapOvr>
 </p:sldLayout>
 </file>
 
 <file path=ppt/slideLayouts/slideLayout24.xml><?xml version="1.0" encoding="utf-8"?>
-<p:sldLayout xmlns:a="http://schemas.openxmlformats.org/drawingml/2006/main" xmlns:p="http://schemas.openxmlformats.org/presentationml/2006/main" xmlns:r="http://schemas.openxmlformats.org/officeDocument/2006/relationships" xmlns:p14="http://schemas.microsoft.com/office/powerpoint/2010/main" xmlns:p15="http://schemas.microsoft.com/office/powerpoint/2012/main" xmlns:mc="http://schemas.openxmlformats.org/markup-compatibility/2006" type="blank" preserve="1">
+<p:sldLayout xmlns:a="http://schemas.openxmlformats.org/drawingml/2006/main" xmlns:r="http://schemas.openxmlformats.org/officeDocument/2006/relationships" xmlns:p="http://schemas.openxmlformats.org/presentationml/2006/main" type="blank" preserve="1">
   <p:cSld name="Title, 6 Content">
     <p:spTree>
       <p:nvGrpSpPr>
@@ -2385,11 +2575,12 @@
           </a:ln>
         </p:spPr>
         <p:txBody>
-          <a:bodyPr lIns="0" rIns="0" tIns="0" bIns="0" anchor="ctr">
+          <a:bodyPr lIns="0" tIns="0" rIns="0" bIns="0" anchor="ctr">
             <a:noAutofit/>
           </a:bodyPr>
-          <a:p>
-            <a:endParaRPr b="0" lang="es-ES" sz="1800" spc="-1" strike="noStrike">
+          <a:lstStyle/>
+          <a:p>
+            <a:endParaRPr lang="es-ES" sz="1800" b="0" strike="noStrike" spc="-1">
               <a:solidFill>
                 <a:srgbClr val="000000"/>
               </a:solidFill>
@@ -2422,9 +2613,10 @@
           </a:ln>
         </p:spPr>
         <p:txBody>
-          <a:bodyPr lIns="0" rIns="0" tIns="0" bIns="0" anchor="t">
+          <a:bodyPr lIns="0" tIns="0" rIns="0" bIns="0" anchor="t">
             <a:normAutofit fontScale="14000"/>
           </a:bodyPr>
+          <a:lstStyle/>
           <a:p>
             <a:pPr>
               <a:lnSpc>
@@ -2435,7 +2627,7 @@
               </a:spcBef>
               <a:buNone/>
             </a:pPr>
-            <a:endParaRPr b="0" lang="es-ES" sz="2800" spc="-1" strike="noStrike">
+            <a:endParaRPr lang="es-ES" sz="2800" b="0" strike="noStrike" spc="-1">
               <a:solidFill>
                 <a:srgbClr val="000000"/>
               </a:solidFill>
@@ -2468,9 +2660,10 @@
           </a:ln>
         </p:spPr>
         <p:txBody>
-          <a:bodyPr lIns="0" rIns="0" tIns="0" bIns="0" anchor="t">
+          <a:bodyPr lIns="0" tIns="0" rIns="0" bIns="0" anchor="t">
             <a:normAutofit fontScale="14000"/>
           </a:bodyPr>
+          <a:lstStyle/>
           <a:p>
             <a:pPr>
               <a:lnSpc>
@@ -2481,7 +2674,7 @@
               </a:spcBef>
               <a:buNone/>
             </a:pPr>
-            <a:endParaRPr b="0" lang="es-ES" sz="2800" spc="-1" strike="noStrike">
+            <a:endParaRPr lang="es-ES" sz="2800" b="0" strike="noStrike" spc="-1">
               <a:solidFill>
                 <a:srgbClr val="000000"/>
               </a:solidFill>
@@ -2514,9 +2707,10 @@
           </a:ln>
         </p:spPr>
         <p:txBody>
-          <a:bodyPr lIns="0" rIns="0" tIns="0" bIns="0" anchor="t">
+          <a:bodyPr lIns="0" tIns="0" rIns="0" bIns="0" anchor="t">
             <a:normAutofit fontScale="14000"/>
           </a:bodyPr>
+          <a:lstStyle/>
           <a:p>
             <a:pPr>
               <a:lnSpc>
@@ -2527,7 +2721,7 @@
               </a:spcBef>
               <a:buNone/>
             </a:pPr>
-            <a:endParaRPr b="0" lang="es-ES" sz="2800" spc="-1" strike="noStrike">
+            <a:endParaRPr lang="es-ES" sz="2800" b="0" strike="noStrike" spc="-1">
               <a:solidFill>
                 <a:srgbClr val="000000"/>
               </a:solidFill>
@@ -2560,9 +2754,10 @@
           </a:ln>
         </p:spPr>
         <p:txBody>
-          <a:bodyPr lIns="0" rIns="0" tIns="0" bIns="0" anchor="t">
+          <a:bodyPr lIns="0" tIns="0" rIns="0" bIns="0" anchor="t">
             <a:normAutofit fontScale="14000"/>
           </a:bodyPr>
+          <a:lstStyle/>
           <a:p>
             <a:pPr>
               <a:lnSpc>
@@ -2573,7 +2768,7 @@
               </a:spcBef>
               <a:buNone/>
             </a:pPr>
-            <a:endParaRPr b="0" lang="es-ES" sz="2800" spc="-1" strike="noStrike">
+            <a:endParaRPr lang="es-ES" sz="2800" b="0" strike="noStrike" spc="-1">
               <a:solidFill>
                 <a:srgbClr val="000000"/>
               </a:solidFill>
@@ -2606,9 +2801,10 @@
           </a:ln>
         </p:spPr>
         <p:txBody>
-          <a:bodyPr lIns="0" rIns="0" tIns="0" bIns="0" anchor="t">
+          <a:bodyPr lIns="0" tIns="0" rIns="0" bIns="0" anchor="t">
             <a:normAutofit fontScale="14000"/>
           </a:bodyPr>
+          <a:lstStyle/>
           <a:p>
             <a:pPr>
               <a:lnSpc>
@@ -2619,7 +2815,7 @@
               </a:spcBef>
               <a:buNone/>
             </a:pPr>
-            <a:endParaRPr b="0" lang="es-ES" sz="2800" spc="-1" strike="noStrike">
+            <a:endParaRPr lang="es-ES" sz="2800" b="0" strike="noStrike" spc="-1">
               <a:solidFill>
                 <a:srgbClr val="000000"/>
               </a:solidFill>
@@ -2652,9 +2848,10 @@
           </a:ln>
         </p:spPr>
         <p:txBody>
-          <a:bodyPr lIns="0" rIns="0" tIns="0" bIns="0" anchor="t">
+          <a:bodyPr lIns="0" tIns="0" rIns="0" bIns="0" anchor="t">
             <a:normAutofit fontScale="14000"/>
           </a:bodyPr>
+          <a:lstStyle/>
           <a:p>
             <a:pPr>
               <a:lnSpc>
@@ -2665,7 +2862,7 @@
               </a:spcBef>
               <a:buNone/>
             </a:pPr>
-            <a:endParaRPr b="0" lang="es-ES" sz="2800" spc="-1" strike="noStrike">
+            <a:endParaRPr lang="es-ES" sz="2800" b="0" strike="noStrike" spc="-1">
               <a:solidFill>
                 <a:srgbClr val="000000"/>
               </a:solidFill>
@@ -2676,11 +2873,14 @@
       </p:sp>
     </p:spTree>
   </p:cSld>
+  <p:clrMapOvr>
+    <a:masterClrMapping/>
+  </p:clrMapOvr>
 </p:sldLayout>
 </file>
 
 <file path=ppt/slideLayouts/slideLayout25.xml><?xml version="1.0" encoding="utf-8"?>
-<p:sldLayout xmlns:a="http://schemas.openxmlformats.org/drawingml/2006/main" xmlns:p="http://schemas.openxmlformats.org/presentationml/2006/main" xmlns:r="http://schemas.openxmlformats.org/officeDocument/2006/relationships" xmlns:p14="http://schemas.microsoft.com/office/powerpoint/2010/main" xmlns:p15="http://schemas.microsoft.com/office/powerpoint/2012/main" xmlns:mc="http://schemas.openxmlformats.org/markup-compatibility/2006" type="blank" preserve="1">
+<p:sldLayout xmlns:a="http://schemas.openxmlformats.org/drawingml/2006/main" xmlns:r="http://schemas.openxmlformats.org/officeDocument/2006/relationships" xmlns:p="http://schemas.openxmlformats.org/presentationml/2006/main" type="blank" preserve="1">
   <p:cSld name="Blank Slide">
     <p:spTree>
       <p:nvGrpSpPr>
@@ -2698,11 +2898,14 @@
       </p:grpSpPr>
     </p:spTree>
   </p:cSld>
+  <p:clrMapOvr>
+    <a:masterClrMapping/>
+  </p:clrMapOvr>
 </p:sldLayout>
 </file>
 
 <file path=ppt/slideLayouts/slideLayout26.xml><?xml version="1.0" encoding="utf-8"?>
-<p:sldLayout xmlns:a="http://schemas.openxmlformats.org/drawingml/2006/main" xmlns:p="http://schemas.openxmlformats.org/presentationml/2006/main" xmlns:r="http://schemas.openxmlformats.org/officeDocument/2006/relationships" xmlns:p14="http://schemas.microsoft.com/office/powerpoint/2010/main" xmlns:p15="http://schemas.microsoft.com/office/powerpoint/2012/main" xmlns:mc="http://schemas.openxmlformats.org/markup-compatibility/2006" type="tx" preserve="1">
+<p:sldLayout xmlns:a="http://schemas.openxmlformats.org/drawingml/2006/main" xmlns:r="http://schemas.openxmlformats.org/officeDocument/2006/relationships" xmlns:p="http://schemas.openxmlformats.org/presentationml/2006/main" type="tx" preserve="1">
   <p:cSld name="Title Slide">
     <p:spTree>
       <p:nvGrpSpPr>
@@ -2742,11 +2945,12 @@
           </a:ln>
         </p:spPr>
         <p:txBody>
-          <a:bodyPr lIns="0" rIns="0" tIns="0" bIns="0" anchor="ctr">
+          <a:bodyPr lIns="0" tIns="0" rIns="0" bIns="0" anchor="ctr">
             <a:noAutofit/>
           </a:bodyPr>
-          <a:p>
-            <a:endParaRPr b="0" lang="es-ES" sz="1800" spc="-1" strike="noStrike">
+          <a:lstStyle/>
+          <a:p>
+            <a:endParaRPr lang="es-ES" sz="1800" b="0" strike="noStrike" spc="-1">
               <a:solidFill>
                 <a:srgbClr val="000000"/>
               </a:solidFill>
@@ -2779,14 +2983,15 @@
           </a:ln>
         </p:spPr>
         <p:txBody>
-          <a:bodyPr lIns="0" rIns="0" tIns="0" bIns="0" anchor="ctr">
+          <a:bodyPr lIns="0" tIns="0" rIns="0" bIns="0" anchor="ctr">
             <a:noAutofit/>
           </a:bodyPr>
+          <a:lstStyle/>
           <a:p>
             <a:pPr algn="ctr">
               <a:buNone/>
             </a:pPr>
-            <a:endParaRPr b="0" lang="es-ES" sz="3200" spc="-1" strike="noStrike">
+            <a:endParaRPr lang="es-ES" sz="3200" b="0" strike="noStrike" spc="-1">
               <a:latin typeface="Arial"/>
             </a:endParaRPr>
           </a:p>
@@ -2794,11 +2999,14 @@
       </p:sp>
     </p:spTree>
   </p:cSld>
+  <p:clrMapOvr>
+    <a:masterClrMapping/>
+  </p:clrMapOvr>
 </p:sldLayout>
 </file>
 
 <file path=ppt/slideLayouts/slideLayout27.xml><?xml version="1.0" encoding="utf-8"?>
-<p:sldLayout xmlns:a="http://schemas.openxmlformats.org/drawingml/2006/main" xmlns:p="http://schemas.openxmlformats.org/presentationml/2006/main" xmlns:r="http://schemas.openxmlformats.org/officeDocument/2006/relationships" xmlns:p14="http://schemas.microsoft.com/office/powerpoint/2010/main" xmlns:p15="http://schemas.microsoft.com/office/powerpoint/2012/main" xmlns:mc="http://schemas.openxmlformats.org/markup-compatibility/2006" type="obj" preserve="1">
+<p:sldLayout xmlns:a="http://schemas.openxmlformats.org/drawingml/2006/main" xmlns:r="http://schemas.openxmlformats.org/officeDocument/2006/relationships" xmlns:p="http://schemas.openxmlformats.org/presentationml/2006/main" type="obj" preserve="1">
   <p:cSld name="Title, Content">
     <p:spTree>
       <p:nvGrpSpPr>
@@ -2838,11 +3046,12 @@
           </a:ln>
         </p:spPr>
         <p:txBody>
-          <a:bodyPr lIns="0" rIns="0" tIns="0" bIns="0" anchor="ctr">
+          <a:bodyPr lIns="0" tIns="0" rIns="0" bIns="0" anchor="ctr">
             <a:noAutofit/>
           </a:bodyPr>
-          <a:p>
-            <a:endParaRPr b="0" lang="es-ES" sz="1800" spc="-1" strike="noStrike">
+          <a:lstStyle/>
+          <a:p>
+            <a:endParaRPr lang="es-ES" sz="1800" b="0" strike="noStrike" spc="-1">
               <a:solidFill>
                 <a:srgbClr val="000000"/>
               </a:solidFill>
@@ -2875,9 +3084,10 @@
           </a:ln>
         </p:spPr>
         <p:txBody>
-          <a:bodyPr lIns="0" rIns="0" tIns="0" bIns="0" anchor="t">
+          <a:bodyPr lIns="0" tIns="0" rIns="0" bIns="0" anchor="t">
             <a:normAutofit fontScale="39000"/>
           </a:bodyPr>
+          <a:lstStyle/>
           <a:p>
             <a:pPr>
               <a:lnSpc>
@@ -2888,7 +3098,7 @@
               </a:spcBef>
               <a:buNone/>
             </a:pPr>
-            <a:endParaRPr b="0" lang="es-ES" sz="2800" spc="-1" strike="noStrike">
+            <a:endParaRPr lang="es-ES" sz="2800" b="0" strike="noStrike" spc="-1">
               <a:solidFill>
                 <a:srgbClr val="000000"/>
               </a:solidFill>
@@ -2899,11 +3109,14 @@
       </p:sp>
     </p:spTree>
   </p:cSld>
+  <p:clrMapOvr>
+    <a:masterClrMapping/>
+  </p:clrMapOvr>
 </p:sldLayout>
 </file>
 
 <file path=ppt/slideLayouts/slideLayout28.xml><?xml version="1.0" encoding="utf-8"?>
-<p:sldLayout xmlns:a="http://schemas.openxmlformats.org/drawingml/2006/main" xmlns:p="http://schemas.openxmlformats.org/presentationml/2006/main" xmlns:r="http://schemas.openxmlformats.org/officeDocument/2006/relationships" xmlns:p14="http://schemas.microsoft.com/office/powerpoint/2010/main" xmlns:p15="http://schemas.microsoft.com/office/powerpoint/2012/main" xmlns:mc="http://schemas.openxmlformats.org/markup-compatibility/2006" type="twoObj" preserve="1">
+<p:sldLayout xmlns:a="http://schemas.openxmlformats.org/drawingml/2006/main" xmlns:r="http://schemas.openxmlformats.org/officeDocument/2006/relationships" xmlns:p="http://schemas.openxmlformats.org/presentationml/2006/main" type="twoObj" preserve="1">
   <p:cSld name="Title, 2 Content">
     <p:spTree>
       <p:nvGrpSpPr>
@@ -2943,11 +3156,12 @@
           </a:ln>
         </p:spPr>
         <p:txBody>
-          <a:bodyPr lIns="0" rIns="0" tIns="0" bIns="0" anchor="ctr">
+          <a:bodyPr lIns="0" tIns="0" rIns="0" bIns="0" anchor="ctr">
             <a:noAutofit/>
           </a:bodyPr>
-          <a:p>
-            <a:endParaRPr b="0" lang="es-ES" sz="1800" spc="-1" strike="noStrike">
+          <a:lstStyle/>
+          <a:p>
+            <a:endParaRPr lang="es-ES" sz="1800" b="0" strike="noStrike" spc="-1">
               <a:solidFill>
                 <a:srgbClr val="000000"/>
               </a:solidFill>
@@ -2980,9 +3194,10 @@
           </a:ln>
         </p:spPr>
         <p:txBody>
-          <a:bodyPr lIns="0" rIns="0" tIns="0" bIns="0" anchor="t">
+          <a:bodyPr lIns="0" tIns="0" rIns="0" bIns="0" anchor="t">
             <a:normAutofit fontScale="25000"/>
           </a:bodyPr>
+          <a:lstStyle/>
           <a:p>
             <a:pPr>
               <a:lnSpc>
@@ -2993,7 +3208,7 @@
               </a:spcBef>
               <a:buNone/>
             </a:pPr>
-            <a:endParaRPr b="0" lang="es-ES" sz="2800" spc="-1" strike="noStrike">
+            <a:endParaRPr lang="es-ES" sz="2800" b="0" strike="noStrike" spc="-1">
               <a:solidFill>
                 <a:srgbClr val="000000"/>
               </a:solidFill>
@@ -3026,9 +3241,10 @@
           </a:ln>
         </p:spPr>
         <p:txBody>
-          <a:bodyPr lIns="0" rIns="0" tIns="0" bIns="0" anchor="t">
+          <a:bodyPr lIns="0" tIns="0" rIns="0" bIns="0" anchor="t">
             <a:normAutofit fontScale="25000"/>
           </a:bodyPr>
+          <a:lstStyle/>
           <a:p>
             <a:pPr>
               <a:lnSpc>
@@ -3039,7 +3255,7 @@
               </a:spcBef>
               <a:buNone/>
             </a:pPr>
-            <a:endParaRPr b="0" lang="es-ES" sz="2800" spc="-1" strike="noStrike">
+            <a:endParaRPr lang="es-ES" sz="2800" b="0" strike="noStrike" spc="-1">
               <a:solidFill>
                 <a:srgbClr val="000000"/>
               </a:solidFill>
@@ -3050,11 +3266,14 @@
       </p:sp>
     </p:spTree>
   </p:cSld>
+  <p:clrMapOvr>
+    <a:masterClrMapping/>
+  </p:clrMapOvr>
 </p:sldLayout>
 </file>
 
 <file path=ppt/slideLayouts/slideLayout29.xml><?xml version="1.0" encoding="utf-8"?>
-<p:sldLayout xmlns:a="http://schemas.openxmlformats.org/drawingml/2006/main" xmlns:p="http://schemas.openxmlformats.org/presentationml/2006/main" xmlns:r="http://schemas.openxmlformats.org/officeDocument/2006/relationships" xmlns:p14="http://schemas.microsoft.com/office/powerpoint/2010/main" xmlns:p15="http://schemas.microsoft.com/office/powerpoint/2012/main" xmlns:mc="http://schemas.openxmlformats.org/markup-compatibility/2006" type="titleOnly" preserve="1">
+<p:sldLayout xmlns:a="http://schemas.openxmlformats.org/drawingml/2006/main" xmlns:r="http://schemas.openxmlformats.org/officeDocument/2006/relationships" xmlns:p="http://schemas.openxmlformats.org/presentationml/2006/main" type="titleOnly" preserve="1">
   <p:cSld name="Title Only">
     <p:spTree>
       <p:nvGrpSpPr>
@@ -3094,11 +3313,12 @@
           </a:ln>
         </p:spPr>
         <p:txBody>
-          <a:bodyPr lIns="0" rIns="0" tIns="0" bIns="0" anchor="ctr">
+          <a:bodyPr lIns="0" tIns="0" rIns="0" bIns="0" anchor="ctr">
             <a:noAutofit/>
           </a:bodyPr>
-          <a:p>
-            <a:endParaRPr b="0" lang="es-ES" sz="1800" spc="-1" strike="noStrike">
+          <a:lstStyle/>
+          <a:p>
+            <a:endParaRPr lang="es-ES" sz="1800" b="0" strike="noStrike" spc="-1">
               <a:solidFill>
                 <a:srgbClr val="000000"/>
               </a:solidFill>
@@ -3109,11 +3329,14 @@
       </p:sp>
     </p:spTree>
   </p:cSld>
+  <p:clrMapOvr>
+    <a:masterClrMapping/>
+  </p:clrMapOvr>
 </p:sldLayout>
 </file>
 
 <file path=ppt/slideLayouts/slideLayout3.xml><?xml version="1.0" encoding="utf-8"?>
-<p:sldLayout xmlns:a="http://schemas.openxmlformats.org/drawingml/2006/main" xmlns:p="http://schemas.openxmlformats.org/presentationml/2006/main" xmlns:r="http://schemas.openxmlformats.org/officeDocument/2006/relationships" xmlns:p14="http://schemas.microsoft.com/office/powerpoint/2010/main" xmlns:p15="http://schemas.microsoft.com/office/powerpoint/2012/main" xmlns:mc="http://schemas.openxmlformats.org/markup-compatibility/2006" type="obj" preserve="1">
+<p:sldLayout xmlns:a="http://schemas.openxmlformats.org/drawingml/2006/main" xmlns:r="http://schemas.openxmlformats.org/officeDocument/2006/relationships" xmlns:p="http://schemas.openxmlformats.org/presentationml/2006/main" type="obj" preserve="1">
   <p:cSld name="Title, Content">
     <p:spTree>
       <p:nvGrpSpPr>
@@ -3153,11 +3376,12 @@
           </a:ln>
         </p:spPr>
         <p:txBody>
-          <a:bodyPr lIns="0" rIns="0" tIns="0" bIns="0" anchor="ctr">
+          <a:bodyPr lIns="0" tIns="0" rIns="0" bIns="0" anchor="ctr">
             <a:noAutofit/>
           </a:bodyPr>
-          <a:p>
-            <a:endParaRPr b="0" lang="es-ES" sz="1800" spc="-1" strike="noStrike">
+          <a:lstStyle/>
+          <a:p>
+            <a:endParaRPr lang="es-ES" sz="1800" b="0" strike="noStrike" spc="-1">
               <a:solidFill>
                 <a:srgbClr val="000000"/>
               </a:solidFill>
@@ -3190,9 +3414,10 @@
           </a:ln>
         </p:spPr>
         <p:txBody>
-          <a:bodyPr lIns="0" rIns="0" tIns="0" bIns="0" anchor="t">
+          <a:bodyPr lIns="0" tIns="0" rIns="0" bIns="0" anchor="t">
             <a:normAutofit fontScale="39000"/>
           </a:bodyPr>
+          <a:lstStyle/>
           <a:p>
             <a:pPr>
               <a:lnSpc>
@@ -3203,7 +3428,7 @@
               </a:spcBef>
               <a:buNone/>
             </a:pPr>
-            <a:endParaRPr b="0" lang="es-ES" sz="2800" spc="-1" strike="noStrike">
+            <a:endParaRPr lang="es-ES" sz="2800" b="0" strike="noStrike" spc="-1">
               <a:solidFill>
                 <a:srgbClr val="000000"/>
               </a:solidFill>
@@ -3214,11 +3439,14 @@
       </p:sp>
     </p:spTree>
   </p:cSld>
+  <p:clrMapOvr>
+    <a:masterClrMapping/>
+  </p:clrMapOvr>
 </p:sldLayout>
 </file>
 
 <file path=ppt/slideLayouts/slideLayout30.xml><?xml version="1.0" encoding="utf-8"?>
-<p:sldLayout xmlns:a="http://schemas.openxmlformats.org/drawingml/2006/main" xmlns:p="http://schemas.openxmlformats.org/presentationml/2006/main" xmlns:r="http://schemas.openxmlformats.org/officeDocument/2006/relationships" xmlns:p14="http://schemas.microsoft.com/office/powerpoint/2010/main" xmlns:p15="http://schemas.microsoft.com/office/powerpoint/2012/main" xmlns:mc="http://schemas.openxmlformats.org/markup-compatibility/2006" type="objOnly" preserve="1">
+<p:sldLayout xmlns:a="http://schemas.openxmlformats.org/drawingml/2006/main" xmlns:r="http://schemas.openxmlformats.org/officeDocument/2006/relationships" xmlns:p="http://schemas.openxmlformats.org/presentationml/2006/main" type="objOnly" preserve="1">
   <p:cSld name="Centered Text">
     <p:spTree>
       <p:nvGrpSpPr>
@@ -3258,14 +3486,15 @@
           </a:ln>
         </p:spPr>
         <p:txBody>
-          <a:bodyPr lIns="0" rIns="0" tIns="0" bIns="0" anchor="ctr">
+          <a:bodyPr lIns="0" tIns="0" rIns="0" bIns="0" anchor="ctr">
             <a:noAutofit/>
           </a:bodyPr>
+          <a:lstStyle/>
           <a:p>
             <a:pPr algn="ctr">
               <a:buNone/>
             </a:pPr>
-            <a:endParaRPr b="0" lang="es-ES" sz="3200" spc="-1" strike="noStrike">
+            <a:endParaRPr lang="es-ES" sz="3200" b="0" strike="noStrike" spc="-1">
               <a:latin typeface="Arial"/>
             </a:endParaRPr>
           </a:p>
@@ -3273,11 +3502,14 @@
       </p:sp>
     </p:spTree>
   </p:cSld>
+  <p:clrMapOvr>
+    <a:masterClrMapping/>
+  </p:clrMapOvr>
 </p:sldLayout>
 </file>
 
 <file path=ppt/slideLayouts/slideLayout31.xml><?xml version="1.0" encoding="utf-8"?>
-<p:sldLayout xmlns:a="http://schemas.openxmlformats.org/drawingml/2006/main" xmlns:p="http://schemas.openxmlformats.org/presentationml/2006/main" xmlns:r="http://schemas.openxmlformats.org/officeDocument/2006/relationships" xmlns:p14="http://schemas.microsoft.com/office/powerpoint/2010/main" xmlns:p15="http://schemas.microsoft.com/office/powerpoint/2012/main" xmlns:mc="http://schemas.openxmlformats.org/markup-compatibility/2006" type="twoObjAndObj" preserve="1">
+<p:sldLayout xmlns:a="http://schemas.openxmlformats.org/drawingml/2006/main" xmlns:r="http://schemas.openxmlformats.org/officeDocument/2006/relationships" xmlns:p="http://schemas.openxmlformats.org/presentationml/2006/main" type="twoObjAndObj" preserve="1">
   <p:cSld name="Title, 2 Content and Content">
     <p:spTree>
       <p:nvGrpSpPr>
@@ -3317,11 +3549,12 @@
           </a:ln>
         </p:spPr>
         <p:txBody>
-          <a:bodyPr lIns="0" rIns="0" tIns="0" bIns="0" anchor="ctr">
+          <a:bodyPr lIns="0" tIns="0" rIns="0" bIns="0" anchor="ctr">
             <a:noAutofit/>
           </a:bodyPr>
-          <a:p>
-            <a:endParaRPr b="0" lang="es-ES" sz="1800" spc="-1" strike="noStrike">
+          <a:lstStyle/>
+          <a:p>
+            <a:endParaRPr lang="es-ES" sz="1800" b="0" strike="noStrike" spc="-1">
               <a:solidFill>
                 <a:srgbClr val="000000"/>
               </a:solidFill>
@@ -3354,9 +3587,10 @@
           </a:ln>
         </p:spPr>
         <p:txBody>
-          <a:bodyPr lIns="0" rIns="0" tIns="0" bIns="0" anchor="t">
+          <a:bodyPr lIns="0" tIns="0" rIns="0" bIns="0" anchor="t">
             <a:normAutofit fontScale="19000"/>
           </a:bodyPr>
+          <a:lstStyle/>
           <a:p>
             <a:pPr>
               <a:lnSpc>
@@ -3367,7 +3601,7 @@
               </a:spcBef>
               <a:buNone/>
             </a:pPr>
-            <a:endParaRPr b="0" lang="es-ES" sz="2800" spc="-1" strike="noStrike">
+            <a:endParaRPr lang="es-ES" sz="2800" b="0" strike="noStrike" spc="-1">
               <a:solidFill>
                 <a:srgbClr val="000000"/>
               </a:solidFill>
@@ -3400,9 +3634,10 @@
           </a:ln>
         </p:spPr>
         <p:txBody>
-          <a:bodyPr lIns="0" rIns="0" tIns="0" bIns="0" anchor="t">
+          <a:bodyPr lIns="0" tIns="0" rIns="0" bIns="0" anchor="t">
             <a:normAutofit fontScale="25000"/>
           </a:bodyPr>
+          <a:lstStyle/>
           <a:p>
             <a:pPr>
               <a:lnSpc>
@@ -3413,7 +3648,7 @@
               </a:spcBef>
               <a:buNone/>
             </a:pPr>
-            <a:endParaRPr b="0" lang="es-ES" sz="2800" spc="-1" strike="noStrike">
+            <a:endParaRPr lang="es-ES" sz="2800" b="0" strike="noStrike" spc="-1">
               <a:solidFill>
                 <a:srgbClr val="000000"/>
               </a:solidFill>
@@ -3446,9 +3681,10 @@
           </a:ln>
         </p:spPr>
         <p:txBody>
-          <a:bodyPr lIns="0" rIns="0" tIns="0" bIns="0" anchor="t">
+          <a:bodyPr lIns="0" tIns="0" rIns="0" bIns="0" anchor="t">
             <a:normAutofit fontScale="19000"/>
           </a:bodyPr>
+          <a:lstStyle/>
           <a:p>
             <a:pPr>
               <a:lnSpc>
@@ -3459,7 +3695,7 @@
               </a:spcBef>
               <a:buNone/>
             </a:pPr>
-            <a:endParaRPr b="0" lang="es-ES" sz="2800" spc="-1" strike="noStrike">
+            <a:endParaRPr lang="es-ES" sz="2800" b="0" strike="noStrike" spc="-1">
               <a:solidFill>
                 <a:srgbClr val="000000"/>
               </a:solidFill>
@@ -3470,11 +3706,14 @@
       </p:sp>
     </p:spTree>
   </p:cSld>
+  <p:clrMapOvr>
+    <a:masterClrMapping/>
+  </p:clrMapOvr>
 </p:sldLayout>
 </file>
 
 <file path=ppt/slideLayouts/slideLayout32.xml><?xml version="1.0" encoding="utf-8"?>
-<p:sldLayout xmlns:a="http://schemas.openxmlformats.org/drawingml/2006/main" xmlns:p="http://schemas.openxmlformats.org/presentationml/2006/main" xmlns:r="http://schemas.openxmlformats.org/officeDocument/2006/relationships" xmlns:p14="http://schemas.microsoft.com/office/powerpoint/2010/main" xmlns:p15="http://schemas.microsoft.com/office/powerpoint/2012/main" xmlns:mc="http://schemas.openxmlformats.org/markup-compatibility/2006" type="objAndTwoObj" preserve="1">
+<p:sldLayout xmlns:a="http://schemas.openxmlformats.org/drawingml/2006/main" xmlns:r="http://schemas.openxmlformats.org/officeDocument/2006/relationships" xmlns:p="http://schemas.openxmlformats.org/presentationml/2006/main" type="objAndTwoObj" preserve="1">
   <p:cSld name="Title Content and 2 Content">
     <p:spTree>
       <p:nvGrpSpPr>
@@ -3514,11 +3753,12 @@
           </a:ln>
         </p:spPr>
         <p:txBody>
-          <a:bodyPr lIns="0" rIns="0" tIns="0" bIns="0" anchor="ctr">
+          <a:bodyPr lIns="0" tIns="0" rIns="0" bIns="0" anchor="ctr">
             <a:noAutofit/>
           </a:bodyPr>
-          <a:p>
-            <a:endParaRPr b="0" lang="es-ES" sz="1800" spc="-1" strike="noStrike">
+          <a:lstStyle/>
+          <a:p>
+            <a:endParaRPr lang="es-ES" sz="1800" b="0" strike="noStrike" spc="-1">
               <a:solidFill>
                 <a:srgbClr val="000000"/>
               </a:solidFill>
@@ -3551,9 +3791,10 @@
           </a:ln>
         </p:spPr>
         <p:txBody>
-          <a:bodyPr lIns="0" rIns="0" tIns="0" bIns="0" anchor="t">
+          <a:bodyPr lIns="0" tIns="0" rIns="0" bIns="0" anchor="t">
             <a:normAutofit fontScale="25000"/>
           </a:bodyPr>
+          <a:lstStyle/>
           <a:p>
             <a:pPr>
               <a:lnSpc>
@@ -3564,7 +3805,7 @@
               </a:spcBef>
               <a:buNone/>
             </a:pPr>
-            <a:endParaRPr b="0" lang="es-ES" sz="2800" spc="-1" strike="noStrike">
+            <a:endParaRPr lang="es-ES" sz="2800" b="0" strike="noStrike" spc="-1">
               <a:solidFill>
                 <a:srgbClr val="000000"/>
               </a:solidFill>
@@ -3597,9 +3838,10 @@
           </a:ln>
         </p:spPr>
         <p:txBody>
-          <a:bodyPr lIns="0" rIns="0" tIns="0" bIns="0" anchor="t">
+          <a:bodyPr lIns="0" tIns="0" rIns="0" bIns="0" anchor="t">
             <a:normAutofit fontScale="19000"/>
           </a:bodyPr>
+          <a:lstStyle/>
           <a:p>
             <a:pPr>
               <a:lnSpc>
@@ -3610,7 +3852,7 @@
               </a:spcBef>
               <a:buNone/>
             </a:pPr>
-            <a:endParaRPr b="0" lang="es-ES" sz="2800" spc="-1" strike="noStrike">
+            <a:endParaRPr lang="es-ES" sz="2800" b="0" strike="noStrike" spc="-1">
               <a:solidFill>
                 <a:srgbClr val="000000"/>
               </a:solidFill>
@@ -3643,9 +3885,10 @@
           </a:ln>
         </p:spPr>
         <p:txBody>
-          <a:bodyPr lIns="0" rIns="0" tIns="0" bIns="0" anchor="t">
+          <a:bodyPr lIns="0" tIns="0" rIns="0" bIns="0" anchor="t">
             <a:normAutofit fontScale="19000"/>
           </a:bodyPr>
+          <a:lstStyle/>
           <a:p>
             <a:pPr>
               <a:lnSpc>
@@ -3656,7 +3899,7 @@
               </a:spcBef>
               <a:buNone/>
             </a:pPr>
-            <a:endParaRPr b="0" lang="es-ES" sz="2800" spc="-1" strike="noStrike">
+            <a:endParaRPr lang="es-ES" sz="2800" b="0" strike="noStrike" spc="-1">
               <a:solidFill>
                 <a:srgbClr val="000000"/>
               </a:solidFill>
@@ -3667,11 +3910,14 @@
       </p:sp>
     </p:spTree>
   </p:cSld>
+  <p:clrMapOvr>
+    <a:masterClrMapping/>
+  </p:clrMapOvr>
 </p:sldLayout>
 </file>
 
 <file path=ppt/slideLayouts/slideLayout33.xml><?xml version="1.0" encoding="utf-8"?>
-<p:sldLayout xmlns:a="http://schemas.openxmlformats.org/drawingml/2006/main" xmlns:p="http://schemas.openxmlformats.org/presentationml/2006/main" xmlns:r="http://schemas.openxmlformats.org/officeDocument/2006/relationships" xmlns:p14="http://schemas.microsoft.com/office/powerpoint/2010/main" xmlns:p15="http://schemas.microsoft.com/office/powerpoint/2012/main" xmlns:mc="http://schemas.openxmlformats.org/markup-compatibility/2006" type="twoObjOverTx" preserve="1">
+<p:sldLayout xmlns:a="http://schemas.openxmlformats.org/drawingml/2006/main" xmlns:r="http://schemas.openxmlformats.org/officeDocument/2006/relationships" xmlns:p="http://schemas.openxmlformats.org/presentationml/2006/main" type="twoObjOverTx" preserve="1">
   <p:cSld name="Title, 2 Content over Content">
     <p:spTree>
       <p:nvGrpSpPr>
@@ -3711,11 +3957,12 @@
           </a:ln>
         </p:spPr>
         <p:txBody>
-          <a:bodyPr lIns="0" rIns="0" tIns="0" bIns="0" anchor="ctr">
+          <a:bodyPr lIns="0" tIns="0" rIns="0" bIns="0" anchor="ctr">
             <a:noAutofit/>
           </a:bodyPr>
-          <a:p>
-            <a:endParaRPr b="0" lang="es-ES" sz="1800" spc="-1" strike="noStrike">
+          <a:lstStyle/>
+          <a:p>
+            <a:endParaRPr lang="es-ES" sz="1800" b="0" strike="noStrike" spc="-1">
               <a:solidFill>
                 <a:srgbClr val="000000"/>
               </a:solidFill>
@@ -3748,9 +3995,10 @@
           </a:ln>
         </p:spPr>
         <p:txBody>
-          <a:bodyPr lIns="0" rIns="0" tIns="0" bIns="0" anchor="t">
+          <a:bodyPr lIns="0" tIns="0" rIns="0" bIns="0" anchor="t">
             <a:normAutofit fontScale="19000"/>
           </a:bodyPr>
+          <a:lstStyle/>
           <a:p>
             <a:pPr>
               <a:lnSpc>
@@ -3761,7 +4009,7 @@
               </a:spcBef>
               <a:buNone/>
             </a:pPr>
-            <a:endParaRPr b="0" lang="es-ES" sz="2800" spc="-1" strike="noStrike">
+            <a:endParaRPr lang="es-ES" sz="2800" b="0" strike="noStrike" spc="-1">
               <a:solidFill>
                 <a:srgbClr val="000000"/>
               </a:solidFill>
@@ -3794,9 +4042,10 @@
           </a:ln>
         </p:spPr>
         <p:txBody>
-          <a:bodyPr lIns="0" rIns="0" tIns="0" bIns="0" anchor="t">
+          <a:bodyPr lIns="0" tIns="0" rIns="0" bIns="0" anchor="t">
             <a:normAutofit fontScale="19000"/>
           </a:bodyPr>
+          <a:lstStyle/>
           <a:p>
             <a:pPr>
               <a:lnSpc>
@@ -3807,7 +4056,7 @@
               </a:spcBef>
               <a:buNone/>
             </a:pPr>
-            <a:endParaRPr b="0" lang="es-ES" sz="2800" spc="-1" strike="noStrike">
+            <a:endParaRPr lang="es-ES" sz="2800" b="0" strike="noStrike" spc="-1">
               <a:solidFill>
                 <a:srgbClr val="000000"/>
               </a:solidFill>
@@ -3840,9 +4089,10 @@
           </a:ln>
         </p:spPr>
         <p:txBody>
-          <a:bodyPr lIns="0" rIns="0" tIns="0" bIns="0" anchor="t">
+          <a:bodyPr lIns="0" tIns="0" rIns="0" bIns="0" anchor="t">
             <a:normAutofit fontScale="24000"/>
           </a:bodyPr>
+          <a:lstStyle/>
           <a:p>
             <a:pPr>
               <a:lnSpc>
@@ -3853,7 +4103,7 @@
               </a:spcBef>
               <a:buNone/>
             </a:pPr>
-            <a:endParaRPr b="0" lang="es-ES" sz="2800" spc="-1" strike="noStrike">
+            <a:endParaRPr lang="es-ES" sz="2800" b="0" strike="noStrike" spc="-1">
               <a:solidFill>
                 <a:srgbClr val="000000"/>
               </a:solidFill>
@@ -3864,11 +4114,14 @@
       </p:sp>
     </p:spTree>
   </p:cSld>
+  <p:clrMapOvr>
+    <a:masterClrMapping/>
+  </p:clrMapOvr>
 </p:sldLayout>
 </file>
 
 <file path=ppt/slideLayouts/slideLayout34.xml><?xml version="1.0" encoding="utf-8"?>
-<p:sldLayout xmlns:a="http://schemas.openxmlformats.org/drawingml/2006/main" xmlns:p="http://schemas.openxmlformats.org/presentationml/2006/main" xmlns:r="http://schemas.openxmlformats.org/officeDocument/2006/relationships" xmlns:p14="http://schemas.microsoft.com/office/powerpoint/2010/main" xmlns:p15="http://schemas.microsoft.com/office/powerpoint/2012/main" xmlns:mc="http://schemas.openxmlformats.org/markup-compatibility/2006" type="objOverTx" preserve="1">
+<p:sldLayout xmlns:a="http://schemas.openxmlformats.org/drawingml/2006/main" xmlns:r="http://schemas.openxmlformats.org/officeDocument/2006/relationships" xmlns:p="http://schemas.openxmlformats.org/presentationml/2006/main" type="objOverTx" preserve="1">
   <p:cSld name="Title, Content over Content">
     <p:spTree>
       <p:nvGrpSpPr>
@@ -3908,11 +4161,12 @@
           </a:ln>
         </p:spPr>
         <p:txBody>
-          <a:bodyPr lIns="0" rIns="0" tIns="0" bIns="0" anchor="ctr">
+          <a:bodyPr lIns="0" tIns="0" rIns="0" bIns="0" anchor="ctr">
             <a:noAutofit/>
           </a:bodyPr>
-          <a:p>
-            <a:endParaRPr b="0" lang="es-ES" sz="1800" spc="-1" strike="noStrike">
+          <a:lstStyle/>
+          <a:p>
+            <a:endParaRPr lang="es-ES" sz="1800" b="0" strike="noStrike" spc="-1">
               <a:solidFill>
                 <a:srgbClr val="000000"/>
               </a:solidFill>
@@ -3945,9 +4199,10 @@
           </a:ln>
         </p:spPr>
         <p:txBody>
-          <a:bodyPr lIns="0" rIns="0" tIns="0" bIns="0" anchor="t">
+          <a:bodyPr lIns="0" tIns="0" rIns="0" bIns="0" anchor="t">
             <a:normAutofit fontScale="24000"/>
           </a:bodyPr>
+          <a:lstStyle/>
           <a:p>
             <a:pPr>
               <a:lnSpc>
@@ -3958,7 +4213,7 @@
               </a:spcBef>
               <a:buNone/>
             </a:pPr>
-            <a:endParaRPr b="0" lang="es-ES" sz="2800" spc="-1" strike="noStrike">
+            <a:endParaRPr lang="es-ES" sz="2800" b="0" strike="noStrike" spc="-1">
               <a:solidFill>
                 <a:srgbClr val="000000"/>
               </a:solidFill>
@@ -3991,9 +4246,10 @@
           </a:ln>
         </p:spPr>
         <p:txBody>
-          <a:bodyPr lIns="0" rIns="0" tIns="0" bIns="0" anchor="t">
+          <a:bodyPr lIns="0" tIns="0" rIns="0" bIns="0" anchor="t">
             <a:normAutofit fontScale="24000"/>
           </a:bodyPr>
+          <a:lstStyle/>
           <a:p>
             <a:pPr>
               <a:lnSpc>
@@ -4004,7 +4260,7 @@
               </a:spcBef>
               <a:buNone/>
             </a:pPr>
-            <a:endParaRPr b="0" lang="es-ES" sz="2800" spc="-1" strike="noStrike">
+            <a:endParaRPr lang="es-ES" sz="2800" b="0" strike="noStrike" spc="-1">
               <a:solidFill>
                 <a:srgbClr val="000000"/>
               </a:solidFill>
@@ -4015,11 +4271,14 @@
       </p:sp>
     </p:spTree>
   </p:cSld>
+  <p:clrMapOvr>
+    <a:masterClrMapping/>
+  </p:clrMapOvr>
 </p:sldLayout>
 </file>
 
 <file path=ppt/slideLayouts/slideLayout35.xml><?xml version="1.0" encoding="utf-8"?>
-<p:sldLayout xmlns:a="http://schemas.openxmlformats.org/drawingml/2006/main" xmlns:p="http://schemas.openxmlformats.org/presentationml/2006/main" xmlns:r="http://schemas.openxmlformats.org/officeDocument/2006/relationships" xmlns:p14="http://schemas.microsoft.com/office/powerpoint/2010/main" xmlns:p15="http://schemas.microsoft.com/office/powerpoint/2012/main" xmlns:mc="http://schemas.openxmlformats.org/markup-compatibility/2006" type="fourObj" preserve="1">
+<p:sldLayout xmlns:a="http://schemas.openxmlformats.org/drawingml/2006/main" xmlns:r="http://schemas.openxmlformats.org/officeDocument/2006/relationships" xmlns:p="http://schemas.openxmlformats.org/presentationml/2006/main" type="fourObj" preserve="1">
   <p:cSld name="Title, 4 Content">
     <p:spTree>
       <p:nvGrpSpPr>
@@ -4059,11 +4318,12 @@
           </a:ln>
         </p:spPr>
         <p:txBody>
-          <a:bodyPr lIns="0" rIns="0" tIns="0" bIns="0" anchor="ctr">
+          <a:bodyPr lIns="0" tIns="0" rIns="0" bIns="0" anchor="ctr">
             <a:noAutofit/>
           </a:bodyPr>
-          <a:p>
-            <a:endParaRPr b="0" lang="es-ES" sz="1800" spc="-1" strike="noStrike">
+          <a:lstStyle/>
+          <a:p>
+            <a:endParaRPr lang="es-ES" sz="1800" b="0" strike="noStrike" spc="-1">
               <a:solidFill>
                 <a:srgbClr val="000000"/>
               </a:solidFill>
@@ -4096,9 +4356,10 @@
           </a:ln>
         </p:spPr>
         <p:txBody>
-          <a:bodyPr lIns="0" rIns="0" tIns="0" bIns="0" anchor="t">
+          <a:bodyPr lIns="0" tIns="0" rIns="0" bIns="0" anchor="t">
             <a:normAutofit fontScale="19000"/>
           </a:bodyPr>
+          <a:lstStyle/>
           <a:p>
             <a:pPr>
               <a:lnSpc>
@@ -4109,7 +4370,7 @@
               </a:spcBef>
               <a:buNone/>
             </a:pPr>
-            <a:endParaRPr b="0" lang="es-ES" sz="2800" spc="-1" strike="noStrike">
+            <a:endParaRPr lang="es-ES" sz="2800" b="0" strike="noStrike" spc="-1">
               <a:solidFill>
                 <a:srgbClr val="000000"/>
               </a:solidFill>
@@ -4142,9 +4403,10 @@
           </a:ln>
         </p:spPr>
         <p:txBody>
-          <a:bodyPr lIns="0" rIns="0" tIns="0" bIns="0" anchor="t">
+          <a:bodyPr lIns="0" tIns="0" rIns="0" bIns="0" anchor="t">
             <a:normAutofit fontScale="19000"/>
           </a:bodyPr>
+          <a:lstStyle/>
           <a:p>
             <a:pPr>
               <a:lnSpc>
@@ -4155,7 +4417,7 @@
               </a:spcBef>
               <a:buNone/>
             </a:pPr>
-            <a:endParaRPr b="0" lang="es-ES" sz="2800" spc="-1" strike="noStrike">
+            <a:endParaRPr lang="es-ES" sz="2800" b="0" strike="noStrike" spc="-1">
               <a:solidFill>
                 <a:srgbClr val="000000"/>
               </a:solidFill>
@@ -4188,9 +4450,10 @@
           </a:ln>
         </p:spPr>
         <p:txBody>
-          <a:bodyPr lIns="0" rIns="0" tIns="0" bIns="0" anchor="t">
+          <a:bodyPr lIns="0" tIns="0" rIns="0" bIns="0" anchor="t">
             <a:normAutofit fontScale="19000"/>
           </a:bodyPr>
+          <a:lstStyle/>
           <a:p>
             <a:pPr>
               <a:lnSpc>
@@ -4201,7 +4464,7 @@
               </a:spcBef>
               <a:buNone/>
             </a:pPr>
-            <a:endParaRPr b="0" lang="es-ES" sz="2800" spc="-1" strike="noStrike">
+            <a:endParaRPr lang="es-ES" sz="2800" b="0" strike="noStrike" spc="-1">
               <a:solidFill>
                 <a:srgbClr val="000000"/>
               </a:solidFill>
@@ -4234,9 +4497,10 @@
           </a:ln>
         </p:spPr>
         <p:txBody>
-          <a:bodyPr lIns="0" rIns="0" tIns="0" bIns="0" anchor="t">
+          <a:bodyPr lIns="0" tIns="0" rIns="0" bIns="0" anchor="t">
             <a:normAutofit fontScale="19000"/>
           </a:bodyPr>
+          <a:lstStyle/>
           <a:p>
             <a:pPr>
               <a:lnSpc>
@@ -4247,7 +4511,7 @@
               </a:spcBef>
               <a:buNone/>
             </a:pPr>
-            <a:endParaRPr b="0" lang="es-ES" sz="2800" spc="-1" strike="noStrike">
+            <a:endParaRPr lang="es-ES" sz="2800" b="0" strike="noStrike" spc="-1">
               <a:solidFill>
                 <a:srgbClr val="000000"/>
               </a:solidFill>
@@ -4258,11 +4522,14 @@
       </p:sp>
     </p:spTree>
   </p:cSld>
+  <p:clrMapOvr>
+    <a:masterClrMapping/>
+  </p:clrMapOvr>
 </p:sldLayout>
 </file>
 
 <file path=ppt/slideLayouts/slideLayout36.xml><?xml version="1.0" encoding="utf-8"?>
-<p:sldLayout xmlns:a="http://schemas.openxmlformats.org/drawingml/2006/main" xmlns:p="http://schemas.openxmlformats.org/presentationml/2006/main" xmlns:r="http://schemas.openxmlformats.org/officeDocument/2006/relationships" xmlns:p14="http://schemas.microsoft.com/office/powerpoint/2010/main" xmlns:p15="http://schemas.microsoft.com/office/powerpoint/2012/main" xmlns:mc="http://schemas.openxmlformats.org/markup-compatibility/2006" type="blank" preserve="1">
+<p:sldLayout xmlns:a="http://schemas.openxmlformats.org/drawingml/2006/main" xmlns:r="http://schemas.openxmlformats.org/officeDocument/2006/relationships" xmlns:p="http://schemas.openxmlformats.org/presentationml/2006/main" type="blank" preserve="1">
   <p:cSld name="Title, 6 Content">
     <p:spTree>
       <p:nvGrpSpPr>
@@ -4302,11 +4569,12 @@
           </a:ln>
         </p:spPr>
         <p:txBody>
-          <a:bodyPr lIns="0" rIns="0" tIns="0" bIns="0" anchor="ctr">
+          <a:bodyPr lIns="0" tIns="0" rIns="0" bIns="0" anchor="ctr">
             <a:noAutofit/>
           </a:bodyPr>
-          <a:p>
-            <a:endParaRPr b="0" lang="es-ES" sz="1800" spc="-1" strike="noStrike">
+          <a:lstStyle/>
+          <a:p>
+            <a:endParaRPr lang="es-ES" sz="1800" b="0" strike="noStrike" spc="-1">
               <a:solidFill>
                 <a:srgbClr val="000000"/>
               </a:solidFill>
@@ -4339,9 +4607,10 @@
           </a:ln>
         </p:spPr>
         <p:txBody>
-          <a:bodyPr lIns="0" rIns="0" tIns="0" bIns="0" anchor="t">
+          <a:bodyPr lIns="0" tIns="0" rIns="0" bIns="0" anchor="t">
             <a:normAutofit fontScale="14000"/>
           </a:bodyPr>
+          <a:lstStyle/>
           <a:p>
             <a:pPr>
               <a:lnSpc>
@@ -4352,7 +4621,7 @@
               </a:spcBef>
               <a:buNone/>
             </a:pPr>
-            <a:endParaRPr b="0" lang="es-ES" sz="2800" spc="-1" strike="noStrike">
+            <a:endParaRPr lang="es-ES" sz="2800" b="0" strike="noStrike" spc="-1">
               <a:solidFill>
                 <a:srgbClr val="000000"/>
               </a:solidFill>
@@ -4385,9 +4654,10 @@
           </a:ln>
         </p:spPr>
         <p:txBody>
-          <a:bodyPr lIns="0" rIns="0" tIns="0" bIns="0" anchor="t">
+          <a:bodyPr lIns="0" tIns="0" rIns="0" bIns="0" anchor="t">
             <a:normAutofit fontScale="14000"/>
           </a:bodyPr>
+          <a:lstStyle/>
           <a:p>
             <a:pPr>
               <a:lnSpc>
@@ -4398,7 +4668,7 @@
               </a:spcBef>
               <a:buNone/>
             </a:pPr>
-            <a:endParaRPr b="0" lang="es-ES" sz="2800" spc="-1" strike="noStrike">
+            <a:endParaRPr lang="es-ES" sz="2800" b="0" strike="noStrike" spc="-1">
               <a:solidFill>
                 <a:srgbClr val="000000"/>
               </a:solidFill>
@@ -4431,9 +4701,10 @@
           </a:ln>
         </p:spPr>
         <p:txBody>
-          <a:bodyPr lIns="0" rIns="0" tIns="0" bIns="0" anchor="t">
+          <a:bodyPr lIns="0" tIns="0" rIns="0" bIns="0" anchor="t">
             <a:normAutofit fontScale="14000"/>
           </a:bodyPr>
+          <a:lstStyle/>
           <a:p>
             <a:pPr>
               <a:lnSpc>
@@ -4444,7 +4715,7 @@
               </a:spcBef>
               <a:buNone/>
             </a:pPr>
-            <a:endParaRPr b="0" lang="es-ES" sz="2800" spc="-1" strike="noStrike">
+            <a:endParaRPr lang="es-ES" sz="2800" b="0" strike="noStrike" spc="-1">
               <a:solidFill>
                 <a:srgbClr val="000000"/>
               </a:solidFill>
@@ -4477,9 +4748,10 @@
           </a:ln>
         </p:spPr>
         <p:txBody>
-          <a:bodyPr lIns="0" rIns="0" tIns="0" bIns="0" anchor="t">
+          <a:bodyPr lIns="0" tIns="0" rIns="0" bIns="0" anchor="t">
             <a:normAutofit fontScale="14000"/>
           </a:bodyPr>
+          <a:lstStyle/>
           <a:p>
             <a:pPr>
               <a:lnSpc>
@@ -4490,7 +4762,7 @@
               </a:spcBef>
               <a:buNone/>
             </a:pPr>
-            <a:endParaRPr b="0" lang="es-ES" sz="2800" spc="-1" strike="noStrike">
+            <a:endParaRPr lang="es-ES" sz="2800" b="0" strike="noStrike" spc="-1">
               <a:solidFill>
                 <a:srgbClr val="000000"/>
               </a:solidFill>
@@ -4523,9 +4795,10 @@
           </a:ln>
         </p:spPr>
         <p:txBody>
-          <a:bodyPr lIns="0" rIns="0" tIns="0" bIns="0" anchor="t">
+          <a:bodyPr lIns="0" tIns="0" rIns="0" bIns="0" anchor="t">
             <a:normAutofit fontScale="14000"/>
           </a:bodyPr>
+          <a:lstStyle/>
           <a:p>
             <a:pPr>
               <a:lnSpc>
@@ -4536,7 +4809,7 @@
               </a:spcBef>
               <a:buNone/>
             </a:pPr>
-            <a:endParaRPr b="0" lang="es-ES" sz="2800" spc="-1" strike="noStrike">
+            <a:endParaRPr lang="es-ES" sz="2800" b="0" strike="noStrike" spc="-1">
               <a:solidFill>
                 <a:srgbClr val="000000"/>
               </a:solidFill>
@@ -4569,9 +4842,10 @@
           </a:ln>
         </p:spPr>
         <p:txBody>
-          <a:bodyPr lIns="0" rIns="0" tIns="0" bIns="0" anchor="t">
+          <a:bodyPr lIns="0" tIns="0" rIns="0" bIns="0" anchor="t">
             <a:normAutofit fontScale="14000"/>
           </a:bodyPr>
+          <a:lstStyle/>
           <a:p>
             <a:pPr>
               <a:lnSpc>
@@ -4582,7 +4856,7 @@
               </a:spcBef>
               <a:buNone/>
             </a:pPr>
-            <a:endParaRPr b="0" lang="es-ES" sz="2800" spc="-1" strike="noStrike">
+            <a:endParaRPr lang="es-ES" sz="2800" b="0" strike="noStrike" spc="-1">
               <a:solidFill>
                 <a:srgbClr val="000000"/>
               </a:solidFill>
@@ -4593,11 +4867,14 @@
       </p:sp>
     </p:spTree>
   </p:cSld>
+  <p:clrMapOvr>
+    <a:masterClrMapping/>
+  </p:clrMapOvr>
 </p:sldLayout>
 </file>
 
 <file path=ppt/slideLayouts/slideLayout4.xml><?xml version="1.0" encoding="utf-8"?>
-<p:sldLayout xmlns:a="http://schemas.openxmlformats.org/drawingml/2006/main" xmlns:p="http://schemas.openxmlformats.org/presentationml/2006/main" xmlns:r="http://schemas.openxmlformats.org/officeDocument/2006/relationships" xmlns:p14="http://schemas.microsoft.com/office/powerpoint/2010/main" xmlns:p15="http://schemas.microsoft.com/office/powerpoint/2012/main" xmlns:mc="http://schemas.openxmlformats.org/markup-compatibility/2006" type="twoObj" preserve="1">
+<p:sldLayout xmlns:a="http://schemas.openxmlformats.org/drawingml/2006/main" xmlns:r="http://schemas.openxmlformats.org/officeDocument/2006/relationships" xmlns:p="http://schemas.openxmlformats.org/presentationml/2006/main" type="twoObj" preserve="1">
   <p:cSld name="Title, 2 Content">
     <p:spTree>
       <p:nvGrpSpPr>
@@ -4637,11 +4914,12 @@
           </a:ln>
         </p:spPr>
         <p:txBody>
-          <a:bodyPr lIns="0" rIns="0" tIns="0" bIns="0" anchor="ctr">
+          <a:bodyPr lIns="0" tIns="0" rIns="0" bIns="0" anchor="ctr">
             <a:noAutofit/>
           </a:bodyPr>
-          <a:p>
-            <a:endParaRPr b="0" lang="es-ES" sz="1800" spc="-1" strike="noStrike">
+          <a:lstStyle/>
+          <a:p>
+            <a:endParaRPr lang="es-ES" sz="1800" b="0" strike="noStrike" spc="-1">
               <a:solidFill>
                 <a:srgbClr val="000000"/>
               </a:solidFill>
@@ -4674,9 +4952,10 @@
           </a:ln>
         </p:spPr>
         <p:txBody>
-          <a:bodyPr lIns="0" rIns="0" tIns="0" bIns="0" anchor="t">
+          <a:bodyPr lIns="0" tIns="0" rIns="0" bIns="0" anchor="t">
             <a:normAutofit fontScale="25000"/>
           </a:bodyPr>
+          <a:lstStyle/>
           <a:p>
             <a:pPr>
               <a:lnSpc>
@@ -4687,7 +4966,7 @@
               </a:spcBef>
               <a:buNone/>
             </a:pPr>
-            <a:endParaRPr b="0" lang="es-ES" sz="2800" spc="-1" strike="noStrike">
+            <a:endParaRPr lang="es-ES" sz="2800" b="0" strike="noStrike" spc="-1">
               <a:solidFill>
                 <a:srgbClr val="000000"/>
               </a:solidFill>
@@ -4720,9 +4999,10 @@
           </a:ln>
         </p:spPr>
         <p:txBody>
-          <a:bodyPr lIns="0" rIns="0" tIns="0" bIns="0" anchor="t">
+          <a:bodyPr lIns="0" tIns="0" rIns="0" bIns="0" anchor="t">
             <a:normAutofit fontScale="25000"/>
           </a:bodyPr>
+          <a:lstStyle/>
           <a:p>
             <a:pPr>
               <a:lnSpc>
@@ -4733,7 +5013,7 @@
               </a:spcBef>
               <a:buNone/>
             </a:pPr>
-            <a:endParaRPr b="0" lang="es-ES" sz="2800" spc="-1" strike="noStrike">
+            <a:endParaRPr lang="es-ES" sz="2800" b="0" strike="noStrike" spc="-1">
               <a:solidFill>
                 <a:srgbClr val="000000"/>
               </a:solidFill>
@@ -4744,11 +5024,14 @@
       </p:sp>
     </p:spTree>
   </p:cSld>
+  <p:clrMapOvr>
+    <a:masterClrMapping/>
+  </p:clrMapOvr>
 </p:sldLayout>
 </file>
 
 <file path=ppt/slideLayouts/slideLayout5.xml><?xml version="1.0" encoding="utf-8"?>
-<p:sldLayout xmlns:a="http://schemas.openxmlformats.org/drawingml/2006/main" xmlns:p="http://schemas.openxmlformats.org/presentationml/2006/main" xmlns:r="http://schemas.openxmlformats.org/officeDocument/2006/relationships" xmlns:p14="http://schemas.microsoft.com/office/powerpoint/2010/main" xmlns:p15="http://schemas.microsoft.com/office/powerpoint/2012/main" xmlns:mc="http://schemas.openxmlformats.org/markup-compatibility/2006" type="titleOnly" preserve="1">
+<p:sldLayout xmlns:a="http://schemas.openxmlformats.org/drawingml/2006/main" xmlns:r="http://schemas.openxmlformats.org/officeDocument/2006/relationships" xmlns:p="http://schemas.openxmlformats.org/presentationml/2006/main" type="titleOnly" preserve="1">
   <p:cSld name="Title Only">
     <p:spTree>
       <p:nvGrpSpPr>
@@ -4788,11 +5071,12 @@
           </a:ln>
         </p:spPr>
         <p:txBody>
-          <a:bodyPr lIns="0" rIns="0" tIns="0" bIns="0" anchor="ctr">
+          <a:bodyPr lIns="0" tIns="0" rIns="0" bIns="0" anchor="ctr">
             <a:noAutofit/>
           </a:bodyPr>
-          <a:p>
-            <a:endParaRPr b="0" lang="es-ES" sz="1800" spc="-1" strike="noStrike">
+          <a:lstStyle/>
+          <a:p>
+            <a:endParaRPr lang="es-ES" sz="1800" b="0" strike="noStrike" spc="-1">
               <a:solidFill>
                 <a:srgbClr val="000000"/>
               </a:solidFill>
@@ -4803,11 +5087,14 @@
       </p:sp>
     </p:spTree>
   </p:cSld>
+  <p:clrMapOvr>
+    <a:masterClrMapping/>
+  </p:clrMapOvr>
 </p:sldLayout>
 </file>
 
 <file path=ppt/slideLayouts/slideLayout6.xml><?xml version="1.0" encoding="utf-8"?>
-<p:sldLayout xmlns:a="http://schemas.openxmlformats.org/drawingml/2006/main" xmlns:p="http://schemas.openxmlformats.org/presentationml/2006/main" xmlns:r="http://schemas.openxmlformats.org/officeDocument/2006/relationships" xmlns:p14="http://schemas.microsoft.com/office/powerpoint/2010/main" xmlns:p15="http://schemas.microsoft.com/office/powerpoint/2012/main" xmlns:mc="http://schemas.openxmlformats.org/markup-compatibility/2006" type="objOnly" preserve="1">
+<p:sldLayout xmlns:a="http://schemas.openxmlformats.org/drawingml/2006/main" xmlns:r="http://schemas.openxmlformats.org/officeDocument/2006/relationships" xmlns:p="http://schemas.openxmlformats.org/presentationml/2006/main" type="objOnly" preserve="1">
   <p:cSld name="Centered Text">
     <p:spTree>
       <p:nvGrpSpPr>
@@ -4847,14 +5134,15 @@
           </a:ln>
         </p:spPr>
         <p:txBody>
-          <a:bodyPr lIns="0" rIns="0" tIns="0" bIns="0" anchor="ctr">
+          <a:bodyPr lIns="0" tIns="0" rIns="0" bIns="0" anchor="ctr">
             <a:noAutofit/>
           </a:bodyPr>
+          <a:lstStyle/>
           <a:p>
             <a:pPr algn="ctr">
               <a:buNone/>
             </a:pPr>
-            <a:endParaRPr b="0" lang="es-ES" sz="3200" spc="-1" strike="noStrike">
+            <a:endParaRPr lang="es-ES" sz="3200" b="0" strike="noStrike" spc="-1">
               <a:latin typeface="Arial"/>
             </a:endParaRPr>
           </a:p>
@@ -4862,11 +5150,14 @@
       </p:sp>
     </p:spTree>
   </p:cSld>
+  <p:clrMapOvr>
+    <a:masterClrMapping/>
+  </p:clrMapOvr>
 </p:sldLayout>
 </file>
 
 <file path=ppt/slideLayouts/slideLayout7.xml><?xml version="1.0" encoding="utf-8"?>
-<p:sldLayout xmlns:a="http://schemas.openxmlformats.org/drawingml/2006/main" xmlns:p="http://schemas.openxmlformats.org/presentationml/2006/main" xmlns:r="http://schemas.openxmlformats.org/officeDocument/2006/relationships" xmlns:p14="http://schemas.microsoft.com/office/powerpoint/2010/main" xmlns:p15="http://schemas.microsoft.com/office/powerpoint/2012/main" xmlns:mc="http://schemas.openxmlformats.org/markup-compatibility/2006" type="twoObjAndObj" preserve="1">
+<p:sldLayout xmlns:a="http://schemas.openxmlformats.org/drawingml/2006/main" xmlns:r="http://schemas.openxmlformats.org/officeDocument/2006/relationships" xmlns:p="http://schemas.openxmlformats.org/presentationml/2006/main" type="twoObjAndObj" preserve="1">
   <p:cSld name="Title, 2 Content and Content">
     <p:spTree>
       <p:nvGrpSpPr>
@@ -4906,11 +5197,12 @@
           </a:ln>
         </p:spPr>
         <p:txBody>
-          <a:bodyPr lIns="0" rIns="0" tIns="0" bIns="0" anchor="ctr">
+          <a:bodyPr lIns="0" tIns="0" rIns="0" bIns="0" anchor="ctr">
             <a:noAutofit/>
           </a:bodyPr>
-          <a:p>
-            <a:endParaRPr b="0" lang="es-ES" sz="1800" spc="-1" strike="noStrike">
+          <a:lstStyle/>
+          <a:p>
+            <a:endParaRPr lang="es-ES" sz="1800" b="0" strike="noStrike" spc="-1">
               <a:solidFill>
                 <a:srgbClr val="000000"/>
               </a:solidFill>
@@ -4943,9 +5235,10 @@
           </a:ln>
         </p:spPr>
         <p:txBody>
-          <a:bodyPr lIns="0" rIns="0" tIns="0" bIns="0" anchor="t">
+          <a:bodyPr lIns="0" tIns="0" rIns="0" bIns="0" anchor="t">
             <a:normAutofit fontScale="19000"/>
           </a:bodyPr>
+          <a:lstStyle/>
           <a:p>
             <a:pPr>
               <a:lnSpc>
@@ -4956,7 +5249,7 @@
               </a:spcBef>
               <a:buNone/>
             </a:pPr>
-            <a:endParaRPr b="0" lang="es-ES" sz="2800" spc="-1" strike="noStrike">
+            <a:endParaRPr lang="es-ES" sz="2800" b="0" strike="noStrike" spc="-1">
               <a:solidFill>
                 <a:srgbClr val="000000"/>
               </a:solidFill>
@@ -4989,9 +5282,10 @@
           </a:ln>
         </p:spPr>
         <p:txBody>
-          <a:bodyPr lIns="0" rIns="0" tIns="0" bIns="0" anchor="t">
+          <a:bodyPr lIns="0" tIns="0" rIns="0" bIns="0" anchor="t">
             <a:normAutofit fontScale="25000"/>
           </a:bodyPr>
+          <a:lstStyle/>
           <a:p>
             <a:pPr>
               <a:lnSpc>
@@ -5002,7 +5296,7 @@
               </a:spcBef>
               <a:buNone/>
             </a:pPr>
-            <a:endParaRPr b="0" lang="es-ES" sz="2800" spc="-1" strike="noStrike">
+            <a:endParaRPr lang="es-ES" sz="2800" b="0" strike="noStrike" spc="-1">
               <a:solidFill>
                 <a:srgbClr val="000000"/>
               </a:solidFill>
@@ -5035,9 +5329,10 @@
           </a:ln>
         </p:spPr>
         <p:txBody>
-          <a:bodyPr lIns="0" rIns="0" tIns="0" bIns="0" anchor="t">
+          <a:bodyPr lIns="0" tIns="0" rIns="0" bIns="0" anchor="t">
             <a:normAutofit fontScale="19000"/>
           </a:bodyPr>
+          <a:lstStyle/>
           <a:p>
             <a:pPr>
               <a:lnSpc>
@@ -5048,7 +5343,7 @@
               </a:spcBef>
               <a:buNone/>
             </a:pPr>
-            <a:endParaRPr b="0" lang="es-ES" sz="2800" spc="-1" strike="noStrike">
+            <a:endParaRPr lang="es-ES" sz="2800" b="0" strike="noStrike" spc="-1">
               <a:solidFill>
                 <a:srgbClr val="000000"/>
               </a:solidFill>
@@ -5059,11 +5354,14 @@
       </p:sp>
     </p:spTree>
   </p:cSld>
+  <p:clrMapOvr>
+    <a:masterClrMapping/>
+  </p:clrMapOvr>
 </p:sldLayout>
 </file>
 
 <file path=ppt/slideLayouts/slideLayout8.xml><?xml version="1.0" encoding="utf-8"?>
-<p:sldLayout xmlns:a="http://schemas.openxmlformats.org/drawingml/2006/main" xmlns:p="http://schemas.openxmlformats.org/presentationml/2006/main" xmlns:r="http://schemas.openxmlformats.org/officeDocument/2006/relationships" xmlns:p14="http://schemas.microsoft.com/office/powerpoint/2010/main" xmlns:p15="http://schemas.microsoft.com/office/powerpoint/2012/main" xmlns:mc="http://schemas.openxmlformats.org/markup-compatibility/2006" type="objAndTwoObj" preserve="1">
+<p:sldLayout xmlns:a="http://schemas.openxmlformats.org/drawingml/2006/main" xmlns:r="http://schemas.openxmlformats.org/officeDocument/2006/relationships" xmlns:p="http://schemas.openxmlformats.org/presentationml/2006/main" type="objAndTwoObj" preserve="1">
   <p:cSld name="Title Content and 2 Content">
     <p:spTree>
       <p:nvGrpSpPr>
@@ -5103,11 +5401,12 @@
           </a:ln>
         </p:spPr>
         <p:txBody>
-          <a:bodyPr lIns="0" rIns="0" tIns="0" bIns="0" anchor="ctr">
+          <a:bodyPr lIns="0" tIns="0" rIns="0" bIns="0" anchor="ctr">
             <a:noAutofit/>
           </a:bodyPr>
-          <a:p>
-            <a:endParaRPr b="0" lang="es-ES" sz="1800" spc="-1" strike="noStrike">
+          <a:lstStyle/>
+          <a:p>
+            <a:endParaRPr lang="es-ES" sz="1800" b="0" strike="noStrike" spc="-1">
               <a:solidFill>
                 <a:srgbClr val="000000"/>
               </a:solidFill>
@@ -5140,9 +5439,10 @@
           </a:ln>
         </p:spPr>
         <p:txBody>
-          <a:bodyPr lIns="0" rIns="0" tIns="0" bIns="0" anchor="t">
+          <a:bodyPr lIns="0" tIns="0" rIns="0" bIns="0" anchor="t">
             <a:normAutofit fontScale="25000"/>
           </a:bodyPr>
+          <a:lstStyle/>
           <a:p>
             <a:pPr>
               <a:lnSpc>
@@ -5153,7 +5453,7 @@
               </a:spcBef>
               <a:buNone/>
             </a:pPr>
-            <a:endParaRPr b="0" lang="es-ES" sz="2800" spc="-1" strike="noStrike">
+            <a:endParaRPr lang="es-ES" sz="2800" b="0" strike="noStrike" spc="-1">
               <a:solidFill>
                 <a:srgbClr val="000000"/>
               </a:solidFill>
@@ -5186,9 +5486,10 @@
           </a:ln>
         </p:spPr>
         <p:txBody>
-          <a:bodyPr lIns="0" rIns="0" tIns="0" bIns="0" anchor="t">
+          <a:bodyPr lIns="0" tIns="0" rIns="0" bIns="0" anchor="t">
             <a:normAutofit fontScale="19000"/>
           </a:bodyPr>
+          <a:lstStyle/>
           <a:p>
             <a:pPr>
               <a:lnSpc>
@@ -5199,7 +5500,7 @@
               </a:spcBef>
               <a:buNone/>
             </a:pPr>
-            <a:endParaRPr b="0" lang="es-ES" sz="2800" spc="-1" strike="noStrike">
+            <a:endParaRPr lang="es-ES" sz="2800" b="0" strike="noStrike" spc="-1">
               <a:solidFill>
                 <a:srgbClr val="000000"/>
               </a:solidFill>
@@ -5232,9 +5533,10 @@
           </a:ln>
         </p:spPr>
         <p:txBody>
-          <a:bodyPr lIns="0" rIns="0" tIns="0" bIns="0" anchor="t">
+          <a:bodyPr lIns="0" tIns="0" rIns="0" bIns="0" anchor="t">
             <a:normAutofit fontScale="19000"/>
           </a:bodyPr>
+          <a:lstStyle/>
           <a:p>
             <a:pPr>
               <a:lnSpc>
@@ -5245,7 +5547,7 @@
               </a:spcBef>
               <a:buNone/>
             </a:pPr>
-            <a:endParaRPr b="0" lang="es-ES" sz="2800" spc="-1" strike="noStrike">
+            <a:endParaRPr lang="es-ES" sz="2800" b="0" strike="noStrike" spc="-1">
               <a:solidFill>
                 <a:srgbClr val="000000"/>
               </a:solidFill>
@@ -5256,11 +5558,14 @@
       </p:sp>
     </p:spTree>
   </p:cSld>
+  <p:clrMapOvr>
+    <a:masterClrMapping/>
+  </p:clrMapOvr>
 </p:sldLayout>
 </file>
 
 <file path=ppt/slideLayouts/slideLayout9.xml><?xml version="1.0" encoding="utf-8"?>
-<p:sldLayout xmlns:a="http://schemas.openxmlformats.org/drawingml/2006/main" xmlns:p="http://schemas.openxmlformats.org/presentationml/2006/main" xmlns:r="http://schemas.openxmlformats.org/officeDocument/2006/relationships" xmlns:p14="http://schemas.microsoft.com/office/powerpoint/2010/main" xmlns:p15="http://schemas.microsoft.com/office/powerpoint/2012/main" xmlns:mc="http://schemas.openxmlformats.org/markup-compatibility/2006" type="twoObjOverTx" preserve="1">
+<p:sldLayout xmlns:a="http://schemas.openxmlformats.org/drawingml/2006/main" xmlns:r="http://schemas.openxmlformats.org/officeDocument/2006/relationships" xmlns:p="http://schemas.openxmlformats.org/presentationml/2006/main" type="twoObjOverTx" preserve="1">
   <p:cSld name="Title, 2 Content over Content">
     <p:spTree>
       <p:nvGrpSpPr>
@@ -5300,11 +5605,12 @@
           </a:ln>
         </p:spPr>
         <p:txBody>
-          <a:bodyPr lIns="0" rIns="0" tIns="0" bIns="0" anchor="ctr">
+          <a:bodyPr lIns="0" tIns="0" rIns="0" bIns="0" anchor="ctr">
             <a:noAutofit/>
           </a:bodyPr>
-          <a:p>
-            <a:endParaRPr b="0" lang="es-ES" sz="1800" spc="-1" strike="noStrike">
+          <a:lstStyle/>
+          <a:p>
+            <a:endParaRPr lang="es-ES" sz="1800" b="0" strike="noStrike" spc="-1">
               <a:solidFill>
                 <a:srgbClr val="000000"/>
               </a:solidFill>
@@ -5337,9 +5643,10 @@
           </a:ln>
         </p:spPr>
         <p:txBody>
-          <a:bodyPr lIns="0" rIns="0" tIns="0" bIns="0" anchor="t">
+          <a:bodyPr lIns="0" tIns="0" rIns="0" bIns="0" anchor="t">
             <a:normAutofit fontScale="19000"/>
           </a:bodyPr>
+          <a:lstStyle/>
           <a:p>
             <a:pPr>
               <a:lnSpc>
@@ -5350,7 +5657,7 @@
               </a:spcBef>
               <a:buNone/>
             </a:pPr>
-            <a:endParaRPr b="0" lang="es-ES" sz="2800" spc="-1" strike="noStrike">
+            <a:endParaRPr lang="es-ES" sz="2800" b="0" strike="noStrike" spc="-1">
               <a:solidFill>
                 <a:srgbClr val="000000"/>
               </a:solidFill>
@@ -5383,9 +5690,10 @@
           </a:ln>
         </p:spPr>
         <p:txBody>
-          <a:bodyPr lIns="0" rIns="0" tIns="0" bIns="0" anchor="t">
+          <a:bodyPr lIns="0" tIns="0" rIns="0" bIns="0" anchor="t">
             <a:normAutofit fontScale="19000"/>
           </a:bodyPr>
+          <a:lstStyle/>
           <a:p>
             <a:pPr>
               <a:lnSpc>
@@ -5396,7 +5704,7 @@
               </a:spcBef>
               <a:buNone/>
             </a:pPr>
-            <a:endParaRPr b="0" lang="es-ES" sz="2800" spc="-1" strike="noStrike">
+            <a:endParaRPr lang="es-ES" sz="2800" b="0" strike="noStrike" spc="-1">
               <a:solidFill>
                 <a:srgbClr val="000000"/>
               </a:solidFill>
@@ -5429,9 +5737,10 @@
           </a:ln>
         </p:spPr>
         <p:txBody>
-          <a:bodyPr lIns="0" rIns="0" tIns="0" bIns="0" anchor="t">
+          <a:bodyPr lIns="0" tIns="0" rIns="0" bIns="0" anchor="t">
             <a:normAutofit fontScale="24000"/>
           </a:bodyPr>
+          <a:lstStyle/>
           <a:p>
             <a:pPr>
               <a:lnSpc>
@@ -5442,7 +5751,7 @@
               </a:spcBef>
               <a:buNone/>
             </a:pPr>
-            <a:endParaRPr b="0" lang="es-ES" sz="2800" spc="-1" strike="noStrike">
+            <a:endParaRPr lang="es-ES" sz="2800" b="0" strike="noStrike" spc="-1">
               <a:solidFill>
                 <a:srgbClr val="000000"/>
               </a:solidFill>
@@ -5453,17 +5762,21 @@
       </p:sp>
     </p:spTree>
   </p:cSld>
+  <p:clrMapOvr>
+    <a:masterClrMapping/>
+  </p:clrMapOvr>
 </p:sldLayout>
 </file>
 
 <file path=ppt/slideMasters/slideMaster1.xml><?xml version="1.0" encoding="utf-8"?>
-<p:sldMaster xmlns:a="http://schemas.openxmlformats.org/drawingml/2006/main" xmlns:p="http://schemas.openxmlformats.org/presentationml/2006/main" xmlns:r="http://schemas.openxmlformats.org/officeDocument/2006/relationships" xmlns:p14="http://schemas.microsoft.com/office/powerpoint/2010/main" xmlns:p15="http://schemas.microsoft.com/office/powerpoint/2012/main" xmlns:mc="http://schemas.openxmlformats.org/markup-compatibility/2006">
+<p:sldMaster xmlns:a="http://schemas.openxmlformats.org/drawingml/2006/main" xmlns:r="http://schemas.openxmlformats.org/officeDocument/2006/relationships" xmlns:p="http://schemas.openxmlformats.org/presentationml/2006/main">
   <p:cSld>
     <p:bg>
       <p:bgPr>
         <a:solidFill>
-          <a:srgbClr val="ffffff"/>
+          <a:srgbClr val="FFFFFF"/>
         </a:solidFill>
+        <a:effectLst/>
       </p:bgPr>
     </p:bg>
     <p:spTree>
@@ -5482,7 +5795,7 @@
       </p:grpSpPr>
       <p:sp>
         <p:nvSpPr>
-          <p:cNvPr id="0" name="PlaceHolder 1"/>
+          <p:cNvPr id="17" name="PlaceHolder 1"/>
           <p:cNvSpPr>
             <a:spLocks noGrp="1"/>
           </p:cNvSpPr>
@@ -5507,6 +5820,7 @@
           <a:bodyPr lIns="0" rIns="0" anchor="t">
             <a:noAutofit/>
           </a:bodyPr>
+          <a:lstStyle/>
           <a:p>
             <a:pPr>
               <a:lnSpc>
@@ -5517,30 +5831,30 @@
               </a:spcBef>
               <a:buNone/>
               <a:tabLst>
-                <a:tab algn="l" pos="0"/>
+                <a:tab pos="0" algn="l"/>
               </a:tabLst>
             </a:pPr>
             <a:r>
-              <a:rPr b="1" lang="es-ES" sz="1600" spc="-1" strike="noStrike">
+              <a:rPr lang="es-ES" sz="1600" b="1" strike="noStrike" spc="-1">
                 <a:solidFill>
-                  <a:srgbClr val="b13dc8"/>
+                  <a:srgbClr val="B13DC8"/>
                 </a:solidFill>
                 <a:latin typeface="Speak Pro"/>
               </a:rPr>
               <a:t>EDITAR</a:t>
             </a:r>
-            <a:endParaRPr b="0" lang="es-ES" sz="1600" spc="-1" strike="noStrike">
-              <a:solidFill>
-                <a:srgbClr val="000000"/>
-              </a:solidFill>
-              <a:latin typeface="Avenir Next LT Pro Light"/>
-            </a:endParaRPr>
-          </a:p>
-        </p:txBody>
-      </p:sp>
-      <p:sp>
-        <p:nvSpPr>
-          <p:cNvPr id="1" name="PlaceHolder 2"/>
+            <a:endParaRPr lang="es-ES" sz="1600" b="0" strike="noStrike" spc="-1">
+              <a:solidFill>
+                <a:srgbClr val="000000"/>
+              </a:solidFill>
+              <a:latin typeface="Avenir Next LT Pro Light"/>
+            </a:endParaRPr>
+          </a:p>
+        </p:txBody>
+      </p:sp>
+      <p:sp>
+        <p:nvSpPr>
+          <p:cNvPr id="18" name="PlaceHolder 2"/>
           <p:cNvSpPr>
             <a:spLocks noGrp="1"/>
           </p:cNvSpPr>
@@ -5565,6 +5879,7 @@
           <a:bodyPr lIns="0" rIns="0" anchor="t">
             <a:noAutofit/>
           </a:bodyPr>
+          <a:lstStyle/>
           <a:p>
             <a:pPr>
               <a:lnSpc>
@@ -5575,39 +5890,136 @@
               </a:spcBef>
               <a:buNone/>
               <a:tabLst>
-                <a:tab algn="l" pos="0"/>
+                <a:tab pos="0" algn="l"/>
               </a:tabLst>
             </a:pPr>
             <a:r>
-              <a:rPr b="0" lang="es-ES" sz="1100" spc="-1" strike="noStrike">
+              <a:rPr lang="es-ES" sz="1100" b="0" strike="noStrike" spc="-1">
                 <a:solidFill>
                   <a:srgbClr val="000000"/>
                 </a:solidFill>
                 <a:latin typeface="Avenir Next LT Pro Light"/>
               </a:rPr>
-              <a:t>Haga clic para editar el </a:t>
+              <a:t>Haga clic para editar el patrón</a:t>
             </a:r>
+          </a:p>
+        </p:txBody>
+      </p:sp>
+      <p:sp>
+        <p:nvSpPr>
+          <p:cNvPr id="2" name="PlaceHolder 3"/>
+          <p:cNvSpPr>
+            <a:spLocks noGrp="1"/>
+          </p:cNvSpPr>
+          <p:nvPr>
+            <p:ph type="body"/>
+          </p:nvPr>
+        </p:nvSpPr>
+        <p:spPr>
+          <a:xfrm>
+            <a:off x="1839240" y="4014360"/>
+            <a:ext cx="1208520" cy="301680"/>
+          </a:xfrm>
+          <a:prstGeom prst="rect">
+            <a:avLst/>
+          </a:prstGeom>
+          <a:noFill/>
+          <a:ln w="0">
+            <a:noFill/>
+          </a:ln>
+        </p:spPr>
+        <p:txBody>
+          <a:bodyPr lIns="0" rIns="0" anchor="t">
+            <a:noAutofit/>
+          </a:bodyPr>
+          <a:lstStyle/>
+          <a:p>
+            <a:pPr>
+              <a:lnSpc>
+                <a:spcPct val="90000"/>
+              </a:lnSpc>
+              <a:spcBef>
+                <a:spcPts val="1001"/>
+              </a:spcBef>
+              <a:buNone/>
+              <a:tabLst>
+                <a:tab pos="0" algn="l"/>
+              </a:tabLst>
+            </a:pPr>
             <a:r>
-              <a:rPr b="0" lang="es-ES" sz="1100" spc="-1" strike="noStrike">
+              <a:rPr lang="es-ES" sz="1600" b="1" strike="noStrike" spc="-1">
+                <a:solidFill>
+                  <a:srgbClr val="172DA6"/>
+                </a:solidFill>
+                <a:latin typeface="Speak Pro"/>
+              </a:rPr>
+              <a:t>EDITAR</a:t>
+            </a:r>
+            <a:endParaRPr lang="es-ES" sz="1600" b="0" strike="noStrike" spc="-1">
+              <a:solidFill>
+                <a:srgbClr val="000000"/>
+              </a:solidFill>
+              <a:latin typeface="Avenir Next LT Pro Light"/>
+            </a:endParaRPr>
+          </a:p>
+        </p:txBody>
+      </p:sp>
+      <p:sp>
+        <p:nvSpPr>
+          <p:cNvPr id="3" name="PlaceHolder 4"/>
+          <p:cNvSpPr>
+            <a:spLocks noGrp="1"/>
+          </p:cNvSpPr>
+          <p:nvPr>
+            <p:ph type="body"/>
+          </p:nvPr>
+        </p:nvSpPr>
+        <p:spPr>
+          <a:xfrm>
+            <a:off x="1839240" y="4486320"/>
+            <a:ext cx="1181880" cy="1182600"/>
+          </a:xfrm>
+          <a:prstGeom prst="rect">
+            <a:avLst/>
+          </a:prstGeom>
+          <a:noFill/>
+          <a:ln w="0">
+            <a:noFill/>
+          </a:ln>
+        </p:spPr>
+        <p:txBody>
+          <a:bodyPr lIns="0" rIns="0" anchor="t">
+            <a:noAutofit/>
+          </a:bodyPr>
+          <a:lstStyle/>
+          <a:p>
+            <a:pPr>
+              <a:lnSpc>
+                <a:spcPct val="100000"/>
+              </a:lnSpc>
+              <a:spcBef>
+                <a:spcPts val="1001"/>
+              </a:spcBef>
+              <a:buNone/>
+              <a:tabLst>
+                <a:tab pos="0" algn="l"/>
+              </a:tabLst>
+            </a:pPr>
+            <a:r>
+              <a:rPr lang="es-ES" sz="1100" b="0" strike="noStrike" spc="-1">
                 <a:solidFill>
                   <a:srgbClr val="000000"/>
                 </a:solidFill>
                 <a:latin typeface="Avenir Next LT Pro Light"/>
               </a:rPr>
-              <a:t>patrón</a:t>
+              <a:t>Haga clic para editar el patrón</a:t>
             </a:r>
-            <a:endParaRPr b="0" lang="es-ES" sz="1100" spc="-1" strike="noStrike">
-              <a:solidFill>
-                <a:srgbClr val="000000"/>
-              </a:solidFill>
-              <a:latin typeface="Avenir Next LT Pro Light"/>
-            </a:endParaRPr>
-          </a:p>
-        </p:txBody>
-      </p:sp>
-      <p:sp>
-        <p:nvSpPr>
-          <p:cNvPr id="2" name="PlaceHolder 3"/>
+          </a:p>
+        </p:txBody>
+      </p:sp>
+      <p:sp>
+        <p:nvSpPr>
+          <p:cNvPr id="4" name="PlaceHolder 5"/>
           <p:cNvSpPr>
             <a:spLocks noGrp="1"/>
           </p:cNvSpPr>
@@ -5617,8 +6029,8 @@
         </p:nvSpPr>
         <p:spPr>
           <a:xfrm>
-            <a:off x="1839240" y="4014360"/>
-            <a:ext cx="1208520" cy="301680"/>
+            <a:off x="3222000" y="4014360"/>
+            <a:ext cx="1180800" cy="301680"/>
           </a:xfrm>
           <a:prstGeom prst="rect">
             <a:avLst/>
@@ -5632,6 +6044,7 @@
           <a:bodyPr lIns="0" rIns="0" anchor="t">
             <a:noAutofit/>
           </a:bodyPr>
+          <a:lstStyle/>
           <a:p>
             <a:pPr>
               <a:lnSpc>
@@ -5642,30 +6055,30 @@
               </a:spcBef>
               <a:buNone/>
               <a:tabLst>
-                <a:tab algn="l" pos="0"/>
+                <a:tab pos="0" algn="l"/>
               </a:tabLst>
             </a:pPr>
             <a:r>
-              <a:rPr b="1" lang="es-ES" sz="1600" spc="-1" strike="noStrike">
+              <a:rPr lang="es-ES" sz="1600" b="1" strike="noStrike" spc="-1">
                 <a:solidFill>
-                  <a:srgbClr val="172da6"/>
+                  <a:srgbClr val="00B0F0"/>
                 </a:solidFill>
                 <a:latin typeface="Speak Pro"/>
               </a:rPr>
               <a:t>EDITAR</a:t>
             </a:r>
-            <a:endParaRPr b="0" lang="es-ES" sz="1600" spc="-1" strike="noStrike">
-              <a:solidFill>
-                <a:srgbClr val="000000"/>
-              </a:solidFill>
-              <a:latin typeface="Avenir Next LT Pro Light"/>
-            </a:endParaRPr>
-          </a:p>
-        </p:txBody>
-      </p:sp>
-      <p:sp>
-        <p:nvSpPr>
-          <p:cNvPr id="3" name="PlaceHolder 4"/>
+            <a:endParaRPr lang="es-ES" sz="1600" b="0" strike="noStrike" spc="-1">
+              <a:solidFill>
+                <a:srgbClr val="000000"/>
+              </a:solidFill>
+              <a:latin typeface="Avenir Next LT Pro Light"/>
+            </a:endParaRPr>
+          </a:p>
+        </p:txBody>
+      </p:sp>
+      <p:sp>
+        <p:nvSpPr>
+          <p:cNvPr id="5" name="PlaceHolder 6"/>
           <p:cNvSpPr>
             <a:spLocks noGrp="1"/>
           </p:cNvSpPr>
@@ -5675,7 +6088,7 @@
         </p:nvSpPr>
         <p:spPr>
           <a:xfrm>
-            <a:off x="1839240" y="4486320"/>
+            <a:off x="3222000" y="4486320"/>
             <a:ext cx="1181880" cy="1182600"/>
           </a:xfrm>
           <a:prstGeom prst="rect">
@@ -5690,6 +6103,7 @@
           <a:bodyPr lIns="0" rIns="0" anchor="t">
             <a:noAutofit/>
           </a:bodyPr>
+          <a:lstStyle/>
           <a:p>
             <a:pPr>
               <a:lnSpc>
@@ -5700,39 +6114,136 @@
               </a:spcBef>
               <a:buNone/>
               <a:tabLst>
-                <a:tab algn="l" pos="0"/>
+                <a:tab pos="0" algn="l"/>
               </a:tabLst>
             </a:pPr>
             <a:r>
-              <a:rPr b="0" lang="es-ES" sz="1100" spc="-1" strike="noStrike">
+              <a:rPr lang="es-ES" sz="1100" b="0" strike="noStrike" spc="-1">
                 <a:solidFill>
                   <a:srgbClr val="000000"/>
                 </a:solidFill>
                 <a:latin typeface="Avenir Next LT Pro Light"/>
               </a:rPr>
-              <a:t>Haga clic para editar el </a:t>
+              <a:t>Haga clic para editar el patrón</a:t>
             </a:r>
+          </a:p>
+        </p:txBody>
+      </p:sp>
+      <p:sp>
+        <p:nvSpPr>
+          <p:cNvPr id="6" name="PlaceHolder 7"/>
+          <p:cNvSpPr>
+            <a:spLocks noGrp="1"/>
+          </p:cNvSpPr>
+          <p:nvPr>
+            <p:ph type="body"/>
+          </p:nvPr>
+        </p:nvSpPr>
+        <p:spPr>
+          <a:xfrm>
+            <a:off x="4605120" y="4014360"/>
+            <a:ext cx="1180800" cy="301680"/>
+          </a:xfrm>
+          <a:prstGeom prst="rect">
+            <a:avLst/>
+          </a:prstGeom>
+          <a:noFill/>
+          <a:ln w="0">
+            <a:noFill/>
+          </a:ln>
+        </p:spPr>
+        <p:txBody>
+          <a:bodyPr lIns="0" rIns="0" anchor="t">
+            <a:noAutofit/>
+          </a:bodyPr>
+          <a:lstStyle/>
+          <a:p>
+            <a:pPr>
+              <a:lnSpc>
+                <a:spcPct val="90000"/>
+              </a:lnSpc>
+              <a:spcBef>
+                <a:spcPts val="1001"/>
+              </a:spcBef>
+              <a:buNone/>
+              <a:tabLst>
+                <a:tab pos="0" algn="l"/>
+              </a:tabLst>
+            </a:pPr>
             <a:r>
-              <a:rPr b="0" lang="es-ES" sz="1100" spc="-1" strike="noStrike">
+              <a:rPr lang="es-ES" sz="1600" b="1" strike="noStrike" spc="-1">
+                <a:solidFill>
+                  <a:srgbClr val="20A472"/>
+                </a:solidFill>
+                <a:latin typeface="Speak Pro"/>
+              </a:rPr>
+              <a:t>EDITAR</a:t>
+            </a:r>
+            <a:endParaRPr lang="es-ES" sz="1600" b="0" strike="noStrike" spc="-1">
+              <a:solidFill>
+                <a:srgbClr val="000000"/>
+              </a:solidFill>
+              <a:latin typeface="Avenir Next LT Pro Light"/>
+            </a:endParaRPr>
+          </a:p>
+        </p:txBody>
+      </p:sp>
+      <p:sp>
+        <p:nvSpPr>
+          <p:cNvPr id="7" name="PlaceHolder 8"/>
+          <p:cNvSpPr>
+            <a:spLocks noGrp="1"/>
+          </p:cNvSpPr>
+          <p:nvPr>
+            <p:ph type="body"/>
+          </p:nvPr>
+        </p:nvSpPr>
+        <p:spPr>
+          <a:xfrm>
+            <a:off x="4605120" y="4486320"/>
+            <a:ext cx="1181880" cy="1182600"/>
+          </a:xfrm>
+          <a:prstGeom prst="rect">
+            <a:avLst/>
+          </a:prstGeom>
+          <a:noFill/>
+          <a:ln w="0">
+            <a:noFill/>
+          </a:ln>
+        </p:spPr>
+        <p:txBody>
+          <a:bodyPr lIns="0" rIns="0" anchor="t">
+            <a:noAutofit/>
+          </a:bodyPr>
+          <a:lstStyle/>
+          <a:p>
+            <a:pPr>
+              <a:lnSpc>
+                <a:spcPct val="100000"/>
+              </a:lnSpc>
+              <a:spcBef>
+                <a:spcPts val="1001"/>
+              </a:spcBef>
+              <a:buNone/>
+              <a:tabLst>
+                <a:tab pos="0" algn="l"/>
+              </a:tabLst>
+            </a:pPr>
+            <a:r>
+              <a:rPr lang="es-ES" sz="1100" b="0" strike="noStrike" spc="-1">
                 <a:solidFill>
                   <a:srgbClr val="000000"/>
                 </a:solidFill>
                 <a:latin typeface="Avenir Next LT Pro Light"/>
               </a:rPr>
-              <a:t>patrón</a:t>
+              <a:t>Haga clic para editar el patrón</a:t>
             </a:r>
-            <a:endParaRPr b="0" lang="es-ES" sz="1100" spc="-1" strike="noStrike">
-              <a:solidFill>
-                <a:srgbClr val="000000"/>
-              </a:solidFill>
-              <a:latin typeface="Avenir Next LT Pro Light"/>
-            </a:endParaRPr>
-          </a:p>
-        </p:txBody>
-      </p:sp>
-      <p:sp>
-        <p:nvSpPr>
-          <p:cNvPr id="4" name="PlaceHolder 5"/>
+          </a:p>
+        </p:txBody>
+      </p:sp>
+      <p:sp>
+        <p:nvSpPr>
+          <p:cNvPr id="8" name="PlaceHolder 9"/>
           <p:cNvSpPr>
             <a:spLocks noGrp="1"/>
           </p:cNvSpPr>
@@ -5742,7 +6253,7 @@
         </p:nvSpPr>
         <p:spPr>
           <a:xfrm>
-            <a:off x="3222000" y="4014360"/>
+            <a:off x="6555240" y="4014360"/>
             <a:ext cx="1180800" cy="301680"/>
           </a:xfrm>
           <a:prstGeom prst="rect">
@@ -5757,6 +6268,7 @@
           <a:bodyPr lIns="0" rIns="0" anchor="t">
             <a:noAutofit/>
           </a:bodyPr>
+          <a:lstStyle/>
           <a:p>
             <a:pPr>
               <a:lnSpc>
@@ -5767,30 +6279,30 @@
               </a:spcBef>
               <a:buNone/>
               <a:tabLst>
-                <a:tab algn="l" pos="0"/>
+                <a:tab pos="0" algn="l"/>
               </a:tabLst>
             </a:pPr>
             <a:r>
-              <a:rPr b="1" lang="es-ES" sz="1600" spc="-1" strike="noStrike">
+              <a:rPr lang="es-ES" sz="1600" b="1" strike="noStrike" spc="-1">
                 <a:solidFill>
-                  <a:srgbClr val="00b0f0"/>
+                  <a:srgbClr val="B13DC8"/>
                 </a:solidFill>
                 <a:latin typeface="Speak Pro"/>
               </a:rPr>
               <a:t>EDITAR</a:t>
             </a:r>
-            <a:endParaRPr b="0" lang="es-ES" sz="1600" spc="-1" strike="noStrike">
-              <a:solidFill>
-                <a:srgbClr val="000000"/>
-              </a:solidFill>
-              <a:latin typeface="Avenir Next LT Pro Light"/>
-            </a:endParaRPr>
-          </a:p>
-        </p:txBody>
-      </p:sp>
-      <p:sp>
-        <p:nvSpPr>
-          <p:cNvPr id="5" name="PlaceHolder 6"/>
+            <a:endParaRPr lang="es-ES" sz="1600" b="0" strike="noStrike" spc="-1">
+              <a:solidFill>
+                <a:srgbClr val="000000"/>
+              </a:solidFill>
+              <a:latin typeface="Avenir Next LT Pro Light"/>
+            </a:endParaRPr>
+          </a:p>
+        </p:txBody>
+      </p:sp>
+      <p:sp>
+        <p:nvSpPr>
+          <p:cNvPr id="9" name="PlaceHolder 10"/>
           <p:cNvSpPr>
             <a:spLocks noGrp="1"/>
           </p:cNvSpPr>
@@ -5800,7 +6312,7 @@
         </p:nvSpPr>
         <p:spPr>
           <a:xfrm>
-            <a:off x="3222000" y="4486320"/>
+            <a:off x="6555240" y="4486320"/>
             <a:ext cx="1181880" cy="1182600"/>
           </a:xfrm>
           <a:prstGeom prst="rect">
@@ -5815,6 +6327,7 @@
           <a:bodyPr lIns="0" rIns="0" anchor="t">
             <a:noAutofit/>
           </a:bodyPr>
+          <a:lstStyle/>
           <a:p>
             <a:pPr>
               <a:lnSpc>
@@ -5825,39 +6338,136 @@
               </a:spcBef>
               <a:buNone/>
               <a:tabLst>
-                <a:tab algn="l" pos="0"/>
+                <a:tab pos="0" algn="l"/>
               </a:tabLst>
             </a:pPr>
             <a:r>
-              <a:rPr b="0" lang="es-ES" sz="1100" spc="-1" strike="noStrike">
+              <a:rPr lang="es-ES" sz="1100" b="0" strike="noStrike" spc="-1">
                 <a:solidFill>
                   <a:srgbClr val="000000"/>
                 </a:solidFill>
                 <a:latin typeface="Avenir Next LT Pro Light"/>
               </a:rPr>
-              <a:t>Haga clic para editar el </a:t>
+              <a:t>Haga clic para editar el patrón</a:t>
             </a:r>
+          </a:p>
+        </p:txBody>
+      </p:sp>
+      <p:sp>
+        <p:nvSpPr>
+          <p:cNvPr id="10" name="PlaceHolder 11"/>
+          <p:cNvSpPr>
+            <a:spLocks noGrp="1"/>
+          </p:cNvSpPr>
+          <p:nvPr>
+            <p:ph type="body"/>
+          </p:nvPr>
+        </p:nvSpPr>
+        <p:spPr>
+          <a:xfrm>
+            <a:off x="7938000" y="4014360"/>
+            <a:ext cx="1180800" cy="301680"/>
+          </a:xfrm>
+          <a:prstGeom prst="rect">
+            <a:avLst/>
+          </a:prstGeom>
+          <a:noFill/>
+          <a:ln w="0">
+            <a:noFill/>
+          </a:ln>
+        </p:spPr>
+        <p:txBody>
+          <a:bodyPr lIns="0" rIns="0" anchor="t">
+            <a:noAutofit/>
+          </a:bodyPr>
+          <a:lstStyle/>
+          <a:p>
+            <a:pPr>
+              <a:lnSpc>
+                <a:spcPct val="90000"/>
+              </a:lnSpc>
+              <a:spcBef>
+                <a:spcPts val="1001"/>
+              </a:spcBef>
+              <a:buNone/>
+              <a:tabLst>
+                <a:tab pos="0" algn="l"/>
+              </a:tabLst>
+            </a:pPr>
             <a:r>
-              <a:rPr b="0" lang="es-ES" sz="1100" spc="-1" strike="noStrike">
+              <a:rPr lang="es-ES" sz="1600" b="1" strike="noStrike" spc="-1">
+                <a:solidFill>
+                  <a:srgbClr val="172DA6"/>
+                </a:solidFill>
+                <a:latin typeface="Speak Pro"/>
+              </a:rPr>
+              <a:t>EDITAR</a:t>
+            </a:r>
+            <a:endParaRPr lang="es-ES" sz="1600" b="0" strike="noStrike" spc="-1">
+              <a:solidFill>
+                <a:srgbClr val="000000"/>
+              </a:solidFill>
+              <a:latin typeface="Avenir Next LT Pro Light"/>
+            </a:endParaRPr>
+          </a:p>
+        </p:txBody>
+      </p:sp>
+      <p:sp>
+        <p:nvSpPr>
+          <p:cNvPr id="11" name="PlaceHolder 12"/>
+          <p:cNvSpPr>
+            <a:spLocks noGrp="1"/>
+          </p:cNvSpPr>
+          <p:nvPr>
+            <p:ph type="body"/>
+          </p:nvPr>
+        </p:nvSpPr>
+        <p:spPr>
+          <a:xfrm>
+            <a:off x="7938000" y="4486320"/>
+            <a:ext cx="1181880" cy="1182600"/>
+          </a:xfrm>
+          <a:prstGeom prst="rect">
+            <a:avLst/>
+          </a:prstGeom>
+          <a:noFill/>
+          <a:ln w="0">
+            <a:noFill/>
+          </a:ln>
+        </p:spPr>
+        <p:txBody>
+          <a:bodyPr lIns="0" rIns="0" anchor="t">
+            <a:noAutofit/>
+          </a:bodyPr>
+          <a:lstStyle/>
+          <a:p>
+            <a:pPr>
+              <a:lnSpc>
+                <a:spcPct val="100000"/>
+              </a:lnSpc>
+              <a:spcBef>
+                <a:spcPts val="1001"/>
+              </a:spcBef>
+              <a:buNone/>
+              <a:tabLst>
+                <a:tab pos="0" algn="l"/>
+              </a:tabLst>
+            </a:pPr>
+            <a:r>
+              <a:rPr lang="es-ES" sz="1100" b="0" strike="noStrike" spc="-1">
                 <a:solidFill>
                   <a:srgbClr val="000000"/>
                 </a:solidFill>
                 <a:latin typeface="Avenir Next LT Pro Light"/>
               </a:rPr>
-              <a:t>patrón</a:t>
+              <a:t>Haga clic para editar el patrón</a:t>
             </a:r>
-            <a:endParaRPr b="0" lang="es-ES" sz="1100" spc="-1" strike="noStrike">
-              <a:solidFill>
-                <a:srgbClr val="000000"/>
-              </a:solidFill>
-              <a:latin typeface="Avenir Next LT Pro Light"/>
-            </a:endParaRPr>
-          </a:p>
-        </p:txBody>
-      </p:sp>
-      <p:sp>
-        <p:nvSpPr>
-          <p:cNvPr id="6" name="PlaceHolder 7"/>
+          </a:p>
+        </p:txBody>
+      </p:sp>
+      <p:sp>
+        <p:nvSpPr>
+          <p:cNvPr id="12" name="PlaceHolder 13"/>
           <p:cNvSpPr>
             <a:spLocks noGrp="1"/>
           </p:cNvSpPr>
@@ -5867,7 +6477,7 @@
         </p:nvSpPr>
         <p:spPr>
           <a:xfrm>
-            <a:off x="4605120" y="4014360"/>
+            <a:off x="9321120" y="4014360"/>
             <a:ext cx="1180800" cy="301680"/>
           </a:xfrm>
           <a:prstGeom prst="rect">
@@ -5882,6 +6492,7 @@
           <a:bodyPr lIns="0" rIns="0" anchor="t">
             <a:noAutofit/>
           </a:bodyPr>
+          <a:lstStyle/>
           <a:p>
             <a:pPr>
               <a:lnSpc>
@@ -5892,30 +6503,30 @@
               </a:spcBef>
               <a:buNone/>
               <a:tabLst>
-                <a:tab algn="l" pos="0"/>
+                <a:tab pos="0" algn="l"/>
               </a:tabLst>
             </a:pPr>
             <a:r>
-              <a:rPr b="1" lang="es-ES" sz="1600" spc="-1" strike="noStrike">
+              <a:rPr lang="es-ES" sz="1600" b="1" strike="noStrike" spc="-1">
                 <a:solidFill>
-                  <a:srgbClr val="20a472"/>
+                  <a:srgbClr val="00B0F0"/>
                 </a:solidFill>
                 <a:latin typeface="Speak Pro"/>
               </a:rPr>
               <a:t>EDITAR</a:t>
             </a:r>
-            <a:endParaRPr b="0" lang="es-ES" sz="1600" spc="-1" strike="noStrike">
-              <a:solidFill>
-                <a:srgbClr val="000000"/>
-              </a:solidFill>
-              <a:latin typeface="Avenir Next LT Pro Light"/>
-            </a:endParaRPr>
-          </a:p>
-        </p:txBody>
-      </p:sp>
-      <p:sp>
-        <p:nvSpPr>
-          <p:cNvPr id="7" name="PlaceHolder 8"/>
+            <a:endParaRPr lang="es-ES" sz="1600" b="0" strike="noStrike" spc="-1">
+              <a:solidFill>
+                <a:srgbClr val="000000"/>
+              </a:solidFill>
+              <a:latin typeface="Avenir Next LT Pro Light"/>
+            </a:endParaRPr>
+          </a:p>
+        </p:txBody>
+      </p:sp>
+      <p:sp>
+        <p:nvSpPr>
+          <p:cNvPr id="13" name="PlaceHolder 14"/>
           <p:cNvSpPr>
             <a:spLocks noGrp="1"/>
           </p:cNvSpPr>
@@ -5925,7 +6536,7 @@
         </p:nvSpPr>
         <p:spPr>
           <a:xfrm>
-            <a:off x="4605120" y="4486320"/>
+            <a:off x="9321120" y="4486320"/>
             <a:ext cx="1181880" cy="1182600"/>
           </a:xfrm>
           <a:prstGeom prst="rect">
@@ -5940,6 +6551,7 @@
           <a:bodyPr lIns="0" rIns="0" anchor="t">
             <a:noAutofit/>
           </a:bodyPr>
+          <a:lstStyle/>
           <a:p>
             <a:pPr>
               <a:lnSpc>
@@ -5950,533 +6562,130 @@
               </a:spcBef>
               <a:buNone/>
               <a:tabLst>
-                <a:tab algn="l" pos="0"/>
+                <a:tab pos="0" algn="l"/>
               </a:tabLst>
             </a:pPr>
             <a:r>
-              <a:rPr b="0" lang="es-ES" sz="1100" spc="-1" strike="noStrike">
+              <a:rPr lang="es-ES" sz="1100" b="0" strike="noStrike" spc="-1">
                 <a:solidFill>
                   <a:srgbClr val="000000"/>
                 </a:solidFill>
                 <a:latin typeface="Avenir Next LT Pro Light"/>
               </a:rPr>
-              <a:t>Haga clic para editar el </a:t>
+              <a:t>Haga clic para editar el patrón</a:t>
             </a:r>
+          </a:p>
+        </p:txBody>
+      </p:sp>
+      <p:sp>
+        <p:nvSpPr>
+          <p:cNvPr id="14" name="PlaceHolder 15"/>
+          <p:cNvSpPr>
+            <a:spLocks noGrp="1"/>
+          </p:cNvSpPr>
+          <p:nvPr>
+            <p:ph type="body"/>
+          </p:nvPr>
+        </p:nvSpPr>
+        <p:spPr>
+          <a:xfrm>
+            <a:off x="10703880" y="4014360"/>
+            <a:ext cx="1180800" cy="301680"/>
+          </a:xfrm>
+          <a:prstGeom prst="rect">
+            <a:avLst/>
+          </a:prstGeom>
+          <a:noFill/>
+          <a:ln w="0">
+            <a:noFill/>
+          </a:ln>
+        </p:spPr>
+        <p:txBody>
+          <a:bodyPr lIns="0" rIns="0" anchor="t">
+            <a:noAutofit/>
+          </a:bodyPr>
+          <a:lstStyle/>
+          <a:p>
+            <a:pPr>
+              <a:lnSpc>
+                <a:spcPct val="90000"/>
+              </a:lnSpc>
+              <a:spcBef>
+                <a:spcPts val="1001"/>
+              </a:spcBef>
+              <a:buNone/>
+              <a:tabLst>
+                <a:tab pos="0" algn="l"/>
+              </a:tabLst>
+            </a:pPr>
             <a:r>
-              <a:rPr b="0" lang="es-ES" sz="1100" spc="-1" strike="noStrike">
+              <a:rPr lang="es-ES" sz="1600" b="1" strike="noStrike" spc="-1">
+                <a:solidFill>
+                  <a:srgbClr val="20A472"/>
+                </a:solidFill>
+                <a:latin typeface="Speak Pro"/>
+              </a:rPr>
+              <a:t>EDITAR</a:t>
+            </a:r>
+            <a:endParaRPr lang="es-ES" sz="1600" b="0" strike="noStrike" spc="-1">
+              <a:solidFill>
+                <a:srgbClr val="000000"/>
+              </a:solidFill>
+              <a:latin typeface="Avenir Next LT Pro Light"/>
+            </a:endParaRPr>
+          </a:p>
+        </p:txBody>
+      </p:sp>
+      <p:sp>
+        <p:nvSpPr>
+          <p:cNvPr id="15" name="PlaceHolder 16"/>
+          <p:cNvSpPr>
+            <a:spLocks noGrp="1"/>
+          </p:cNvSpPr>
+          <p:nvPr>
+            <p:ph type="body"/>
+          </p:nvPr>
+        </p:nvSpPr>
+        <p:spPr>
+          <a:xfrm>
+            <a:off x="10703880" y="4486320"/>
+            <a:ext cx="1181880" cy="1182600"/>
+          </a:xfrm>
+          <a:prstGeom prst="rect">
+            <a:avLst/>
+          </a:prstGeom>
+          <a:noFill/>
+          <a:ln w="0">
+            <a:noFill/>
+          </a:ln>
+        </p:spPr>
+        <p:txBody>
+          <a:bodyPr lIns="0" rIns="0" anchor="t">
+            <a:noAutofit/>
+          </a:bodyPr>
+          <a:lstStyle/>
+          <a:p>
+            <a:pPr>
+              <a:lnSpc>
+                <a:spcPct val="100000"/>
+              </a:lnSpc>
+              <a:spcBef>
+                <a:spcPts val="1001"/>
+              </a:spcBef>
+              <a:buNone/>
+              <a:tabLst>
+                <a:tab pos="0" algn="l"/>
+              </a:tabLst>
+            </a:pPr>
+            <a:r>
+              <a:rPr lang="es-ES" sz="1100" b="0" strike="noStrike" spc="-1">
                 <a:solidFill>
                   <a:srgbClr val="000000"/>
                 </a:solidFill>
                 <a:latin typeface="Avenir Next LT Pro Light"/>
               </a:rPr>
-              <a:t>patrón</a:t>
+              <a:t>Haga clic para editar el patrón</a:t>
             </a:r>
-            <a:endParaRPr b="0" lang="es-ES" sz="1100" spc="-1" strike="noStrike">
-              <a:solidFill>
-                <a:srgbClr val="000000"/>
-              </a:solidFill>
-              <a:latin typeface="Avenir Next LT Pro Light"/>
-            </a:endParaRPr>
-          </a:p>
-        </p:txBody>
-      </p:sp>
-      <p:sp>
-        <p:nvSpPr>
-          <p:cNvPr id="8" name="PlaceHolder 9"/>
-          <p:cNvSpPr>
-            <a:spLocks noGrp="1"/>
-          </p:cNvSpPr>
-          <p:nvPr>
-            <p:ph type="body"/>
-          </p:nvPr>
-        </p:nvSpPr>
-        <p:spPr>
-          <a:xfrm>
-            <a:off x="6555240" y="4014360"/>
-            <a:ext cx="1180800" cy="301680"/>
-          </a:xfrm>
-          <a:prstGeom prst="rect">
-            <a:avLst/>
-          </a:prstGeom>
-          <a:noFill/>
-          <a:ln w="0">
-            <a:noFill/>
-          </a:ln>
-        </p:spPr>
-        <p:txBody>
-          <a:bodyPr lIns="0" rIns="0" anchor="t">
-            <a:noAutofit/>
-          </a:bodyPr>
-          <a:p>
-            <a:pPr>
-              <a:lnSpc>
-                <a:spcPct val="90000"/>
-              </a:lnSpc>
-              <a:spcBef>
-                <a:spcPts val="1001"/>
-              </a:spcBef>
-              <a:buNone/>
-              <a:tabLst>
-                <a:tab algn="l" pos="0"/>
-              </a:tabLst>
-            </a:pPr>
-            <a:r>
-              <a:rPr b="1" lang="es-ES" sz="1600" spc="-1" strike="noStrike">
-                <a:solidFill>
-                  <a:srgbClr val="b13dc8"/>
-                </a:solidFill>
-                <a:latin typeface="Speak Pro"/>
-              </a:rPr>
-              <a:t>EDITAR</a:t>
-            </a:r>
-            <a:endParaRPr b="0" lang="es-ES" sz="1600" spc="-1" strike="noStrike">
-              <a:solidFill>
-                <a:srgbClr val="000000"/>
-              </a:solidFill>
-              <a:latin typeface="Avenir Next LT Pro Light"/>
-            </a:endParaRPr>
-          </a:p>
-        </p:txBody>
-      </p:sp>
-      <p:sp>
-        <p:nvSpPr>
-          <p:cNvPr id="9" name="PlaceHolder 10"/>
-          <p:cNvSpPr>
-            <a:spLocks noGrp="1"/>
-          </p:cNvSpPr>
-          <p:nvPr>
-            <p:ph type="body"/>
-          </p:nvPr>
-        </p:nvSpPr>
-        <p:spPr>
-          <a:xfrm>
-            <a:off x="6555240" y="4486320"/>
-            <a:ext cx="1181880" cy="1182600"/>
-          </a:xfrm>
-          <a:prstGeom prst="rect">
-            <a:avLst/>
-          </a:prstGeom>
-          <a:noFill/>
-          <a:ln w="0">
-            <a:noFill/>
-          </a:ln>
-        </p:spPr>
-        <p:txBody>
-          <a:bodyPr lIns="0" rIns="0" anchor="t">
-            <a:noAutofit/>
-          </a:bodyPr>
-          <a:p>
-            <a:pPr>
-              <a:lnSpc>
-                <a:spcPct val="100000"/>
-              </a:lnSpc>
-              <a:spcBef>
-                <a:spcPts val="1001"/>
-              </a:spcBef>
-              <a:buNone/>
-              <a:tabLst>
-                <a:tab algn="l" pos="0"/>
-              </a:tabLst>
-            </a:pPr>
-            <a:r>
-              <a:rPr b="0" lang="es-ES" sz="1100" spc="-1" strike="noStrike">
-                <a:solidFill>
-                  <a:srgbClr val="000000"/>
-                </a:solidFill>
-                <a:latin typeface="Avenir Next LT Pro Light"/>
-              </a:rPr>
-              <a:t>Haga clic para editar el </a:t>
-            </a:r>
-            <a:r>
-              <a:rPr b="0" lang="es-ES" sz="1100" spc="-1" strike="noStrike">
-                <a:solidFill>
-                  <a:srgbClr val="000000"/>
-                </a:solidFill>
-                <a:latin typeface="Avenir Next LT Pro Light"/>
-              </a:rPr>
-              <a:t>patrón</a:t>
-            </a:r>
-            <a:endParaRPr b="0" lang="es-ES" sz="1100" spc="-1" strike="noStrike">
-              <a:solidFill>
-                <a:srgbClr val="000000"/>
-              </a:solidFill>
-              <a:latin typeface="Avenir Next LT Pro Light"/>
-            </a:endParaRPr>
-          </a:p>
-        </p:txBody>
-      </p:sp>
-      <p:sp>
-        <p:nvSpPr>
-          <p:cNvPr id="10" name="PlaceHolder 11"/>
-          <p:cNvSpPr>
-            <a:spLocks noGrp="1"/>
-          </p:cNvSpPr>
-          <p:nvPr>
-            <p:ph type="body"/>
-          </p:nvPr>
-        </p:nvSpPr>
-        <p:spPr>
-          <a:xfrm>
-            <a:off x="7938000" y="4014360"/>
-            <a:ext cx="1180800" cy="301680"/>
-          </a:xfrm>
-          <a:prstGeom prst="rect">
-            <a:avLst/>
-          </a:prstGeom>
-          <a:noFill/>
-          <a:ln w="0">
-            <a:noFill/>
-          </a:ln>
-        </p:spPr>
-        <p:txBody>
-          <a:bodyPr lIns="0" rIns="0" anchor="t">
-            <a:noAutofit/>
-          </a:bodyPr>
-          <a:p>
-            <a:pPr>
-              <a:lnSpc>
-                <a:spcPct val="90000"/>
-              </a:lnSpc>
-              <a:spcBef>
-                <a:spcPts val="1001"/>
-              </a:spcBef>
-              <a:buNone/>
-              <a:tabLst>
-                <a:tab algn="l" pos="0"/>
-              </a:tabLst>
-            </a:pPr>
-            <a:r>
-              <a:rPr b="1" lang="es-ES" sz="1600" spc="-1" strike="noStrike">
-                <a:solidFill>
-                  <a:srgbClr val="172da6"/>
-                </a:solidFill>
-                <a:latin typeface="Speak Pro"/>
-              </a:rPr>
-              <a:t>EDITAR</a:t>
-            </a:r>
-            <a:endParaRPr b="0" lang="es-ES" sz="1600" spc="-1" strike="noStrike">
-              <a:solidFill>
-                <a:srgbClr val="000000"/>
-              </a:solidFill>
-              <a:latin typeface="Avenir Next LT Pro Light"/>
-            </a:endParaRPr>
-          </a:p>
-        </p:txBody>
-      </p:sp>
-      <p:sp>
-        <p:nvSpPr>
-          <p:cNvPr id="11" name="PlaceHolder 12"/>
-          <p:cNvSpPr>
-            <a:spLocks noGrp="1"/>
-          </p:cNvSpPr>
-          <p:nvPr>
-            <p:ph type="body"/>
-          </p:nvPr>
-        </p:nvSpPr>
-        <p:spPr>
-          <a:xfrm>
-            <a:off x="7938000" y="4486320"/>
-            <a:ext cx="1181880" cy="1182600"/>
-          </a:xfrm>
-          <a:prstGeom prst="rect">
-            <a:avLst/>
-          </a:prstGeom>
-          <a:noFill/>
-          <a:ln w="0">
-            <a:noFill/>
-          </a:ln>
-        </p:spPr>
-        <p:txBody>
-          <a:bodyPr lIns="0" rIns="0" anchor="t">
-            <a:noAutofit/>
-          </a:bodyPr>
-          <a:p>
-            <a:pPr>
-              <a:lnSpc>
-                <a:spcPct val="100000"/>
-              </a:lnSpc>
-              <a:spcBef>
-                <a:spcPts val="1001"/>
-              </a:spcBef>
-              <a:buNone/>
-              <a:tabLst>
-                <a:tab algn="l" pos="0"/>
-              </a:tabLst>
-            </a:pPr>
-            <a:r>
-              <a:rPr b="0" lang="es-ES" sz="1100" spc="-1" strike="noStrike">
-                <a:solidFill>
-                  <a:srgbClr val="000000"/>
-                </a:solidFill>
-                <a:latin typeface="Avenir Next LT Pro Light"/>
-              </a:rPr>
-              <a:t>Haga clic para editar el </a:t>
-            </a:r>
-            <a:r>
-              <a:rPr b="0" lang="es-ES" sz="1100" spc="-1" strike="noStrike">
-                <a:solidFill>
-                  <a:srgbClr val="000000"/>
-                </a:solidFill>
-                <a:latin typeface="Avenir Next LT Pro Light"/>
-              </a:rPr>
-              <a:t>patrón</a:t>
-            </a:r>
-            <a:endParaRPr b="0" lang="es-ES" sz="1100" spc="-1" strike="noStrike">
-              <a:solidFill>
-                <a:srgbClr val="000000"/>
-              </a:solidFill>
-              <a:latin typeface="Avenir Next LT Pro Light"/>
-            </a:endParaRPr>
-          </a:p>
-        </p:txBody>
-      </p:sp>
-      <p:sp>
-        <p:nvSpPr>
-          <p:cNvPr id="12" name="PlaceHolder 13"/>
-          <p:cNvSpPr>
-            <a:spLocks noGrp="1"/>
-          </p:cNvSpPr>
-          <p:nvPr>
-            <p:ph type="body"/>
-          </p:nvPr>
-        </p:nvSpPr>
-        <p:spPr>
-          <a:xfrm>
-            <a:off x="9321120" y="4014360"/>
-            <a:ext cx="1180800" cy="301680"/>
-          </a:xfrm>
-          <a:prstGeom prst="rect">
-            <a:avLst/>
-          </a:prstGeom>
-          <a:noFill/>
-          <a:ln w="0">
-            <a:noFill/>
-          </a:ln>
-        </p:spPr>
-        <p:txBody>
-          <a:bodyPr lIns="0" rIns="0" anchor="t">
-            <a:noAutofit/>
-          </a:bodyPr>
-          <a:p>
-            <a:pPr>
-              <a:lnSpc>
-                <a:spcPct val="90000"/>
-              </a:lnSpc>
-              <a:spcBef>
-                <a:spcPts val="1001"/>
-              </a:spcBef>
-              <a:buNone/>
-              <a:tabLst>
-                <a:tab algn="l" pos="0"/>
-              </a:tabLst>
-            </a:pPr>
-            <a:r>
-              <a:rPr b="1" lang="es-ES" sz="1600" spc="-1" strike="noStrike">
-                <a:solidFill>
-                  <a:srgbClr val="00b0f0"/>
-                </a:solidFill>
-                <a:latin typeface="Speak Pro"/>
-              </a:rPr>
-              <a:t>EDITAR</a:t>
-            </a:r>
-            <a:endParaRPr b="0" lang="es-ES" sz="1600" spc="-1" strike="noStrike">
-              <a:solidFill>
-                <a:srgbClr val="000000"/>
-              </a:solidFill>
-              <a:latin typeface="Avenir Next LT Pro Light"/>
-            </a:endParaRPr>
-          </a:p>
-        </p:txBody>
-      </p:sp>
-      <p:sp>
-        <p:nvSpPr>
-          <p:cNvPr id="13" name="PlaceHolder 14"/>
-          <p:cNvSpPr>
-            <a:spLocks noGrp="1"/>
-          </p:cNvSpPr>
-          <p:nvPr>
-            <p:ph type="body"/>
-          </p:nvPr>
-        </p:nvSpPr>
-        <p:spPr>
-          <a:xfrm>
-            <a:off x="9321120" y="4486320"/>
-            <a:ext cx="1181880" cy="1182600"/>
-          </a:xfrm>
-          <a:prstGeom prst="rect">
-            <a:avLst/>
-          </a:prstGeom>
-          <a:noFill/>
-          <a:ln w="0">
-            <a:noFill/>
-          </a:ln>
-        </p:spPr>
-        <p:txBody>
-          <a:bodyPr lIns="0" rIns="0" anchor="t">
-            <a:noAutofit/>
-          </a:bodyPr>
-          <a:p>
-            <a:pPr>
-              <a:lnSpc>
-                <a:spcPct val="100000"/>
-              </a:lnSpc>
-              <a:spcBef>
-                <a:spcPts val="1001"/>
-              </a:spcBef>
-              <a:buNone/>
-              <a:tabLst>
-                <a:tab algn="l" pos="0"/>
-              </a:tabLst>
-            </a:pPr>
-            <a:r>
-              <a:rPr b="0" lang="es-ES" sz="1100" spc="-1" strike="noStrike">
-                <a:solidFill>
-                  <a:srgbClr val="000000"/>
-                </a:solidFill>
-                <a:latin typeface="Avenir Next LT Pro Light"/>
-              </a:rPr>
-              <a:t>Haga clic para editar el </a:t>
-            </a:r>
-            <a:r>
-              <a:rPr b="0" lang="es-ES" sz="1100" spc="-1" strike="noStrike">
-                <a:solidFill>
-                  <a:srgbClr val="000000"/>
-                </a:solidFill>
-                <a:latin typeface="Avenir Next LT Pro Light"/>
-              </a:rPr>
-              <a:t>patrón</a:t>
-            </a:r>
-            <a:endParaRPr b="0" lang="es-ES" sz="1100" spc="-1" strike="noStrike">
-              <a:solidFill>
-                <a:srgbClr val="000000"/>
-              </a:solidFill>
-              <a:latin typeface="Avenir Next LT Pro Light"/>
-            </a:endParaRPr>
-          </a:p>
-        </p:txBody>
-      </p:sp>
-      <p:sp>
-        <p:nvSpPr>
-          <p:cNvPr id="14" name="PlaceHolder 15"/>
-          <p:cNvSpPr>
-            <a:spLocks noGrp="1"/>
-          </p:cNvSpPr>
-          <p:nvPr>
-            <p:ph type="body"/>
-          </p:nvPr>
-        </p:nvSpPr>
-        <p:spPr>
-          <a:xfrm>
-            <a:off x="10703880" y="4014360"/>
-            <a:ext cx="1180800" cy="301680"/>
-          </a:xfrm>
-          <a:prstGeom prst="rect">
-            <a:avLst/>
-          </a:prstGeom>
-          <a:noFill/>
-          <a:ln w="0">
-            <a:noFill/>
-          </a:ln>
-        </p:spPr>
-        <p:txBody>
-          <a:bodyPr lIns="0" rIns="0" anchor="t">
-            <a:noAutofit/>
-          </a:bodyPr>
-          <a:p>
-            <a:pPr>
-              <a:lnSpc>
-                <a:spcPct val="90000"/>
-              </a:lnSpc>
-              <a:spcBef>
-                <a:spcPts val="1001"/>
-              </a:spcBef>
-              <a:buNone/>
-              <a:tabLst>
-                <a:tab algn="l" pos="0"/>
-              </a:tabLst>
-            </a:pPr>
-            <a:r>
-              <a:rPr b="1" lang="es-ES" sz="1600" spc="-1" strike="noStrike">
-                <a:solidFill>
-                  <a:srgbClr val="20a472"/>
-                </a:solidFill>
-                <a:latin typeface="Speak Pro"/>
-              </a:rPr>
-              <a:t>EDITAR</a:t>
-            </a:r>
-            <a:endParaRPr b="0" lang="es-ES" sz="1600" spc="-1" strike="noStrike">
-              <a:solidFill>
-                <a:srgbClr val="000000"/>
-              </a:solidFill>
-              <a:latin typeface="Avenir Next LT Pro Light"/>
-            </a:endParaRPr>
-          </a:p>
-        </p:txBody>
-      </p:sp>
-      <p:sp>
-        <p:nvSpPr>
-          <p:cNvPr id="15" name="PlaceHolder 16"/>
-          <p:cNvSpPr>
-            <a:spLocks noGrp="1"/>
-          </p:cNvSpPr>
-          <p:nvPr>
-            <p:ph type="body"/>
-          </p:nvPr>
-        </p:nvSpPr>
-        <p:spPr>
-          <a:xfrm>
-            <a:off x="10703880" y="4486320"/>
-            <a:ext cx="1181880" cy="1182600"/>
-          </a:xfrm>
-          <a:prstGeom prst="rect">
-            <a:avLst/>
-          </a:prstGeom>
-          <a:noFill/>
-          <a:ln w="0">
-            <a:noFill/>
-          </a:ln>
-        </p:spPr>
-        <p:txBody>
-          <a:bodyPr lIns="0" rIns="0" anchor="t">
-            <a:noAutofit/>
-          </a:bodyPr>
-          <a:p>
-            <a:pPr>
-              <a:lnSpc>
-                <a:spcPct val="100000"/>
-              </a:lnSpc>
-              <a:spcBef>
-                <a:spcPts val="1001"/>
-              </a:spcBef>
-              <a:buNone/>
-              <a:tabLst>
-                <a:tab algn="l" pos="0"/>
-              </a:tabLst>
-            </a:pPr>
-            <a:r>
-              <a:rPr b="0" lang="es-ES" sz="1100" spc="-1" strike="noStrike">
-                <a:solidFill>
-                  <a:srgbClr val="000000"/>
-                </a:solidFill>
-                <a:latin typeface="Avenir Next LT Pro Light"/>
-              </a:rPr>
-              <a:t>Haga clic para editar el </a:t>
-            </a:r>
-            <a:r>
-              <a:rPr b="0" lang="es-ES" sz="1100" spc="-1" strike="noStrike">
-                <a:solidFill>
-                  <a:srgbClr val="000000"/>
-                </a:solidFill>
-                <a:latin typeface="Avenir Next LT Pro Light"/>
-              </a:rPr>
-              <a:t>patrón</a:t>
-            </a:r>
-            <a:endParaRPr b="0" lang="es-ES" sz="1100" spc="-1" strike="noStrike">
-              <a:solidFill>
-                <a:srgbClr val="000000"/>
-              </a:solidFill>
-              <a:latin typeface="Avenir Next LT Pro Light"/>
-            </a:endParaRPr>
           </a:p>
         </p:txBody>
       </p:sp>
@@ -6507,6 +6716,7 @@
           <a:bodyPr anchor="t">
             <a:noAutofit/>
           </a:bodyPr>
+          <a:lstStyle/>
           <a:p>
             <a:pPr algn="ctr">
               <a:lnSpc>
@@ -6518,24 +6728,15 @@
               <a:buNone/>
             </a:pPr>
             <a:r>
-              <a:rPr b="1" lang="es-ES" sz="3600" spc="-1" strike="noStrike" cap="all">
+              <a:rPr lang="es-ES" sz="3600" b="1" strike="noStrike" cap="all" spc="-1">
                 <a:solidFill>
                   <a:srgbClr val="000000"/>
                 </a:solidFill>
                 <a:latin typeface="Speak Pro"/>
               </a:rPr>
-              <a:t>Haga clic para modificar el estilo de </a:t>
+              <a:t>Haga clic para modificar el estilo de título del patrón</a:t>
             </a:r>
-            <a:r>
-              <a:rPr b="1" lang="es-ES" sz="3600" spc="-1" strike="noStrike" cap="all">
-                <a:solidFill>
-                  <a:srgbClr val="000000"/>
-                </a:solidFill>
-                <a:latin typeface="Speak Pro"/>
-              </a:rPr>
-              <a:t>título del patrón</a:t>
-            </a:r>
-            <a:endParaRPr b="0" lang="es-ES" sz="3600" spc="-1" strike="noStrike">
+            <a:endParaRPr lang="es-ES" sz="3600" b="0" strike="noStrike" spc="-1">
               <a:solidFill>
                 <a:srgbClr val="000000"/>
               </a:solidFill>
@@ -6546,32 +6747,313 @@
       </p:sp>
     </p:spTree>
   </p:cSld>
-  <p:clrMap bg1="lt1" bg2="lt2" tx1="dk1" tx2="dk2" accent1="accent1" accent2="accent2" accent3="accent3" accent4="accent4" accent5="accent5" accent6="accent6" hlink="hlink" folHlink="folHlink"/>
+  <p:clrMap bg1="lt1" tx1="dk1" bg2="lt2" tx2="dk2" accent1="accent1" accent2="accent2" accent3="accent3" accent4="accent4" accent5="accent5" accent6="accent6" hlink="hlink" folHlink="folHlink"/>
   <p:sldLayoutIdLst>
-    <p:sldLayoutId id="2147483649" r:id="rId2"/>
-    <p:sldLayoutId id="2147483650" r:id="rId3"/>
-    <p:sldLayoutId id="2147483651" r:id="rId4"/>
-    <p:sldLayoutId id="2147483652" r:id="rId5"/>
-    <p:sldLayoutId id="2147483653" r:id="rId6"/>
-    <p:sldLayoutId id="2147483654" r:id="rId7"/>
-    <p:sldLayoutId id="2147483655" r:id="rId8"/>
-    <p:sldLayoutId id="2147483656" r:id="rId9"/>
-    <p:sldLayoutId id="2147483657" r:id="rId10"/>
-    <p:sldLayoutId id="2147483658" r:id="rId11"/>
-    <p:sldLayoutId id="2147483659" r:id="rId12"/>
-    <p:sldLayoutId id="2147483660" r:id="rId13"/>
+    <p:sldLayoutId id="2147483649" r:id="rId1"/>
+    <p:sldLayoutId id="2147483650" r:id="rId2"/>
+    <p:sldLayoutId id="2147483651" r:id="rId3"/>
+    <p:sldLayoutId id="2147483652" r:id="rId4"/>
+    <p:sldLayoutId id="2147483653" r:id="rId5"/>
+    <p:sldLayoutId id="2147483654" r:id="rId6"/>
+    <p:sldLayoutId id="2147483655" r:id="rId7"/>
+    <p:sldLayoutId id="2147483656" r:id="rId8"/>
+    <p:sldLayoutId id="2147483657" r:id="rId9"/>
+    <p:sldLayoutId id="2147483658" r:id="rId10"/>
+    <p:sldLayoutId id="2147483659" r:id="rId11"/>
+    <p:sldLayoutId id="2147483660" r:id="rId12"/>
   </p:sldLayoutIdLst>
+  <p:txStyles>
+    <p:titleStyle>
+      <a:lvl1pPr algn="l" defTabSz="914400" rtl="0" eaLnBrk="1" latinLnBrk="0" hangingPunct="1">
+        <a:lnSpc>
+          <a:spcPct val="90000"/>
+        </a:lnSpc>
+        <a:spcBef>
+          <a:spcPct val="0"/>
+        </a:spcBef>
+        <a:buNone/>
+        <a:defRPr sz="4400" kern="1200">
+          <a:solidFill>
+            <a:schemeClr val="tx1"/>
+          </a:solidFill>
+          <a:latin typeface="+mj-lt"/>
+          <a:ea typeface="+mj-ea"/>
+          <a:cs typeface="+mj-cs"/>
+        </a:defRPr>
+      </a:lvl1pPr>
+    </p:titleStyle>
+    <p:bodyStyle>
+      <a:lvl1pPr marL="228600" indent="-228600" algn="l" defTabSz="914400" rtl="0" eaLnBrk="1" latinLnBrk="0" hangingPunct="1">
+        <a:lnSpc>
+          <a:spcPct val="90000"/>
+        </a:lnSpc>
+        <a:spcBef>
+          <a:spcPts val="1000"/>
+        </a:spcBef>
+        <a:buFont typeface="Arial" panose="020B0604020202020204" pitchFamily="34" charset="0"/>
+        <a:buChar char="•"/>
+        <a:defRPr sz="2800" kern="1200">
+          <a:solidFill>
+            <a:schemeClr val="tx1"/>
+          </a:solidFill>
+          <a:latin typeface="+mn-lt"/>
+          <a:ea typeface="+mn-ea"/>
+          <a:cs typeface="+mn-cs"/>
+        </a:defRPr>
+      </a:lvl1pPr>
+      <a:lvl2pPr marL="685800" indent="-228600" algn="l" defTabSz="914400" rtl="0" eaLnBrk="1" latinLnBrk="0" hangingPunct="1">
+        <a:lnSpc>
+          <a:spcPct val="90000"/>
+        </a:lnSpc>
+        <a:spcBef>
+          <a:spcPts val="500"/>
+        </a:spcBef>
+        <a:buFont typeface="Arial" panose="020B0604020202020204" pitchFamily="34" charset="0"/>
+        <a:buChar char="•"/>
+        <a:defRPr sz="2400" kern="1200">
+          <a:solidFill>
+            <a:schemeClr val="tx1"/>
+          </a:solidFill>
+          <a:latin typeface="+mn-lt"/>
+          <a:ea typeface="+mn-ea"/>
+          <a:cs typeface="+mn-cs"/>
+        </a:defRPr>
+      </a:lvl2pPr>
+      <a:lvl3pPr marL="1143000" indent="-228600" algn="l" defTabSz="914400" rtl="0" eaLnBrk="1" latinLnBrk="0" hangingPunct="1">
+        <a:lnSpc>
+          <a:spcPct val="90000"/>
+        </a:lnSpc>
+        <a:spcBef>
+          <a:spcPts val="500"/>
+        </a:spcBef>
+        <a:buFont typeface="Arial" panose="020B0604020202020204" pitchFamily="34" charset="0"/>
+        <a:buChar char="•"/>
+        <a:defRPr sz="2000" kern="1200">
+          <a:solidFill>
+            <a:schemeClr val="tx1"/>
+          </a:solidFill>
+          <a:latin typeface="+mn-lt"/>
+          <a:ea typeface="+mn-ea"/>
+          <a:cs typeface="+mn-cs"/>
+        </a:defRPr>
+      </a:lvl3pPr>
+      <a:lvl4pPr marL="1600200" indent="-228600" algn="l" defTabSz="914400" rtl="0" eaLnBrk="1" latinLnBrk="0" hangingPunct="1">
+        <a:lnSpc>
+          <a:spcPct val="90000"/>
+        </a:lnSpc>
+        <a:spcBef>
+          <a:spcPts val="500"/>
+        </a:spcBef>
+        <a:buFont typeface="Arial" panose="020B0604020202020204" pitchFamily="34" charset="0"/>
+        <a:buChar char="•"/>
+        <a:defRPr sz="1800" kern="1200">
+          <a:solidFill>
+            <a:schemeClr val="tx1"/>
+          </a:solidFill>
+          <a:latin typeface="+mn-lt"/>
+          <a:ea typeface="+mn-ea"/>
+          <a:cs typeface="+mn-cs"/>
+        </a:defRPr>
+      </a:lvl4pPr>
+      <a:lvl5pPr marL="2057400" indent="-228600" algn="l" defTabSz="914400" rtl="0" eaLnBrk="1" latinLnBrk="0" hangingPunct="1">
+        <a:lnSpc>
+          <a:spcPct val="90000"/>
+        </a:lnSpc>
+        <a:spcBef>
+          <a:spcPts val="500"/>
+        </a:spcBef>
+        <a:buFont typeface="Arial" panose="020B0604020202020204" pitchFamily="34" charset="0"/>
+        <a:buChar char="•"/>
+        <a:defRPr sz="1800" kern="1200">
+          <a:solidFill>
+            <a:schemeClr val="tx1"/>
+          </a:solidFill>
+          <a:latin typeface="+mn-lt"/>
+          <a:ea typeface="+mn-ea"/>
+          <a:cs typeface="+mn-cs"/>
+        </a:defRPr>
+      </a:lvl5pPr>
+      <a:lvl6pPr marL="2514600" indent="-228600" algn="l" defTabSz="914400" rtl="0" eaLnBrk="1" latinLnBrk="0" hangingPunct="1">
+        <a:lnSpc>
+          <a:spcPct val="90000"/>
+        </a:lnSpc>
+        <a:spcBef>
+          <a:spcPts val="500"/>
+        </a:spcBef>
+        <a:buFont typeface="Arial" panose="020B0604020202020204" pitchFamily="34" charset="0"/>
+        <a:buChar char="•"/>
+        <a:defRPr sz="1800" kern="1200">
+          <a:solidFill>
+            <a:schemeClr val="tx1"/>
+          </a:solidFill>
+          <a:latin typeface="+mn-lt"/>
+          <a:ea typeface="+mn-ea"/>
+          <a:cs typeface="+mn-cs"/>
+        </a:defRPr>
+      </a:lvl6pPr>
+      <a:lvl7pPr marL="2971800" indent="-228600" algn="l" defTabSz="914400" rtl="0" eaLnBrk="1" latinLnBrk="0" hangingPunct="1">
+        <a:lnSpc>
+          <a:spcPct val="90000"/>
+        </a:lnSpc>
+        <a:spcBef>
+          <a:spcPts val="500"/>
+        </a:spcBef>
+        <a:buFont typeface="Arial" panose="020B0604020202020204" pitchFamily="34" charset="0"/>
+        <a:buChar char="•"/>
+        <a:defRPr sz="1800" kern="1200">
+          <a:solidFill>
+            <a:schemeClr val="tx1"/>
+          </a:solidFill>
+          <a:latin typeface="+mn-lt"/>
+          <a:ea typeface="+mn-ea"/>
+          <a:cs typeface="+mn-cs"/>
+        </a:defRPr>
+      </a:lvl7pPr>
+      <a:lvl8pPr marL="3429000" indent="-228600" algn="l" defTabSz="914400" rtl="0" eaLnBrk="1" latinLnBrk="0" hangingPunct="1">
+        <a:lnSpc>
+          <a:spcPct val="90000"/>
+        </a:lnSpc>
+        <a:spcBef>
+          <a:spcPts val="500"/>
+        </a:spcBef>
+        <a:buFont typeface="Arial" panose="020B0604020202020204" pitchFamily="34" charset="0"/>
+        <a:buChar char="•"/>
+        <a:defRPr sz="1800" kern="1200">
+          <a:solidFill>
+            <a:schemeClr val="tx1"/>
+          </a:solidFill>
+          <a:latin typeface="+mn-lt"/>
+          <a:ea typeface="+mn-ea"/>
+          <a:cs typeface="+mn-cs"/>
+        </a:defRPr>
+      </a:lvl8pPr>
+      <a:lvl9pPr marL="3886200" indent="-228600" algn="l" defTabSz="914400" rtl="0" eaLnBrk="1" latinLnBrk="0" hangingPunct="1">
+        <a:lnSpc>
+          <a:spcPct val="90000"/>
+        </a:lnSpc>
+        <a:spcBef>
+          <a:spcPts val="500"/>
+        </a:spcBef>
+        <a:buFont typeface="Arial" panose="020B0604020202020204" pitchFamily="34" charset="0"/>
+        <a:buChar char="•"/>
+        <a:defRPr sz="1800" kern="1200">
+          <a:solidFill>
+            <a:schemeClr val="tx1"/>
+          </a:solidFill>
+          <a:latin typeface="+mn-lt"/>
+          <a:ea typeface="+mn-ea"/>
+          <a:cs typeface="+mn-cs"/>
+        </a:defRPr>
+      </a:lvl9pPr>
+    </p:bodyStyle>
+    <p:otherStyle>
+      <a:defPPr>
+        <a:defRPr lang="es-ES"/>
+      </a:defPPr>
+      <a:lvl1pPr marL="0" algn="l" defTabSz="914400" rtl="0" eaLnBrk="1" latinLnBrk="0" hangingPunct="1">
+        <a:defRPr sz="1800" kern="1200">
+          <a:solidFill>
+            <a:schemeClr val="tx1"/>
+          </a:solidFill>
+          <a:latin typeface="+mn-lt"/>
+          <a:ea typeface="+mn-ea"/>
+          <a:cs typeface="+mn-cs"/>
+        </a:defRPr>
+      </a:lvl1pPr>
+      <a:lvl2pPr marL="457200" algn="l" defTabSz="914400" rtl="0" eaLnBrk="1" latinLnBrk="0" hangingPunct="1">
+        <a:defRPr sz="1800" kern="1200">
+          <a:solidFill>
+            <a:schemeClr val="tx1"/>
+          </a:solidFill>
+          <a:latin typeface="+mn-lt"/>
+          <a:ea typeface="+mn-ea"/>
+          <a:cs typeface="+mn-cs"/>
+        </a:defRPr>
+      </a:lvl2pPr>
+      <a:lvl3pPr marL="914400" algn="l" defTabSz="914400" rtl="0" eaLnBrk="1" latinLnBrk="0" hangingPunct="1">
+        <a:defRPr sz="1800" kern="1200">
+          <a:solidFill>
+            <a:schemeClr val="tx1"/>
+          </a:solidFill>
+          <a:latin typeface="+mn-lt"/>
+          <a:ea typeface="+mn-ea"/>
+          <a:cs typeface="+mn-cs"/>
+        </a:defRPr>
+      </a:lvl3pPr>
+      <a:lvl4pPr marL="1371600" algn="l" defTabSz="914400" rtl="0" eaLnBrk="1" latinLnBrk="0" hangingPunct="1">
+        <a:defRPr sz="1800" kern="1200">
+          <a:solidFill>
+            <a:schemeClr val="tx1"/>
+          </a:solidFill>
+          <a:latin typeface="+mn-lt"/>
+          <a:ea typeface="+mn-ea"/>
+          <a:cs typeface="+mn-cs"/>
+        </a:defRPr>
+      </a:lvl4pPr>
+      <a:lvl5pPr marL="1828800" algn="l" defTabSz="914400" rtl="0" eaLnBrk="1" latinLnBrk="0" hangingPunct="1">
+        <a:defRPr sz="1800" kern="1200">
+          <a:solidFill>
+            <a:schemeClr val="tx1"/>
+          </a:solidFill>
+          <a:latin typeface="+mn-lt"/>
+          <a:ea typeface="+mn-ea"/>
+          <a:cs typeface="+mn-cs"/>
+        </a:defRPr>
+      </a:lvl5pPr>
+      <a:lvl6pPr marL="2286000" algn="l" defTabSz="914400" rtl="0" eaLnBrk="1" latinLnBrk="0" hangingPunct="1">
+        <a:defRPr sz="1800" kern="1200">
+          <a:solidFill>
+            <a:schemeClr val="tx1"/>
+          </a:solidFill>
+          <a:latin typeface="+mn-lt"/>
+          <a:ea typeface="+mn-ea"/>
+          <a:cs typeface="+mn-cs"/>
+        </a:defRPr>
+      </a:lvl6pPr>
+      <a:lvl7pPr marL="2743200" algn="l" defTabSz="914400" rtl="0" eaLnBrk="1" latinLnBrk="0" hangingPunct="1">
+        <a:defRPr sz="1800" kern="1200">
+          <a:solidFill>
+            <a:schemeClr val="tx1"/>
+          </a:solidFill>
+          <a:latin typeface="+mn-lt"/>
+          <a:ea typeface="+mn-ea"/>
+          <a:cs typeface="+mn-cs"/>
+        </a:defRPr>
+      </a:lvl7pPr>
+      <a:lvl8pPr marL="3200400" algn="l" defTabSz="914400" rtl="0" eaLnBrk="1" latinLnBrk="0" hangingPunct="1">
+        <a:defRPr sz="1800" kern="1200">
+          <a:solidFill>
+            <a:schemeClr val="tx1"/>
+          </a:solidFill>
+          <a:latin typeface="+mn-lt"/>
+          <a:ea typeface="+mn-ea"/>
+          <a:cs typeface="+mn-cs"/>
+        </a:defRPr>
+      </a:lvl8pPr>
+      <a:lvl9pPr marL="3657600" algn="l" defTabSz="914400" rtl="0" eaLnBrk="1" latinLnBrk="0" hangingPunct="1">
+        <a:defRPr sz="1800" kern="1200">
+          <a:solidFill>
+            <a:schemeClr val="tx1"/>
+          </a:solidFill>
+          <a:latin typeface="+mn-lt"/>
+          <a:ea typeface="+mn-ea"/>
+          <a:cs typeface="+mn-cs"/>
+        </a:defRPr>
+      </a:lvl9pPr>
+    </p:otherStyle>
+  </p:txStyles>
 </p:sldMaster>
 </file>
 
 <file path=ppt/slideMasters/slideMaster2.xml><?xml version="1.0" encoding="utf-8"?>
-<p:sldMaster xmlns:a="http://schemas.openxmlformats.org/drawingml/2006/main" xmlns:p="http://schemas.openxmlformats.org/presentationml/2006/main" xmlns:r="http://schemas.openxmlformats.org/officeDocument/2006/relationships" xmlns:p14="http://schemas.microsoft.com/office/powerpoint/2010/main" xmlns:p15="http://schemas.microsoft.com/office/powerpoint/2012/main" xmlns:mc="http://schemas.openxmlformats.org/markup-compatibility/2006">
+<p:sldMaster xmlns:a="http://schemas.openxmlformats.org/drawingml/2006/main" xmlns:r="http://schemas.openxmlformats.org/officeDocument/2006/relationships" xmlns:p="http://schemas.openxmlformats.org/presentationml/2006/main">
   <p:cSld>
     <p:bg>
       <p:bgPr>
         <a:solidFill>
-          <a:srgbClr val="ffffff"/>
+          <a:srgbClr val="FFFFFF"/>
         </a:solidFill>
+        <a:effectLst/>
       </p:bgPr>
     </p:bg>
     <p:spTree>
@@ -6615,6 +7097,7 @@
           <a:bodyPr anchor="t">
             <a:noAutofit/>
           </a:bodyPr>
+          <a:lstStyle/>
           <a:p>
             <a:pPr>
               <a:lnSpc>
@@ -6625,28 +7108,19 @@
               </a:spcBef>
               <a:buNone/>
               <a:tabLst>
-                <a:tab algn="l" pos="0"/>
+                <a:tab pos="0" algn="l"/>
               </a:tabLst>
             </a:pPr>
             <a:r>
-              <a:rPr b="1" lang="es-ES" sz="2000" spc="-1" strike="noStrike">
+              <a:rPr lang="es-ES" sz="2000" b="1" strike="noStrike" spc="-1">
                 <a:solidFill>
-                  <a:srgbClr val="b13dc8"/>
+                  <a:srgbClr val="B13DC8"/>
                 </a:solidFill>
                 <a:latin typeface="Speak Pro"/>
               </a:rPr>
-              <a:t>HAGA CLIC </a:t>
+              <a:t>HAGA CLIC PARA EDITAR</a:t>
             </a:r>
-            <a:r>
-              <a:rPr b="1" lang="es-ES" sz="2000" spc="-1" strike="noStrike">
-                <a:solidFill>
-                  <a:srgbClr val="b13dc8"/>
-                </a:solidFill>
-                <a:latin typeface="Speak Pro"/>
-              </a:rPr>
-              <a:t>PARA EDITAR</a:t>
-            </a:r>
-            <a:endParaRPr b="0" lang="es-ES" sz="2000" spc="-1" strike="noStrike">
+            <a:endParaRPr lang="es-ES" sz="2000" b="0" strike="noStrike" spc="-1">
               <a:solidFill>
                 <a:srgbClr val="000000"/>
               </a:solidFill>
@@ -6682,6 +7156,7 @@
           <a:bodyPr anchor="t">
             <a:noAutofit/>
           </a:bodyPr>
+          <a:lstStyle/>
           <a:p>
             <a:pPr>
               <a:lnSpc>
@@ -6692,39 +7167,136 @@
               </a:spcBef>
               <a:buNone/>
               <a:tabLst>
-                <a:tab algn="l" pos="0"/>
+                <a:tab pos="0" algn="l"/>
               </a:tabLst>
             </a:pPr>
             <a:r>
-              <a:rPr b="0" lang="es-ES" sz="1200" spc="-1" strike="noStrike">
+              <a:rPr lang="es-ES" sz="1200" b="0" strike="noStrike" spc="-1">
                 <a:solidFill>
                   <a:srgbClr val="000000"/>
                 </a:solidFill>
                 <a:latin typeface="Avenir Next LT Pro Light"/>
               </a:rPr>
-              <a:t>Haga clic para editar el </a:t>
+              <a:t>Haga clic para editar el patrón</a:t>
             </a:r>
+          </a:p>
+        </p:txBody>
+      </p:sp>
+      <p:sp>
+        <p:nvSpPr>
+          <p:cNvPr id="55" name="PlaceHolder 3"/>
+          <p:cNvSpPr>
+            <a:spLocks noGrp="1"/>
+          </p:cNvSpPr>
+          <p:nvPr>
+            <p:ph type="body"/>
+          </p:nvPr>
+        </p:nvSpPr>
+        <p:spPr>
+          <a:xfrm>
+            <a:off x="4134240" y="4817880"/>
+            <a:ext cx="1796040" cy="301680"/>
+          </a:xfrm>
+          <a:prstGeom prst="rect">
+            <a:avLst/>
+          </a:prstGeom>
+          <a:noFill/>
+          <a:ln w="0">
+            <a:noFill/>
+          </a:ln>
+        </p:spPr>
+        <p:txBody>
+          <a:bodyPr anchor="t">
+            <a:noAutofit/>
+          </a:bodyPr>
+          <a:lstStyle/>
+          <a:p>
+            <a:pPr>
+              <a:lnSpc>
+                <a:spcPct val="90000"/>
+              </a:lnSpc>
+              <a:spcBef>
+                <a:spcPts val="1001"/>
+              </a:spcBef>
+              <a:buNone/>
+              <a:tabLst>
+                <a:tab pos="0" algn="l"/>
+              </a:tabLst>
+            </a:pPr>
             <a:r>
-              <a:rPr b="0" lang="es-ES" sz="1200" spc="-1" strike="noStrike">
+              <a:rPr lang="es-ES" sz="2000" b="1" strike="noStrike" spc="-1">
+                <a:solidFill>
+                  <a:srgbClr val="172DA6"/>
+                </a:solidFill>
+                <a:latin typeface="Speak Pro"/>
+              </a:rPr>
+              <a:t>HAGA CLIC PARA EDITAR</a:t>
+            </a:r>
+            <a:endParaRPr lang="es-ES" sz="2000" b="0" strike="noStrike" spc="-1">
+              <a:solidFill>
+                <a:srgbClr val="000000"/>
+              </a:solidFill>
+              <a:latin typeface="Avenir Next LT Pro Light"/>
+            </a:endParaRPr>
+          </a:p>
+        </p:txBody>
+      </p:sp>
+      <p:sp>
+        <p:nvSpPr>
+          <p:cNvPr id="56" name="PlaceHolder 4"/>
+          <p:cNvSpPr>
+            <a:spLocks noGrp="1"/>
+          </p:cNvSpPr>
+          <p:nvPr>
+            <p:ph type="body"/>
+          </p:nvPr>
+        </p:nvSpPr>
+        <p:spPr>
+          <a:xfrm>
+            <a:off x="4134240" y="5211000"/>
+            <a:ext cx="1813320" cy="705960"/>
+          </a:xfrm>
+          <a:prstGeom prst="rect">
+            <a:avLst/>
+          </a:prstGeom>
+          <a:noFill/>
+          <a:ln w="0">
+            <a:noFill/>
+          </a:ln>
+        </p:spPr>
+        <p:txBody>
+          <a:bodyPr anchor="t">
+            <a:noAutofit/>
+          </a:bodyPr>
+          <a:lstStyle/>
+          <a:p>
+            <a:pPr>
+              <a:lnSpc>
+                <a:spcPct val="100000"/>
+              </a:lnSpc>
+              <a:spcBef>
+                <a:spcPts val="1001"/>
+              </a:spcBef>
+              <a:buNone/>
+              <a:tabLst>
+                <a:tab pos="0" algn="l"/>
+              </a:tabLst>
+            </a:pPr>
+            <a:r>
+              <a:rPr lang="es-ES" sz="1200" b="0" strike="noStrike" spc="-1">
                 <a:solidFill>
                   <a:srgbClr val="000000"/>
                 </a:solidFill>
                 <a:latin typeface="Avenir Next LT Pro Light"/>
               </a:rPr>
-              <a:t>patrón</a:t>
+              <a:t>Haga clic para editar el patrón</a:t>
             </a:r>
-            <a:endParaRPr b="0" lang="es-ES" sz="1200" spc="-1" strike="noStrike">
-              <a:solidFill>
-                <a:srgbClr val="000000"/>
-              </a:solidFill>
-              <a:latin typeface="Avenir Next LT Pro Light"/>
-            </a:endParaRPr>
-          </a:p>
-        </p:txBody>
-      </p:sp>
-      <p:sp>
-        <p:nvSpPr>
-          <p:cNvPr id="55" name="PlaceHolder 3"/>
+          </a:p>
+        </p:txBody>
+      </p:sp>
+      <p:sp>
+        <p:nvSpPr>
+          <p:cNvPr id="57" name="PlaceHolder 5"/>
           <p:cNvSpPr>
             <a:spLocks noGrp="1"/>
           </p:cNvSpPr>
@@ -6734,7 +7306,7 @@
         </p:nvSpPr>
         <p:spPr>
           <a:xfrm>
-            <a:off x="4134240" y="4817880"/>
+            <a:off x="6444360" y="4817880"/>
             <a:ext cx="1796040" cy="301680"/>
           </a:xfrm>
           <a:prstGeom prst="rect">
@@ -6749,6 +7321,7 @@
           <a:bodyPr anchor="t">
             <a:noAutofit/>
           </a:bodyPr>
+          <a:lstStyle/>
           <a:p>
             <a:pPr>
               <a:lnSpc>
@@ -6759,39 +7332,30 @@
               </a:spcBef>
               <a:buNone/>
               <a:tabLst>
-                <a:tab algn="l" pos="0"/>
+                <a:tab pos="0" algn="l"/>
               </a:tabLst>
             </a:pPr>
             <a:r>
-              <a:rPr b="1" lang="es-ES" sz="2000" spc="-1" strike="noStrike">
+              <a:rPr lang="es-ES" sz="2000" b="1" strike="noStrike" spc="-1">
                 <a:solidFill>
-                  <a:srgbClr val="172da6"/>
+                  <a:srgbClr val="00B0F0"/>
                 </a:solidFill>
                 <a:latin typeface="Speak Pro"/>
               </a:rPr>
-              <a:t>HAGA CLIC </a:t>
+              <a:t>HAGA CLIC PARA EDITAR</a:t>
             </a:r>
-            <a:r>
-              <a:rPr b="1" lang="es-ES" sz="2000" spc="-1" strike="noStrike">
-                <a:solidFill>
-                  <a:srgbClr val="172da6"/>
-                </a:solidFill>
-                <a:latin typeface="Speak Pro"/>
-              </a:rPr>
-              <a:t>PARA EDITAR</a:t>
-            </a:r>
-            <a:endParaRPr b="0" lang="es-ES" sz="2000" spc="-1" strike="noStrike">
-              <a:solidFill>
-                <a:srgbClr val="000000"/>
-              </a:solidFill>
-              <a:latin typeface="Avenir Next LT Pro Light"/>
-            </a:endParaRPr>
-          </a:p>
-        </p:txBody>
-      </p:sp>
-      <p:sp>
-        <p:nvSpPr>
-          <p:cNvPr id="56" name="PlaceHolder 4"/>
+            <a:endParaRPr lang="es-ES" sz="2000" b="0" strike="noStrike" spc="-1">
+              <a:solidFill>
+                <a:srgbClr val="000000"/>
+              </a:solidFill>
+              <a:latin typeface="Avenir Next LT Pro Light"/>
+            </a:endParaRPr>
+          </a:p>
+        </p:txBody>
+      </p:sp>
+      <p:sp>
+        <p:nvSpPr>
+          <p:cNvPr id="58" name="PlaceHolder 6"/>
           <p:cNvSpPr>
             <a:spLocks noGrp="1"/>
           </p:cNvSpPr>
@@ -6801,7 +7365,7 @@
         </p:nvSpPr>
         <p:spPr>
           <a:xfrm>
-            <a:off x="4134240" y="5211000"/>
+            <a:off x="6444360" y="5211000"/>
             <a:ext cx="1813320" cy="705960"/>
           </a:xfrm>
           <a:prstGeom prst="rect">
@@ -6816,6 +7380,7 @@
           <a:bodyPr anchor="t">
             <a:noAutofit/>
           </a:bodyPr>
+          <a:lstStyle/>
           <a:p>
             <a:pPr>
               <a:lnSpc>
@@ -6826,50 +7391,147 @@
               </a:spcBef>
               <a:buNone/>
               <a:tabLst>
-                <a:tab algn="l" pos="0"/>
+                <a:tab pos="0" algn="l"/>
               </a:tabLst>
             </a:pPr>
             <a:r>
-              <a:rPr b="0" lang="es-ES" sz="1200" spc="-1" strike="noStrike">
+              <a:rPr lang="es-ES" sz="1200" b="0" strike="noStrike" spc="-1">
                 <a:solidFill>
                   <a:srgbClr val="000000"/>
                 </a:solidFill>
                 <a:latin typeface="Avenir Next LT Pro Light"/>
               </a:rPr>
-              <a:t>Haga clic para editar el </a:t>
+              <a:t>Haga clic para editar el patrón</a:t>
             </a:r>
+          </a:p>
+        </p:txBody>
+      </p:sp>
+      <p:sp>
+        <p:nvSpPr>
+          <p:cNvPr id="59" name="PlaceHolder 7"/>
+          <p:cNvSpPr>
+            <a:spLocks noGrp="1"/>
+          </p:cNvSpPr>
+          <p:nvPr>
+            <p:ph type="body"/>
+          </p:nvPr>
+        </p:nvSpPr>
+        <p:spPr>
+          <a:xfrm>
+            <a:off x="8754480" y="4817880"/>
+            <a:ext cx="1796040" cy="301680"/>
+          </a:xfrm>
+          <a:prstGeom prst="rect">
+            <a:avLst/>
+          </a:prstGeom>
+          <a:noFill/>
+          <a:ln w="0">
+            <a:noFill/>
+          </a:ln>
+        </p:spPr>
+        <p:txBody>
+          <a:bodyPr anchor="t">
+            <a:noAutofit/>
+          </a:bodyPr>
+          <a:lstStyle/>
+          <a:p>
+            <a:pPr>
+              <a:lnSpc>
+                <a:spcPct val="90000"/>
+              </a:lnSpc>
+              <a:spcBef>
+                <a:spcPts val="1001"/>
+              </a:spcBef>
+              <a:buNone/>
+              <a:tabLst>
+                <a:tab pos="0" algn="l"/>
+              </a:tabLst>
+            </a:pPr>
             <a:r>
-              <a:rPr b="0" lang="es-ES" sz="1200" spc="-1" strike="noStrike">
+              <a:rPr lang="es-ES" sz="2000" b="1" strike="noStrike" spc="-1">
+                <a:solidFill>
+                  <a:srgbClr val="20A472"/>
+                </a:solidFill>
+                <a:latin typeface="Speak Pro"/>
+              </a:rPr>
+              <a:t>HAGA CLIC PARA EDITAR</a:t>
+            </a:r>
+            <a:endParaRPr lang="es-ES" sz="2000" b="0" strike="noStrike" spc="-1">
+              <a:solidFill>
+                <a:srgbClr val="000000"/>
+              </a:solidFill>
+              <a:latin typeface="Avenir Next LT Pro Light"/>
+            </a:endParaRPr>
+          </a:p>
+        </p:txBody>
+      </p:sp>
+      <p:sp>
+        <p:nvSpPr>
+          <p:cNvPr id="60" name="PlaceHolder 8"/>
+          <p:cNvSpPr>
+            <a:spLocks noGrp="1"/>
+          </p:cNvSpPr>
+          <p:nvPr>
+            <p:ph type="body"/>
+          </p:nvPr>
+        </p:nvSpPr>
+        <p:spPr>
+          <a:xfrm>
+            <a:off x="8754480" y="5211000"/>
+            <a:ext cx="1813320" cy="705960"/>
+          </a:xfrm>
+          <a:prstGeom prst="rect">
+            <a:avLst/>
+          </a:prstGeom>
+          <a:noFill/>
+          <a:ln w="0">
+            <a:noFill/>
+          </a:ln>
+        </p:spPr>
+        <p:txBody>
+          <a:bodyPr anchor="t">
+            <a:noAutofit/>
+          </a:bodyPr>
+          <a:lstStyle/>
+          <a:p>
+            <a:pPr>
+              <a:lnSpc>
+                <a:spcPct val="100000"/>
+              </a:lnSpc>
+              <a:spcBef>
+                <a:spcPts val="1001"/>
+              </a:spcBef>
+              <a:buNone/>
+              <a:tabLst>
+                <a:tab pos="0" algn="l"/>
+              </a:tabLst>
+            </a:pPr>
+            <a:r>
+              <a:rPr lang="es-ES" sz="1200" b="0" strike="noStrike" spc="-1">
                 <a:solidFill>
                   <a:srgbClr val="000000"/>
                 </a:solidFill>
                 <a:latin typeface="Avenir Next LT Pro Light"/>
               </a:rPr>
-              <a:t>patrón</a:t>
+              <a:t>Haga clic para editar el patrón</a:t>
             </a:r>
-            <a:endParaRPr b="0" lang="es-ES" sz="1200" spc="-1" strike="noStrike">
-              <a:solidFill>
-                <a:srgbClr val="000000"/>
-              </a:solidFill>
-              <a:latin typeface="Avenir Next LT Pro Light"/>
-            </a:endParaRPr>
-          </a:p>
-        </p:txBody>
-      </p:sp>
-      <p:sp>
-        <p:nvSpPr>
-          <p:cNvPr id="57" name="PlaceHolder 5"/>
-          <p:cNvSpPr>
-            <a:spLocks noGrp="1"/>
-          </p:cNvSpPr>
-          <p:nvPr>
-            <p:ph type="body"/>
-          </p:nvPr>
-        </p:nvSpPr>
-        <p:spPr>
-          <a:xfrm>
-            <a:off x="6444360" y="4817880"/>
-            <a:ext cx="1796040" cy="301680"/>
+          </a:p>
+        </p:txBody>
+      </p:sp>
+      <p:sp>
+        <p:nvSpPr>
+          <p:cNvPr id="61" name="PlaceHolder 9"/>
+          <p:cNvSpPr>
+            <a:spLocks noGrp="1"/>
+          </p:cNvSpPr>
+          <p:nvPr>
+            <p:ph type="title"/>
+          </p:nvPr>
+        </p:nvSpPr>
+        <p:spPr>
+          <a:xfrm>
+            <a:off x="230040" y="457200"/>
+            <a:ext cx="11731320" cy="630720"/>
           </a:xfrm>
           <a:prstGeom prst="rect">
             <a:avLst/>
@@ -6883,8 +7545,9 @@
           <a:bodyPr anchor="t">
             <a:noAutofit/>
           </a:bodyPr>
-          <a:p>
-            <a:pPr>
+          <a:lstStyle/>
+          <a:p>
+            <a:pPr algn="ctr">
               <a:lnSpc>
                 <a:spcPct val="90000"/>
               </a:lnSpc>
@@ -6892,690 +7555,17 @@
                 <a:spcPts val="1001"/>
               </a:spcBef>
               <a:buNone/>
-              <a:tabLst>
-                <a:tab algn="l" pos="0"/>
-              </a:tabLst>
             </a:pPr>
             <a:r>
-              <a:rPr b="1" lang="es-ES" sz="2000" spc="-1" strike="noStrike">
-                <a:solidFill>
-                  <a:srgbClr val="00b0f0"/>
-                </a:solidFill>
-                <a:latin typeface="Speak Pro"/>
-              </a:rPr>
-              <a:t>HAGA CLIC </a:t>
-            </a:r>
-            <a:r>
-              <a:rPr b="1" lang="es-ES" sz="2000" spc="-1" strike="noStrike">
-                <a:solidFill>
-                  <a:srgbClr val="00b0f0"/>
-                </a:solidFill>
-                <a:latin typeface="Speak Pro"/>
-              </a:rPr>
-              <a:t>PARA EDITAR</a:t>
-            </a:r>
-            <a:endParaRPr b="0" lang="es-ES" sz="2000" spc="-1" strike="noStrike">
-              <a:solidFill>
-                <a:srgbClr val="000000"/>
-              </a:solidFill>
-              <a:latin typeface="Avenir Next LT Pro Light"/>
-            </a:endParaRPr>
-          </a:p>
-        </p:txBody>
-      </p:sp>
-      <p:sp>
-        <p:nvSpPr>
-          <p:cNvPr id="58" name="PlaceHolder 6"/>
-          <p:cNvSpPr>
-            <a:spLocks noGrp="1"/>
-          </p:cNvSpPr>
-          <p:nvPr>
-            <p:ph type="body"/>
-          </p:nvPr>
-        </p:nvSpPr>
-        <p:spPr>
-          <a:xfrm>
-            <a:off x="6444360" y="5211000"/>
-            <a:ext cx="1813320" cy="705960"/>
-          </a:xfrm>
-          <a:prstGeom prst="rect">
-            <a:avLst/>
-          </a:prstGeom>
-          <a:noFill/>
-          <a:ln w="0">
-            <a:noFill/>
-          </a:ln>
-        </p:spPr>
-        <p:txBody>
-          <a:bodyPr anchor="t">
-            <a:noAutofit/>
-          </a:bodyPr>
-          <a:p>
-            <a:pPr>
-              <a:lnSpc>
-                <a:spcPct val="100000"/>
-              </a:lnSpc>
-              <a:spcBef>
-                <a:spcPts val="1001"/>
-              </a:spcBef>
-              <a:buNone/>
-              <a:tabLst>
-                <a:tab algn="l" pos="0"/>
-              </a:tabLst>
-            </a:pPr>
-            <a:r>
-              <a:rPr b="0" lang="es-ES" sz="1200" spc="-1" strike="noStrike">
-                <a:solidFill>
-                  <a:srgbClr val="000000"/>
-                </a:solidFill>
-                <a:latin typeface="Avenir Next LT Pro Light"/>
-              </a:rPr>
-              <a:t>Haga clic para editar el </a:t>
-            </a:r>
-            <a:r>
-              <a:rPr b="0" lang="es-ES" sz="1200" spc="-1" strike="noStrike">
-                <a:solidFill>
-                  <a:srgbClr val="000000"/>
-                </a:solidFill>
-                <a:latin typeface="Avenir Next LT Pro Light"/>
-              </a:rPr>
-              <a:t>patrón</a:t>
-            </a:r>
-            <a:endParaRPr b="0" lang="es-ES" sz="1200" spc="-1" strike="noStrike">
-              <a:solidFill>
-                <a:srgbClr val="000000"/>
-              </a:solidFill>
-              <a:latin typeface="Avenir Next LT Pro Light"/>
-            </a:endParaRPr>
-          </a:p>
-        </p:txBody>
-      </p:sp>
-      <p:sp>
-        <p:nvSpPr>
-          <p:cNvPr id="59" name="PlaceHolder 7"/>
-          <p:cNvSpPr>
-            <a:spLocks noGrp="1"/>
-          </p:cNvSpPr>
-          <p:nvPr>
-            <p:ph type="body"/>
-          </p:nvPr>
-        </p:nvSpPr>
-        <p:spPr>
-          <a:xfrm>
-            <a:off x="8754480" y="4817880"/>
-            <a:ext cx="1796040" cy="301680"/>
-          </a:xfrm>
-          <a:prstGeom prst="rect">
-            <a:avLst/>
-          </a:prstGeom>
-          <a:noFill/>
-          <a:ln w="0">
-            <a:noFill/>
-          </a:ln>
-        </p:spPr>
-        <p:txBody>
-          <a:bodyPr anchor="t">
-            <a:noAutofit/>
-          </a:bodyPr>
-          <a:p>
-            <a:pPr>
-              <a:lnSpc>
-                <a:spcPct val="90000"/>
-              </a:lnSpc>
-              <a:spcBef>
-                <a:spcPts val="1001"/>
-              </a:spcBef>
-              <a:buNone/>
-              <a:tabLst>
-                <a:tab algn="l" pos="0"/>
-              </a:tabLst>
-            </a:pPr>
-            <a:r>
-              <a:rPr b="1" lang="es-ES" sz="2000" spc="-1" strike="noStrike">
-                <a:solidFill>
-                  <a:srgbClr val="20a472"/>
-                </a:solidFill>
-                <a:latin typeface="Speak Pro"/>
-              </a:rPr>
-              <a:t>HAGA CLIC </a:t>
-            </a:r>
-            <a:r>
-              <a:rPr b="1" lang="es-ES" sz="2000" spc="-1" strike="noStrike">
-                <a:solidFill>
-                  <a:srgbClr val="20a472"/>
-                </a:solidFill>
-                <a:latin typeface="Speak Pro"/>
-              </a:rPr>
-              <a:t>PARA EDITAR</a:t>
-            </a:r>
-            <a:endParaRPr b="0" lang="es-ES" sz="2000" spc="-1" strike="noStrike">
-              <a:solidFill>
-                <a:srgbClr val="000000"/>
-              </a:solidFill>
-              <a:latin typeface="Avenir Next LT Pro Light"/>
-            </a:endParaRPr>
-          </a:p>
-        </p:txBody>
-      </p:sp>
-      <p:sp>
-        <p:nvSpPr>
-          <p:cNvPr id="60" name="PlaceHolder 8"/>
-          <p:cNvSpPr>
-            <a:spLocks noGrp="1"/>
-          </p:cNvSpPr>
-          <p:nvPr>
-            <p:ph type="body"/>
-          </p:nvPr>
-        </p:nvSpPr>
-        <p:spPr>
-          <a:xfrm>
-            <a:off x="8754480" y="5211000"/>
-            <a:ext cx="1813320" cy="705960"/>
-          </a:xfrm>
-          <a:prstGeom prst="rect">
-            <a:avLst/>
-          </a:prstGeom>
-          <a:noFill/>
-          <a:ln w="0">
-            <a:noFill/>
-          </a:ln>
-        </p:spPr>
-        <p:txBody>
-          <a:bodyPr anchor="t">
-            <a:noAutofit/>
-          </a:bodyPr>
-          <a:p>
-            <a:pPr>
-              <a:lnSpc>
-                <a:spcPct val="100000"/>
-              </a:lnSpc>
-              <a:spcBef>
-                <a:spcPts val="1001"/>
-              </a:spcBef>
-              <a:buNone/>
-              <a:tabLst>
-                <a:tab algn="l" pos="0"/>
-              </a:tabLst>
-            </a:pPr>
-            <a:r>
-              <a:rPr b="0" lang="es-ES" sz="1200" spc="-1" strike="noStrike">
-                <a:solidFill>
-                  <a:srgbClr val="000000"/>
-                </a:solidFill>
-                <a:latin typeface="Avenir Next LT Pro Light"/>
-              </a:rPr>
-              <a:t>Haga clic para editar el </a:t>
-            </a:r>
-            <a:r>
-              <a:rPr b="0" lang="es-ES" sz="1200" spc="-1" strike="noStrike">
-                <a:solidFill>
-                  <a:srgbClr val="000000"/>
-                </a:solidFill>
-                <a:latin typeface="Avenir Next LT Pro Light"/>
-              </a:rPr>
-              <a:t>patrón</a:t>
-            </a:r>
-            <a:endParaRPr b="0" lang="es-ES" sz="1200" spc="-1" strike="noStrike">
-              <a:solidFill>
-                <a:srgbClr val="000000"/>
-              </a:solidFill>
-              <a:latin typeface="Avenir Next LT Pro Light"/>
-            </a:endParaRPr>
-          </a:p>
-        </p:txBody>
-      </p:sp>
-      <p:sp>
-        <p:nvSpPr>
-          <p:cNvPr id="61" name="PlaceHolder 9"/>
-          <p:cNvSpPr>
-            <a:spLocks noGrp="1"/>
-          </p:cNvSpPr>
-          <p:nvPr>
-            <p:ph type="title"/>
-          </p:nvPr>
-        </p:nvSpPr>
-        <p:spPr>
-          <a:xfrm>
-            <a:off x="230040" y="457200"/>
-            <a:ext cx="11731320" cy="630720"/>
-          </a:xfrm>
-          <a:prstGeom prst="rect">
-            <a:avLst/>
-          </a:prstGeom>
-          <a:noFill/>
-          <a:ln w="0">
-            <a:noFill/>
-          </a:ln>
-        </p:spPr>
-        <p:txBody>
-          <a:bodyPr anchor="t">
-            <a:noAutofit/>
-          </a:bodyPr>
-          <a:p>
-            <a:pPr algn="ctr">
-              <a:lnSpc>
-                <a:spcPct val="90000"/>
-              </a:lnSpc>
-              <a:spcBef>
-                <a:spcPts val="1001"/>
-              </a:spcBef>
-              <a:buNone/>
-            </a:pPr>
-            <a:r>
-              <a:rPr b="1" lang="es-ES" sz="3600" spc="-1" strike="noStrike" cap="all">
+              <a:rPr lang="es-ES" sz="3600" b="1" strike="noStrike" cap="all" spc="-1">
                 <a:solidFill>
                   <a:srgbClr val="000000"/>
                 </a:solidFill>
                 <a:latin typeface="Speak Pro"/>
               </a:rPr>
-              <a:t>H</a:t>
+              <a:t>Haga clic para modificar el estilo de título del patrón</a:t>
             </a:r>
-            <a:r>
-              <a:rPr b="1" lang="es-ES" sz="3600" spc="-1" strike="noStrike" cap="all">
-                <a:solidFill>
-                  <a:srgbClr val="000000"/>
-                </a:solidFill>
-                <a:latin typeface="Speak Pro"/>
-              </a:rPr>
-              <a:t>a</a:t>
-            </a:r>
-            <a:r>
-              <a:rPr b="1" lang="es-ES" sz="3600" spc="-1" strike="noStrike" cap="all">
-                <a:solidFill>
-                  <a:srgbClr val="000000"/>
-                </a:solidFill>
-                <a:latin typeface="Speak Pro"/>
-              </a:rPr>
-              <a:t>g</a:t>
-            </a:r>
-            <a:r>
-              <a:rPr b="1" lang="es-ES" sz="3600" spc="-1" strike="noStrike" cap="all">
-                <a:solidFill>
-                  <a:srgbClr val="000000"/>
-                </a:solidFill>
-                <a:latin typeface="Speak Pro"/>
-              </a:rPr>
-              <a:t>a </a:t>
-            </a:r>
-            <a:r>
-              <a:rPr b="1" lang="es-ES" sz="3600" spc="-1" strike="noStrike" cap="all">
-                <a:solidFill>
-                  <a:srgbClr val="000000"/>
-                </a:solidFill>
-                <a:latin typeface="Speak Pro"/>
-              </a:rPr>
-              <a:t>c</a:t>
-            </a:r>
-            <a:r>
-              <a:rPr b="1" lang="es-ES" sz="3600" spc="-1" strike="noStrike" cap="all">
-                <a:solidFill>
-                  <a:srgbClr val="000000"/>
-                </a:solidFill>
-                <a:latin typeface="Speak Pro"/>
-              </a:rPr>
-              <a:t>l</a:t>
-            </a:r>
-            <a:r>
-              <a:rPr b="1" lang="es-ES" sz="3600" spc="-1" strike="noStrike" cap="all">
-                <a:solidFill>
-                  <a:srgbClr val="000000"/>
-                </a:solidFill>
-                <a:latin typeface="Speak Pro"/>
-              </a:rPr>
-              <a:t>i</a:t>
-            </a:r>
-            <a:r>
-              <a:rPr b="1" lang="es-ES" sz="3600" spc="-1" strike="noStrike" cap="all">
-                <a:solidFill>
-                  <a:srgbClr val="000000"/>
-                </a:solidFill>
-                <a:latin typeface="Speak Pro"/>
-              </a:rPr>
-              <a:t>c </a:t>
-            </a:r>
-            <a:r>
-              <a:rPr b="1" lang="es-ES" sz="3600" spc="-1" strike="noStrike" cap="all">
-                <a:solidFill>
-                  <a:srgbClr val="000000"/>
-                </a:solidFill>
-                <a:latin typeface="Speak Pro"/>
-              </a:rPr>
-              <a:t>p</a:t>
-            </a:r>
-            <a:r>
-              <a:rPr b="1" lang="es-ES" sz="3600" spc="-1" strike="noStrike" cap="all">
-                <a:solidFill>
-                  <a:srgbClr val="000000"/>
-                </a:solidFill>
-                <a:latin typeface="Speak Pro"/>
-              </a:rPr>
-              <a:t>a</a:t>
-            </a:r>
-            <a:r>
-              <a:rPr b="1" lang="es-ES" sz="3600" spc="-1" strike="noStrike" cap="all">
-                <a:solidFill>
-                  <a:srgbClr val="000000"/>
-                </a:solidFill>
-                <a:latin typeface="Speak Pro"/>
-              </a:rPr>
-              <a:t>r</a:t>
-            </a:r>
-            <a:r>
-              <a:rPr b="1" lang="es-ES" sz="3600" spc="-1" strike="noStrike" cap="all">
-                <a:solidFill>
-                  <a:srgbClr val="000000"/>
-                </a:solidFill>
-                <a:latin typeface="Speak Pro"/>
-              </a:rPr>
-              <a:t>a </a:t>
-            </a:r>
-            <a:r>
-              <a:rPr b="1" lang="es-ES" sz="3600" spc="-1" strike="noStrike" cap="all">
-                <a:solidFill>
-                  <a:srgbClr val="000000"/>
-                </a:solidFill>
-                <a:latin typeface="Speak Pro"/>
-              </a:rPr>
-              <a:t>m</a:t>
-            </a:r>
-            <a:r>
-              <a:rPr b="1" lang="es-ES" sz="3600" spc="-1" strike="noStrike" cap="all">
-                <a:solidFill>
-                  <a:srgbClr val="000000"/>
-                </a:solidFill>
-                <a:latin typeface="Speak Pro"/>
-              </a:rPr>
-              <a:t>o</a:t>
-            </a:r>
-            <a:r>
-              <a:rPr b="1" lang="es-ES" sz="3600" spc="-1" strike="noStrike" cap="all">
-                <a:solidFill>
-                  <a:srgbClr val="000000"/>
-                </a:solidFill>
-                <a:latin typeface="Speak Pro"/>
-              </a:rPr>
-              <a:t>d</a:t>
-            </a:r>
-            <a:r>
-              <a:rPr b="1" lang="es-ES" sz="3600" spc="-1" strike="noStrike" cap="all">
-                <a:solidFill>
-                  <a:srgbClr val="000000"/>
-                </a:solidFill>
-                <a:latin typeface="Speak Pro"/>
-              </a:rPr>
-              <a:t>i</a:t>
-            </a:r>
-            <a:r>
-              <a:rPr b="1" lang="es-ES" sz="3600" spc="-1" strike="noStrike" cap="all">
-                <a:solidFill>
-                  <a:srgbClr val="000000"/>
-                </a:solidFill>
-                <a:latin typeface="Speak Pro"/>
-              </a:rPr>
-              <a:t>f</a:t>
-            </a:r>
-            <a:r>
-              <a:rPr b="1" lang="es-ES" sz="3600" spc="-1" strike="noStrike" cap="all">
-                <a:solidFill>
-                  <a:srgbClr val="000000"/>
-                </a:solidFill>
-                <a:latin typeface="Speak Pro"/>
-              </a:rPr>
-              <a:t>i</a:t>
-            </a:r>
-            <a:r>
-              <a:rPr b="1" lang="es-ES" sz="3600" spc="-1" strike="noStrike" cap="all">
-                <a:solidFill>
-                  <a:srgbClr val="000000"/>
-                </a:solidFill>
-                <a:latin typeface="Speak Pro"/>
-              </a:rPr>
-              <a:t>c</a:t>
-            </a:r>
-            <a:r>
-              <a:rPr b="1" lang="es-ES" sz="3600" spc="-1" strike="noStrike" cap="all">
-                <a:solidFill>
-                  <a:srgbClr val="000000"/>
-                </a:solidFill>
-                <a:latin typeface="Speak Pro"/>
-              </a:rPr>
-              <a:t>a</a:t>
-            </a:r>
-            <a:r>
-              <a:rPr b="1" lang="es-ES" sz="3600" spc="-1" strike="noStrike" cap="all">
-                <a:solidFill>
-                  <a:srgbClr val="000000"/>
-                </a:solidFill>
-                <a:latin typeface="Speak Pro"/>
-              </a:rPr>
-              <a:t>r </a:t>
-            </a:r>
-            <a:r>
-              <a:rPr b="1" lang="es-ES" sz="3600" spc="-1" strike="noStrike" cap="all">
-                <a:solidFill>
-                  <a:srgbClr val="000000"/>
-                </a:solidFill>
-                <a:latin typeface="Speak Pro"/>
-              </a:rPr>
-              <a:t>e</a:t>
-            </a:r>
-            <a:r>
-              <a:rPr b="1" lang="es-ES" sz="3600" spc="-1" strike="noStrike" cap="all">
-                <a:solidFill>
-                  <a:srgbClr val="000000"/>
-                </a:solidFill>
-                <a:latin typeface="Speak Pro"/>
-              </a:rPr>
-              <a:t>l </a:t>
-            </a:r>
-            <a:r>
-              <a:rPr b="1" lang="es-ES" sz="3600" spc="-1" strike="noStrike" cap="all">
-                <a:solidFill>
-                  <a:srgbClr val="000000"/>
-                </a:solidFill>
-                <a:latin typeface="Speak Pro"/>
-              </a:rPr>
-              <a:t>e</a:t>
-            </a:r>
-            <a:r>
-              <a:rPr b="1" lang="es-ES" sz="3600" spc="-1" strike="noStrike" cap="all">
-                <a:solidFill>
-                  <a:srgbClr val="000000"/>
-                </a:solidFill>
-                <a:latin typeface="Speak Pro"/>
-              </a:rPr>
-              <a:t>s</a:t>
-            </a:r>
-            <a:r>
-              <a:rPr b="1" lang="es-ES" sz="3600" spc="-1" strike="noStrike" cap="all">
-                <a:solidFill>
-                  <a:srgbClr val="000000"/>
-                </a:solidFill>
-                <a:latin typeface="Speak Pro"/>
-              </a:rPr>
-              <a:t>t</a:t>
-            </a:r>
-            <a:r>
-              <a:rPr b="1" lang="es-ES" sz="3600" spc="-1" strike="noStrike" cap="all">
-                <a:solidFill>
-                  <a:srgbClr val="000000"/>
-                </a:solidFill>
-                <a:latin typeface="Speak Pro"/>
-              </a:rPr>
-              <a:t>i</a:t>
-            </a:r>
-            <a:r>
-              <a:rPr b="1" lang="es-ES" sz="3600" spc="-1" strike="noStrike" cap="all">
-                <a:solidFill>
-                  <a:srgbClr val="000000"/>
-                </a:solidFill>
-                <a:latin typeface="Speak Pro"/>
-              </a:rPr>
-              <a:t>l</a:t>
-            </a:r>
-            <a:r>
-              <a:rPr b="1" lang="es-ES" sz="3600" spc="-1" strike="noStrike" cap="all">
-                <a:solidFill>
-                  <a:srgbClr val="000000"/>
-                </a:solidFill>
-                <a:latin typeface="Speak Pro"/>
-              </a:rPr>
-              <a:t>o </a:t>
-            </a:r>
-            <a:r>
-              <a:rPr b="1" lang="es-ES" sz="3600" spc="-1" strike="noStrike" cap="all">
-                <a:solidFill>
-                  <a:srgbClr val="000000"/>
-                </a:solidFill>
-                <a:latin typeface="Speak Pro"/>
-              </a:rPr>
-              <a:t>d</a:t>
-            </a:r>
-            <a:r>
-              <a:rPr b="1" lang="es-ES" sz="3600" spc="-1" strike="noStrike" cap="all">
-                <a:solidFill>
-                  <a:srgbClr val="000000"/>
-                </a:solidFill>
-                <a:latin typeface="Speak Pro"/>
-              </a:rPr>
-              <a:t>e </a:t>
-            </a:r>
-            <a:r>
-              <a:rPr b="1" lang="es-ES" sz="3600" spc="-1" strike="noStrike" cap="all">
-                <a:solidFill>
-                  <a:srgbClr val="000000"/>
-                </a:solidFill>
-                <a:latin typeface="Speak Pro"/>
-              </a:rPr>
-              <a:t>t</a:t>
-            </a:r>
-            <a:r>
-              <a:rPr b="1" lang="es-ES" sz="3600" spc="-1" strike="noStrike" cap="all">
-                <a:solidFill>
-                  <a:srgbClr val="000000"/>
-                </a:solidFill>
-                <a:latin typeface="Speak Pro"/>
-              </a:rPr>
-              <a:t>í</a:t>
-            </a:r>
-            <a:r>
-              <a:rPr b="1" lang="es-ES" sz="3600" spc="-1" strike="noStrike" cap="all">
-                <a:solidFill>
-                  <a:srgbClr val="000000"/>
-                </a:solidFill>
-                <a:latin typeface="Speak Pro"/>
-              </a:rPr>
-              <a:t>t</a:t>
-            </a:r>
-            <a:r>
-              <a:rPr b="1" lang="es-ES" sz="3600" spc="-1" strike="noStrike" cap="all">
-                <a:solidFill>
-                  <a:srgbClr val="000000"/>
-                </a:solidFill>
-                <a:latin typeface="Speak Pro"/>
-              </a:rPr>
-              <a:t>u</a:t>
-            </a:r>
-            <a:r>
-              <a:rPr b="1" lang="es-ES" sz="3600" spc="-1" strike="noStrike" cap="all">
-                <a:solidFill>
-                  <a:srgbClr val="000000"/>
-                </a:solidFill>
-                <a:latin typeface="Speak Pro"/>
-              </a:rPr>
-              <a:t>l</a:t>
-            </a:r>
-            <a:r>
-              <a:rPr b="1" lang="es-ES" sz="3600" spc="-1" strike="noStrike" cap="all">
-                <a:solidFill>
-                  <a:srgbClr val="000000"/>
-                </a:solidFill>
-                <a:latin typeface="Speak Pro"/>
-              </a:rPr>
-              <a:t>o </a:t>
-            </a:r>
-            <a:r>
-              <a:rPr b="1" lang="es-ES" sz="3600" spc="-1" strike="noStrike" cap="all">
-                <a:solidFill>
-                  <a:srgbClr val="000000"/>
-                </a:solidFill>
-                <a:latin typeface="Speak Pro"/>
-              </a:rPr>
-              <a:t>d</a:t>
-            </a:r>
-            <a:r>
-              <a:rPr b="1" lang="es-ES" sz="3600" spc="-1" strike="noStrike" cap="all">
-                <a:solidFill>
-                  <a:srgbClr val="000000"/>
-                </a:solidFill>
-                <a:latin typeface="Speak Pro"/>
-              </a:rPr>
-              <a:t>e</a:t>
-            </a:r>
-            <a:r>
-              <a:rPr b="1" lang="es-ES" sz="3600" spc="-1" strike="noStrike" cap="all">
-                <a:solidFill>
-                  <a:srgbClr val="000000"/>
-                </a:solidFill>
-                <a:latin typeface="Speak Pro"/>
-              </a:rPr>
-              <a:t>l </a:t>
-            </a:r>
-            <a:r>
-              <a:rPr b="1" lang="es-ES" sz="3600" spc="-1" strike="noStrike" cap="all">
-                <a:solidFill>
-                  <a:srgbClr val="000000"/>
-                </a:solidFill>
-                <a:latin typeface="Speak Pro"/>
-              </a:rPr>
-              <a:t>p</a:t>
-            </a:r>
-            <a:r>
-              <a:rPr b="1" lang="es-ES" sz="3600" spc="-1" strike="noStrike" cap="all">
-                <a:solidFill>
-                  <a:srgbClr val="000000"/>
-                </a:solidFill>
-                <a:latin typeface="Speak Pro"/>
-              </a:rPr>
-              <a:t>a</a:t>
-            </a:r>
-            <a:r>
-              <a:rPr b="1" lang="es-ES" sz="3600" spc="-1" strike="noStrike" cap="all">
-                <a:solidFill>
-                  <a:srgbClr val="000000"/>
-                </a:solidFill>
-                <a:latin typeface="Speak Pro"/>
-              </a:rPr>
-              <a:t>t</a:t>
-            </a:r>
-            <a:r>
-              <a:rPr b="1" lang="es-ES" sz="3600" spc="-1" strike="noStrike" cap="all">
-                <a:solidFill>
-                  <a:srgbClr val="000000"/>
-                </a:solidFill>
-                <a:latin typeface="Speak Pro"/>
-              </a:rPr>
-              <a:t>r</a:t>
-            </a:r>
-            <a:r>
-              <a:rPr b="1" lang="es-ES" sz="3600" spc="-1" strike="noStrike" cap="all">
-                <a:solidFill>
-                  <a:srgbClr val="000000"/>
-                </a:solidFill>
-                <a:latin typeface="Speak Pro"/>
-              </a:rPr>
-              <a:t>ó</a:t>
-            </a:r>
-            <a:r>
-              <a:rPr b="1" lang="es-ES" sz="3600" spc="-1" strike="noStrike" cap="all">
-                <a:solidFill>
-                  <a:srgbClr val="000000"/>
-                </a:solidFill>
-                <a:latin typeface="Speak Pro"/>
-              </a:rPr>
-              <a:t>n</a:t>
-            </a:r>
-            <a:endParaRPr b="0" lang="es-ES" sz="3600" spc="-1" strike="noStrike">
+            <a:endParaRPr lang="es-ES" sz="3600" b="0" strike="noStrike" spc="-1">
               <a:solidFill>
                 <a:srgbClr val="000000"/>
               </a:solidFill>
@@ -7586,32 +7576,313 @@
       </p:sp>
     </p:spTree>
   </p:cSld>
-  <p:clrMap bg1="lt1" bg2="lt2" tx1="dk1" tx2="dk2" accent1="accent1" accent2="accent2" accent3="accent3" accent4="accent4" accent5="accent5" accent6="accent6" hlink="hlink" folHlink="folHlink"/>
+  <p:clrMap bg1="lt1" tx1="dk1" bg2="lt2" tx2="dk2" accent1="accent1" accent2="accent2" accent3="accent3" accent4="accent4" accent5="accent5" accent6="accent6" hlink="hlink" folHlink="folHlink"/>
   <p:sldLayoutIdLst>
-    <p:sldLayoutId id="2147483662" r:id="rId2"/>
-    <p:sldLayoutId id="2147483663" r:id="rId3"/>
-    <p:sldLayoutId id="2147483664" r:id="rId4"/>
-    <p:sldLayoutId id="2147483665" r:id="rId5"/>
-    <p:sldLayoutId id="2147483666" r:id="rId6"/>
-    <p:sldLayoutId id="2147483667" r:id="rId7"/>
-    <p:sldLayoutId id="2147483668" r:id="rId8"/>
-    <p:sldLayoutId id="2147483669" r:id="rId9"/>
-    <p:sldLayoutId id="2147483670" r:id="rId10"/>
-    <p:sldLayoutId id="2147483671" r:id="rId11"/>
-    <p:sldLayoutId id="2147483672" r:id="rId12"/>
-    <p:sldLayoutId id="2147483673" r:id="rId13"/>
+    <p:sldLayoutId id="2147483662" r:id="rId1"/>
+    <p:sldLayoutId id="2147483663" r:id="rId2"/>
+    <p:sldLayoutId id="2147483664" r:id="rId3"/>
+    <p:sldLayoutId id="2147483665" r:id="rId4"/>
+    <p:sldLayoutId id="2147483666" r:id="rId5"/>
+    <p:sldLayoutId id="2147483667" r:id="rId6"/>
+    <p:sldLayoutId id="2147483668" r:id="rId7"/>
+    <p:sldLayoutId id="2147483669" r:id="rId8"/>
+    <p:sldLayoutId id="2147483670" r:id="rId9"/>
+    <p:sldLayoutId id="2147483671" r:id="rId10"/>
+    <p:sldLayoutId id="2147483672" r:id="rId11"/>
+    <p:sldLayoutId id="2147483673" r:id="rId12"/>
   </p:sldLayoutIdLst>
+  <p:txStyles>
+    <p:titleStyle>
+      <a:lvl1pPr algn="l" defTabSz="914400" rtl="0" eaLnBrk="1" latinLnBrk="0" hangingPunct="1">
+        <a:lnSpc>
+          <a:spcPct val="90000"/>
+        </a:lnSpc>
+        <a:spcBef>
+          <a:spcPct val="0"/>
+        </a:spcBef>
+        <a:buNone/>
+        <a:defRPr sz="4400" kern="1200">
+          <a:solidFill>
+            <a:schemeClr val="tx1"/>
+          </a:solidFill>
+          <a:latin typeface="+mj-lt"/>
+          <a:ea typeface="+mj-ea"/>
+          <a:cs typeface="+mj-cs"/>
+        </a:defRPr>
+      </a:lvl1pPr>
+    </p:titleStyle>
+    <p:bodyStyle>
+      <a:lvl1pPr marL="228600" indent="-228600" algn="l" defTabSz="914400" rtl="0" eaLnBrk="1" latinLnBrk="0" hangingPunct="1">
+        <a:lnSpc>
+          <a:spcPct val="90000"/>
+        </a:lnSpc>
+        <a:spcBef>
+          <a:spcPts val="1000"/>
+        </a:spcBef>
+        <a:buFont typeface="Arial" panose="020B0604020202020204" pitchFamily="34" charset="0"/>
+        <a:buChar char="•"/>
+        <a:defRPr sz="2800" kern="1200">
+          <a:solidFill>
+            <a:schemeClr val="tx1"/>
+          </a:solidFill>
+          <a:latin typeface="+mn-lt"/>
+          <a:ea typeface="+mn-ea"/>
+          <a:cs typeface="+mn-cs"/>
+        </a:defRPr>
+      </a:lvl1pPr>
+      <a:lvl2pPr marL="685800" indent="-228600" algn="l" defTabSz="914400" rtl="0" eaLnBrk="1" latinLnBrk="0" hangingPunct="1">
+        <a:lnSpc>
+          <a:spcPct val="90000"/>
+        </a:lnSpc>
+        <a:spcBef>
+          <a:spcPts val="500"/>
+        </a:spcBef>
+        <a:buFont typeface="Arial" panose="020B0604020202020204" pitchFamily="34" charset="0"/>
+        <a:buChar char="•"/>
+        <a:defRPr sz="2400" kern="1200">
+          <a:solidFill>
+            <a:schemeClr val="tx1"/>
+          </a:solidFill>
+          <a:latin typeface="+mn-lt"/>
+          <a:ea typeface="+mn-ea"/>
+          <a:cs typeface="+mn-cs"/>
+        </a:defRPr>
+      </a:lvl2pPr>
+      <a:lvl3pPr marL="1143000" indent="-228600" algn="l" defTabSz="914400" rtl="0" eaLnBrk="1" latinLnBrk="0" hangingPunct="1">
+        <a:lnSpc>
+          <a:spcPct val="90000"/>
+        </a:lnSpc>
+        <a:spcBef>
+          <a:spcPts val="500"/>
+        </a:spcBef>
+        <a:buFont typeface="Arial" panose="020B0604020202020204" pitchFamily="34" charset="0"/>
+        <a:buChar char="•"/>
+        <a:defRPr sz="2000" kern="1200">
+          <a:solidFill>
+            <a:schemeClr val="tx1"/>
+          </a:solidFill>
+          <a:latin typeface="+mn-lt"/>
+          <a:ea typeface="+mn-ea"/>
+          <a:cs typeface="+mn-cs"/>
+        </a:defRPr>
+      </a:lvl3pPr>
+      <a:lvl4pPr marL="1600200" indent="-228600" algn="l" defTabSz="914400" rtl="0" eaLnBrk="1" latinLnBrk="0" hangingPunct="1">
+        <a:lnSpc>
+          <a:spcPct val="90000"/>
+        </a:lnSpc>
+        <a:spcBef>
+          <a:spcPts val="500"/>
+        </a:spcBef>
+        <a:buFont typeface="Arial" panose="020B0604020202020204" pitchFamily="34" charset="0"/>
+        <a:buChar char="•"/>
+        <a:defRPr sz="1800" kern="1200">
+          <a:solidFill>
+            <a:schemeClr val="tx1"/>
+          </a:solidFill>
+          <a:latin typeface="+mn-lt"/>
+          <a:ea typeface="+mn-ea"/>
+          <a:cs typeface="+mn-cs"/>
+        </a:defRPr>
+      </a:lvl4pPr>
+      <a:lvl5pPr marL="2057400" indent="-228600" algn="l" defTabSz="914400" rtl="0" eaLnBrk="1" latinLnBrk="0" hangingPunct="1">
+        <a:lnSpc>
+          <a:spcPct val="90000"/>
+        </a:lnSpc>
+        <a:spcBef>
+          <a:spcPts val="500"/>
+        </a:spcBef>
+        <a:buFont typeface="Arial" panose="020B0604020202020204" pitchFamily="34" charset="0"/>
+        <a:buChar char="•"/>
+        <a:defRPr sz="1800" kern="1200">
+          <a:solidFill>
+            <a:schemeClr val="tx1"/>
+          </a:solidFill>
+          <a:latin typeface="+mn-lt"/>
+          <a:ea typeface="+mn-ea"/>
+          <a:cs typeface="+mn-cs"/>
+        </a:defRPr>
+      </a:lvl5pPr>
+      <a:lvl6pPr marL="2514600" indent="-228600" algn="l" defTabSz="914400" rtl="0" eaLnBrk="1" latinLnBrk="0" hangingPunct="1">
+        <a:lnSpc>
+          <a:spcPct val="90000"/>
+        </a:lnSpc>
+        <a:spcBef>
+          <a:spcPts val="500"/>
+        </a:spcBef>
+        <a:buFont typeface="Arial" panose="020B0604020202020204" pitchFamily="34" charset="0"/>
+        <a:buChar char="•"/>
+        <a:defRPr sz="1800" kern="1200">
+          <a:solidFill>
+            <a:schemeClr val="tx1"/>
+          </a:solidFill>
+          <a:latin typeface="+mn-lt"/>
+          <a:ea typeface="+mn-ea"/>
+          <a:cs typeface="+mn-cs"/>
+        </a:defRPr>
+      </a:lvl6pPr>
+      <a:lvl7pPr marL="2971800" indent="-228600" algn="l" defTabSz="914400" rtl="0" eaLnBrk="1" latinLnBrk="0" hangingPunct="1">
+        <a:lnSpc>
+          <a:spcPct val="90000"/>
+        </a:lnSpc>
+        <a:spcBef>
+          <a:spcPts val="500"/>
+        </a:spcBef>
+        <a:buFont typeface="Arial" panose="020B0604020202020204" pitchFamily="34" charset="0"/>
+        <a:buChar char="•"/>
+        <a:defRPr sz="1800" kern="1200">
+          <a:solidFill>
+            <a:schemeClr val="tx1"/>
+          </a:solidFill>
+          <a:latin typeface="+mn-lt"/>
+          <a:ea typeface="+mn-ea"/>
+          <a:cs typeface="+mn-cs"/>
+        </a:defRPr>
+      </a:lvl7pPr>
+      <a:lvl8pPr marL="3429000" indent="-228600" algn="l" defTabSz="914400" rtl="0" eaLnBrk="1" latinLnBrk="0" hangingPunct="1">
+        <a:lnSpc>
+          <a:spcPct val="90000"/>
+        </a:lnSpc>
+        <a:spcBef>
+          <a:spcPts val="500"/>
+        </a:spcBef>
+        <a:buFont typeface="Arial" panose="020B0604020202020204" pitchFamily="34" charset="0"/>
+        <a:buChar char="•"/>
+        <a:defRPr sz="1800" kern="1200">
+          <a:solidFill>
+            <a:schemeClr val="tx1"/>
+          </a:solidFill>
+          <a:latin typeface="+mn-lt"/>
+          <a:ea typeface="+mn-ea"/>
+          <a:cs typeface="+mn-cs"/>
+        </a:defRPr>
+      </a:lvl8pPr>
+      <a:lvl9pPr marL="3886200" indent="-228600" algn="l" defTabSz="914400" rtl="0" eaLnBrk="1" latinLnBrk="0" hangingPunct="1">
+        <a:lnSpc>
+          <a:spcPct val="90000"/>
+        </a:lnSpc>
+        <a:spcBef>
+          <a:spcPts val="500"/>
+        </a:spcBef>
+        <a:buFont typeface="Arial" panose="020B0604020202020204" pitchFamily="34" charset="0"/>
+        <a:buChar char="•"/>
+        <a:defRPr sz="1800" kern="1200">
+          <a:solidFill>
+            <a:schemeClr val="tx1"/>
+          </a:solidFill>
+          <a:latin typeface="+mn-lt"/>
+          <a:ea typeface="+mn-ea"/>
+          <a:cs typeface="+mn-cs"/>
+        </a:defRPr>
+      </a:lvl9pPr>
+    </p:bodyStyle>
+    <p:otherStyle>
+      <a:defPPr>
+        <a:defRPr lang="es-ES"/>
+      </a:defPPr>
+      <a:lvl1pPr marL="0" algn="l" defTabSz="914400" rtl="0" eaLnBrk="1" latinLnBrk="0" hangingPunct="1">
+        <a:defRPr sz="1800" kern="1200">
+          <a:solidFill>
+            <a:schemeClr val="tx1"/>
+          </a:solidFill>
+          <a:latin typeface="+mn-lt"/>
+          <a:ea typeface="+mn-ea"/>
+          <a:cs typeface="+mn-cs"/>
+        </a:defRPr>
+      </a:lvl1pPr>
+      <a:lvl2pPr marL="457200" algn="l" defTabSz="914400" rtl="0" eaLnBrk="1" latinLnBrk="0" hangingPunct="1">
+        <a:defRPr sz="1800" kern="1200">
+          <a:solidFill>
+            <a:schemeClr val="tx1"/>
+          </a:solidFill>
+          <a:latin typeface="+mn-lt"/>
+          <a:ea typeface="+mn-ea"/>
+          <a:cs typeface="+mn-cs"/>
+        </a:defRPr>
+      </a:lvl2pPr>
+      <a:lvl3pPr marL="914400" algn="l" defTabSz="914400" rtl="0" eaLnBrk="1" latinLnBrk="0" hangingPunct="1">
+        <a:defRPr sz="1800" kern="1200">
+          <a:solidFill>
+            <a:schemeClr val="tx1"/>
+          </a:solidFill>
+          <a:latin typeface="+mn-lt"/>
+          <a:ea typeface="+mn-ea"/>
+          <a:cs typeface="+mn-cs"/>
+        </a:defRPr>
+      </a:lvl3pPr>
+      <a:lvl4pPr marL="1371600" algn="l" defTabSz="914400" rtl="0" eaLnBrk="1" latinLnBrk="0" hangingPunct="1">
+        <a:defRPr sz="1800" kern="1200">
+          <a:solidFill>
+            <a:schemeClr val="tx1"/>
+          </a:solidFill>
+          <a:latin typeface="+mn-lt"/>
+          <a:ea typeface="+mn-ea"/>
+          <a:cs typeface="+mn-cs"/>
+        </a:defRPr>
+      </a:lvl4pPr>
+      <a:lvl5pPr marL="1828800" algn="l" defTabSz="914400" rtl="0" eaLnBrk="1" latinLnBrk="0" hangingPunct="1">
+        <a:defRPr sz="1800" kern="1200">
+          <a:solidFill>
+            <a:schemeClr val="tx1"/>
+          </a:solidFill>
+          <a:latin typeface="+mn-lt"/>
+          <a:ea typeface="+mn-ea"/>
+          <a:cs typeface="+mn-cs"/>
+        </a:defRPr>
+      </a:lvl5pPr>
+      <a:lvl6pPr marL="2286000" algn="l" defTabSz="914400" rtl="0" eaLnBrk="1" latinLnBrk="0" hangingPunct="1">
+        <a:defRPr sz="1800" kern="1200">
+          <a:solidFill>
+            <a:schemeClr val="tx1"/>
+          </a:solidFill>
+          <a:latin typeface="+mn-lt"/>
+          <a:ea typeface="+mn-ea"/>
+          <a:cs typeface="+mn-cs"/>
+        </a:defRPr>
+      </a:lvl6pPr>
+      <a:lvl7pPr marL="2743200" algn="l" defTabSz="914400" rtl="0" eaLnBrk="1" latinLnBrk="0" hangingPunct="1">
+        <a:defRPr sz="1800" kern="1200">
+          <a:solidFill>
+            <a:schemeClr val="tx1"/>
+          </a:solidFill>
+          <a:latin typeface="+mn-lt"/>
+          <a:ea typeface="+mn-ea"/>
+          <a:cs typeface="+mn-cs"/>
+        </a:defRPr>
+      </a:lvl7pPr>
+      <a:lvl8pPr marL="3200400" algn="l" defTabSz="914400" rtl="0" eaLnBrk="1" latinLnBrk="0" hangingPunct="1">
+        <a:defRPr sz="1800" kern="1200">
+          <a:solidFill>
+            <a:schemeClr val="tx1"/>
+          </a:solidFill>
+          <a:latin typeface="+mn-lt"/>
+          <a:ea typeface="+mn-ea"/>
+          <a:cs typeface="+mn-cs"/>
+        </a:defRPr>
+      </a:lvl8pPr>
+      <a:lvl9pPr marL="3657600" algn="l" defTabSz="914400" rtl="0" eaLnBrk="1" latinLnBrk="0" hangingPunct="1">
+        <a:defRPr sz="1800" kern="1200">
+          <a:solidFill>
+            <a:schemeClr val="tx1"/>
+          </a:solidFill>
+          <a:latin typeface="+mn-lt"/>
+          <a:ea typeface="+mn-ea"/>
+          <a:cs typeface="+mn-cs"/>
+        </a:defRPr>
+      </a:lvl9pPr>
+    </p:otherStyle>
+  </p:txStyles>
 </p:sldMaster>
 </file>
 
 <file path=ppt/slideMasters/slideMaster3.xml><?xml version="1.0" encoding="utf-8"?>
-<p:sldMaster xmlns:a="http://schemas.openxmlformats.org/drawingml/2006/main" xmlns:p="http://schemas.openxmlformats.org/presentationml/2006/main" xmlns:r="http://schemas.openxmlformats.org/officeDocument/2006/relationships" xmlns:p14="http://schemas.microsoft.com/office/powerpoint/2010/main" xmlns:p15="http://schemas.microsoft.com/office/powerpoint/2012/main" xmlns:mc="http://schemas.openxmlformats.org/markup-compatibility/2006">
+<p:sldMaster xmlns:a="http://schemas.openxmlformats.org/drawingml/2006/main" xmlns:r="http://schemas.openxmlformats.org/officeDocument/2006/relationships" xmlns:p="http://schemas.openxmlformats.org/presentationml/2006/main">
   <p:cSld>
     <p:bg>
       <p:bgPr>
         <a:solidFill>
-          <a:srgbClr val="ffffff"/>
+          <a:srgbClr val="FFFFFF"/>
         </a:solidFill>
+        <a:effectLst/>
       </p:bgPr>
     </p:bg>
     <p:spTree>
@@ -7655,6 +7926,7 @@
           <a:bodyPr anchor="t">
             <a:noAutofit/>
           </a:bodyPr>
+          <a:lstStyle/>
           <a:p>
             <a:pPr>
               <a:lnSpc>
@@ -7665,19 +7937,19 @@
               </a:spcBef>
               <a:buNone/>
               <a:tabLst>
-                <a:tab algn="l" pos="0"/>
+                <a:tab pos="0" algn="l"/>
               </a:tabLst>
             </a:pPr>
             <a:r>
-              <a:rPr b="1" lang="es-ES" sz="1800" spc="-1" strike="noStrike">
+              <a:rPr lang="es-ES" sz="1800" b="1" strike="noStrike" spc="-1">
                 <a:solidFill>
-                  <a:srgbClr val="b13dc8"/>
+                  <a:srgbClr val="B13DC8"/>
                 </a:solidFill>
                 <a:latin typeface="Speak Pro"/>
               </a:rPr>
               <a:t>HAGA CLIC PARA EDITAR</a:t>
             </a:r>
-            <a:endParaRPr b="0" lang="es-ES" sz="1800" spc="-1" strike="noStrike">
+            <a:endParaRPr lang="es-ES" sz="1800" b="0" strike="noStrike" spc="-1">
               <a:solidFill>
                 <a:srgbClr val="000000"/>
               </a:solidFill>
@@ -7713,6 +7985,7 @@
           <a:bodyPr anchor="t">
             <a:noAutofit/>
           </a:bodyPr>
+          <a:lstStyle/>
           <a:p>
             <a:pPr>
               <a:lnSpc>
@@ -7723,11 +7996,11 @@
               </a:spcBef>
               <a:buNone/>
               <a:tabLst>
-                <a:tab algn="l" pos="0"/>
+                <a:tab pos="0" algn="l"/>
               </a:tabLst>
             </a:pPr>
             <a:r>
-              <a:rPr b="0" lang="es-ES" sz="1100" spc="-1" strike="noStrike">
+              <a:rPr lang="es-ES" sz="1100" b="0" strike="noStrike" spc="-1">
                 <a:solidFill>
                   <a:srgbClr val="000000"/>
                 </a:solidFill>
@@ -7735,12 +8008,6 @@
               </a:rPr>
               <a:t>Haga clic para editar el patrón</a:t>
             </a:r>
-            <a:endParaRPr b="0" lang="es-ES" sz="1100" spc="-1" strike="noStrike">
-              <a:solidFill>
-                <a:srgbClr val="000000"/>
-              </a:solidFill>
-              <a:latin typeface="Avenir Next LT Pro Light"/>
-            </a:endParaRPr>
           </a:p>
         </p:txBody>
       </p:sp>
@@ -7771,6 +8038,7 @@
           <a:bodyPr anchor="t">
             <a:noAutofit/>
           </a:bodyPr>
+          <a:lstStyle/>
           <a:p>
             <a:pPr>
               <a:lnSpc>
@@ -7781,19 +8049,19 @@
               </a:spcBef>
               <a:buNone/>
               <a:tabLst>
-                <a:tab algn="l" pos="0"/>
+                <a:tab pos="0" algn="l"/>
               </a:tabLst>
             </a:pPr>
             <a:r>
-              <a:rPr b="1" lang="es-ES" sz="1800" spc="-1" strike="noStrike">
+              <a:rPr lang="es-ES" sz="1800" b="1" strike="noStrike" spc="-1">
                 <a:solidFill>
-                  <a:srgbClr val="b13dc8"/>
+                  <a:srgbClr val="B13DC8"/>
                 </a:solidFill>
                 <a:latin typeface="Speak Pro"/>
               </a:rPr>
               <a:t>HAGA CLIC PARA EDITAR</a:t>
             </a:r>
-            <a:endParaRPr b="0" lang="es-ES" sz="1800" spc="-1" strike="noStrike">
+            <a:endParaRPr lang="es-ES" sz="1800" b="0" strike="noStrike" spc="-1">
               <a:solidFill>
                 <a:srgbClr val="000000"/>
               </a:solidFill>
@@ -7829,6 +8097,7 @@
           <a:bodyPr anchor="t">
             <a:noAutofit/>
           </a:bodyPr>
+          <a:lstStyle/>
           <a:p>
             <a:pPr>
               <a:lnSpc>
@@ -7839,11 +8108,11 @@
               </a:spcBef>
               <a:buNone/>
               <a:tabLst>
-                <a:tab algn="l" pos="0"/>
+                <a:tab pos="0" algn="l"/>
               </a:tabLst>
             </a:pPr>
             <a:r>
-              <a:rPr b="0" lang="es-ES" sz="1100" spc="-1" strike="noStrike">
+              <a:rPr lang="es-ES" sz="1100" b="0" strike="noStrike" spc="-1">
                 <a:solidFill>
                   <a:srgbClr val="000000"/>
                 </a:solidFill>
@@ -7851,12 +8120,6 @@
               </a:rPr>
               <a:t>Haga clic para editar el patrón</a:t>
             </a:r>
-            <a:endParaRPr b="0" lang="es-ES" sz="1100" spc="-1" strike="noStrike">
-              <a:solidFill>
-                <a:srgbClr val="000000"/>
-              </a:solidFill>
-              <a:latin typeface="Avenir Next LT Pro Light"/>
-            </a:endParaRPr>
           </a:p>
         </p:txBody>
       </p:sp>
@@ -7887,6 +8150,7 @@
           <a:bodyPr anchor="t">
             <a:noAutofit/>
           </a:bodyPr>
+          <a:lstStyle/>
           <a:p>
             <a:pPr>
               <a:lnSpc>
@@ -7897,19 +8161,19 @@
               </a:spcBef>
               <a:buNone/>
               <a:tabLst>
-                <a:tab algn="l" pos="0"/>
+                <a:tab pos="0" algn="l"/>
               </a:tabLst>
             </a:pPr>
             <a:r>
-              <a:rPr b="1" lang="es-ES" sz="1800" spc="-1" strike="noStrike">
+              <a:rPr lang="es-ES" sz="1800" b="1" strike="noStrike" spc="-1">
                 <a:solidFill>
-                  <a:srgbClr val="b13dc8"/>
+                  <a:srgbClr val="B13DC8"/>
                 </a:solidFill>
                 <a:latin typeface="Speak Pro"/>
               </a:rPr>
               <a:t>HAGA CLIC PARA EDITAR</a:t>
             </a:r>
-            <a:endParaRPr b="0" lang="es-ES" sz="1800" spc="-1" strike="noStrike">
+            <a:endParaRPr lang="es-ES" sz="1800" b="0" strike="noStrike" spc="-1">
               <a:solidFill>
                 <a:srgbClr val="000000"/>
               </a:solidFill>
@@ -7945,6 +8209,7 @@
           <a:bodyPr anchor="t">
             <a:noAutofit/>
           </a:bodyPr>
+          <a:lstStyle/>
           <a:p>
             <a:pPr>
               <a:lnSpc>
@@ -7955,11 +8220,11 @@
               </a:spcBef>
               <a:buNone/>
               <a:tabLst>
-                <a:tab algn="l" pos="0"/>
+                <a:tab pos="0" algn="l"/>
               </a:tabLst>
             </a:pPr>
             <a:r>
-              <a:rPr b="0" lang="es-ES" sz="1100" spc="-1" strike="noStrike">
+              <a:rPr lang="es-ES" sz="1100" b="0" strike="noStrike" spc="-1">
                 <a:solidFill>
                   <a:srgbClr val="000000"/>
                 </a:solidFill>
@@ -7967,12 +8232,6 @@
               </a:rPr>
               <a:t>Haga clic para editar el patrón</a:t>
             </a:r>
-            <a:endParaRPr b="0" lang="es-ES" sz="1100" spc="-1" strike="noStrike">
-              <a:solidFill>
-                <a:srgbClr val="000000"/>
-              </a:solidFill>
-              <a:latin typeface="Avenir Next LT Pro Light"/>
-            </a:endParaRPr>
           </a:p>
         </p:txBody>
       </p:sp>
@@ -8003,6 +8262,7 @@
           <a:bodyPr anchor="t">
             <a:noAutofit/>
           </a:bodyPr>
+          <a:lstStyle/>
           <a:p>
             <a:pPr>
               <a:lnSpc>
@@ -8013,19 +8273,19 @@
               </a:spcBef>
               <a:buNone/>
               <a:tabLst>
-                <a:tab algn="l" pos="0"/>
+                <a:tab pos="0" algn="l"/>
               </a:tabLst>
             </a:pPr>
             <a:r>
-              <a:rPr b="1" lang="es-ES" sz="1800" spc="-1" strike="noStrike">
+              <a:rPr lang="es-ES" sz="1800" b="1" strike="noStrike" spc="-1">
                 <a:solidFill>
-                  <a:srgbClr val="172da6"/>
+                  <a:srgbClr val="172DA6"/>
                 </a:solidFill>
                 <a:latin typeface="Speak Pro"/>
               </a:rPr>
               <a:t>HAGA CLIC PARA EDITAR</a:t>
             </a:r>
-            <a:endParaRPr b="0" lang="es-ES" sz="1800" spc="-1" strike="noStrike">
+            <a:endParaRPr lang="es-ES" sz="1800" b="0" strike="noStrike" spc="-1">
               <a:solidFill>
                 <a:srgbClr val="000000"/>
               </a:solidFill>
@@ -8061,6 +8321,7 @@
           <a:bodyPr anchor="t">
             <a:noAutofit/>
           </a:bodyPr>
+          <a:lstStyle/>
           <a:p>
             <a:pPr>
               <a:lnSpc>
@@ -8071,11 +8332,11 @@
               </a:spcBef>
               <a:buNone/>
               <a:tabLst>
-                <a:tab algn="l" pos="0"/>
+                <a:tab pos="0" algn="l"/>
               </a:tabLst>
             </a:pPr>
             <a:r>
-              <a:rPr b="0" lang="es-ES" sz="1100" spc="-1" strike="noStrike">
+              <a:rPr lang="es-ES" sz="1100" b="0" strike="noStrike" spc="-1">
                 <a:solidFill>
                   <a:srgbClr val="000000"/>
                 </a:solidFill>
@@ -8083,12 +8344,6 @@
               </a:rPr>
               <a:t>Haga clic para editar el patrón</a:t>
             </a:r>
-            <a:endParaRPr b="0" lang="es-ES" sz="1100" spc="-1" strike="noStrike">
-              <a:solidFill>
-                <a:srgbClr val="000000"/>
-              </a:solidFill>
-              <a:latin typeface="Avenir Next LT Pro Light"/>
-            </a:endParaRPr>
           </a:p>
         </p:txBody>
       </p:sp>
@@ -8119,6 +8374,7 @@
           <a:bodyPr anchor="t">
             <a:noAutofit/>
           </a:bodyPr>
+          <a:lstStyle/>
           <a:p>
             <a:pPr>
               <a:lnSpc>
@@ -8129,19 +8385,19 @@
               </a:spcBef>
               <a:buNone/>
               <a:tabLst>
-                <a:tab algn="l" pos="0"/>
+                <a:tab pos="0" algn="l"/>
               </a:tabLst>
             </a:pPr>
             <a:r>
-              <a:rPr b="1" lang="es-ES" sz="1800" spc="-1" strike="noStrike">
+              <a:rPr lang="es-ES" sz="1800" b="1" strike="noStrike" spc="-1">
                 <a:solidFill>
-                  <a:srgbClr val="172da6"/>
+                  <a:srgbClr val="172DA6"/>
                 </a:solidFill>
                 <a:latin typeface="Speak Pro"/>
               </a:rPr>
               <a:t>HAGA CLIC PARA EDITAR</a:t>
             </a:r>
-            <a:endParaRPr b="0" lang="es-ES" sz="1800" spc="-1" strike="noStrike">
+            <a:endParaRPr lang="es-ES" sz="1800" b="0" strike="noStrike" spc="-1">
               <a:solidFill>
                 <a:srgbClr val="000000"/>
               </a:solidFill>
@@ -8177,6 +8433,7 @@
           <a:bodyPr anchor="t">
             <a:noAutofit/>
           </a:bodyPr>
+          <a:lstStyle/>
           <a:p>
             <a:pPr>
               <a:lnSpc>
@@ -8187,11 +8444,11 @@
               </a:spcBef>
               <a:buNone/>
               <a:tabLst>
-                <a:tab algn="l" pos="0"/>
+                <a:tab pos="0" algn="l"/>
               </a:tabLst>
             </a:pPr>
             <a:r>
-              <a:rPr b="0" lang="es-ES" sz="1100" spc="-1" strike="noStrike">
+              <a:rPr lang="es-ES" sz="1100" b="0" strike="noStrike" spc="-1">
                 <a:solidFill>
                   <a:srgbClr val="000000"/>
                 </a:solidFill>
@@ -8199,12 +8456,6 @@
               </a:rPr>
               <a:t>Haga clic para editar el patrón</a:t>
             </a:r>
-            <a:endParaRPr b="0" lang="es-ES" sz="1100" spc="-1" strike="noStrike">
-              <a:solidFill>
-                <a:srgbClr val="000000"/>
-              </a:solidFill>
-              <a:latin typeface="Avenir Next LT Pro Light"/>
-            </a:endParaRPr>
           </a:p>
         </p:txBody>
       </p:sp>
@@ -8235,6 +8486,7 @@
           <a:bodyPr anchor="t">
             <a:noAutofit/>
           </a:bodyPr>
+          <a:lstStyle/>
           <a:p>
             <a:pPr>
               <a:lnSpc>
@@ -8245,19 +8497,19 @@
               </a:spcBef>
               <a:buNone/>
               <a:tabLst>
-                <a:tab algn="l" pos="0"/>
+                <a:tab pos="0" algn="l"/>
               </a:tabLst>
             </a:pPr>
             <a:r>
-              <a:rPr b="1" lang="es-ES" sz="1800" spc="-1" strike="noStrike">
+              <a:rPr lang="es-ES" sz="1800" b="1" strike="noStrike" spc="-1">
                 <a:solidFill>
-                  <a:srgbClr val="172da6"/>
+                  <a:srgbClr val="172DA6"/>
                 </a:solidFill>
                 <a:latin typeface="Speak Pro"/>
               </a:rPr>
               <a:t>HAGA CLIC PARA EDITAR</a:t>
             </a:r>
-            <a:endParaRPr b="0" lang="es-ES" sz="1800" spc="-1" strike="noStrike">
+            <a:endParaRPr lang="es-ES" sz="1800" b="0" strike="noStrike" spc="-1">
               <a:solidFill>
                 <a:srgbClr val="000000"/>
               </a:solidFill>
@@ -8293,6 +8545,7 @@
           <a:bodyPr anchor="t">
             <a:noAutofit/>
           </a:bodyPr>
+          <a:lstStyle/>
           <a:p>
             <a:pPr>
               <a:lnSpc>
@@ -8303,11 +8556,11 @@
               </a:spcBef>
               <a:buNone/>
               <a:tabLst>
-                <a:tab algn="l" pos="0"/>
+                <a:tab pos="0" algn="l"/>
               </a:tabLst>
             </a:pPr>
             <a:r>
-              <a:rPr b="0" lang="es-ES" sz="1100" spc="-1" strike="noStrike">
+              <a:rPr lang="es-ES" sz="1100" b="0" strike="noStrike" spc="-1">
                 <a:solidFill>
                   <a:srgbClr val="000000"/>
                 </a:solidFill>
@@ -8315,12 +8568,6 @@
               </a:rPr>
               <a:t>Haga clic para editar el patrón</a:t>
             </a:r>
-            <a:endParaRPr b="0" lang="es-ES" sz="1100" spc="-1" strike="noStrike">
-              <a:solidFill>
-                <a:srgbClr val="000000"/>
-              </a:solidFill>
-              <a:latin typeface="Avenir Next LT Pro Light"/>
-            </a:endParaRPr>
           </a:p>
         </p:txBody>
       </p:sp>
@@ -8351,6 +8598,7 @@
           <a:bodyPr anchor="t">
             <a:noAutofit/>
           </a:bodyPr>
+          <a:lstStyle/>
           <a:p>
             <a:pPr>
               <a:lnSpc>
@@ -8361,19 +8609,19 @@
               </a:spcBef>
               <a:buNone/>
               <a:tabLst>
-                <a:tab algn="l" pos="0"/>
+                <a:tab pos="0" algn="l"/>
               </a:tabLst>
             </a:pPr>
             <a:r>
-              <a:rPr b="1" lang="es-ES" sz="1800" spc="-1" strike="noStrike">
+              <a:rPr lang="es-ES" sz="1800" b="1" strike="noStrike" spc="-1">
                 <a:solidFill>
-                  <a:srgbClr val="00b0f0"/>
+                  <a:srgbClr val="00B0F0"/>
                 </a:solidFill>
                 <a:latin typeface="Speak Pro"/>
               </a:rPr>
               <a:t>HAGA CLIC PARA EDITAR</a:t>
             </a:r>
-            <a:endParaRPr b="0" lang="es-ES" sz="1800" spc="-1" strike="noStrike">
+            <a:endParaRPr lang="es-ES" sz="1800" b="0" strike="noStrike" spc="-1">
               <a:solidFill>
                 <a:srgbClr val="000000"/>
               </a:solidFill>
@@ -8409,6 +8657,7 @@
           <a:bodyPr anchor="t">
             <a:noAutofit/>
           </a:bodyPr>
+          <a:lstStyle/>
           <a:p>
             <a:pPr>
               <a:lnSpc>
@@ -8419,11 +8668,11 @@
               </a:spcBef>
               <a:buNone/>
               <a:tabLst>
-                <a:tab algn="l" pos="0"/>
+                <a:tab pos="0" algn="l"/>
               </a:tabLst>
             </a:pPr>
             <a:r>
-              <a:rPr b="0" lang="es-ES" sz="1100" spc="-1" strike="noStrike">
+              <a:rPr lang="es-ES" sz="1100" b="0" strike="noStrike" spc="-1">
                 <a:solidFill>
                   <a:srgbClr val="000000"/>
                 </a:solidFill>
@@ -8431,12 +8680,6 @@
               </a:rPr>
               <a:t>Haga clic para editar el patrón</a:t>
             </a:r>
-            <a:endParaRPr b="0" lang="es-ES" sz="1100" spc="-1" strike="noStrike">
-              <a:solidFill>
-                <a:srgbClr val="000000"/>
-              </a:solidFill>
-              <a:latin typeface="Avenir Next LT Pro Light"/>
-            </a:endParaRPr>
           </a:p>
         </p:txBody>
       </p:sp>
@@ -8467,6 +8710,7 @@
           <a:bodyPr anchor="t">
             <a:noAutofit/>
           </a:bodyPr>
+          <a:lstStyle/>
           <a:p>
             <a:pPr>
               <a:lnSpc>
@@ -8477,19 +8721,19 @@
               </a:spcBef>
               <a:buNone/>
               <a:tabLst>
-                <a:tab algn="l" pos="0"/>
+                <a:tab pos="0" algn="l"/>
               </a:tabLst>
             </a:pPr>
             <a:r>
-              <a:rPr b="1" lang="es-ES" sz="1800" spc="-1" strike="noStrike">
+              <a:rPr lang="es-ES" sz="1800" b="1" strike="noStrike" spc="-1">
                 <a:solidFill>
-                  <a:srgbClr val="00b0f0"/>
+                  <a:srgbClr val="00B0F0"/>
                 </a:solidFill>
                 <a:latin typeface="Speak Pro"/>
               </a:rPr>
               <a:t>HAGA CLIC PARA EDITAR</a:t>
             </a:r>
-            <a:endParaRPr b="0" lang="es-ES" sz="1800" spc="-1" strike="noStrike">
+            <a:endParaRPr lang="es-ES" sz="1800" b="0" strike="noStrike" spc="-1">
               <a:solidFill>
                 <a:srgbClr val="000000"/>
               </a:solidFill>
@@ -8525,6 +8769,7 @@
           <a:bodyPr anchor="t">
             <a:noAutofit/>
           </a:bodyPr>
+          <a:lstStyle/>
           <a:p>
             <a:pPr>
               <a:lnSpc>
@@ -8535,11 +8780,11 @@
               </a:spcBef>
               <a:buNone/>
               <a:tabLst>
-                <a:tab algn="l" pos="0"/>
+                <a:tab pos="0" algn="l"/>
               </a:tabLst>
             </a:pPr>
             <a:r>
-              <a:rPr b="0" lang="es-ES" sz="1100" spc="-1" strike="noStrike">
+              <a:rPr lang="es-ES" sz="1100" b="0" strike="noStrike" spc="-1">
                 <a:solidFill>
                   <a:srgbClr val="000000"/>
                 </a:solidFill>
@@ -8547,12 +8792,6 @@
               </a:rPr>
               <a:t>Haga clic para editar el patrón</a:t>
             </a:r>
-            <a:endParaRPr b="0" lang="es-ES" sz="1100" spc="-1" strike="noStrike">
-              <a:solidFill>
-                <a:srgbClr val="000000"/>
-              </a:solidFill>
-              <a:latin typeface="Avenir Next LT Pro Light"/>
-            </a:endParaRPr>
           </a:p>
         </p:txBody>
       </p:sp>
@@ -8583,6 +8822,7 @@
           <a:bodyPr anchor="t">
             <a:noAutofit/>
           </a:bodyPr>
+          <a:lstStyle/>
           <a:p>
             <a:pPr>
               <a:lnSpc>
@@ -8593,19 +8833,19 @@
               </a:spcBef>
               <a:buNone/>
               <a:tabLst>
-                <a:tab algn="l" pos="0"/>
+                <a:tab pos="0" algn="l"/>
               </a:tabLst>
             </a:pPr>
             <a:r>
-              <a:rPr b="1" lang="es-ES" sz="1800" spc="-1" strike="noStrike">
+              <a:rPr lang="es-ES" sz="1800" b="1" strike="noStrike" spc="-1">
                 <a:solidFill>
-                  <a:srgbClr val="00b0f0"/>
+                  <a:srgbClr val="00B0F0"/>
                 </a:solidFill>
                 <a:latin typeface="Speak Pro"/>
               </a:rPr>
               <a:t>HAGA CLIC PARA EDITAR</a:t>
             </a:r>
-            <a:endParaRPr b="0" lang="es-ES" sz="1800" spc="-1" strike="noStrike">
+            <a:endParaRPr lang="es-ES" sz="1800" b="0" strike="noStrike" spc="-1">
               <a:solidFill>
                 <a:srgbClr val="000000"/>
               </a:solidFill>
@@ -8641,6 +8881,7 @@
           <a:bodyPr anchor="t">
             <a:noAutofit/>
           </a:bodyPr>
+          <a:lstStyle/>
           <a:p>
             <a:pPr>
               <a:lnSpc>
@@ -8651,11 +8892,11 @@
               </a:spcBef>
               <a:buNone/>
               <a:tabLst>
-                <a:tab algn="l" pos="0"/>
+                <a:tab pos="0" algn="l"/>
               </a:tabLst>
             </a:pPr>
             <a:r>
-              <a:rPr b="0" lang="es-ES" sz="1100" spc="-1" strike="noStrike">
+              <a:rPr lang="es-ES" sz="1100" b="0" strike="noStrike" spc="-1">
                 <a:solidFill>
                   <a:srgbClr val="000000"/>
                 </a:solidFill>
@@ -8663,12 +8904,6 @@
               </a:rPr>
               <a:t>Haga clic para editar el patrón</a:t>
             </a:r>
-            <a:endParaRPr b="0" lang="es-ES" sz="1100" spc="-1" strike="noStrike">
-              <a:solidFill>
-                <a:srgbClr val="000000"/>
-              </a:solidFill>
-              <a:latin typeface="Avenir Next LT Pro Light"/>
-            </a:endParaRPr>
           </a:p>
         </p:txBody>
       </p:sp>
@@ -8699,6 +8934,7 @@
           <a:bodyPr anchor="t">
             <a:noAutofit/>
           </a:bodyPr>
+          <a:lstStyle/>
           <a:p>
             <a:pPr>
               <a:lnSpc>
@@ -8709,19 +8945,19 @@
               </a:spcBef>
               <a:buNone/>
               <a:tabLst>
-                <a:tab algn="l" pos="0"/>
+                <a:tab pos="0" algn="l"/>
               </a:tabLst>
             </a:pPr>
             <a:r>
-              <a:rPr b="1" lang="es-ES" sz="1800" spc="-1" strike="noStrike">
+              <a:rPr lang="es-ES" sz="1800" b="1" strike="noStrike" spc="-1">
                 <a:solidFill>
-                  <a:srgbClr val="20a472"/>
+                  <a:srgbClr val="20A472"/>
                 </a:solidFill>
                 <a:latin typeface="Speak Pro"/>
               </a:rPr>
               <a:t>HAGA CLIC PARA EDITAR</a:t>
             </a:r>
-            <a:endParaRPr b="0" lang="es-ES" sz="1800" spc="-1" strike="noStrike">
+            <a:endParaRPr lang="es-ES" sz="1800" b="0" strike="noStrike" spc="-1">
               <a:solidFill>
                 <a:srgbClr val="000000"/>
               </a:solidFill>
@@ -8757,6 +8993,7 @@
           <a:bodyPr anchor="t">
             <a:noAutofit/>
           </a:bodyPr>
+          <a:lstStyle/>
           <a:p>
             <a:pPr>
               <a:lnSpc>
@@ -8767,11 +9004,11 @@
               </a:spcBef>
               <a:buNone/>
               <a:tabLst>
-                <a:tab algn="l" pos="0"/>
+                <a:tab pos="0" algn="l"/>
               </a:tabLst>
             </a:pPr>
             <a:r>
-              <a:rPr b="0" lang="es-ES" sz="1100" spc="-1" strike="noStrike">
+              <a:rPr lang="es-ES" sz="1100" b="0" strike="noStrike" spc="-1">
                 <a:solidFill>
                   <a:srgbClr val="000000"/>
                 </a:solidFill>
@@ -8779,12 +9016,6 @@
               </a:rPr>
               <a:t>Haga clic para editar el patrón</a:t>
             </a:r>
-            <a:endParaRPr b="0" lang="es-ES" sz="1100" spc="-1" strike="noStrike">
-              <a:solidFill>
-                <a:srgbClr val="000000"/>
-              </a:solidFill>
-              <a:latin typeface="Avenir Next LT Pro Light"/>
-            </a:endParaRPr>
           </a:p>
         </p:txBody>
       </p:sp>
@@ -8815,6 +9046,7 @@
           <a:bodyPr anchor="t">
             <a:noAutofit/>
           </a:bodyPr>
+          <a:lstStyle/>
           <a:p>
             <a:pPr>
               <a:lnSpc>
@@ -8825,19 +9057,19 @@
               </a:spcBef>
               <a:buNone/>
               <a:tabLst>
-                <a:tab algn="l" pos="0"/>
+                <a:tab pos="0" algn="l"/>
               </a:tabLst>
             </a:pPr>
             <a:r>
-              <a:rPr b="1" lang="es-ES" sz="1800" spc="-1" strike="noStrike">
+              <a:rPr lang="es-ES" sz="1800" b="1" strike="noStrike" spc="-1">
                 <a:solidFill>
-                  <a:srgbClr val="20a472"/>
+                  <a:srgbClr val="20A472"/>
                 </a:solidFill>
                 <a:latin typeface="Speak Pro"/>
               </a:rPr>
               <a:t>HAGA CLIC PARA EDITAR</a:t>
             </a:r>
-            <a:endParaRPr b="0" lang="es-ES" sz="1800" spc="-1" strike="noStrike">
+            <a:endParaRPr lang="es-ES" sz="1800" b="0" strike="noStrike" spc="-1">
               <a:solidFill>
                 <a:srgbClr val="000000"/>
               </a:solidFill>
@@ -8873,6 +9105,7 @@
           <a:bodyPr anchor="t">
             <a:noAutofit/>
           </a:bodyPr>
+          <a:lstStyle/>
           <a:p>
             <a:pPr>
               <a:lnSpc>
@@ -8883,11 +9116,11 @@
               </a:spcBef>
               <a:buNone/>
               <a:tabLst>
-                <a:tab algn="l" pos="0"/>
+                <a:tab pos="0" algn="l"/>
               </a:tabLst>
             </a:pPr>
             <a:r>
-              <a:rPr b="0" lang="es-ES" sz="1100" spc="-1" strike="noStrike">
+              <a:rPr lang="es-ES" sz="1100" b="0" strike="noStrike" spc="-1">
                 <a:solidFill>
                   <a:srgbClr val="000000"/>
                 </a:solidFill>
@@ -8895,12 +9128,6 @@
               </a:rPr>
               <a:t>Haga clic para editar el patrón</a:t>
             </a:r>
-            <a:endParaRPr b="0" lang="es-ES" sz="1100" spc="-1" strike="noStrike">
-              <a:solidFill>
-                <a:srgbClr val="000000"/>
-              </a:solidFill>
-              <a:latin typeface="Avenir Next LT Pro Light"/>
-            </a:endParaRPr>
           </a:p>
         </p:txBody>
       </p:sp>
@@ -8931,6 +9158,7 @@
           <a:bodyPr anchor="t">
             <a:noAutofit/>
           </a:bodyPr>
+          <a:lstStyle/>
           <a:p>
             <a:pPr>
               <a:lnSpc>
@@ -8941,19 +9169,19 @@
               </a:spcBef>
               <a:buNone/>
               <a:tabLst>
-                <a:tab algn="l" pos="0"/>
+                <a:tab pos="0" algn="l"/>
               </a:tabLst>
             </a:pPr>
             <a:r>
-              <a:rPr b="1" lang="es-ES" sz="1800" spc="-1" strike="noStrike">
+              <a:rPr lang="es-ES" sz="1800" b="1" strike="noStrike" spc="-1">
                 <a:solidFill>
-                  <a:srgbClr val="20a472"/>
+                  <a:srgbClr val="20A472"/>
                 </a:solidFill>
                 <a:latin typeface="Speak Pro"/>
               </a:rPr>
               <a:t>HAGA CLIC PARA EDITAR</a:t>
             </a:r>
-            <a:endParaRPr b="0" lang="es-ES" sz="1800" spc="-1" strike="noStrike">
+            <a:endParaRPr lang="es-ES" sz="1800" b="0" strike="noStrike" spc="-1">
               <a:solidFill>
                 <a:srgbClr val="000000"/>
               </a:solidFill>
@@ -8989,6 +9217,7 @@
           <a:bodyPr anchor="t">
             <a:noAutofit/>
           </a:bodyPr>
+          <a:lstStyle/>
           <a:p>
             <a:pPr>
               <a:lnSpc>
@@ -8999,11 +9228,11 @@
               </a:spcBef>
               <a:buNone/>
               <a:tabLst>
-                <a:tab algn="l" pos="0"/>
+                <a:tab pos="0" algn="l"/>
               </a:tabLst>
             </a:pPr>
             <a:r>
-              <a:rPr b="0" lang="es-ES" sz="1100" spc="-1" strike="noStrike">
+              <a:rPr lang="es-ES" sz="1100" b="0" strike="noStrike" spc="-1">
                 <a:solidFill>
                   <a:srgbClr val="000000"/>
                 </a:solidFill>
@@ -9011,12 +9240,6 @@
               </a:rPr>
               <a:t>Haga clic para editar el patrón</a:t>
             </a:r>
-            <a:endParaRPr b="0" lang="es-ES" sz="1100" spc="-1" strike="noStrike">
-              <a:solidFill>
-                <a:srgbClr val="000000"/>
-              </a:solidFill>
-              <a:latin typeface="Avenir Next LT Pro Light"/>
-            </a:endParaRPr>
           </a:p>
         </p:txBody>
       </p:sp>
@@ -9047,6 +9270,7 @@
           <a:bodyPr anchor="t">
             <a:noAutofit/>
           </a:bodyPr>
+          <a:lstStyle/>
           <a:p>
             <a:pPr algn="ctr">
               <a:lnSpc>
@@ -9058,420 +9282,15 @@
               <a:buNone/>
             </a:pPr>
             <a:r>
-              <a:rPr b="1" lang="es-ES" sz="3600" spc="-1" strike="noStrike" cap="all">
+              <a:rPr lang="es-ES" sz="3600" b="1" strike="noStrike" cap="all" spc="-1">
                 <a:solidFill>
                   <a:srgbClr val="000000"/>
                 </a:solidFill>
                 <a:latin typeface="Speak Pro"/>
               </a:rPr>
-              <a:t>H</a:t>
+              <a:t>Haga clic para modificar el estilo de título del patrón</a:t>
             </a:r>
-            <a:r>
-              <a:rPr b="1" lang="es-ES" sz="3600" spc="-1" strike="noStrike" cap="all">
-                <a:solidFill>
-                  <a:srgbClr val="000000"/>
-                </a:solidFill>
-                <a:latin typeface="Speak Pro"/>
-              </a:rPr>
-              <a:t>a</a:t>
-            </a:r>
-            <a:r>
-              <a:rPr b="1" lang="es-ES" sz="3600" spc="-1" strike="noStrike" cap="all">
-                <a:solidFill>
-                  <a:srgbClr val="000000"/>
-                </a:solidFill>
-                <a:latin typeface="Speak Pro"/>
-              </a:rPr>
-              <a:t>g</a:t>
-            </a:r>
-            <a:r>
-              <a:rPr b="1" lang="es-ES" sz="3600" spc="-1" strike="noStrike" cap="all">
-                <a:solidFill>
-                  <a:srgbClr val="000000"/>
-                </a:solidFill>
-                <a:latin typeface="Speak Pro"/>
-              </a:rPr>
-              <a:t>a </a:t>
-            </a:r>
-            <a:r>
-              <a:rPr b="1" lang="es-ES" sz="3600" spc="-1" strike="noStrike" cap="all">
-                <a:solidFill>
-                  <a:srgbClr val="000000"/>
-                </a:solidFill>
-                <a:latin typeface="Speak Pro"/>
-              </a:rPr>
-              <a:t>c</a:t>
-            </a:r>
-            <a:r>
-              <a:rPr b="1" lang="es-ES" sz="3600" spc="-1" strike="noStrike" cap="all">
-                <a:solidFill>
-                  <a:srgbClr val="000000"/>
-                </a:solidFill>
-                <a:latin typeface="Speak Pro"/>
-              </a:rPr>
-              <a:t>l</a:t>
-            </a:r>
-            <a:r>
-              <a:rPr b="1" lang="es-ES" sz="3600" spc="-1" strike="noStrike" cap="all">
-                <a:solidFill>
-                  <a:srgbClr val="000000"/>
-                </a:solidFill>
-                <a:latin typeface="Speak Pro"/>
-              </a:rPr>
-              <a:t>i</a:t>
-            </a:r>
-            <a:r>
-              <a:rPr b="1" lang="es-ES" sz="3600" spc="-1" strike="noStrike" cap="all">
-                <a:solidFill>
-                  <a:srgbClr val="000000"/>
-                </a:solidFill>
-                <a:latin typeface="Speak Pro"/>
-              </a:rPr>
-              <a:t>c </a:t>
-            </a:r>
-            <a:r>
-              <a:rPr b="1" lang="es-ES" sz="3600" spc="-1" strike="noStrike" cap="all">
-                <a:solidFill>
-                  <a:srgbClr val="000000"/>
-                </a:solidFill>
-                <a:latin typeface="Speak Pro"/>
-              </a:rPr>
-              <a:t>p</a:t>
-            </a:r>
-            <a:r>
-              <a:rPr b="1" lang="es-ES" sz="3600" spc="-1" strike="noStrike" cap="all">
-                <a:solidFill>
-                  <a:srgbClr val="000000"/>
-                </a:solidFill>
-                <a:latin typeface="Speak Pro"/>
-              </a:rPr>
-              <a:t>a</a:t>
-            </a:r>
-            <a:r>
-              <a:rPr b="1" lang="es-ES" sz="3600" spc="-1" strike="noStrike" cap="all">
-                <a:solidFill>
-                  <a:srgbClr val="000000"/>
-                </a:solidFill>
-                <a:latin typeface="Speak Pro"/>
-              </a:rPr>
-              <a:t>r</a:t>
-            </a:r>
-            <a:r>
-              <a:rPr b="1" lang="es-ES" sz="3600" spc="-1" strike="noStrike" cap="all">
-                <a:solidFill>
-                  <a:srgbClr val="000000"/>
-                </a:solidFill>
-                <a:latin typeface="Speak Pro"/>
-              </a:rPr>
-              <a:t>a </a:t>
-            </a:r>
-            <a:r>
-              <a:rPr b="1" lang="es-ES" sz="3600" spc="-1" strike="noStrike" cap="all">
-                <a:solidFill>
-                  <a:srgbClr val="000000"/>
-                </a:solidFill>
-                <a:latin typeface="Speak Pro"/>
-              </a:rPr>
-              <a:t>m</a:t>
-            </a:r>
-            <a:r>
-              <a:rPr b="1" lang="es-ES" sz="3600" spc="-1" strike="noStrike" cap="all">
-                <a:solidFill>
-                  <a:srgbClr val="000000"/>
-                </a:solidFill>
-                <a:latin typeface="Speak Pro"/>
-              </a:rPr>
-              <a:t>o</a:t>
-            </a:r>
-            <a:r>
-              <a:rPr b="1" lang="es-ES" sz="3600" spc="-1" strike="noStrike" cap="all">
-                <a:solidFill>
-                  <a:srgbClr val="000000"/>
-                </a:solidFill>
-                <a:latin typeface="Speak Pro"/>
-              </a:rPr>
-              <a:t>d</a:t>
-            </a:r>
-            <a:r>
-              <a:rPr b="1" lang="es-ES" sz="3600" spc="-1" strike="noStrike" cap="all">
-                <a:solidFill>
-                  <a:srgbClr val="000000"/>
-                </a:solidFill>
-                <a:latin typeface="Speak Pro"/>
-              </a:rPr>
-              <a:t>i</a:t>
-            </a:r>
-            <a:r>
-              <a:rPr b="1" lang="es-ES" sz="3600" spc="-1" strike="noStrike" cap="all">
-                <a:solidFill>
-                  <a:srgbClr val="000000"/>
-                </a:solidFill>
-                <a:latin typeface="Speak Pro"/>
-              </a:rPr>
-              <a:t>f</a:t>
-            </a:r>
-            <a:r>
-              <a:rPr b="1" lang="es-ES" sz="3600" spc="-1" strike="noStrike" cap="all">
-                <a:solidFill>
-                  <a:srgbClr val="000000"/>
-                </a:solidFill>
-                <a:latin typeface="Speak Pro"/>
-              </a:rPr>
-              <a:t>i</a:t>
-            </a:r>
-            <a:r>
-              <a:rPr b="1" lang="es-ES" sz="3600" spc="-1" strike="noStrike" cap="all">
-                <a:solidFill>
-                  <a:srgbClr val="000000"/>
-                </a:solidFill>
-                <a:latin typeface="Speak Pro"/>
-              </a:rPr>
-              <a:t>c</a:t>
-            </a:r>
-            <a:r>
-              <a:rPr b="1" lang="es-ES" sz="3600" spc="-1" strike="noStrike" cap="all">
-                <a:solidFill>
-                  <a:srgbClr val="000000"/>
-                </a:solidFill>
-                <a:latin typeface="Speak Pro"/>
-              </a:rPr>
-              <a:t>a</a:t>
-            </a:r>
-            <a:r>
-              <a:rPr b="1" lang="es-ES" sz="3600" spc="-1" strike="noStrike" cap="all">
-                <a:solidFill>
-                  <a:srgbClr val="000000"/>
-                </a:solidFill>
-                <a:latin typeface="Speak Pro"/>
-              </a:rPr>
-              <a:t>r </a:t>
-            </a:r>
-            <a:r>
-              <a:rPr b="1" lang="es-ES" sz="3600" spc="-1" strike="noStrike" cap="all">
-                <a:solidFill>
-                  <a:srgbClr val="000000"/>
-                </a:solidFill>
-                <a:latin typeface="Speak Pro"/>
-              </a:rPr>
-              <a:t>e</a:t>
-            </a:r>
-            <a:r>
-              <a:rPr b="1" lang="es-ES" sz="3600" spc="-1" strike="noStrike" cap="all">
-                <a:solidFill>
-                  <a:srgbClr val="000000"/>
-                </a:solidFill>
-                <a:latin typeface="Speak Pro"/>
-              </a:rPr>
-              <a:t>l </a:t>
-            </a:r>
-            <a:r>
-              <a:rPr b="1" lang="es-ES" sz="3600" spc="-1" strike="noStrike" cap="all">
-                <a:solidFill>
-                  <a:srgbClr val="000000"/>
-                </a:solidFill>
-                <a:latin typeface="Speak Pro"/>
-              </a:rPr>
-              <a:t>e</a:t>
-            </a:r>
-            <a:r>
-              <a:rPr b="1" lang="es-ES" sz="3600" spc="-1" strike="noStrike" cap="all">
-                <a:solidFill>
-                  <a:srgbClr val="000000"/>
-                </a:solidFill>
-                <a:latin typeface="Speak Pro"/>
-              </a:rPr>
-              <a:t>s</a:t>
-            </a:r>
-            <a:r>
-              <a:rPr b="1" lang="es-ES" sz="3600" spc="-1" strike="noStrike" cap="all">
-                <a:solidFill>
-                  <a:srgbClr val="000000"/>
-                </a:solidFill>
-                <a:latin typeface="Speak Pro"/>
-              </a:rPr>
-              <a:t>t</a:t>
-            </a:r>
-            <a:r>
-              <a:rPr b="1" lang="es-ES" sz="3600" spc="-1" strike="noStrike" cap="all">
-                <a:solidFill>
-                  <a:srgbClr val="000000"/>
-                </a:solidFill>
-                <a:latin typeface="Speak Pro"/>
-              </a:rPr>
-              <a:t>i</a:t>
-            </a:r>
-            <a:r>
-              <a:rPr b="1" lang="es-ES" sz="3600" spc="-1" strike="noStrike" cap="all">
-                <a:solidFill>
-                  <a:srgbClr val="000000"/>
-                </a:solidFill>
-                <a:latin typeface="Speak Pro"/>
-              </a:rPr>
-              <a:t>l</a:t>
-            </a:r>
-            <a:r>
-              <a:rPr b="1" lang="es-ES" sz="3600" spc="-1" strike="noStrike" cap="all">
-                <a:solidFill>
-                  <a:srgbClr val="000000"/>
-                </a:solidFill>
-                <a:latin typeface="Speak Pro"/>
-              </a:rPr>
-              <a:t>o </a:t>
-            </a:r>
-            <a:r>
-              <a:rPr b="1" lang="es-ES" sz="3600" spc="-1" strike="noStrike" cap="all">
-                <a:solidFill>
-                  <a:srgbClr val="000000"/>
-                </a:solidFill>
-                <a:latin typeface="Speak Pro"/>
-              </a:rPr>
-              <a:t>d</a:t>
-            </a:r>
-            <a:r>
-              <a:rPr b="1" lang="es-ES" sz="3600" spc="-1" strike="noStrike" cap="all">
-                <a:solidFill>
-                  <a:srgbClr val="000000"/>
-                </a:solidFill>
-                <a:latin typeface="Speak Pro"/>
-              </a:rPr>
-              <a:t>e </a:t>
-            </a:r>
-            <a:r>
-              <a:rPr b="1" lang="es-ES" sz="3600" spc="-1" strike="noStrike" cap="all">
-                <a:solidFill>
-                  <a:srgbClr val="000000"/>
-                </a:solidFill>
-                <a:latin typeface="Speak Pro"/>
-              </a:rPr>
-              <a:t>t</a:t>
-            </a:r>
-            <a:r>
-              <a:rPr b="1" lang="es-ES" sz="3600" spc="-1" strike="noStrike" cap="all">
-                <a:solidFill>
-                  <a:srgbClr val="000000"/>
-                </a:solidFill>
-                <a:latin typeface="Speak Pro"/>
-              </a:rPr>
-              <a:t>í</a:t>
-            </a:r>
-            <a:r>
-              <a:rPr b="1" lang="es-ES" sz="3600" spc="-1" strike="noStrike" cap="all">
-                <a:solidFill>
-                  <a:srgbClr val="000000"/>
-                </a:solidFill>
-                <a:latin typeface="Speak Pro"/>
-              </a:rPr>
-              <a:t>t</a:t>
-            </a:r>
-            <a:r>
-              <a:rPr b="1" lang="es-ES" sz="3600" spc="-1" strike="noStrike" cap="all">
-                <a:solidFill>
-                  <a:srgbClr val="000000"/>
-                </a:solidFill>
-                <a:latin typeface="Speak Pro"/>
-              </a:rPr>
-              <a:t>u</a:t>
-            </a:r>
-            <a:r>
-              <a:rPr b="1" lang="es-ES" sz="3600" spc="-1" strike="noStrike" cap="all">
-                <a:solidFill>
-                  <a:srgbClr val="000000"/>
-                </a:solidFill>
-                <a:latin typeface="Speak Pro"/>
-              </a:rPr>
-              <a:t>l</a:t>
-            </a:r>
-            <a:r>
-              <a:rPr b="1" lang="es-ES" sz="3600" spc="-1" strike="noStrike" cap="all">
-                <a:solidFill>
-                  <a:srgbClr val="000000"/>
-                </a:solidFill>
-                <a:latin typeface="Speak Pro"/>
-              </a:rPr>
-              <a:t>o </a:t>
-            </a:r>
-            <a:r>
-              <a:rPr b="1" lang="es-ES" sz="3600" spc="-1" strike="noStrike" cap="all">
-                <a:solidFill>
-                  <a:srgbClr val="000000"/>
-                </a:solidFill>
-                <a:latin typeface="Speak Pro"/>
-              </a:rPr>
-              <a:t>d</a:t>
-            </a:r>
-            <a:r>
-              <a:rPr b="1" lang="es-ES" sz="3600" spc="-1" strike="noStrike" cap="all">
-                <a:solidFill>
-                  <a:srgbClr val="000000"/>
-                </a:solidFill>
-                <a:latin typeface="Speak Pro"/>
-              </a:rPr>
-              <a:t>e</a:t>
-            </a:r>
-            <a:r>
-              <a:rPr b="1" lang="es-ES" sz="3600" spc="-1" strike="noStrike" cap="all">
-                <a:solidFill>
-                  <a:srgbClr val="000000"/>
-                </a:solidFill>
-                <a:latin typeface="Speak Pro"/>
-              </a:rPr>
-              <a:t>l </a:t>
-            </a:r>
-            <a:r>
-              <a:rPr b="1" lang="es-ES" sz="3600" spc="-1" strike="noStrike" cap="all">
-                <a:solidFill>
-                  <a:srgbClr val="000000"/>
-                </a:solidFill>
-                <a:latin typeface="Speak Pro"/>
-              </a:rPr>
-              <a:t>p</a:t>
-            </a:r>
-            <a:r>
-              <a:rPr b="1" lang="es-ES" sz="3600" spc="-1" strike="noStrike" cap="all">
-                <a:solidFill>
-                  <a:srgbClr val="000000"/>
-                </a:solidFill>
-                <a:latin typeface="Speak Pro"/>
-              </a:rPr>
-              <a:t>a</a:t>
-            </a:r>
-            <a:r>
-              <a:rPr b="1" lang="es-ES" sz="3600" spc="-1" strike="noStrike" cap="all">
-                <a:solidFill>
-                  <a:srgbClr val="000000"/>
-                </a:solidFill>
-                <a:latin typeface="Speak Pro"/>
-              </a:rPr>
-              <a:t>t</a:t>
-            </a:r>
-            <a:r>
-              <a:rPr b="1" lang="es-ES" sz="3600" spc="-1" strike="noStrike" cap="all">
-                <a:solidFill>
-                  <a:srgbClr val="000000"/>
-                </a:solidFill>
-                <a:latin typeface="Speak Pro"/>
-              </a:rPr>
-              <a:t>r</a:t>
-            </a:r>
-            <a:r>
-              <a:rPr b="1" lang="es-ES" sz="3600" spc="-1" strike="noStrike" cap="all">
-                <a:solidFill>
-                  <a:srgbClr val="000000"/>
-                </a:solidFill>
-                <a:latin typeface="Speak Pro"/>
-              </a:rPr>
-              <a:t>ó</a:t>
-            </a:r>
-            <a:r>
-              <a:rPr b="1" lang="es-ES" sz="3600" spc="-1" strike="noStrike" cap="all">
-                <a:solidFill>
-                  <a:srgbClr val="000000"/>
-                </a:solidFill>
-                <a:latin typeface="Speak Pro"/>
-              </a:rPr>
-              <a:t>n</a:t>
-            </a:r>
-            <a:endParaRPr b="0" lang="es-ES" sz="3600" spc="-1" strike="noStrike">
+            <a:endParaRPr lang="es-ES" sz="3600" b="0" strike="noStrike" spc="-1">
               <a:solidFill>
                 <a:srgbClr val="000000"/>
               </a:solidFill>
@@ -9482,26 +9301,306 @@
       </p:sp>
     </p:spTree>
   </p:cSld>
-  <p:clrMap bg1="lt1" bg2="lt2" tx1="dk1" tx2="dk2" accent1="accent1" accent2="accent2" accent3="accent3" accent4="accent4" accent5="accent5" accent6="accent6" hlink="hlink" folHlink="folHlink"/>
+  <p:clrMap bg1="lt1" tx1="dk1" bg2="lt2" tx2="dk2" accent1="accent1" accent2="accent2" accent3="accent3" accent4="accent4" accent5="accent5" accent6="accent6" hlink="hlink" folHlink="folHlink"/>
   <p:sldLayoutIdLst>
-    <p:sldLayoutId id="2147483675" r:id="rId2"/>
-    <p:sldLayoutId id="2147483676" r:id="rId3"/>
-    <p:sldLayoutId id="2147483677" r:id="rId4"/>
-    <p:sldLayoutId id="2147483678" r:id="rId5"/>
-    <p:sldLayoutId id="2147483679" r:id="rId6"/>
-    <p:sldLayoutId id="2147483680" r:id="rId7"/>
-    <p:sldLayoutId id="2147483681" r:id="rId8"/>
-    <p:sldLayoutId id="2147483682" r:id="rId9"/>
-    <p:sldLayoutId id="2147483683" r:id="rId10"/>
-    <p:sldLayoutId id="2147483684" r:id="rId11"/>
-    <p:sldLayoutId id="2147483685" r:id="rId12"/>
-    <p:sldLayoutId id="2147483686" r:id="rId13"/>
+    <p:sldLayoutId id="2147483675" r:id="rId1"/>
+    <p:sldLayoutId id="2147483676" r:id="rId2"/>
+    <p:sldLayoutId id="2147483677" r:id="rId3"/>
+    <p:sldLayoutId id="2147483678" r:id="rId4"/>
+    <p:sldLayoutId id="2147483679" r:id="rId5"/>
+    <p:sldLayoutId id="2147483680" r:id="rId6"/>
+    <p:sldLayoutId id="2147483681" r:id="rId7"/>
+    <p:sldLayoutId id="2147483682" r:id="rId8"/>
+    <p:sldLayoutId id="2147483683" r:id="rId9"/>
+    <p:sldLayoutId id="2147483684" r:id="rId10"/>
+    <p:sldLayoutId id="2147483685" r:id="rId11"/>
+    <p:sldLayoutId id="2147483686" r:id="rId12"/>
   </p:sldLayoutIdLst>
+  <p:txStyles>
+    <p:titleStyle>
+      <a:lvl1pPr algn="l" defTabSz="914400" rtl="0" eaLnBrk="1" latinLnBrk="0" hangingPunct="1">
+        <a:lnSpc>
+          <a:spcPct val="90000"/>
+        </a:lnSpc>
+        <a:spcBef>
+          <a:spcPct val="0"/>
+        </a:spcBef>
+        <a:buNone/>
+        <a:defRPr sz="4400" kern="1200">
+          <a:solidFill>
+            <a:schemeClr val="tx1"/>
+          </a:solidFill>
+          <a:latin typeface="+mj-lt"/>
+          <a:ea typeface="+mj-ea"/>
+          <a:cs typeface="+mj-cs"/>
+        </a:defRPr>
+      </a:lvl1pPr>
+    </p:titleStyle>
+    <p:bodyStyle>
+      <a:lvl1pPr marL="228600" indent="-228600" algn="l" defTabSz="914400" rtl="0" eaLnBrk="1" latinLnBrk="0" hangingPunct="1">
+        <a:lnSpc>
+          <a:spcPct val="90000"/>
+        </a:lnSpc>
+        <a:spcBef>
+          <a:spcPts val="1000"/>
+        </a:spcBef>
+        <a:buFont typeface="Arial" panose="020B0604020202020204" pitchFamily="34" charset="0"/>
+        <a:buChar char="•"/>
+        <a:defRPr sz="2800" kern="1200">
+          <a:solidFill>
+            <a:schemeClr val="tx1"/>
+          </a:solidFill>
+          <a:latin typeface="+mn-lt"/>
+          <a:ea typeface="+mn-ea"/>
+          <a:cs typeface="+mn-cs"/>
+        </a:defRPr>
+      </a:lvl1pPr>
+      <a:lvl2pPr marL="685800" indent="-228600" algn="l" defTabSz="914400" rtl="0" eaLnBrk="1" latinLnBrk="0" hangingPunct="1">
+        <a:lnSpc>
+          <a:spcPct val="90000"/>
+        </a:lnSpc>
+        <a:spcBef>
+          <a:spcPts val="500"/>
+        </a:spcBef>
+        <a:buFont typeface="Arial" panose="020B0604020202020204" pitchFamily="34" charset="0"/>
+        <a:buChar char="•"/>
+        <a:defRPr sz="2400" kern="1200">
+          <a:solidFill>
+            <a:schemeClr val="tx1"/>
+          </a:solidFill>
+          <a:latin typeface="+mn-lt"/>
+          <a:ea typeface="+mn-ea"/>
+          <a:cs typeface="+mn-cs"/>
+        </a:defRPr>
+      </a:lvl2pPr>
+      <a:lvl3pPr marL="1143000" indent="-228600" algn="l" defTabSz="914400" rtl="0" eaLnBrk="1" latinLnBrk="0" hangingPunct="1">
+        <a:lnSpc>
+          <a:spcPct val="90000"/>
+        </a:lnSpc>
+        <a:spcBef>
+          <a:spcPts val="500"/>
+        </a:spcBef>
+        <a:buFont typeface="Arial" panose="020B0604020202020204" pitchFamily="34" charset="0"/>
+        <a:buChar char="•"/>
+        <a:defRPr sz="2000" kern="1200">
+          <a:solidFill>
+            <a:schemeClr val="tx1"/>
+          </a:solidFill>
+          <a:latin typeface="+mn-lt"/>
+          <a:ea typeface="+mn-ea"/>
+          <a:cs typeface="+mn-cs"/>
+        </a:defRPr>
+      </a:lvl3pPr>
+      <a:lvl4pPr marL="1600200" indent="-228600" algn="l" defTabSz="914400" rtl="0" eaLnBrk="1" latinLnBrk="0" hangingPunct="1">
+        <a:lnSpc>
+          <a:spcPct val="90000"/>
+        </a:lnSpc>
+        <a:spcBef>
+          <a:spcPts val="500"/>
+        </a:spcBef>
+        <a:buFont typeface="Arial" panose="020B0604020202020204" pitchFamily="34" charset="0"/>
+        <a:buChar char="•"/>
+        <a:defRPr sz="1800" kern="1200">
+          <a:solidFill>
+            <a:schemeClr val="tx1"/>
+          </a:solidFill>
+          <a:latin typeface="+mn-lt"/>
+          <a:ea typeface="+mn-ea"/>
+          <a:cs typeface="+mn-cs"/>
+        </a:defRPr>
+      </a:lvl4pPr>
+      <a:lvl5pPr marL="2057400" indent="-228600" algn="l" defTabSz="914400" rtl="0" eaLnBrk="1" latinLnBrk="0" hangingPunct="1">
+        <a:lnSpc>
+          <a:spcPct val="90000"/>
+        </a:lnSpc>
+        <a:spcBef>
+          <a:spcPts val="500"/>
+        </a:spcBef>
+        <a:buFont typeface="Arial" panose="020B0604020202020204" pitchFamily="34" charset="0"/>
+        <a:buChar char="•"/>
+        <a:defRPr sz="1800" kern="1200">
+          <a:solidFill>
+            <a:schemeClr val="tx1"/>
+          </a:solidFill>
+          <a:latin typeface="+mn-lt"/>
+          <a:ea typeface="+mn-ea"/>
+          <a:cs typeface="+mn-cs"/>
+        </a:defRPr>
+      </a:lvl5pPr>
+      <a:lvl6pPr marL="2514600" indent="-228600" algn="l" defTabSz="914400" rtl="0" eaLnBrk="1" latinLnBrk="0" hangingPunct="1">
+        <a:lnSpc>
+          <a:spcPct val="90000"/>
+        </a:lnSpc>
+        <a:spcBef>
+          <a:spcPts val="500"/>
+        </a:spcBef>
+        <a:buFont typeface="Arial" panose="020B0604020202020204" pitchFamily="34" charset="0"/>
+        <a:buChar char="•"/>
+        <a:defRPr sz="1800" kern="1200">
+          <a:solidFill>
+            <a:schemeClr val="tx1"/>
+          </a:solidFill>
+          <a:latin typeface="+mn-lt"/>
+          <a:ea typeface="+mn-ea"/>
+          <a:cs typeface="+mn-cs"/>
+        </a:defRPr>
+      </a:lvl6pPr>
+      <a:lvl7pPr marL="2971800" indent="-228600" algn="l" defTabSz="914400" rtl="0" eaLnBrk="1" latinLnBrk="0" hangingPunct="1">
+        <a:lnSpc>
+          <a:spcPct val="90000"/>
+        </a:lnSpc>
+        <a:spcBef>
+          <a:spcPts val="500"/>
+        </a:spcBef>
+        <a:buFont typeface="Arial" panose="020B0604020202020204" pitchFamily="34" charset="0"/>
+        <a:buChar char="•"/>
+        <a:defRPr sz="1800" kern="1200">
+          <a:solidFill>
+            <a:schemeClr val="tx1"/>
+          </a:solidFill>
+          <a:latin typeface="+mn-lt"/>
+          <a:ea typeface="+mn-ea"/>
+          <a:cs typeface="+mn-cs"/>
+        </a:defRPr>
+      </a:lvl7pPr>
+      <a:lvl8pPr marL="3429000" indent="-228600" algn="l" defTabSz="914400" rtl="0" eaLnBrk="1" latinLnBrk="0" hangingPunct="1">
+        <a:lnSpc>
+          <a:spcPct val="90000"/>
+        </a:lnSpc>
+        <a:spcBef>
+          <a:spcPts val="500"/>
+        </a:spcBef>
+        <a:buFont typeface="Arial" panose="020B0604020202020204" pitchFamily="34" charset="0"/>
+        <a:buChar char="•"/>
+        <a:defRPr sz="1800" kern="1200">
+          <a:solidFill>
+            <a:schemeClr val="tx1"/>
+          </a:solidFill>
+          <a:latin typeface="+mn-lt"/>
+          <a:ea typeface="+mn-ea"/>
+          <a:cs typeface="+mn-cs"/>
+        </a:defRPr>
+      </a:lvl8pPr>
+      <a:lvl9pPr marL="3886200" indent="-228600" algn="l" defTabSz="914400" rtl="0" eaLnBrk="1" latinLnBrk="0" hangingPunct="1">
+        <a:lnSpc>
+          <a:spcPct val="90000"/>
+        </a:lnSpc>
+        <a:spcBef>
+          <a:spcPts val="500"/>
+        </a:spcBef>
+        <a:buFont typeface="Arial" panose="020B0604020202020204" pitchFamily="34" charset="0"/>
+        <a:buChar char="•"/>
+        <a:defRPr sz="1800" kern="1200">
+          <a:solidFill>
+            <a:schemeClr val="tx1"/>
+          </a:solidFill>
+          <a:latin typeface="+mn-lt"/>
+          <a:ea typeface="+mn-ea"/>
+          <a:cs typeface="+mn-cs"/>
+        </a:defRPr>
+      </a:lvl9pPr>
+    </p:bodyStyle>
+    <p:otherStyle>
+      <a:defPPr>
+        <a:defRPr lang="es-ES"/>
+      </a:defPPr>
+      <a:lvl1pPr marL="0" algn="l" defTabSz="914400" rtl="0" eaLnBrk="1" latinLnBrk="0" hangingPunct="1">
+        <a:defRPr sz="1800" kern="1200">
+          <a:solidFill>
+            <a:schemeClr val="tx1"/>
+          </a:solidFill>
+          <a:latin typeface="+mn-lt"/>
+          <a:ea typeface="+mn-ea"/>
+          <a:cs typeface="+mn-cs"/>
+        </a:defRPr>
+      </a:lvl1pPr>
+      <a:lvl2pPr marL="457200" algn="l" defTabSz="914400" rtl="0" eaLnBrk="1" latinLnBrk="0" hangingPunct="1">
+        <a:defRPr sz="1800" kern="1200">
+          <a:solidFill>
+            <a:schemeClr val="tx1"/>
+          </a:solidFill>
+          <a:latin typeface="+mn-lt"/>
+          <a:ea typeface="+mn-ea"/>
+          <a:cs typeface="+mn-cs"/>
+        </a:defRPr>
+      </a:lvl2pPr>
+      <a:lvl3pPr marL="914400" algn="l" defTabSz="914400" rtl="0" eaLnBrk="1" latinLnBrk="0" hangingPunct="1">
+        <a:defRPr sz="1800" kern="1200">
+          <a:solidFill>
+            <a:schemeClr val="tx1"/>
+          </a:solidFill>
+          <a:latin typeface="+mn-lt"/>
+          <a:ea typeface="+mn-ea"/>
+          <a:cs typeface="+mn-cs"/>
+        </a:defRPr>
+      </a:lvl3pPr>
+      <a:lvl4pPr marL="1371600" algn="l" defTabSz="914400" rtl="0" eaLnBrk="1" latinLnBrk="0" hangingPunct="1">
+        <a:defRPr sz="1800" kern="1200">
+          <a:solidFill>
+            <a:schemeClr val="tx1"/>
+          </a:solidFill>
+          <a:latin typeface="+mn-lt"/>
+          <a:ea typeface="+mn-ea"/>
+          <a:cs typeface="+mn-cs"/>
+        </a:defRPr>
+      </a:lvl4pPr>
+      <a:lvl5pPr marL="1828800" algn="l" defTabSz="914400" rtl="0" eaLnBrk="1" latinLnBrk="0" hangingPunct="1">
+        <a:defRPr sz="1800" kern="1200">
+          <a:solidFill>
+            <a:schemeClr val="tx1"/>
+          </a:solidFill>
+          <a:latin typeface="+mn-lt"/>
+          <a:ea typeface="+mn-ea"/>
+          <a:cs typeface="+mn-cs"/>
+        </a:defRPr>
+      </a:lvl5pPr>
+      <a:lvl6pPr marL="2286000" algn="l" defTabSz="914400" rtl="0" eaLnBrk="1" latinLnBrk="0" hangingPunct="1">
+        <a:defRPr sz="1800" kern="1200">
+          <a:solidFill>
+            <a:schemeClr val="tx1"/>
+          </a:solidFill>
+          <a:latin typeface="+mn-lt"/>
+          <a:ea typeface="+mn-ea"/>
+          <a:cs typeface="+mn-cs"/>
+        </a:defRPr>
+      </a:lvl6pPr>
+      <a:lvl7pPr marL="2743200" algn="l" defTabSz="914400" rtl="0" eaLnBrk="1" latinLnBrk="0" hangingPunct="1">
+        <a:defRPr sz="1800" kern="1200">
+          <a:solidFill>
+            <a:schemeClr val="tx1"/>
+          </a:solidFill>
+          <a:latin typeface="+mn-lt"/>
+          <a:ea typeface="+mn-ea"/>
+          <a:cs typeface="+mn-cs"/>
+        </a:defRPr>
+      </a:lvl7pPr>
+      <a:lvl8pPr marL="3200400" algn="l" defTabSz="914400" rtl="0" eaLnBrk="1" latinLnBrk="0" hangingPunct="1">
+        <a:defRPr sz="1800" kern="1200">
+          <a:solidFill>
+            <a:schemeClr val="tx1"/>
+          </a:solidFill>
+          <a:latin typeface="+mn-lt"/>
+          <a:ea typeface="+mn-ea"/>
+          <a:cs typeface="+mn-cs"/>
+        </a:defRPr>
+      </a:lvl8pPr>
+      <a:lvl9pPr marL="3657600" algn="l" defTabSz="914400" rtl="0" eaLnBrk="1" latinLnBrk="0" hangingPunct="1">
+        <a:defRPr sz="1800" kern="1200">
+          <a:solidFill>
+            <a:schemeClr val="tx1"/>
+          </a:solidFill>
+          <a:latin typeface="+mn-lt"/>
+          <a:ea typeface="+mn-ea"/>
+          <a:cs typeface="+mn-cs"/>
+        </a:defRPr>
+      </a:lvl9pPr>
+    </p:otherStyle>
+  </p:txStyles>
 </p:sldMaster>
 </file>
 
 <file path=ppt/slides/slide1.xml><?xml version="1.0" encoding="utf-8"?>
-<p:sld xmlns:a="http://schemas.openxmlformats.org/drawingml/2006/main" xmlns:p="http://schemas.openxmlformats.org/presentationml/2006/main" xmlns:r="http://schemas.openxmlformats.org/officeDocument/2006/relationships" xmlns:p14="http://schemas.microsoft.com/office/powerpoint/2010/main" xmlns:p15="http://schemas.microsoft.com/office/powerpoint/2012/main" xmlns:mc="http://schemas.openxmlformats.org/markup-compatibility/2006">
+<p:sld xmlns:a="http://schemas.openxmlformats.org/drawingml/2006/main" xmlns:r="http://schemas.openxmlformats.org/officeDocument/2006/relationships" xmlns:p="http://schemas.openxmlformats.org/presentationml/2006/main">
   <p:cSld>
     <p:spTree>
       <p:nvGrpSpPr>
@@ -9544,6 +9643,7 @@
           <a:bodyPr anchor="t">
             <a:noAutofit/>
           </a:bodyPr>
+          <a:lstStyle/>
           <a:p>
             <a:pPr algn="ctr">
               <a:lnSpc>
@@ -9555,7 +9655,7 @@
               <a:buNone/>
             </a:pPr>
             <a:r>
-              <a:rPr b="1" lang="en-US" sz="3600" spc="-1" strike="noStrike" cap="all">
+              <a:rPr lang="en-US" sz="3600" b="1" strike="noStrike" cap="all" spc="-1">
                 <a:solidFill>
                   <a:srgbClr val="000000"/>
                 </a:solidFill>
@@ -9563,7 +9663,7 @@
               </a:rPr>
               <a:t>Predicting ufc fighter winner</a:t>
             </a:r>
-            <a:endParaRPr b="0" lang="es-ES" sz="3600" spc="-1" strike="noStrike">
+            <a:endParaRPr lang="es-ES" sz="3600" b="0" strike="noStrike" spc="-1">
               <a:solidFill>
                 <a:srgbClr val="000000"/>
               </a:solidFill>
@@ -9579,7 +9679,7 @@
           <p:nvPr/>
         </p:nvPicPr>
         <p:blipFill>
-          <a:blip r:embed="rId1"/>
+          <a:blip r:embed="rId2"/>
           <a:stretch/>
         </p:blipFill>
         <p:spPr>
@@ -9597,19 +9697,14 @@
       </p:pic>
     </p:spTree>
   </p:cSld>
-  <mc:AlternateContent>
-    <mc:Choice Requires="p14">
-      <p:transition spd="slow" p14:dur="2000"/>
-    </mc:Choice>
-    <mc:Fallback>
-      <p:transition spd="slow"/>
-    </mc:Fallback>
-  </mc:AlternateContent>
+  <p:clrMapOvr>
+    <a:masterClrMapping/>
+  </p:clrMapOvr>
 </p:sld>
 </file>
 
 <file path=ppt/slides/slide2.xml><?xml version="1.0" encoding="utf-8"?>
-<p:sld xmlns:a="http://schemas.openxmlformats.org/drawingml/2006/main" xmlns:p="http://schemas.openxmlformats.org/presentationml/2006/main" xmlns:r="http://schemas.openxmlformats.org/officeDocument/2006/relationships" xmlns:p14="http://schemas.microsoft.com/office/powerpoint/2010/main" xmlns:p15="http://schemas.microsoft.com/office/powerpoint/2012/main" xmlns:mc="http://schemas.openxmlformats.org/markup-compatibility/2006">
+<p:sld xmlns:a="http://schemas.openxmlformats.org/drawingml/2006/main" xmlns:r="http://schemas.openxmlformats.org/officeDocument/2006/relationships" xmlns:p="http://schemas.openxmlformats.org/presentationml/2006/main">
   <p:cSld>
     <p:spTree>
       <p:nvGrpSpPr>
@@ -9652,6 +9747,7 @@
           <a:bodyPr anchor="t">
             <a:noAutofit/>
           </a:bodyPr>
+          <a:lstStyle/>
           <a:p>
             <a:pPr algn="ctr">
               <a:lnSpc>
@@ -9663,114 +9759,15 @@
               <a:buNone/>
             </a:pPr>
             <a:r>
-              <a:rPr b="1" lang="en-US" sz="3600" spc="-1" strike="noStrike" cap="all">
+              <a:rPr lang="en-US" sz="3600" b="1" strike="noStrike" cap="all" spc="-1">
                 <a:solidFill>
                   <a:srgbClr val="000000"/>
                 </a:solidFill>
                 <a:latin typeface="Speak Pro"/>
               </a:rPr>
-              <a:t>A</a:t>
+              <a:t>ARQUITECTURE</a:t>
             </a:r>
-            <a:r>
-              <a:rPr b="1" lang="en-US" sz="3600" spc="-1" strike="noStrike" cap="all">
-                <a:solidFill>
-                  <a:srgbClr val="000000"/>
-                </a:solidFill>
-                <a:latin typeface="Speak Pro"/>
-              </a:rPr>
-              <a:t>R</a:t>
-            </a:r>
-            <a:r>
-              <a:rPr b="1" lang="en-US" sz="3600" spc="-1" strike="noStrike" cap="all">
-                <a:solidFill>
-                  <a:srgbClr val="000000"/>
-                </a:solidFill>
-                <a:latin typeface="Speak Pro"/>
-              </a:rPr>
-              <a:t>Q</a:t>
-            </a:r>
-            <a:r>
-              <a:rPr b="1" lang="en-US" sz="3600" spc="-1" strike="noStrike" cap="all">
-                <a:solidFill>
-                  <a:srgbClr val="000000"/>
-                </a:solidFill>
-                <a:latin typeface="Speak Pro"/>
-              </a:rPr>
-              <a:t>U</a:t>
-            </a:r>
-            <a:r>
-              <a:rPr b="1" lang="en-US" sz="3600" spc="-1" strike="noStrike" cap="all">
-                <a:solidFill>
-                  <a:srgbClr val="000000"/>
-                </a:solidFill>
-                <a:latin typeface="Speak Pro"/>
-              </a:rPr>
-              <a:t>I</a:t>
-            </a:r>
-            <a:r>
-              <a:rPr b="1" lang="en-US" sz="3600" spc="-1" strike="noStrike" cap="all">
-                <a:solidFill>
-                  <a:srgbClr val="000000"/>
-                </a:solidFill>
-                <a:latin typeface="Speak Pro"/>
-              </a:rPr>
-              <a:t>T</a:t>
-            </a:r>
-            <a:r>
-              <a:rPr b="1" lang="en-US" sz="3600" spc="-1" strike="noStrike" cap="all">
-                <a:solidFill>
-                  <a:srgbClr val="000000"/>
-                </a:solidFill>
-                <a:latin typeface="Speak Pro"/>
-              </a:rPr>
-              <a:t>E</a:t>
-            </a:r>
-            <a:r>
-              <a:rPr b="1" lang="en-US" sz="3600" spc="-1" strike="noStrike" cap="all">
-                <a:solidFill>
-                  <a:srgbClr val="000000"/>
-                </a:solidFill>
-                <a:latin typeface="Speak Pro"/>
-              </a:rPr>
-              <a:t>C</a:t>
-            </a:r>
-            <a:r>
-              <a:rPr b="1" lang="en-US" sz="3600" spc="-1" strike="noStrike" cap="all">
-                <a:solidFill>
-                  <a:srgbClr val="000000"/>
-                </a:solidFill>
-                <a:latin typeface="Speak Pro"/>
-              </a:rPr>
-              <a:t>T</a:t>
-            </a:r>
-            <a:r>
-              <a:rPr b="1" lang="en-US" sz="3600" spc="-1" strike="noStrike" cap="all">
-                <a:solidFill>
-                  <a:srgbClr val="000000"/>
-                </a:solidFill>
-                <a:latin typeface="Speak Pro"/>
-              </a:rPr>
-              <a:t>U</a:t>
-            </a:r>
-            <a:r>
-              <a:rPr b="1" lang="en-US" sz="3600" spc="-1" strike="noStrike" cap="all">
-                <a:solidFill>
-                  <a:srgbClr val="000000"/>
-                </a:solidFill>
-                <a:latin typeface="Speak Pro"/>
-              </a:rPr>
-              <a:t>R</a:t>
-            </a:r>
-            <a:r>
-              <a:rPr b="1" lang="en-US" sz="3600" spc="-1" strike="noStrike" cap="all">
-                <a:solidFill>
-                  <a:srgbClr val="000000"/>
-                </a:solidFill>
-                <a:latin typeface="Speak Pro"/>
-              </a:rPr>
-              <a:t>E</a:t>
-            </a:r>
-            <a:endParaRPr b="0" lang="es-ES" sz="3600" spc="-1" strike="noStrike">
+            <a:endParaRPr lang="es-ES" sz="3600" b="0" strike="noStrike" spc="-1">
               <a:solidFill>
                 <a:srgbClr val="000000"/>
               </a:solidFill>
@@ -9786,7 +9783,7 @@
           <p:nvPr/>
         </p:nvPicPr>
         <p:blipFill>
-          <a:blip r:embed="rId1"/>
+          <a:blip r:embed="rId2"/>
           <a:stretch/>
         </p:blipFill>
         <p:spPr>
@@ -9804,19 +9801,14 @@
       </p:pic>
     </p:spTree>
   </p:cSld>
-  <mc:AlternateContent>
-    <mc:Choice Requires="p14">
-      <p:transition spd="slow" p14:dur="2000"/>
-    </mc:Choice>
-    <mc:Fallback>
-      <p:transition spd="slow"/>
-    </mc:Fallback>
-  </mc:AlternateContent>
+  <p:clrMapOvr>
+    <a:masterClrMapping/>
+  </p:clrMapOvr>
 </p:sld>
 </file>
 
 <file path=ppt/slides/slide3.xml><?xml version="1.0" encoding="utf-8"?>
-<p:sld xmlns:a="http://schemas.openxmlformats.org/drawingml/2006/main" xmlns:p="http://schemas.openxmlformats.org/presentationml/2006/main" xmlns:r="http://schemas.openxmlformats.org/officeDocument/2006/relationships" xmlns:p14="http://schemas.microsoft.com/office/powerpoint/2010/main" xmlns:p15="http://schemas.microsoft.com/office/powerpoint/2012/main" xmlns:mc="http://schemas.openxmlformats.org/markup-compatibility/2006">
+<p:sld xmlns:a="http://schemas.openxmlformats.org/drawingml/2006/main" xmlns:r="http://schemas.openxmlformats.org/officeDocument/2006/relationships" xmlns:p="http://schemas.openxmlformats.org/presentationml/2006/main">
   <p:cSld>
     <p:spTree>
       <p:nvGrpSpPr>
@@ -9859,6 +9851,7 @@
           <a:bodyPr anchor="t">
             <a:noAutofit/>
           </a:bodyPr>
+          <a:lstStyle/>
           <a:p>
             <a:pPr algn="ctr">
               <a:lnSpc>
@@ -9870,42 +9863,15 @@
               <a:buNone/>
             </a:pPr>
             <a:r>
-              <a:rPr b="1" lang="en-US" sz="3600" spc="-1" strike="noStrike" cap="all">
+              <a:rPr lang="en-US" sz="3600" b="1" strike="noStrike" cap="all" spc="-1">
                 <a:solidFill>
                   <a:srgbClr val="000000"/>
                 </a:solidFill>
                 <a:latin typeface="Speak Pro"/>
               </a:rPr>
-              <a:t>W</a:t>
+              <a:t>Why?</a:t>
             </a:r>
-            <a:r>
-              <a:rPr b="1" lang="en-US" sz="3600" spc="-1" strike="noStrike" cap="all">
-                <a:solidFill>
-                  <a:srgbClr val="000000"/>
-                </a:solidFill>
-                <a:latin typeface="Speak Pro"/>
-              </a:rPr>
-              <a:t>h</a:t>
-            </a:r>
-            <a:r>
-              <a:rPr b="1" lang="en-US" sz="3600" spc="-1" strike="noStrike" cap="all">
-                <a:solidFill>
-                  <a:srgbClr val="000000"/>
-                </a:solidFill>
-                <a:latin typeface="Speak Pro"/>
-              </a:rPr>
-              <a:t>y</a:t>
-            </a:r>
-            <a:r>
-              <a:rPr b="1" lang="en-US" sz="3600" spc="-1" strike="noStrike" cap="all">
-                <a:solidFill>
-                  <a:srgbClr val="000000"/>
-                </a:solidFill>
-                <a:latin typeface="Speak Pro"/>
-              </a:rPr>
-              <a:t>?</a:t>
-            </a:r>
-            <a:endParaRPr b="0" lang="es-ES" sz="3600" spc="-1" strike="noStrike">
+            <a:endParaRPr lang="es-ES" sz="3600" b="0" strike="noStrike" spc="-1">
               <a:solidFill>
                 <a:srgbClr val="000000"/>
               </a:solidFill>
@@ -9934,15 +9900,22 @@
           </a:ln>
         </p:spPr>
         <p:style>
-          <a:lnRef idx="0"/>
-          <a:fillRef idx="0"/>
-          <a:effectRef idx="0"/>
+          <a:lnRef idx="0">
+            <a:scrgbClr r="0" g="0" b="0"/>
+          </a:lnRef>
+          <a:fillRef idx="0">
+            <a:scrgbClr r="0" g="0" b="0"/>
+          </a:fillRef>
+          <a:effectRef idx="0">
+            <a:scrgbClr r="0" g="0" b="0"/>
+          </a:effectRef>
           <a:fontRef idx="minor"/>
         </p:style>
         <p:txBody>
-          <a:bodyPr lIns="90000" rIns="90000" tIns="45000" bIns="45000" anchor="t">
+          <a:bodyPr lIns="90000" tIns="45000" rIns="90000" bIns="45000" anchor="t">
             <a:spAutoFit/>
           </a:bodyPr>
+          <a:lstStyle/>
           <a:p>
             <a:pPr marL="285840" indent="-285840">
               <a:lnSpc>
@@ -9955,7 +9928,7 @@
               <a:buChar char="•"/>
             </a:pPr>
             <a:r>
-              <a:rPr b="0" lang="en-US" sz="1800" spc="-1" strike="noStrike">
+              <a:rPr lang="en-US" sz="1800" b="0" strike="noStrike" spc="-1" dirty="0">
                 <a:solidFill>
                   <a:srgbClr val="000000"/>
                 </a:solidFill>
@@ -9963,7 +9936,7 @@
               </a:rPr>
               <a:t>emulates the acquisition and saving of data with real data store tools</a:t>
             </a:r>
-            <a:endParaRPr b="0" lang="es-ES" sz="1800" spc="-1" strike="noStrike">
+            <a:endParaRPr lang="es-ES" sz="1800" b="0" strike="noStrike" spc="-1" dirty="0">
               <a:latin typeface="Arial"/>
             </a:endParaRPr>
           </a:p>
@@ -9979,7 +9952,7 @@
               <a:buChar char="•"/>
             </a:pPr>
             <a:r>
-              <a:rPr b="0" lang="en-US" sz="1800" spc="-1" strike="noStrike">
+              <a:rPr lang="en-US" sz="1800" b="0" strike="noStrike" spc="-1" dirty="0">
                 <a:solidFill>
                   <a:srgbClr val="000000"/>
                 </a:solidFill>
@@ -9987,7 +9960,7 @@
               </a:rPr>
               <a:t>allows you to work in a modular way</a:t>
             </a:r>
-            <a:endParaRPr b="0" lang="es-ES" sz="1800" spc="-1" strike="noStrike">
+            <a:endParaRPr lang="es-ES" sz="1800" b="0" strike="noStrike" spc="-1" dirty="0">
               <a:latin typeface="Arial"/>
             </a:endParaRPr>
           </a:p>
@@ -10003,7 +9976,7 @@
               <a:buChar char="•"/>
             </a:pPr>
             <a:r>
-              <a:rPr b="0" lang="en-US" sz="1800" spc="-1" strike="noStrike">
+              <a:rPr lang="en-US" sz="1800" b="0" strike="noStrike" spc="-1" dirty="0">
                 <a:solidFill>
                   <a:srgbClr val="000000"/>
                 </a:solidFill>
@@ -10011,7 +9984,7 @@
               </a:rPr>
               <a:t>you do not depend on the saturation of google servers</a:t>
             </a:r>
-            <a:endParaRPr b="0" lang="es-ES" sz="1800" spc="-1" strike="noStrike">
+            <a:endParaRPr lang="es-ES" sz="1800" b="0" strike="noStrike" spc="-1" dirty="0">
               <a:latin typeface="Arial"/>
             </a:endParaRPr>
           </a:p>
@@ -10027,7 +10000,7 @@
               <a:buChar char="•"/>
             </a:pPr>
             <a:r>
-              <a:rPr b="0" lang="en-US" sz="1800" spc="-1" strike="noStrike">
+              <a:rPr lang="en-US" sz="1800" b="0" strike="noStrike" spc="-1" dirty="0">
                 <a:solidFill>
                   <a:srgbClr val="000000"/>
                 </a:solidFill>
@@ -10035,7 +10008,7 @@
               </a:rPr>
               <a:t>the result can be easily distributed</a:t>
             </a:r>
-            <a:endParaRPr b="0" lang="es-ES" sz="1800" spc="-1" strike="noStrike">
+            <a:endParaRPr lang="es-ES" sz="1800" b="0" strike="noStrike" spc="-1" dirty="0">
               <a:latin typeface="Arial"/>
             </a:endParaRPr>
           </a:p>
@@ -10043,19 +10016,14 @@
       </p:sp>
     </p:spTree>
   </p:cSld>
-  <mc:AlternateContent>
-    <mc:Choice Requires="p14">
-      <p:transition spd="slow" p14:dur="2000"/>
-    </mc:Choice>
-    <mc:Fallback>
-      <p:transition spd="slow"/>
-    </mc:Fallback>
-  </mc:AlternateContent>
+  <p:clrMapOvr>
+    <a:masterClrMapping/>
+  </p:clrMapOvr>
 </p:sld>
 </file>
 
 <file path=ppt/slides/slide4.xml><?xml version="1.0" encoding="utf-8"?>
-<p:sld xmlns:a="http://schemas.openxmlformats.org/drawingml/2006/main" xmlns:p="http://schemas.openxmlformats.org/presentationml/2006/main" xmlns:r="http://schemas.openxmlformats.org/officeDocument/2006/relationships" xmlns:p14="http://schemas.microsoft.com/office/powerpoint/2010/main" xmlns:p15="http://schemas.microsoft.com/office/powerpoint/2012/main" xmlns:mc="http://schemas.openxmlformats.org/markup-compatibility/2006">
+<p:sld xmlns:a="http://schemas.openxmlformats.org/drawingml/2006/main" xmlns:r="http://schemas.openxmlformats.org/officeDocument/2006/relationships" xmlns:p="http://schemas.openxmlformats.org/presentationml/2006/main">
   <p:cSld>
     <p:spTree>
       <p:nvGrpSpPr>
@@ -10098,6 +10066,7 @@
           <a:bodyPr anchor="t">
             <a:noAutofit/>
           </a:bodyPr>
+          <a:lstStyle/>
           <a:p>
             <a:pPr algn="ctr">
               <a:lnSpc>
@@ -10109,78 +10078,15 @@
               <a:buNone/>
             </a:pPr>
             <a:r>
-              <a:rPr b="1" lang="en-US" sz="3600" spc="-1" strike="noStrike" cap="all">
+              <a:rPr lang="en-US" sz="3600" b="1" strike="noStrike" cap="all" spc="-1">
                 <a:solidFill>
                   <a:srgbClr val="000000"/>
                 </a:solidFill>
                 <a:latin typeface="Speak Pro"/>
               </a:rPr>
-              <a:t>W</a:t>
+              <a:t>Workflow</a:t>
             </a:r>
-            <a:r>
-              <a:rPr b="1" lang="en-US" sz="3600" spc="-1" strike="noStrike" cap="all">
-                <a:solidFill>
-                  <a:srgbClr val="000000"/>
-                </a:solidFill>
-                <a:latin typeface="Speak Pro"/>
-              </a:rPr>
-              <a:t>o</a:t>
-            </a:r>
-            <a:r>
-              <a:rPr b="1" lang="en-US" sz="3600" spc="-1" strike="noStrike" cap="all">
-                <a:solidFill>
-                  <a:srgbClr val="000000"/>
-                </a:solidFill>
-                <a:latin typeface="Speak Pro"/>
-              </a:rPr>
-              <a:t>r</a:t>
-            </a:r>
-            <a:r>
-              <a:rPr b="1" lang="en-US" sz="3600" spc="-1" strike="noStrike" cap="all">
-                <a:solidFill>
-                  <a:srgbClr val="000000"/>
-                </a:solidFill>
-                <a:latin typeface="Speak Pro"/>
-              </a:rPr>
-              <a:t>k</a:t>
-            </a:r>
-            <a:r>
-              <a:rPr b="1" lang="en-US" sz="3600" spc="-1" strike="noStrike" cap="all">
-                <a:solidFill>
-                  <a:srgbClr val="000000"/>
-                </a:solidFill>
-                <a:latin typeface="Speak Pro"/>
-              </a:rPr>
-              <a:t>f</a:t>
-            </a:r>
-            <a:r>
-              <a:rPr b="1" lang="en-US" sz="3600" spc="-1" strike="noStrike" cap="all">
-                <a:solidFill>
-                  <a:srgbClr val="000000"/>
-                </a:solidFill>
-                <a:latin typeface="Speak Pro"/>
-              </a:rPr>
-              <a:t>l</a:t>
-            </a:r>
-            <a:r>
-              <a:rPr b="1" lang="en-US" sz="3600" spc="-1" strike="noStrike" cap="all">
-                <a:solidFill>
-                  <a:srgbClr val="000000"/>
-                </a:solidFill>
-                <a:latin typeface="Speak Pro"/>
-              </a:rPr>
-              <a:t>o</a:t>
-            </a:r>
-            <a:r>
-              <a:rPr b="1" lang="en-US" sz="3600" spc="-1" strike="noStrike" cap="all">
-                <a:solidFill>
-                  <a:srgbClr val="000000"/>
-                </a:solidFill>
-                <a:latin typeface="Speak Pro"/>
-              </a:rPr>
-              <a:t>w</a:t>
-            </a:r>
-            <a:endParaRPr b="0" lang="es-ES" sz="3600" spc="-1" strike="noStrike">
+            <a:endParaRPr lang="es-ES" sz="3600" b="0" strike="noStrike" spc="-1">
               <a:solidFill>
                 <a:srgbClr val="000000"/>
               </a:solidFill>
@@ -10196,8 +10102,8 @@
           <p:nvPr/>
         </p:nvPicPr>
         <p:blipFill>
-          <a:blip r:embed="rId1"/>
-          <a:srcRect l="0" t="0" r="5354" b="0"/>
+          <a:blip r:embed="rId2"/>
+          <a:srcRect r="5354"/>
           <a:stretch/>
         </p:blipFill>
         <p:spPr>
@@ -10220,7 +10126,7 @@
           <p:nvPr/>
         </p:nvPicPr>
         <p:blipFill>
-          <a:blip r:embed="rId2"/>
+          <a:blip r:embed="rId3"/>
           <a:stretch/>
         </p:blipFill>
         <p:spPr>
@@ -10238,12 +10144,12 @@
       </p:pic>
       <p:pic>
         <p:nvPicPr>
-          <p:cNvPr id="168" name="" descr=""/>
+          <p:cNvPr id="168" name="Imagen 167"/>
           <p:cNvPicPr/>
           <p:nvPr/>
         </p:nvPicPr>
         <p:blipFill>
-          <a:blip r:embed="rId3"/>
+          <a:blip r:embed="rId4"/>
           <a:stretch/>
         </p:blipFill>
         <p:spPr>
@@ -10261,19 +10167,14 @@
       </p:pic>
     </p:spTree>
   </p:cSld>
-  <mc:AlternateContent>
-    <mc:Choice Requires="p14">
-      <p:transition spd="slow" p14:dur="2000"/>
-    </mc:Choice>
-    <mc:Fallback>
-      <p:transition spd="slow"/>
-    </mc:Fallback>
-  </mc:AlternateContent>
+  <p:clrMapOvr>
+    <a:masterClrMapping/>
+  </p:clrMapOvr>
 </p:sld>
 </file>
 
 <file path=ppt/slides/slide5.xml><?xml version="1.0" encoding="utf-8"?>
-<p:sld xmlns:a="http://schemas.openxmlformats.org/drawingml/2006/main" xmlns:p="http://schemas.openxmlformats.org/presentationml/2006/main" xmlns:r="http://schemas.openxmlformats.org/officeDocument/2006/relationships" xmlns:p14="http://schemas.microsoft.com/office/powerpoint/2010/main" xmlns:p15="http://schemas.microsoft.com/office/powerpoint/2012/main" xmlns:mc="http://schemas.openxmlformats.org/markup-compatibility/2006">
+<p:sld xmlns:a="http://schemas.openxmlformats.org/drawingml/2006/main" xmlns:r="http://schemas.openxmlformats.org/officeDocument/2006/relationships" xmlns:p="http://schemas.openxmlformats.org/presentationml/2006/main">
   <p:cSld>
     <p:spTree>
       <p:nvGrpSpPr>
@@ -10316,6 +10217,7 @@
           <a:bodyPr anchor="t">
             <a:noAutofit/>
           </a:bodyPr>
+          <a:lstStyle/>
           <a:p>
             <a:pPr algn="ctr">
               <a:lnSpc>
@@ -10327,105 +10229,15 @@
               <a:buNone/>
             </a:pPr>
             <a:r>
-              <a:rPr b="1" lang="en-US" sz="3600" spc="-1" strike="noStrike" cap="all">
+              <a:rPr lang="en-US" sz="3600" b="1" strike="noStrike" cap="all" spc="-1" dirty="0">
                 <a:solidFill>
                   <a:srgbClr val="000000"/>
                 </a:solidFill>
                 <a:latin typeface="Speak Pro"/>
               </a:rPr>
-              <a:t>A</a:t>
+              <a:t>AND THE DATA?</a:t>
             </a:r>
-            <a:r>
-              <a:rPr b="1" lang="en-US" sz="3600" spc="-1" strike="noStrike" cap="all">
-                <a:solidFill>
-                  <a:srgbClr val="000000"/>
-                </a:solidFill>
-                <a:latin typeface="Speak Pro"/>
-              </a:rPr>
-              <a:t>N</a:t>
-            </a:r>
-            <a:r>
-              <a:rPr b="1" lang="en-US" sz="3600" spc="-1" strike="noStrike" cap="all">
-                <a:solidFill>
-                  <a:srgbClr val="000000"/>
-                </a:solidFill>
-                <a:latin typeface="Speak Pro"/>
-              </a:rPr>
-              <a:t>D </a:t>
-            </a:r>
-            <a:r>
-              <a:rPr b="1" lang="en-US" sz="3600" spc="-1" strike="noStrike" cap="all">
-                <a:solidFill>
-                  <a:srgbClr val="000000"/>
-                </a:solidFill>
-                <a:latin typeface="Speak Pro"/>
-              </a:rPr>
-              <a:t>T</a:t>
-            </a:r>
-            <a:r>
-              <a:rPr b="1" lang="en-US" sz="3600" spc="-1" strike="noStrike" cap="all">
-                <a:solidFill>
-                  <a:srgbClr val="000000"/>
-                </a:solidFill>
-                <a:latin typeface="Speak Pro"/>
-              </a:rPr>
-              <a:t>H</a:t>
-            </a:r>
-            <a:r>
-              <a:rPr b="1" lang="en-US" sz="3600" spc="-1" strike="noStrike" cap="all">
-                <a:solidFill>
-                  <a:srgbClr val="000000"/>
-                </a:solidFill>
-                <a:latin typeface="Speak Pro"/>
-              </a:rPr>
-              <a:t>E </a:t>
-            </a:r>
-            <a:r>
-              <a:rPr b="1" lang="en-US" sz="3600" spc="-1" strike="noStrike" cap="all">
-                <a:solidFill>
-                  <a:srgbClr val="000000"/>
-                </a:solidFill>
-                <a:latin typeface="Speak Pro"/>
-              </a:rPr>
-              <a:t>D</a:t>
-            </a:r>
-            <a:r>
-              <a:rPr b="1" lang="en-US" sz="3600" spc="-1" strike="noStrike" cap="all">
-                <a:solidFill>
-                  <a:srgbClr val="000000"/>
-                </a:solidFill>
-                <a:latin typeface="Speak Pro"/>
-              </a:rPr>
-              <a:t>A</a:t>
-            </a:r>
-            <a:r>
-              <a:rPr b="1" lang="en-US" sz="3600" spc="-1" strike="noStrike" cap="all">
-                <a:solidFill>
-                  <a:srgbClr val="000000"/>
-                </a:solidFill>
-                <a:latin typeface="Speak Pro"/>
-              </a:rPr>
-              <a:t>T</a:t>
-            </a:r>
-            <a:r>
-              <a:rPr b="1" lang="en-US" sz="3600" spc="-1" strike="noStrike" cap="all">
-                <a:solidFill>
-                  <a:srgbClr val="000000"/>
-                </a:solidFill>
-                <a:latin typeface="Speak Pro"/>
-              </a:rPr>
-              <a:t>A</a:t>
-            </a:r>
-            <a:r>
-              <a:rPr b="1" lang="en-US" sz="3600" spc="-1" strike="noStrike" cap="all">
-                <a:solidFill>
-                  <a:srgbClr val="000000"/>
-                </a:solidFill>
-                <a:latin typeface="Speak Pro"/>
-              </a:rPr>
-              <a:t>?</a:t>
-            </a:r>
-            <a:endParaRPr b="0" lang="es-ES" sz="3600" spc="-1" strike="noStrike">
+            <a:endParaRPr lang="es-ES" sz="3600" b="0" strike="noStrike" spc="-1" dirty="0">
               <a:solidFill>
                 <a:srgbClr val="000000"/>
               </a:solidFill>
@@ -10436,19 +10248,14 @@
       </p:sp>
     </p:spTree>
   </p:cSld>
-  <mc:AlternateContent>
-    <mc:Choice Requires="p14">
-      <p:transition spd="slow" p14:dur="2000"/>
-    </mc:Choice>
-    <mc:Fallback>
-      <p:transition spd="slow"/>
-    </mc:Fallback>
-  </mc:AlternateContent>
+  <p:clrMapOvr>
+    <a:masterClrMapping/>
+  </p:clrMapOvr>
 </p:sld>
 </file>
 
 <file path=ppt/slides/slide6.xml><?xml version="1.0" encoding="utf-8"?>
-<p:sld xmlns:a="http://schemas.openxmlformats.org/drawingml/2006/main" xmlns:p="http://schemas.openxmlformats.org/presentationml/2006/main" xmlns:r="http://schemas.openxmlformats.org/officeDocument/2006/relationships" xmlns:p14="http://schemas.microsoft.com/office/powerpoint/2010/main" xmlns:p15="http://schemas.microsoft.com/office/powerpoint/2012/main" xmlns:mc="http://schemas.openxmlformats.org/markup-compatibility/2006">
+<p:sld xmlns:a="http://schemas.openxmlformats.org/drawingml/2006/main" xmlns:r="http://schemas.openxmlformats.org/officeDocument/2006/relationships" xmlns:p="http://schemas.openxmlformats.org/presentationml/2006/main">
   <p:cSld>
     <p:spTree>
       <p:nvGrpSpPr>
@@ -10466,13 +10273,13 @@
       </p:grpSpPr>
       <p:pic>
         <p:nvPicPr>
-          <p:cNvPr id="170" name="" descr=""/>
+          <p:cNvPr id="170" name="Imagen 169"/>
           <p:cNvPicPr/>
           <p:nvPr/>
         </p:nvPicPr>
         <p:blipFill>
-          <a:blip r:embed="rId1"/>
-          <a:srcRect l="0" t="2616" r="1318" b="16005"/>
+          <a:blip r:embed="rId2"/>
+          <a:srcRect t="2616" r="1318" b="16005"/>
           <a:stretch/>
         </p:blipFill>
         <p:spPr>
@@ -10490,19 +10297,14 @@
       </p:pic>
     </p:spTree>
   </p:cSld>
-  <mc:AlternateContent>
-    <mc:Choice Requires="p14">
-      <p:transition spd="slow" p14:dur="2000"/>
-    </mc:Choice>
-    <mc:Fallback>
-      <p:transition spd="slow"/>
-    </mc:Fallback>
-  </mc:AlternateContent>
+  <p:clrMapOvr>
+    <a:masterClrMapping/>
+  </p:clrMapOvr>
 </p:sld>
 </file>
 
 <file path=ppt/slides/slide7.xml><?xml version="1.0" encoding="utf-8"?>
-<p:sld xmlns:a="http://schemas.openxmlformats.org/drawingml/2006/main" xmlns:p="http://schemas.openxmlformats.org/presentationml/2006/main" xmlns:r="http://schemas.openxmlformats.org/officeDocument/2006/relationships" xmlns:p14="http://schemas.microsoft.com/office/powerpoint/2010/main" xmlns:p15="http://schemas.microsoft.com/office/powerpoint/2012/main" xmlns:mc="http://schemas.openxmlformats.org/markup-compatibility/2006">
+<p:sld xmlns:a="http://schemas.openxmlformats.org/drawingml/2006/main" xmlns:r="http://schemas.openxmlformats.org/officeDocument/2006/relationships" xmlns:p="http://schemas.openxmlformats.org/presentationml/2006/main">
   <p:cSld>
     <p:spTree>
       <p:nvGrpSpPr>
@@ -10520,13 +10322,13 @@
       </p:grpSpPr>
       <p:pic>
         <p:nvPicPr>
-          <p:cNvPr id="171" name="" descr=""/>
+          <p:cNvPr id="171" name="Imagen 170"/>
           <p:cNvPicPr/>
           <p:nvPr/>
         </p:nvPicPr>
         <p:blipFill>
-          <a:blip r:embed="rId1"/>
-          <a:srcRect l="0" t="21252" r="-352" b="0"/>
+          <a:blip r:embed="rId2"/>
+          <a:srcRect t="21252" r="-352"/>
           <a:stretch/>
         </p:blipFill>
         <p:spPr>
@@ -10544,14 +10346,199 @@
       </p:pic>
     </p:spTree>
   </p:cSld>
-  <mc:AlternateContent>
-    <mc:Choice Requires="p14">
-      <p:transition spd="slow" p14:dur="2000"/>
-    </mc:Choice>
-    <mc:Fallback>
-      <p:transition spd="slow"/>
-    </mc:Fallback>
-  </mc:AlternateContent>
+  <p:clrMapOvr>
+    <a:masterClrMapping/>
+  </p:clrMapOvr>
+</p:sld>
+</file>
+
+<file path=ppt/slides/slide8.xml><?xml version="1.0" encoding="utf-8"?>
+<p:sld xmlns:a="http://schemas.openxmlformats.org/drawingml/2006/main" xmlns:r="http://schemas.openxmlformats.org/officeDocument/2006/relationships" xmlns:p="http://schemas.openxmlformats.org/presentationml/2006/main">
+  <p:cSld>
+    <p:spTree>
+      <p:nvGrpSpPr>
+        <p:cNvPr id="1" name=""/>
+        <p:cNvGrpSpPr/>
+        <p:nvPr/>
+      </p:nvGrpSpPr>
+      <p:grpSpPr>
+        <a:xfrm>
+          <a:off x="0" y="0"/>
+          <a:ext cx="0" cy="0"/>
+          <a:chOff x="0" y="0"/>
+          <a:chExt cx="0" cy="0"/>
+        </a:xfrm>
+      </p:grpSpPr>
+      <p:sp>
+        <p:nvSpPr>
+          <p:cNvPr id="169" name="PlaceHolder 1"/>
+          <p:cNvSpPr>
+            <a:spLocks noGrp="1"/>
+          </p:cNvSpPr>
+          <p:nvPr>
+            <p:ph type="title"/>
+          </p:nvPr>
+        </p:nvSpPr>
+        <p:spPr>
+          <a:xfrm>
+            <a:off x="160304" y="363295"/>
+            <a:ext cx="11731320" cy="630720"/>
+          </a:xfrm>
+          <a:prstGeom prst="rect">
+            <a:avLst/>
+          </a:prstGeom>
+          <a:noFill/>
+          <a:ln w="0">
+            <a:noFill/>
+          </a:ln>
+        </p:spPr>
+        <p:txBody>
+          <a:bodyPr anchor="t">
+            <a:noAutofit/>
+          </a:bodyPr>
+          <a:lstStyle/>
+          <a:p>
+            <a:pPr algn="ctr">
+              <a:lnSpc>
+                <a:spcPct val="90000"/>
+              </a:lnSpc>
+              <a:spcBef>
+                <a:spcPts val="1001"/>
+              </a:spcBef>
+              <a:buNone/>
+            </a:pPr>
+            <a:r>
+              <a:rPr lang="en-US" sz="3600" b="1" strike="noStrike" cap="all" spc="-1" dirty="0">
+                <a:solidFill>
+                  <a:srgbClr val="000000"/>
+                </a:solidFill>
+                <a:latin typeface="Speak Pro"/>
+              </a:rPr>
+              <a:t>type of data</a:t>
+            </a:r>
+            <a:endParaRPr lang="es-ES" sz="3600" b="0" strike="noStrike" spc="-1" dirty="0">
+              <a:solidFill>
+                <a:srgbClr val="000000"/>
+              </a:solidFill>
+              <a:latin typeface="Avenir Next LT Pro Light"/>
+            </a:endParaRPr>
+          </a:p>
+        </p:txBody>
+      </p:sp>
+      <p:sp>
+        <p:nvSpPr>
+          <p:cNvPr id="3" name="CuadroTexto 2">
+            <a:extLst>
+              <a:ext uri="{FF2B5EF4-FFF2-40B4-BE49-F238E27FC236}">
+                <a16:creationId xmlns:a16="http://schemas.microsoft.com/office/drawing/2014/main" id="{DC03745C-ED3B-C4A6-AE71-0D5BA434AE31}"/>
+              </a:ext>
+            </a:extLst>
+          </p:cNvPr>
+          <p:cNvSpPr txBox="1"/>
+          <p:nvPr/>
+        </p:nvSpPr>
+        <p:spPr>
+          <a:xfrm>
+            <a:off x="1779428" y="2315522"/>
+            <a:ext cx="8493071" cy="2226956"/>
+          </a:xfrm>
+          <a:prstGeom prst="rect">
+            <a:avLst/>
+          </a:prstGeom>
+          <a:noFill/>
+        </p:spPr>
+        <p:txBody>
+          <a:bodyPr wrap="square" rtlCol="0">
+            <a:spAutoFit/>
+          </a:bodyPr>
+          <a:lstStyle/>
+          <a:p>
+            <a:pPr marL="285750" indent="-285750">
+              <a:lnSpc>
+                <a:spcPct val="200000"/>
+              </a:lnSpc>
+              <a:buFont typeface="Arial" panose="020B0604020202020204" pitchFamily="34" charset="0"/>
+              <a:buChar char="•"/>
+            </a:pPr>
+            <a:r>
+              <a:rPr lang="en-US" dirty="0">
+                <a:latin typeface="Avenir Next LT Pro Light" panose="020B0304020202020204" pitchFamily="34" charset="0"/>
+              </a:rPr>
+              <a:t>numeric, </a:t>
+            </a:r>
+            <a:r>
+              <a:rPr lang="en-US" dirty="0" err="1">
+                <a:latin typeface="Avenir Next LT Pro Light" panose="020B0304020202020204" pitchFamily="34" charset="0"/>
+              </a:rPr>
+              <a:t>boolean</a:t>
+            </a:r>
+            <a:r>
+              <a:rPr lang="en-US" dirty="0">
+                <a:latin typeface="Avenir Next LT Pro Light" panose="020B0304020202020204" pitchFamily="34" charset="0"/>
+              </a:rPr>
+              <a:t>, strings</a:t>
+            </a:r>
+          </a:p>
+          <a:p>
+            <a:pPr marL="285750" indent="-285750">
+              <a:lnSpc>
+                <a:spcPct val="200000"/>
+              </a:lnSpc>
+              <a:buFont typeface="Arial" panose="020B0604020202020204" pitchFamily="34" charset="0"/>
+              <a:buChar char="•"/>
+            </a:pPr>
+            <a:r>
+              <a:rPr lang="en-US" dirty="0">
+                <a:latin typeface="Avenir Next LT Pro Light" panose="020B0304020202020204" pitchFamily="34" charset="0"/>
+              </a:rPr>
+              <a:t>non-temporary data, temporary data</a:t>
+            </a:r>
+          </a:p>
+          <a:p>
+            <a:pPr marL="285750" indent="-285750">
+              <a:lnSpc>
+                <a:spcPct val="200000"/>
+              </a:lnSpc>
+              <a:buFont typeface="Arial" panose="020B0604020202020204" pitchFamily="34" charset="0"/>
+              <a:buChar char="•"/>
+            </a:pPr>
+            <a:r>
+              <a:rPr lang="en-US" dirty="0">
+                <a:latin typeface="Avenir Next LT Pro Light" panose="020B0304020202020204" pitchFamily="34" charset="0"/>
+              </a:rPr>
+              <a:t>statistics, latest results, knowledge we shouldn’t know</a:t>
+            </a:r>
+          </a:p>
+          <a:p>
+            <a:pPr marL="285750" indent="-285750">
+              <a:lnSpc>
+                <a:spcPct val="200000"/>
+              </a:lnSpc>
+              <a:buFont typeface="Arial" panose="020B0604020202020204" pitchFamily="34" charset="0"/>
+              <a:buChar char="•"/>
+            </a:pPr>
+            <a:r>
+              <a:rPr lang="en-US" dirty="0">
+                <a:latin typeface="Avenir Next LT Pro Light" panose="020B0304020202020204" pitchFamily="34" charset="0"/>
+              </a:rPr>
+              <a:t>missing values</a:t>
+            </a:r>
+            <a:endParaRPr lang="es-ES" dirty="0">
+              <a:latin typeface="Avenir Next LT Pro Light" panose="020B0304020202020204" pitchFamily="34" charset="0"/>
+            </a:endParaRPr>
+          </a:p>
+        </p:txBody>
+      </p:sp>
+    </p:spTree>
+    <p:extLst>
+      <p:ext uri="{BB962C8B-B14F-4D97-AF65-F5344CB8AC3E}">
+        <p14:creationId xmlns:p14="http://schemas.microsoft.com/office/powerpoint/2010/main" val="3566341705"/>
+      </p:ext>
+    </p:extLst>
+  </p:cSld>
+  <p:clrMapOvr>
+    <a:masterClrMapping/>
+  </p:clrMapOvr>
 </p:sld>
 </file>
 
@@ -10566,34 +10553,34 @@
         <a:sysClr val="window" lastClr="FFFFFF"/>
       </a:lt1>
       <a:dk2>
-        <a:srgbClr val="8439bd"/>
+        <a:srgbClr val="8439BD"/>
       </a:dk2>
       <a:lt2>
-        <a:srgbClr val="ebebeb"/>
+        <a:srgbClr val="EBEBEB"/>
       </a:lt2>
       <a:accent1>
-        <a:srgbClr val="0eabb7"/>
+        <a:srgbClr val="0EABB7"/>
       </a:accent1>
       <a:accent2>
-        <a:srgbClr val="4868e5"/>
+        <a:srgbClr val="4868E5"/>
       </a:accent2>
       <a:accent3>
-        <a:srgbClr val="20a472"/>
+        <a:srgbClr val="20A472"/>
       </a:accent3>
       <a:accent4>
-        <a:srgbClr val="b13dc8"/>
+        <a:srgbClr val="B13DC8"/>
       </a:accent4>
       <a:accent5>
-        <a:srgbClr val="172da6"/>
+        <a:srgbClr val="172DA6"/>
       </a:accent5>
       <a:accent6>
-        <a:srgbClr val="00b0f0"/>
+        <a:srgbClr val="00B0F0"/>
       </a:accent6>
       <a:hlink>
-        <a:srgbClr val="00b0f0"/>
+        <a:srgbClr val="00B0F0"/>
       </a:hlink>
       <a:folHlink>
-        <a:srgbClr val="b13dc8"/>
+        <a:srgbClr val="B13DC8"/>
       </a:folHlink>
     </a:clrScheme>
     <a:fontScheme name="Office">
@@ -10778,6 +10765,8 @@
       </a:bgFillStyleLst>
     </a:fmtScheme>
   </a:themeElements>
+  <a:objectDefaults/>
+  <a:extraClrSchemeLst/>
 </a:theme>
 </file>
 
@@ -10792,34 +10781,34 @@
         <a:sysClr val="window" lastClr="FFFFFF"/>
       </a:lt1>
       <a:dk2>
-        <a:srgbClr val="8439bd"/>
+        <a:srgbClr val="8439BD"/>
       </a:dk2>
       <a:lt2>
-        <a:srgbClr val="ebebeb"/>
+        <a:srgbClr val="EBEBEB"/>
       </a:lt2>
       <a:accent1>
-        <a:srgbClr val="0eabb7"/>
+        <a:srgbClr val="0EABB7"/>
       </a:accent1>
       <a:accent2>
-        <a:srgbClr val="4868e5"/>
+        <a:srgbClr val="4868E5"/>
       </a:accent2>
       <a:accent3>
-        <a:srgbClr val="20a472"/>
+        <a:srgbClr val="20A472"/>
       </a:accent3>
       <a:accent4>
-        <a:srgbClr val="b13dc8"/>
+        <a:srgbClr val="B13DC8"/>
       </a:accent4>
       <a:accent5>
-        <a:srgbClr val="172da6"/>
+        <a:srgbClr val="172DA6"/>
       </a:accent5>
       <a:accent6>
-        <a:srgbClr val="00b0f0"/>
+        <a:srgbClr val="00B0F0"/>
       </a:accent6>
       <a:hlink>
-        <a:srgbClr val="00b0f0"/>
+        <a:srgbClr val="00B0F0"/>
       </a:hlink>
       <a:folHlink>
-        <a:srgbClr val="b13dc8"/>
+        <a:srgbClr val="B13DC8"/>
       </a:folHlink>
     </a:clrScheme>
     <a:fontScheme name="Office">
@@ -11004,6 +10993,8 @@
       </a:bgFillStyleLst>
     </a:fmtScheme>
   </a:themeElements>
+  <a:objectDefaults/>
+  <a:extraClrSchemeLst/>
 </a:theme>
 </file>
 
@@ -11018,34 +11009,34 @@
         <a:sysClr val="window" lastClr="FFFFFF"/>
       </a:lt1>
       <a:dk2>
-        <a:srgbClr val="8439bd"/>
+        <a:srgbClr val="8439BD"/>
       </a:dk2>
       <a:lt2>
-        <a:srgbClr val="ebebeb"/>
+        <a:srgbClr val="EBEBEB"/>
       </a:lt2>
       <a:accent1>
-        <a:srgbClr val="0eabb7"/>
+        <a:srgbClr val="0EABB7"/>
       </a:accent1>
       <a:accent2>
-        <a:srgbClr val="4868e5"/>
+        <a:srgbClr val="4868E5"/>
       </a:accent2>
       <a:accent3>
-        <a:srgbClr val="20a472"/>
+        <a:srgbClr val="20A472"/>
       </a:accent3>
       <a:accent4>
-        <a:srgbClr val="b13dc8"/>
+        <a:srgbClr val="B13DC8"/>
       </a:accent4>
       <a:accent5>
-        <a:srgbClr val="172da6"/>
+        <a:srgbClr val="172DA6"/>
       </a:accent5>
       <a:accent6>
-        <a:srgbClr val="00b0f0"/>
+        <a:srgbClr val="00B0F0"/>
       </a:accent6>
       <a:hlink>
-        <a:srgbClr val="00b0f0"/>
+        <a:srgbClr val="00B0F0"/>
       </a:hlink>
       <a:folHlink>
-        <a:srgbClr val="b13dc8"/>
+        <a:srgbClr val="B13DC8"/>
       </a:folHlink>
     </a:clrScheme>
     <a:fontScheme name="Office">
@@ -11230,289 +11221,7 @@
       </a:bgFillStyleLst>
     </a:fmtScheme>
   </a:themeElements>
+  <a:objectDefaults/>
+  <a:extraClrSchemeLst/>
 </a:theme>
-</file>
-
-<file path=ppt/webextensions/taskpanes.xml><?xml version="1.0" encoding="utf-8"?>
-<wetp:taskpanes xmlns:wetp="http://schemas.microsoft.com/office/webextensions/taskpanes/2010/11">
-  <wetp:taskpane dockstate="right" visibility="0" width="525" row="8">
-    <wetp:webextensionref xmlns:r="http://schemas.openxmlformats.org/officeDocument/2006/relationships" r:id="rId1"/>
-  </wetp:taskpane>
-</wetp:taskpanes>
-</file>
-
-<file path=customXml/item1.xml><?xml version="1.0" encoding="utf-8"?>
-<ct:contentTypeSchema xmlns:ct="http://schemas.microsoft.com/office/2006/metadata/contentType" xmlns:ma="http://schemas.microsoft.com/office/2006/metadata/properties/metaAttributes" ct:_="" ma:_="" ma:contentTypeName="Document" ma:contentTypeID="0x01010079F111ED35F8CC479449609E8A0923A6" ma:contentTypeVersion="12" ma:contentTypeDescription="Create a new document." ma:contentTypeScope="" ma:versionID="426e97fa315356fffbdcd9876fe988c2">
-  <xsd:schema xmlns:xsd="http://www.w3.org/2001/XMLSchema" xmlns:xs="http://www.w3.org/2001/XMLSchema" xmlns:p="http://schemas.microsoft.com/office/2006/metadata/properties" xmlns:ns2="71af3243-3dd4-4a8d-8c0d-dd76da1f02a5" xmlns:ns3="16c05727-aa75-4e4a-9b5f-8a80a1165891" targetNamespace="http://schemas.microsoft.com/office/2006/metadata/properties" ma:root="true" ma:fieldsID="14b8f0def80e6d70ce3def20c90759ae" ns2:_="" ns3:_="">
-    <xsd:import namespace="71af3243-3dd4-4a8d-8c0d-dd76da1f02a5"/>
-    <xsd:import namespace="16c05727-aa75-4e4a-9b5f-8a80a1165891"/>
-    <xsd:element name="properties">
-      <xsd:complexType>
-        <xsd:sequence>
-          <xsd:element name="documentManagement">
-            <xsd:complexType>
-              <xsd:all>
-                <xsd:element ref="ns2:MediaServiceMetadata" minOccurs="0"/>
-                <xsd:element ref="ns2:MediaServiceFastMetadata" minOccurs="0"/>
-                <xsd:element ref="ns2:MediaServiceOCR" minOccurs="0"/>
-                <xsd:element ref="ns2:MediaServiceAutoTags" minOccurs="0"/>
-                <xsd:element ref="ns2:MediaServiceEventHashCode" minOccurs="0"/>
-                <xsd:element ref="ns2:MediaServiceGenerationTime" minOccurs="0"/>
-                <xsd:element ref="ns3:SharedWithUsers" minOccurs="0"/>
-                <xsd:element ref="ns3:SharedWithDetails" minOccurs="0"/>
-                <xsd:element ref="ns2:MediaServiceAutoKeyPoints" minOccurs="0"/>
-                <xsd:element ref="ns2:MediaServiceKeyPoints" minOccurs="0"/>
-                <xsd:element ref="ns2:MediaServiceDateTaken" minOccurs="0"/>
-                <xsd:element ref="ns2:Status" minOccurs="0"/>
-              </xsd:all>
-            </xsd:complexType>
-          </xsd:element>
-        </xsd:sequence>
-      </xsd:complexType>
-    </xsd:element>
-  </xsd:schema>
-  <xsd:schema xmlns:xsd="http://www.w3.org/2001/XMLSchema" xmlns:xs="http://www.w3.org/2001/XMLSchema" xmlns:dms="http://schemas.microsoft.com/office/2006/documentManagement/types" xmlns:pc="http://schemas.microsoft.com/office/infopath/2007/PartnerControls" targetNamespace="71af3243-3dd4-4a8d-8c0d-dd76da1f02a5" elementFormDefault="qualified">
-    <xsd:import namespace="http://schemas.microsoft.com/office/2006/documentManagement/types"/>
-    <xsd:import namespace="http://schemas.microsoft.com/office/infopath/2007/PartnerControls"/>
-    <xsd:element name="MediaServiceMetadata" ma:index="8" nillable="true" ma:displayName="MediaServiceMetadata" ma:hidden="true" ma:internalName="MediaServiceMetadata" ma:readOnly="true">
-      <xsd:simpleType>
-        <xsd:restriction base="dms:Note"/>
-      </xsd:simpleType>
-    </xsd:element>
-    <xsd:element name="MediaServiceFastMetadata" ma:index="9" nillable="true" ma:displayName="MediaServiceFastMetadata" ma:hidden="true" ma:internalName="MediaServiceFastMetadata" ma:readOnly="true">
-      <xsd:simpleType>
-        <xsd:restriction base="dms:Note"/>
-      </xsd:simpleType>
-    </xsd:element>
-    <xsd:element name="MediaServiceOCR" ma:index="10" nillable="true" ma:displayName="MediaServiceOCR" ma:internalName="MediaServiceOCR" ma:readOnly="true">
-      <xsd:simpleType>
-        <xsd:restriction base="dms:Note">
-          <xsd:maxLength value="255"/>
-        </xsd:restriction>
-      </xsd:simpleType>
-    </xsd:element>
-    <xsd:element name="MediaServiceAutoTags" ma:index="11" nillable="true" ma:displayName="MediaServiceAutoTags" ma:internalName="MediaServiceAutoTags" ma:readOnly="true">
-      <xsd:simpleType>
-        <xsd:restriction base="dms:Text"/>
-      </xsd:simpleType>
-    </xsd:element>
-    <xsd:element name="MediaServiceEventHashCode" ma:index="12" nillable="true" ma:displayName="MediaServiceEventHashCode" ma:hidden="true" ma:internalName="MediaServiceEventHashCode" ma:readOnly="true">
-      <xsd:simpleType>
-        <xsd:restriction base="dms:Text"/>
-      </xsd:simpleType>
-    </xsd:element>
-    <xsd:element name="MediaServiceGenerationTime" ma:index="13" nillable="true" ma:displayName="MediaServiceGenerationTime" ma:hidden="true" ma:internalName="MediaServiceGenerationTime" ma:readOnly="true">
-      <xsd:simpleType>
-        <xsd:restriction base="dms:Text"/>
-      </xsd:simpleType>
-    </xsd:element>
-    <xsd:element name="MediaServiceAutoKeyPoints" ma:index="16" nillable="true" ma:displayName="MediaServiceAutoKeyPoints" ma:hidden="true" ma:internalName="MediaServiceAutoKeyPoints" ma:readOnly="true">
-      <xsd:simpleType>
-        <xsd:restriction base="dms:Note"/>
-      </xsd:simpleType>
-    </xsd:element>
-    <xsd:element name="MediaServiceKeyPoints" ma:index="17" nillable="true" ma:displayName="KeyPoints" ma:internalName="MediaServiceKeyPoints" ma:readOnly="false">
-      <xsd:simpleType>
-        <xsd:restriction base="dms:Note">
-          <xsd:maxLength value="255"/>
-        </xsd:restriction>
-      </xsd:simpleType>
-    </xsd:element>
-    <xsd:element name="MediaServiceDateTaken" ma:index="18" nillable="true" ma:displayName="MediaServiceDateTaken" ma:hidden="true" ma:internalName="MediaServiceDateTaken" ma:readOnly="true">
-      <xsd:simpleType>
-        <xsd:restriction base="dms:Text"/>
-      </xsd:simpleType>
-    </xsd:element>
-    <xsd:element name="Status" ma:index="19" nillable="true" ma:displayName="Status" ma:default="Not started" ma:format="Dropdown" ma:internalName="Status">
-      <xsd:simpleType>
-        <xsd:restriction base="dms:Choice">
-          <xsd:enumeration value="Not started"/>
-          <xsd:enumeration value="In Progress"/>
-          <xsd:enumeration value="Completed"/>
-        </xsd:restriction>
-      </xsd:simpleType>
-    </xsd:element>
-  </xsd:schema>
-  <xsd:schema xmlns:xsd="http://www.w3.org/2001/XMLSchema" xmlns:xs="http://www.w3.org/2001/XMLSchema" xmlns:dms="http://schemas.microsoft.com/office/2006/documentManagement/types" xmlns:pc="http://schemas.microsoft.com/office/infopath/2007/PartnerControls" targetNamespace="16c05727-aa75-4e4a-9b5f-8a80a1165891" elementFormDefault="qualified">
-    <xsd:import namespace="http://schemas.microsoft.com/office/2006/documentManagement/types"/>
-    <xsd:import namespace="http://schemas.microsoft.com/office/infopath/2007/PartnerControls"/>
-    <xsd:element name="SharedWithUsers" ma:index="14" nillable="true" ma:displayName="Shared With" ma:internalName="SharedWithUsers" ma:readOnly="true">
-      <xsd:complexType>
-        <xsd:complexContent>
-          <xsd:extension base="dms:UserMulti">
-            <xsd:sequence>
-              <xsd:element name="UserInfo" minOccurs="0" maxOccurs="unbounded">
-                <xsd:complexType>
-                  <xsd:sequence>
-                    <xsd:element name="DisplayName" type="xsd:string" minOccurs="0"/>
-                    <xsd:element name="AccountId" type="dms:UserId" minOccurs="0" nillable="true"/>
-                    <xsd:element name="AccountType" type="xsd:string" minOccurs="0"/>
-                  </xsd:sequence>
-                </xsd:complexType>
-              </xsd:element>
-            </xsd:sequence>
-          </xsd:extension>
-        </xsd:complexContent>
-      </xsd:complexType>
-    </xsd:element>
-    <xsd:element name="SharedWithDetails" ma:index="15" nillable="true" ma:displayName="Shared With Details" ma:internalName="SharedWithDetails" ma:readOnly="true">
-      <xsd:simpleType>
-        <xsd:restriction base="dms:Note">
-          <xsd:maxLength value="255"/>
-        </xsd:restriction>
-      </xsd:simpleType>
-    </xsd:element>
-  </xsd:schema>
-  <xsd:schema xmlns="http://schemas.openxmlformats.org/package/2006/metadata/core-properties" xmlns:xsd="http://www.w3.org/2001/XMLSchema" xmlns:xsi="http://www.w3.org/2001/XMLSchema-instance" xmlns:dc="http://purl.org/dc/elements/1.1/" xmlns:dcterms="http://purl.org/dc/terms/" xmlns:odoc="http://schemas.microsoft.com/internal/obd" targetNamespace="http://schemas.openxmlformats.org/package/2006/metadata/core-properties" elementFormDefault="qualified" attributeFormDefault="unqualified" blockDefault="#all">
-    <xsd:import namespace="http://purl.org/dc/elements/1.1/" schemaLocation="http://dublincore.org/schemas/xmls/qdc/2003/04/02/dc.xsd"/>
-    <xsd:import namespace="http://purl.org/dc/terms/" schemaLocation="http://dublincore.org/schemas/xmls/qdc/2003/04/02/dcterms.xsd"/>
-    <xsd:element name="coreProperties" type="CT_coreProperties"/>
-    <xsd:complexType name="CT_coreProperties">
-      <xsd:all>
-        <xsd:element ref="dc:creator" minOccurs="0" maxOccurs="1"/>
-        <xsd:element ref="dcterms:created" minOccurs="0" maxOccurs="1"/>
-        <xsd:element ref="dc:identifier" minOccurs="0" maxOccurs="1"/>
-        <xsd:element name="contentType" minOccurs="0" maxOccurs="1" type="xsd:string" ma:index="0" ma:displayName="Content Type"/>
-        <xsd:element ref="dc:title" minOccurs="0" maxOccurs="1" ma:index="4" ma:displayName="Title"/>
-        <xsd:element ref="dc:subject" minOccurs="0" maxOccurs="1"/>
-        <xsd:element ref="dc:description" minOccurs="0" maxOccurs="1"/>
-        <xsd:element name="keywords" minOccurs="0" maxOccurs="1" type="xsd:string"/>
-        <xsd:element ref="dc:language" minOccurs="0" maxOccurs="1"/>
-        <xsd:element name="category" minOccurs="0" maxOccurs="1" type="xsd:string"/>
-        <xsd:element name="version" minOccurs="0" maxOccurs="1" type="xsd:string"/>
-        <xsd:element name="revision" minOccurs="0" maxOccurs="1" type="xsd:string">
-          <xsd:annotation>
-            <xsd:documentation>
-                        This value indicates the number of saves or revisions. The application is responsible for updating this value after each revision.
-                    </xsd:documentation>
-          </xsd:annotation>
-        </xsd:element>
-        <xsd:element name="lastModifiedBy" minOccurs="0" maxOccurs="1" type="xsd:string"/>
-        <xsd:element ref="dcterms:modified" minOccurs="0" maxOccurs="1"/>
-        <xsd:element name="contentStatus" minOccurs="0" maxOccurs="1" type="xsd:string"/>
-      </xsd:all>
-    </xsd:complexType>
-  </xsd:schema>
-  <xs:schema xmlns:pc="http://schemas.microsoft.com/office/infopath/2007/PartnerControls" xmlns:xs="http://www.w3.org/2001/XMLSchema" targetNamespace="http://schemas.microsoft.com/office/infopath/2007/PartnerControls" elementFormDefault="qualified" attributeFormDefault="unqualified">
-    <xs:element name="Person">
-      <xs:complexType>
-        <xs:sequence>
-          <xs:element ref="pc:DisplayName" minOccurs="0"/>
-          <xs:element ref="pc:AccountId" minOccurs="0"/>
-          <xs:element ref="pc:AccountType" minOccurs="0"/>
-        </xs:sequence>
-      </xs:complexType>
-    </xs:element>
-    <xs:element name="DisplayName" type="xs:string"/>
-    <xs:element name="AccountId" type="xs:string"/>
-    <xs:element name="AccountType" type="xs:string"/>
-    <xs:element name="BDCAssociatedEntity">
-      <xs:complexType>
-        <xs:sequence>
-          <xs:element ref="pc:BDCEntity" minOccurs="0" maxOccurs="unbounded"/>
-        </xs:sequence>
-        <xs:attribute ref="pc:EntityNamespace"/>
-        <xs:attribute ref="pc:EntityName"/>
-        <xs:attribute ref="pc:SystemInstanceName"/>
-        <xs:attribute ref="pc:AssociationName"/>
-      </xs:complexType>
-    </xs:element>
-    <xs:attribute name="EntityNamespace" type="xs:string"/>
-    <xs:attribute name="EntityName" type="xs:string"/>
-    <xs:attribute name="SystemInstanceName" type="xs:string"/>
-    <xs:attribute name="AssociationName" type="xs:string"/>
-    <xs:element name="BDCEntity">
-      <xs:complexType>
-        <xs:sequence>
-          <xs:element ref="pc:EntityDisplayName" minOccurs="0"/>
-          <xs:element ref="pc:EntityInstanceReference" minOccurs="0"/>
-          <xs:element ref="pc:EntityId1" minOccurs="0"/>
-          <xs:element ref="pc:EntityId2" minOccurs="0"/>
-          <xs:element ref="pc:EntityId3" minOccurs="0"/>
-          <xs:element ref="pc:EntityId4" minOccurs="0"/>
-          <xs:element ref="pc:EntityId5" minOccurs="0"/>
-        </xs:sequence>
-      </xs:complexType>
-    </xs:element>
-    <xs:element name="EntityDisplayName" type="xs:string"/>
-    <xs:element name="EntityInstanceReference" type="xs:string"/>
-    <xs:element name="EntityId1" type="xs:string"/>
-    <xs:element name="EntityId2" type="xs:string"/>
-    <xs:element name="EntityId3" type="xs:string"/>
-    <xs:element name="EntityId4" type="xs:string"/>
-    <xs:element name="EntityId5" type="xs:string"/>
-    <xs:element name="Terms">
-      <xs:complexType>
-        <xs:sequence>
-          <xs:element ref="pc:TermInfo" minOccurs="0" maxOccurs="unbounded"/>
-        </xs:sequence>
-      </xs:complexType>
-    </xs:element>
-    <xs:element name="TermInfo">
-      <xs:complexType>
-        <xs:sequence>
-          <xs:element ref="pc:TermName" minOccurs="0"/>
-          <xs:element ref="pc:TermId" minOccurs="0"/>
-        </xs:sequence>
-      </xs:complexType>
-    </xs:element>
-    <xs:element name="TermName" type="xs:string"/>
-    <xs:element name="TermId" type="xs:string"/>
-  </xs:schema>
-</ct:contentTypeSchema>
-</file>
-
-<file path=customXml/item2.xml><?xml version="1.0" encoding="utf-8"?>
-<?mso-contentType ?>
-<FormTemplates xmlns="http://schemas.microsoft.com/sharepoint/v3/contenttype/forms">
-  <Display>DocumentLibraryForm</Display>
-  <Edit>DocumentLibraryForm</Edit>
-  <New>DocumentLibraryForm</New>
-</FormTemplates>
-</file>
-
-<file path=customXml/item3.xml><?xml version="1.0" encoding="utf-8"?>
-<p:properties xmlns:p="http://schemas.microsoft.com/office/2006/metadata/properties" xmlns:xsi="http://www.w3.org/2001/XMLSchema-instance" xmlns:pc="http://schemas.microsoft.com/office/infopath/2007/PartnerControls">
-  <documentManagement>
-    <Status xmlns="71af3243-3dd4-4a8d-8c0d-dd76da1f02a5">Not started</Status>
-    <MediaServiceKeyPoints xmlns="71af3243-3dd4-4a8d-8c0d-dd76da1f02a5" xsi:nil="true"/>
-  </documentManagement>
-</p:properties>
-</file>
-
-<file path=customXml/itemProps1.xml><?xml version="1.0" encoding="utf-8"?>
-<ds:datastoreItem xmlns:ds="http://schemas.openxmlformats.org/officeDocument/2006/customXml" ds:itemID="{5055BC56-8FA3-435B-ACDD-0E8E6241EF63}">
-  <ds:schemaRefs>
-    <ds:schemaRef ds:uri="http://schemas.microsoft.com/office/2006/metadata/contentType"/>
-    <ds:schemaRef ds:uri="http://schemas.microsoft.com/office/2006/metadata/properties/metaAttributes"/>
-    <ds:schemaRef ds:uri="http://www.w3.org/2001/XMLSchema"/>
-    <ds:schemaRef ds:uri="http://schemas.microsoft.com/office/2006/metadata/properties"/>
-    <ds:schemaRef ds:uri="71af3243-3dd4-4a8d-8c0d-dd76da1f02a5"/>
-    <ds:schemaRef ds:uri="16c05727-aa75-4e4a-9b5f-8a80a1165891"/>
-    <ds:schemaRef ds:uri="http://schemas.microsoft.com/office/2006/documentManagement/types"/>
-    <ds:schemaRef ds:uri="http://schemas.microsoft.com/office/infopath/2007/PartnerControls"/>
-    <ds:schemaRef ds:uri="http://schemas.openxmlformats.org/package/2006/metadata/core-properties"/>
-    <ds:schemaRef ds:uri="http://purl.org/dc/elements/1.1/"/>
-    <ds:schemaRef ds:uri="http://purl.org/dc/terms/"/>
-    <ds:schemaRef ds:uri="http://schemas.microsoft.com/internal/obd"/>
-  </ds:schemaRefs>
-</ds:datastoreItem>
-</file>
-
-<file path=customXml/itemProps2.xml><?xml version="1.0" encoding="utf-8"?>
-<ds:datastoreItem xmlns:ds="http://schemas.openxmlformats.org/officeDocument/2006/customXml" ds:itemID="{466BA265-3C9C-41FF-80C6-61A7F961C0DC}">
-  <ds:schemaRefs>
-    <ds:schemaRef ds:uri="http://schemas.microsoft.com/sharepoint/v3/contenttype/forms"/>
-  </ds:schemaRefs>
-</ds:datastoreItem>
-</file>
-
-<file path=customXml/itemProps3.xml><?xml version="1.0" encoding="utf-8"?>
-<ds:datastoreItem xmlns:ds="http://schemas.openxmlformats.org/officeDocument/2006/customXml" ds:itemID="{B211B2B9-8CE5-4E5A-B70F-6B056FE844E8}">
-  <ds:schemaRefs>
-    <ds:schemaRef ds:uri="http://schemas.microsoft.com/office/2006/metadata/properties"/>
-    <ds:schemaRef ds:uri="http://schemas.microsoft.com/office/infopath/2007/PartnerControls"/>
-    <ds:schemaRef ds:uri="71af3243-3dd4-4a8d-8c0d-dd76da1f02a5"/>
-  </ds:schemaRefs>
-</ds:datastoreItem>
 </file>
--- a/presentation/presentation.pptx
+++ b/presentation/presentation.pptx
@@ -15,6 +15,30 @@
     <p:sldId id="261" r:id="rId9"/>
     <p:sldId id="262" r:id="rId10"/>
     <p:sldId id="263" r:id="rId11"/>
+    <p:sldId id="273" r:id="rId12"/>
+    <p:sldId id="264" r:id="rId13"/>
+    <p:sldId id="265" r:id="rId14"/>
+    <p:sldId id="266" r:id="rId15"/>
+    <p:sldId id="267" r:id="rId16"/>
+    <p:sldId id="271" r:id="rId17"/>
+    <p:sldId id="268" r:id="rId18"/>
+    <p:sldId id="269" r:id="rId19"/>
+    <p:sldId id="270" r:id="rId20"/>
+    <p:sldId id="274" r:id="rId21"/>
+    <p:sldId id="275" r:id="rId22"/>
+    <p:sldId id="276" r:id="rId23"/>
+    <p:sldId id="277" r:id="rId24"/>
+    <p:sldId id="278" r:id="rId25"/>
+    <p:sldId id="279" r:id="rId26"/>
+    <p:sldId id="280" r:id="rId27"/>
+    <p:sldId id="281" r:id="rId28"/>
+    <p:sldId id="282" r:id="rId29"/>
+    <p:sldId id="283" r:id="rId30"/>
+    <p:sldId id="284" r:id="rId31"/>
+    <p:sldId id="285" r:id="rId32"/>
+    <p:sldId id="286" r:id="rId33"/>
+    <p:sldId id="287" r:id="rId34"/>
+    <p:sldId id="288" r:id="rId35"/>
   </p:sldIdLst>
   <p:sldSz cx="12192000" cy="6858000"/>
   <p:notesSz cx="6858000" cy="9144000"/>
@@ -113,6 +137,11 @@
       </a:defRPr>
     </a:lvl9pPr>
   </p:defaultTextStyle>
+  <p:extLst>
+    <p:ext uri="{EFAFB233-063F-42B5-8137-9DF3F51BA10A}">
+      <p15:sldGuideLst xmlns:p15="http://schemas.microsoft.com/office/powerpoint/2012/main"/>
+    </p:ext>
+  </p:extLst>
 </p:presentation>
 </file>
 
@@ -9703,6 +9732,1256 @@
 </p:sld>
 </file>
 
+<file path=ppt/slides/slide10.xml><?xml version="1.0" encoding="utf-8"?>
+<p:sld xmlns:a="http://schemas.openxmlformats.org/drawingml/2006/main" xmlns:r="http://schemas.openxmlformats.org/officeDocument/2006/relationships" xmlns:p="http://schemas.openxmlformats.org/presentationml/2006/main">
+  <p:cSld>
+    <p:spTree>
+      <p:nvGrpSpPr>
+        <p:cNvPr id="1" name=""/>
+        <p:cNvGrpSpPr/>
+        <p:nvPr/>
+      </p:nvGrpSpPr>
+      <p:grpSpPr>
+        <a:xfrm>
+          <a:off x="0" y="0"/>
+          <a:ext cx="0" cy="0"/>
+          <a:chOff x="0" y="0"/>
+          <a:chExt cx="0" cy="0"/>
+        </a:xfrm>
+      </p:grpSpPr>
+      <p:sp>
+        <p:nvSpPr>
+          <p:cNvPr id="169" name="PlaceHolder 1"/>
+          <p:cNvSpPr>
+            <a:spLocks noGrp="1"/>
+          </p:cNvSpPr>
+          <p:nvPr>
+            <p:ph type="title"/>
+          </p:nvPr>
+        </p:nvSpPr>
+        <p:spPr>
+          <a:xfrm>
+            <a:off x="160304" y="363295"/>
+            <a:ext cx="11731320" cy="630720"/>
+          </a:xfrm>
+          <a:prstGeom prst="rect">
+            <a:avLst/>
+          </a:prstGeom>
+          <a:noFill/>
+          <a:ln w="0">
+            <a:noFill/>
+          </a:ln>
+        </p:spPr>
+        <p:txBody>
+          <a:bodyPr anchor="t">
+            <a:noAutofit/>
+          </a:bodyPr>
+          <a:lstStyle/>
+          <a:p>
+            <a:pPr algn="ctr">
+              <a:lnSpc>
+                <a:spcPct val="90000"/>
+              </a:lnSpc>
+              <a:spcBef>
+                <a:spcPts val="1001"/>
+              </a:spcBef>
+              <a:buNone/>
+            </a:pPr>
+            <a:r>
+              <a:rPr lang="en-US" sz="3600" b="1" strike="noStrike" cap="all" spc="-1" dirty="0">
+                <a:solidFill>
+                  <a:srgbClr val="000000"/>
+                </a:solidFill>
+                <a:latin typeface="Speak Pro"/>
+              </a:rPr>
+              <a:t>The winner</a:t>
+            </a:r>
+            <a:endParaRPr lang="es-ES" sz="3600" b="0" strike="noStrike" spc="-1" dirty="0">
+              <a:solidFill>
+                <a:srgbClr val="000000"/>
+              </a:solidFill>
+              <a:latin typeface="Avenir Next LT Pro Light"/>
+            </a:endParaRPr>
+          </a:p>
+        </p:txBody>
+      </p:sp>
+      <p:pic>
+        <p:nvPicPr>
+          <p:cNvPr id="4" name="Imagen 3" descr="Gráfico, Gráfico de barras&#10;&#10;Descripción generada automáticamente">
+            <a:extLst>
+              <a:ext uri="{FF2B5EF4-FFF2-40B4-BE49-F238E27FC236}">
+                <a16:creationId xmlns:a16="http://schemas.microsoft.com/office/drawing/2014/main" id="{43287E02-8066-6D6F-A370-4D7E5F2A4BC3}"/>
+              </a:ext>
+            </a:extLst>
+          </p:cNvPr>
+          <p:cNvPicPr>
+            <a:picLocks noChangeAspect="1"/>
+          </p:cNvPicPr>
+          <p:nvPr/>
+        </p:nvPicPr>
+        <p:blipFill>
+          <a:blip r:embed="rId2" cstate="print">
+            <a:extLst>
+              <a:ext uri="{28A0092B-C50C-407E-A947-70E740481C1C}">
+                <a14:useLocalDpi xmlns:a14="http://schemas.microsoft.com/office/drawing/2010/main" val="0"/>
+              </a:ext>
+            </a:extLst>
+          </a:blip>
+          <a:stretch>
+            <a:fillRect/>
+          </a:stretch>
+        </p:blipFill>
+        <p:spPr>
+          <a:xfrm>
+            <a:off x="6829868" y="2324745"/>
+            <a:ext cx="3703048" cy="2789650"/>
+          </a:xfrm>
+          <a:prstGeom prst="rect">
+            <a:avLst/>
+          </a:prstGeom>
+        </p:spPr>
+      </p:pic>
+      <p:pic>
+        <p:nvPicPr>
+          <p:cNvPr id="6" name="Imagen 5" descr="Gráfico, Gráfico de barras&#10;&#10;Descripción generada automáticamente">
+            <a:extLst>
+              <a:ext uri="{FF2B5EF4-FFF2-40B4-BE49-F238E27FC236}">
+                <a16:creationId xmlns:a16="http://schemas.microsoft.com/office/drawing/2014/main" id="{C3ECAC4B-6043-8907-93E1-C1A326694323}"/>
+              </a:ext>
+            </a:extLst>
+          </p:cNvPr>
+          <p:cNvPicPr>
+            <a:picLocks noChangeAspect="1"/>
+          </p:cNvPicPr>
+          <p:nvPr/>
+        </p:nvPicPr>
+        <p:blipFill>
+          <a:blip r:embed="rId3" cstate="print">
+            <a:extLst>
+              <a:ext uri="{28A0092B-C50C-407E-A947-70E740481C1C}">
+                <a14:useLocalDpi xmlns:a14="http://schemas.microsoft.com/office/drawing/2010/main" val="0"/>
+              </a:ext>
+            </a:extLst>
+          </a:blip>
+          <a:stretch>
+            <a:fillRect/>
+          </a:stretch>
+        </p:blipFill>
+        <p:spPr>
+          <a:xfrm>
+            <a:off x="1659084" y="2324745"/>
+            <a:ext cx="3753189" cy="2789650"/>
+          </a:xfrm>
+          <a:prstGeom prst="rect">
+            <a:avLst/>
+          </a:prstGeom>
+        </p:spPr>
+      </p:pic>
+    </p:spTree>
+    <p:extLst>
+      <p:ext uri="{BB962C8B-B14F-4D97-AF65-F5344CB8AC3E}">
+        <p14:creationId xmlns:p14="http://schemas.microsoft.com/office/powerpoint/2010/main" val="1695059926"/>
+      </p:ext>
+    </p:extLst>
+  </p:cSld>
+  <p:clrMapOvr>
+    <a:masterClrMapping/>
+  </p:clrMapOvr>
+</p:sld>
+</file>
+
+<file path=ppt/slides/slide11.xml><?xml version="1.0" encoding="utf-8"?>
+<p:sld xmlns:a="http://schemas.openxmlformats.org/drawingml/2006/main" xmlns:r="http://schemas.openxmlformats.org/officeDocument/2006/relationships" xmlns:p="http://schemas.openxmlformats.org/presentationml/2006/main">
+  <p:cSld>
+    <p:spTree>
+      <p:nvGrpSpPr>
+        <p:cNvPr id="1" name=""/>
+        <p:cNvGrpSpPr/>
+        <p:nvPr/>
+      </p:nvGrpSpPr>
+      <p:grpSpPr>
+        <a:xfrm>
+          <a:off x="0" y="0"/>
+          <a:ext cx="0" cy="0"/>
+          <a:chOff x="0" y="0"/>
+          <a:chExt cx="0" cy="0"/>
+        </a:xfrm>
+      </p:grpSpPr>
+      <p:sp>
+        <p:nvSpPr>
+          <p:cNvPr id="169" name="PlaceHolder 1"/>
+          <p:cNvSpPr>
+            <a:spLocks noGrp="1"/>
+          </p:cNvSpPr>
+          <p:nvPr>
+            <p:ph type="title"/>
+          </p:nvPr>
+        </p:nvSpPr>
+        <p:spPr>
+          <a:xfrm>
+            <a:off x="160304" y="363295"/>
+            <a:ext cx="11731320" cy="630720"/>
+          </a:xfrm>
+          <a:prstGeom prst="rect">
+            <a:avLst/>
+          </a:prstGeom>
+          <a:noFill/>
+          <a:ln w="0">
+            <a:noFill/>
+          </a:ln>
+        </p:spPr>
+        <p:txBody>
+          <a:bodyPr anchor="t">
+            <a:noAutofit/>
+          </a:bodyPr>
+          <a:lstStyle/>
+          <a:p>
+            <a:pPr algn="ctr">
+              <a:lnSpc>
+                <a:spcPct val="90000"/>
+              </a:lnSpc>
+              <a:spcBef>
+                <a:spcPts val="1001"/>
+              </a:spcBef>
+              <a:buNone/>
+            </a:pPr>
+            <a:r>
+              <a:rPr lang="en-US" sz="3600" b="1" cap="all" spc="-1" dirty="0">
+                <a:solidFill>
+                  <a:srgbClr val="000000"/>
+                </a:solidFill>
+                <a:latin typeface="Speak Pro"/>
+              </a:rPr>
+              <a:t>Age distribution</a:t>
+            </a:r>
+            <a:endParaRPr lang="es-ES" sz="3600" b="0" strike="noStrike" spc="-1" dirty="0">
+              <a:solidFill>
+                <a:srgbClr val="000000"/>
+              </a:solidFill>
+              <a:latin typeface="Avenir Next LT Pro Light"/>
+            </a:endParaRPr>
+          </a:p>
+        </p:txBody>
+      </p:sp>
+      <p:pic>
+        <p:nvPicPr>
+          <p:cNvPr id="3" name="Imagen 2" descr="Gráfico, Histograma&#10;&#10;Descripción generada automáticamente">
+            <a:extLst>
+              <a:ext uri="{FF2B5EF4-FFF2-40B4-BE49-F238E27FC236}">
+                <a16:creationId xmlns:a16="http://schemas.microsoft.com/office/drawing/2014/main" id="{929A4D61-7672-D97A-98DC-5F9A391CC3C9}"/>
+              </a:ext>
+            </a:extLst>
+          </p:cNvPr>
+          <p:cNvPicPr>
+            <a:picLocks noChangeAspect="1"/>
+          </p:cNvPicPr>
+          <p:nvPr/>
+        </p:nvPicPr>
+        <p:blipFill>
+          <a:blip r:embed="rId2" cstate="print">
+            <a:extLst>
+              <a:ext uri="{28A0092B-C50C-407E-A947-70E740481C1C}">
+                <a14:useLocalDpi xmlns:a14="http://schemas.microsoft.com/office/drawing/2010/main" val="0"/>
+              </a:ext>
+            </a:extLst>
+          </a:blip>
+          <a:stretch>
+            <a:fillRect/>
+          </a:stretch>
+        </p:blipFill>
+        <p:spPr>
+          <a:xfrm>
+            <a:off x="2206101" y="2179219"/>
+            <a:ext cx="3040898" cy="2828035"/>
+          </a:xfrm>
+          <a:prstGeom prst="rect">
+            <a:avLst/>
+          </a:prstGeom>
+        </p:spPr>
+      </p:pic>
+      <p:pic>
+        <p:nvPicPr>
+          <p:cNvPr id="7" name="Imagen 6" descr="Gráfico, Histograma&#10;&#10;Descripción generada automáticamente">
+            <a:extLst>
+              <a:ext uri="{FF2B5EF4-FFF2-40B4-BE49-F238E27FC236}">
+                <a16:creationId xmlns:a16="http://schemas.microsoft.com/office/drawing/2014/main" id="{90F16802-6821-EDF1-8BCF-B594ECB5D84F}"/>
+              </a:ext>
+            </a:extLst>
+          </p:cNvPr>
+          <p:cNvPicPr>
+            <a:picLocks noChangeAspect="1"/>
+          </p:cNvPicPr>
+          <p:nvPr/>
+        </p:nvPicPr>
+        <p:blipFill>
+          <a:blip r:embed="rId3" cstate="print">
+            <a:extLst>
+              <a:ext uri="{28A0092B-C50C-407E-A947-70E740481C1C}">
+                <a14:useLocalDpi xmlns:a14="http://schemas.microsoft.com/office/drawing/2010/main" val="0"/>
+              </a:ext>
+            </a:extLst>
+          </a:blip>
+          <a:stretch>
+            <a:fillRect/>
+          </a:stretch>
+        </p:blipFill>
+        <p:spPr>
+          <a:xfrm>
+            <a:off x="6373323" y="2179219"/>
+            <a:ext cx="4107296" cy="2907686"/>
+          </a:xfrm>
+          <a:prstGeom prst="rect">
+            <a:avLst/>
+          </a:prstGeom>
+        </p:spPr>
+      </p:pic>
+    </p:spTree>
+    <p:extLst>
+      <p:ext uri="{BB962C8B-B14F-4D97-AF65-F5344CB8AC3E}">
+        <p14:creationId xmlns:p14="http://schemas.microsoft.com/office/powerpoint/2010/main" val="1786045120"/>
+      </p:ext>
+    </p:extLst>
+  </p:cSld>
+  <p:clrMapOvr>
+    <a:masterClrMapping/>
+  </p:clrMapOvr>
+</p:sld>
+</file>
+
+<file path=ppt/slides/slide12.xml><?xml version="1.0" encoding="utf-8"?>
+<p:sld xmlns:a="http://schemas.openxmlformats.org/drawingml/2006/main" xmlns:r="http://schemas.openxmlformats.org/officeDocument/2006/relationships" xmlns:p="http://schemas.openxmlformats.org/presentationml/2006/main">
+  <p:cSld>
+    <p:spTree>
+      <p:nvGrpSpPr>
+        <p:cNvPr id="1" name=""/>
+        <p:cNvGrpSpPr/>
+        <p:nvPr/>
+      </p:nvGrpSpPr>
+      <p:grpSpPr>
+        <a:xfrm>
+          <a:off x="0" y="0"/>
+          <a:ext cx="0" cy="0"/>
+          <a:chOff x="0" y="0"/>
+          <a:chExt cx="0" cy="0"/>
+        </a:xfrm>
+      </p:grpSpPr>
+      <p:sp>
+        <p:nvSpPr>
+          <p:cNvPr id="169" name="PlaceHolder 1"/>
+          <p:cNvSpPr>
+            <a:spLocks noGrp="1"/>
+          </p:cNvSpPr>
+          <p:nvPr>
+            <p:ph type="title"/>
+          </p:nvPr>
+        </p:nvSpPr>
+        <p:spPr>
+          <a:xfrm>
+            <a:off x="160304" y="363295"/>
+            <a:ext cx="11731320" cy="630720"/>
+          </a:xfrm>
+          <a:prstGeom prst="rect">
+            <a:avLst/>
+          </a:prstGeom>
+          <a:noFill/>
+          <a:ln w="0">
+            <a:noFill/>
+          </a:ln>
+        </p:spPr>
+        <p:txBody>
+          <a:bodyPr anchor="t">
+            <a:noAutofit/>
+          </a:bodyPr>
+          <a:lstStyle/>
+          <a:p>
+            <a:pPr algn="ctr">
+              <a:lnSpc>
+                <a:spcPct val="90000"/>
+              </a:lnSpc>
+              <a:spcBef>
+                <a:spcPts val="1001"/>
+              </a:spcBef>
+              <a:buNone/>
+            </a:pPr>
+            <a:r>
+              <a:rPr lang="en-US" sz="3600" b="1" strike="noStrike" cap="all" spc="-1" dirty="0">
+                <a:solidFill>
+                  <a:srgbClr val="000000"/>
+                </a:solidFill>
+                <a:latin typeface="Speak Pro"/>
+              </a:rPr>
+              <a:t>Gender distribution</a:t>
+            </a:r>
+            <a:endParaRPr lang="es-ES" sz="3600" b="0" strike="noStrike" spc="-1" dirty="0">
+              <a:solidFill>
+                <a:srgbClr val="000000"/>
+              </a:solidFill>
+              <a:latin typeface="Avenir Next LT Pro Light"/>
+            </a:endParaRPr>
+          </a:p>
+        </p:txBody>
+      </p:sp>
+      <p:pic>
+        <p:nvPicPr>
+          <p:cNvPr id="4" name="Imagen 3" descr="Gráfico, Gráfico circular&#10;&#10;Descripción generada automáticamente">
+            <a:extLst>
+              <a:ext uri="{FF2B5EF4-FFF2-40B4-BE49-F238E27FC236}">
+                <a16:creationId xmlns:a16="http://schemas.microsoft.com/office/drawing/2014/main" id="{5C17E209-E6AD-F156-2FBB-889FB0C12E23}"/>
+              </a:ext>
+            </a:extLst>
+          </p:cNvPr>
+          <p:cNvPicPr>
+            <a:picLocks noChangeAspect="1"/>
+          </p:cNvPicPr>
+          <p:nvPr/>
+        </p:nvPicPr>
+        <p:blipFill>
+          <a:blip r:embed="rId2">
+            <a:extLst>
+              <a:ext uri="{28A0092B-C50C-407E-A947-70E740481C1C}">
+                <a14:useLocalDpi xmlns:a14="http://schemas.microsoft.com/office/drawing/2010/main" val="0"/>
+              </a:ext>
+            </a:extLst>
+          </a:blip>
+          <a:stretch>
+            <a:fillRect/>
+          </a:stretch>
+        </p:blipFill>
+        <p:spPr>
+          <a:xfrm>
+            <a:off x="3360321" y="1786181"/>
+            <a:ext cx="5471357" cy="3950362"/>
+          </a:xfrm>
+          <a:prstGeom prst="rect">
+            <a:avLst/>
+          </a:prstGeom>
+        </p:spPr>
+      </p:pic>
+    </p:spTree>
+    <p:extLst>
+      <p:ext uri="{BB962C8B-B14F-4D97-AF65-F5344CB8AC3E}">
+        <p14:creationId xmlns:p14="http://schemas.microsoft.com/office/powerpoint/2010/main" val="2517986417"/>
+      </p:ext>
+    </p:extLst>
+  </p:cSld>
+  <p:clrMapOvr>
+    <a:masterClrMapping/>
+  </p:clrMapOvr>
+</p:sld>
+</file>
+
+<file path=ppt/slides/slide13.xml><?xml version="1.0" encoding="utf-8"?>
+<p:sld xmlns:a="http://schemas.openxmlformats.org/drawingml/2006/main" xmlns:r="http://schemas.openxmlformats.org/officeDocument/2006/relationships" xmlns:p="http://schemas.openxmlformats.org/presentationml/2006/main">
+  <p:cSld>
+    <p:spTree>
+      <p:nvGrpSpPr>
+        <p:cNvPr id="1" name=""/>
+        <p:cNvGrpSpPr/>
+        <p:nvPr/>
+      </p:nvGrpSpPr>
+      <p:grpSpPr>
+        <a:xfrm>
+          <a:off x="0" y="0"/>
+          <a:ext cx="0" cy="0"/>
+          <a:chOff x="0" y="0"/>
+          <a:chExt cx="0" cy="0"/>
+        </a:xfrm>
+      </p:grpSpPr>
+      <p:sp>
+        <p:nvSpPr>
+          <p:cNvPr id="169" name="PlaceHolder 1"/>
+          <p:cNvSpPr>
+            <a:spLocks noGrp="1"/>
+          </p:cNvSpPr>
+          <p:nvPr>
+            <p:ph type="title"/>
+          </p:nvPr>
+        </p:nvSpPr>
+        <p:spPr>
+          <a:xfrm>
+            <a:off x="160304" y="363295"/>
+            <a:ext cx="11731320" cy="630720"/>
+          </a:xfrm>
+          <a:prstGeom prst="rect">
+            <a:avLst/>
+          </a:prstGeom>
+          <a:noFill/>
+          <a:ln w="0">
+            <a:noFill/>
+          </a:ln>
+        </p:spPr>
+        <p:txBody>
+          <a:bodyPr anchor="t">
+            <a:noAutofit/>
+          </a:bodyPr>
+          <a:lstStyle/>
+          <a:p>
+            <a:pPr algn="ctr">
+              <a:lnSpc>
+                <a:spcPct val="90000"/>
+              </a:lnSpc>
+              <a:spcBef>
+                <a:spcPts val="1001"/>
+              </a:spcBef>
+              <a:buNone/>
+            </a:pPr>
+            <a:r>
+              <a:rPr lang="en-US" sz="3600" b="1" strike="noStrike" cap="all" spc="-1" dirty="0">
+                <a:solidFill>
+                  <a:srgbClr val="000000"/>
+                </a:solidFill>
+                <a:latin typeface="Speak Pro"/>
+              </a:rPr>
+              <a:t>Weight classes</a:t>
+            </a:r>
+            <a:endParaRPr lang="es-ES" sz="3600" b="0" strike="noStrike" spc="-1" dirty="0">
+              <a:solidFill>
+                <a:srgbClr val="000000"/>
+              </a:solidFill>
+              <a:latin typeface="Avenir Next LT Pro Light"/>
+            </a:endParaRPr>
+          </a:p>
+        </p:txBody>
+      </p:sp>
+      <p:pic>
+        <p:nvPicPr>
+          <p:cNvPr id="3" name="Imagen 2" descr="Gráfico, Gráfico de barras&#10;&#10;Descripción generada automáticamente">
+            <a:extLst>
+              <a:ext uri="{FF2B5EF4-FFF2-40B4-BE49-F238E27FC236}">
+                <a16:creationId xmlns:a16="http://schemas.microsoft.com/office/drawing/2014/main" id="{3557E19B-ACA2-3D3E-F973-12BE22339D5D}"/>
+              </a:ext>
+            </a:extLst>
+          </p:cNvPr>
+          <p:cNvPicPr>
+            <a:picLocks noChangeAspect="1"/>
+          </p:cNvPicPr>
+          <p:nvPr/>
+        </p:nvPicPr>
+        <p:blipFill>
+          <a:blip r:embed="rId2" cstate="print">
+            <a:extLst>
+              <a:ext uri="{28A0092B-C50C-407E-A947-70E740481C1C}">
+                <a14:useLocalDpi xmlns:a14="http://schemas.microsoft.com/office/drawing/2010/main" val="0"/>
+              </a:ext>
+            </a:extLst>
+          </a:blip>
+          <a:stretch>
+            <a:fillRect/>
+          </a:stretch>
+        </p:blipFill>
+        <p:spPr>
+          <a:xfrm>
+            <a:off x="3565423" y="1563293"/>
+            <a:ext cx="5061153" cy="4881896"/>
+          </a:xfrm>
+          <a:prstGeom prst="rect">
+            <a:avLst/>
+          </a:prstGeom>
+        </p:spPr>
+      </p:pic>
+    </p:spTree>
+    <p:extLst>
+      <p:ext uri="{BB962C8B-B14F-4D97-AF65-F5344CB8AC3E}">
+        <p14:creationId xmlns:p14="http://schemas.microsoft.com/office/powerpoint/2010/main" val="2718872089"/>
+      </p:ext>
+    </p:extLst>
+  </p:cSld>
+  <p:clrMapOvr>
+    <a:masterClrMapping/>
+  </p:clrMapOvr>
+</p:sld>
+</file>
+
+<file path=ppt/slides/slide14.xml><?xml version="1.0" encoding="utf-8"?>
+<p:sld xmlns:a="http://schemas.openxmlformats.org/drawingml/2006/main" xmlns:r="http://schemas.openxmlformats.org/officeDocument/2006/relationships" xmlns:p="http://schemas.openxmlformats.org/presentationml/2006/main">
+  <p:cSld>
+    <p:spTree>
+      <p:nvGrpSpPr>
+        <p:cNvPr id="1" name=""/>
+        <p:cNvGrpSpPr/>
+        <p:nvPr/>
+      </p:nvGrpSpPr>
+      <p:grpSpPr>
+        <a:xfrm>
+          <a:off x="0" y="0"/>
+          <a:ext cx="0" cy="0"/>
+          <a:chOff x="0" y="0"/>
+          <a:chExt cx="0" cy="0"/>
+        </a:xfrm>
+      </p:grpSpPr>
+      <p:sp>
+        <p:nvSpPr>
+          <p:cNvPr id="169" name="PlaceHolder 1"/>
+          <p:cNvSpPr>
+            <a:spLocks noGrp="1"/>
+          </p:cNvSpPr>
+          <p:nvPr>
+            <p:ph type="title"/>
+          </p:nvPr>
+        </p:nvSpPr>
+        <p:spPr>
+          <a:xfrm>
+            <a:off x="160304" y="363295"/>
+            <a:ext cx="11731320" cy="630720"/>
+          </a:xfrm>
+          <a:prstGeom prst="rect">
+            <a:avLst/>
+          </a:prstGeom>
+          <a:noFill/>
+          <a:ln w="0">
+            <a:noFill/>
+          </a:ln>
+        </p:spPr>
+        <p:txBody>
+          <a:bodyPr anchor="t">
+            <a:noAutofit/>
+          </a:bodyPr>
+          <a:lstStyle/>
+          <a:p>
+            <a:pPr algn="ctr">
+              <a:lnSpc>
+                <a:spcPct val="90000"/>
+              </a:lnSpc>
+              <a:spcBef>
+                <a:spcPts val="1001"/>
+              </a:spcBef>
+              <a:buNone/>
+            </a:pPr>
+            <a:r>
+              <a:rPr lang="en-US" sz="3600" b="1" strike="noStrike" cap="all" spc="-1" dirty="0">
+                <a:solidFill>
+                  <a:srgbClr val="000000"/>
+                </a:solidFill>
+                <a:latin typeface="Speak Pro"/>
+              </a:rPr>
+              <a:t>Fight type</a:t>
+            </a:r>
+            <a:endParaRPr lang="es-ES" sz="3600" b="0" strike="noStrike" spc="-1" dirty="0">
+              <a:solidFill>
+                <a:srgbClr val="000000"/>
+              </a:solidFill>
+              <a:latin typeface="Avenir Next LT Pro Light"/>
+            </a:endParaRPr>
+          </a:p>
+        </p:txBody>
+      </p:sp>
+      <p:pic>
+        <p:nvPicPr>
+          <p:cNvPr id="4" name="Imagen 3" descr="Gráfico, Gráfico circular&#10;&#10;Descripción generada automáticamente">
+            <a:extLst>
+              <a:ext uri="{FF2B5EF4-FFF2-40B4-BE49-F238E27FC236}">
+                <a16:creationId xmlns:a16="http://schemas.microsoft.com/office/drawing/2014/main" id="{769F8012-367A-588E-57C2-07747B04389F}"/>
+              </a:ext>
+            </a:extLst>
+          </p:cNvPr>
+          <p:cNvPicPr>
+            <a:picLocks noChangeAspect="1"/>
+          </p:cNvPicPr>
+          <p:nvPr/>
+        </p:nvPicPr>
+        <p:blipFill>
+          <a:blip r:embed="rId2">
+            <a:extLst>
+              <a:ext uri="{28A0092B-C50C-407E-A947-70E740481C1C}">
+                <a14:useLocalDpi xmlns:a14="http://schemas.microsoft.com/office/drawing/2010/main" val="0"/>
+              </a:ext>
+            </a:extLst>
+          </a:blip>
+          <a:stretch>
+            <a:fillRect/>
+          </a:stretch>
+        </p:blipFill>
+        <p:spPr>
+          <a:xfrm>
+            <a:off x="3464909" y="1984158"/>
+            <a:ext cx="5262182" cy="3577702"/>
+          </a:xfrm>
+          <a:prstGeom prst="rect">
+            <a:avLst/>
+          </a:prstGeom>
+        </p:spPr>
+      </p:pic>
+    </p:spTree>
+    <p:extLst>
+      <p:ext uri="{BB962C8B-B14F-4D97-AF65-F5344CB8AC3E}">
+        <p14:creationId xmlns:p14="http://schemas.microsoft.com/office/powerpoint/2010/main" val="2568600718"/>
+      </p:ext>
+    </p:extLst>
+  </p:cSld>
+  <p:clrMapOvr>
+    <a:masterClrMapping/>
+  </p:clrMapOvr>
+</p:sld>
+</file>
+
+<file path=ppt/slides/slide15.xml><?xml version="1.0" encoding="utf-8"?>
+<p:sld xmlns:a="http://schemas.openxmlformats.org/drawingml/2006/main" xmlns:r="http://schemas.openxmlformats.org/officeDocument/2006/relationships" xmlns:p="http://schemas.openxmlformats.org/presentationml/2006/main">
+  <p:cSld>
+    <p:spTree>
+      <p:nvGrpSpPr>
+        <p:cNvPr id="1" name=""/>
+        <p:cNvGrpSpPr/>
+        <p:nvPr/>
+      </p:nvGrpSpPr>
+      <p:grpSpPr>
+        <a:xfrm>
+          <a:off x="0" y="0"/>
+          <a:ext cx="0" cy="0"/>
+          <a:chOff x="0" y="0"/>
+          <a:chExt cx="0" cy="0"/>
+        </a:xfrm>
+      </p:grpSpPr>
+      <p:sp>
+        <p:nvSpPr>
+          <p:cNvPr id="169" name="PlaceHolder 1"/>
+          <p:cNvSpPr>
+            <a:spLocks noGrp="1"/>
+          </p:cNvSpPr>
+          <p:nvPr>
+            <p:ph type="title"/>
+          </p:nvPr>
+        </p:nvSpPr>
+        <p:spPr>
+          <a:xfrm>
+            <a:off x="160304" y="363295"/>
+            <a:ext cx="11731320" cy="630720"/>
+          </a:xfrm>
+          <a:prstGeom prst="rect">
+            <a:avLst/>
+          </a:prstGeom>
+          <a:noFill/>
+          <a:ln w="0">
+            <a:noFill/>
+          </a:ln>
+        </p:spPr>
+        <p:txBody>
+          <a:bodyPr anchor="t">
+            <a:noAutofit/>
+          </a:bodyPr>
+          <a:lstStyle/>
+          <a:p>
+            <a:pPr algn="ctr">
+              <a:lnSpc>
+                <a:spcPct val="90000"/>
+              </a:lnSpc>
+              <a:spcBef>
+                <a:spcPts val="1001"/>
+              </a:spcBef>
+              <a:buNone/>
+            </a:pPr>
+            <a:r>
+              <a:rPr lang="en-US" sz="3600" b="1" cap="all" spc="-1" dirty="0">
+                <a:solidFill>
+                  <a:srgbClr val="000000"/>
+                </a:solidFill>
+                <a:latin typeface="Speak Pro"/>
+              </a:rPr>
+              <a:t>Fight duration</a:t>
+            </a:r>
+            <a:endParaRPr lang="es-ES" sz="3600" b="0" strike="noStrike" spc="-1" dirty="0">
+              <a:solidFill>
+                <a:srgbClr val="000000"/>
+              </a:solidFill>
+              <a:latin typeface="Avenir Next LT Pro Light"/>
+            </a:endParaRPr>
+          </a:p>
+        </p:txBody>
+      </p:sp>
+      <p:pic>
+        <p:nvPicPr>
+          <p:cNvPr id="4" name="Imagen 3" descr="Gráfico, Gráfico de barras&#10;&#10;Descripción generada automáticamente">
+            <a:extLst>
+              <a:ext uri="{FF2B5EF4-FFF2-40B4-BE49-F238E27FC236}">
+                <a16:creationId xmlns:a16="http://schemas.microsoft.com/office/drawing/2014/main" id="{AFAE29E9-9883-D5E4-D4DB-8B154AC3E55C}"/>
+              </a:ext>
+            </a:extLst>
+          </p:cNvPr>
+          <p:cNvPicPr>
+            <a:picLocks noChangeAspect="1"/>
+          </p:cNvPicPr>
+          <p:nvPr/>
+        </p:nvPicPr>
+        <p:blipFill>
+          <a:blip r:embed="rId2" cstate="print">
+            <a:extLst>
+              <a:ext uri="{28A0092B-C50C-407E-A947-70E740481C1C}">
+                <a14:useLocalDpi xmlns:a14="http://schemas.microsoft.com/office/drawing/2010/main" val="0"/>
+              </a:ext>
+            </a:extLst>
+          </a:blip>
+          <a:stretch>
+            <a:fillRect/>
+          </a:stretch>
+        </p:blipFill>
+        <p:spPr>
+          <a:xfrm>
+            <a:off x="3295858" y="1802167"/>
+            <a:ext cx="5460211" cy="3730404"/>
+          </a:xfrm>
+          <a:prstGeom prst="rect">
+            <a:avLst/>
+          </a:prstGeom>
+        </p:spPr>
+      </p:pic>
+    </p:spTree>
+    <p:extLst>
+      <p:ext uri="{BB962C8B-B14F-4D97-AF65-F5344CB8AC3E}">
+        <p14:creationId xmlns:p14="http://schemas.microsoft.com/office/powerpoint/2010/main" val="727558718"/>
+      </p:ext>
+    </p:extLst>
+  </p:cSld>
+  <p:clrMapOvr>
+    <a:masterClrMapping/>
+  </p:clrMapOvr>
+</p:sld>
+</file>
+
+<file path=ppt/slides/slide16.xml><?xml version="1.0" encoding="utf-8"?>
+<p:sld xmlns:a="http://schemas.openxmlformats.org/drawingml/2006/main" xmlns:r="http://schemas.openxmlformats.org/officeDocument/2006/relationships" xmlns:p="http://schemas.openxmlformats.org/presentationml/2006/main">
+  <p:cSld>
+    <p:spTree>
+      <p:nvGrpSpPr>
+        <p:cNvPr id="1" name=""/>
+        <p:cNvGrpSpPr/>
+        <p:nvPr/>
+      </p:nvGrpSpPr>
+      <p:grpSpPr>
+        <a:xfrm>
+          <a:off x="0" y="0"/>
+          <a:ext cx="0" cy="0"/>
+          <a:chOff x="0" y="0"/>
+          <a:chExt cx="0" cy="0"/>
+        </a:xfrm>
+      </p:grpSpPr>
+      <p:sp>
+        <p:nvSpPr>
+          <p:cNvPr id="169" name="PlaceHolder 1"/>
+          <p:cNvSpPr>
+            <a:spLocks noGrp="1"/>
+          </p:cNvSpPr>
+          <p:nvPr>
+            <p:ph type="title"/>
+          </p:nvPr>
+        </p:nvSpPr>
+        <p:spPr>
+          <a:xfrm>
+            <a:off x="160304" y="363295"/>
+            <a:ext cx="11731320" cy="630720"/>
+          </a:xfrm>
+          <a:prstGeom prst="rect">
+            <a:avLst/>
+          </a:prstGeom>
+          <a:noFill/>
+          <a:ln w="0">
+            <a:noFill/>
+          </a:ln>
+        </p:spPr>
+        <p:txBody>
+          <a:bodyPr anchor="t">
+            <a:noAutofit/>
+          </a:bodyPr>
+          <a:lstStyle/>
+          <a:p>
+            <a:pPr algn="ctr">
+              <a:lnSpc>
+                <a:spcPct val="90000"/>
+              </a:lnSpc>
+              <a:spcBef>
+                <a:spcPts val="1001"/>
+              </a:spcBef>
+              <a:buNone/>
+            </a:pPr>
+            <a:r>
+              <a:rPr lang="en-US" sz="3600" b="1" cap="all" spc="-1" dirty="0">
+                <a:solidFill>
+                  <a:srgbClr val="000000"/>
+                </a:solidFill>
+                <a:latin typeface="Speak Pro"/>
+              </a:rPr>
+              <a:t>Finish type</a:t>
+            </a:r>
+            <a:endParaRPr lang="es-ES" sz="3600" b="0" strike="noStrike" spc="-1" dirty="0">
+              <a:solidFill>
+                <a:srgbClr val="000000"/>
+              </a:solidFill>
+              <a:latin typeface="Avenir Next LT Pro Light"/>
+            </a:endParaRPr>
+          </a:p>
+        </p:txBody>
+      </p:sp>
+      <p:pic>
+        <p:nvPicPr>
+          <p:cNvPr id="4" name="Imagen 3" descr="Gráfico, Histograma&#10;&#10;Descripción generada automáticamente">
+            <a:extLst>
+              <a:ext uri="{FF2B5EF4-FFF2-40B4-BE49-F238E27FC236}">
+                <a16:creationId xmlns:a16="http://schemas.microsoft.com/office/drawing/2014/main" id="{2BD67C15-9DC1-57F1-529C-28F4C84EBD81}"/>
+              </a:ext>
+            </a:extLst>
+          </p:cNvPr>
+          <p:cNvPicPr>
+            <a:picLocks noChangeAspect="1"/>
+          </p:cNvPicPr>
+          <p:nvPr/>
+        </p:nvPicPr>
+        <p:blipFill>
+          <a:blip r:embed="rId2" cstate="print">
+            <a:extLst>
+              <a:ext uri="{28A0092B-C50C-407E-A947-70E740481C1C}">
+                <a14:useLocalDpi xmlns:a14="http://schemas.microsoft.com/office/drawing/2010/main" val="0"/>
+              </a:ext>
+            </a:extLst>
+          </a:blip>
+          <a:stretch>
+            <a:fillRect/>
+          </a:stretch>
+        </p:blipFill>
+        <p:spPr>
+          <a:xfrm>
+            <a:off x="3718461" y="1660124"/>
+            <a:ext cx="4755077" cy="4182040"/>
+          </a:xfrm>
+          <a:prstGeom prst="rect">
+            <a:avLst/>
+          </a:prstGeom>
+        </p:spPr>
+      </p:pic>
+    </p:spTree>
+    <p:extLst>
+      <p:ext uri="{BB962C8B-B14F-4D97-AF65-F5344CB8AC3E}">
+        <p14:creationId xmlns:p14="http://schemas.microsoft.com/office/powerpoint/2010/main" val="2085281358"/>
+      </p:ext>
+    </p:extLst>
+  </p:cSld>
+  <p:clrMapOvr>
+    <a:masterClrMapping/>
+  </p:clrMapOvr>
+</p:sld>
+</file>
+
+<file path=ppt/slides/slide17.xml><?xml version="1.0" encoding="utf-8"?>
+<p:sld xmlns:a="http://schemas.openxmlformats.org/drawingml/2006/main" xmlns:r="http://schemas.openxmlformats.org/officeDocument/2006/relationships" xmlns:p="http://schemas.openxmlformats.org/presentationml/2006/main">
+  <p:cSld>
+    <p:spTree>
+      <p:nvGrpSpPr>
+        <p:cNvPr id="1" name=""/>
+        <p:cNvGrpSpPr/>
+        <p:nvPr/>
+      </p:nvGrpSpPr>
+      <p:grpSpPr>
+        <a:xfrm>
+          <a:off x="0" y="0"/>
+          <a:ext cx="0" cy="0"/>
+          <a:chOff x="0" y="0"/>
+          <a:chExt cx="0" cy="0"/>
+        </a:xfrm>
+      </p:grpSpPr>
+      <p:sp>
+        <p:nvSpPr>
+          <p:cNvPr id="169" name="PlaceHolder 1"/>
+          <p:cNvSpPr>
+            <a:spLocks noGrp="1"/>
+          </p:cNvSpPr>
+          <p:nvPr>
+            <p:ph type="title"/>
+          </p:nvPr>
+        </p:nvSpPr>
+        <p:spPr>
+          <a:xfrm>
+            <a:off x="160304" y="363295"/>
+            <a:ext cx="11731320" cy="630720"/>
+          </a:xfrm>
+          <a:prstGeom prst="rect">
+            <a:avLst/>
+          </a:prstGeom>
+          <a:noFill/>
+          <a:ln w="0">
+            <a:noFill/>
+          </a:ln>
+        </p:spPr>
+        <p:txBody>
+          <a:bodyPr anchor="t">
+            <a:noAutofit/>
+          </a:bodyPr>
+          <a:lstStyle/>
+          <a:p>
+            <a:pPr algn="ctr">
+              <a:lnSpc>
+                <a:spcPct val="90000"/>
+              </a:lnSpc>
+              <a:spcBef>
+                <a:spcPts val="1001"/>
+              </a:spcBef>
+              <a:buNone/>
+            </a:pPr>
+            <a:r>
+              <a:rPr lang="en-US" sz="3600" b="1" cap="all" spc="-1" dirty="0">
+                <a:solidFill>
+                  <a:srgbClr val="000000"/>
+                </a:solidFill>
+                <a:latin typeface="Speak Pro"/>
+              </a:rPr>
+              <a:t>Finish type</a:t>
+            </a:r>
+            <a:endParaRPr lang="es-ES" sz="3600" b="0" strike="noStrike" spc="-1" dirty="0">
+              <a:solidFill>
+                <a:srgbClr val="000000"/>
+              </a:solidFill>
+              <a:latin typeface="Avenir Next LT Pro Light"/>
+            </a:endParaRPr>
+          </a:p>
+        </p:txBody>
+      </p:sp>
+      <p:pic>
+        <p:nvPicPr>
+          <p:cNvPr id="3" name="Imagen 2" descr="Gráfico, Gráfico de cajas y bigotes&#10;&#10;Descripción generada automáticamente">
+            <a:extLst>
+              <a:ext uri="{FF2B5EF4-FFF2-40B4-BE49-F238E27FC236}">
+                <a16:creationId xmlns:a16="http://schemas.microsoft.com/office/drawing/2014/main" id="{64974604-C738-EC38-F109-65190617A139}"/>
+              </a:ext>
+            </a:extLst>
+          </p:cNvPr>
+          <p:cNvPicPr>
+            <a:picLocks noChangeAspect="1"/>
+          </p:cNvPicPr>
+          <p:nvPr/>
+        </p:nvPicPr>
+        <p:blipFill>
+          <a:blip r:embed="rId2">
+            <a:extLst>
+              <a:ext uri="{28A0092B-C50C-407E-A947-70E740481C1C}">
+                <a14:useLocalDpi xmlns:a14="http://schemas.microsoft.com/office/drawing/2010/main" val="0"/>
+              </a:ext>
+            </a:extLst>
+          </a:blip>
+          <a:stretch>
+            <a:fillRect/>
+          </a:stretch>
+        </p:blipFill>
+        <p:spPr>
+          <a:xfrm>
+            <a:off x="3548632" y="1501377"/>
+            <a:ext cx="5094735" cy="3855245"/>
+          </a:xfrm>
+          <a:prstGeom prst="rect">
+            <a:avLst/>
+          </a:prstGeom>
+        </p:spPr>
+      </p:pic>
+    </p:spTree>
+    <p:extLst>
+      <p:ext uri="{BB962C8B-B14F-4D97-AF65-F5344CB8AC3E}">
+        <p14:creationId xmlns:p14="http://schemas.microsoft.com/office/powerpoint/2010/main" val="150113524"/>
+      </p:ext>
+    </p:extLst>
+  </p:cSld>
+  <p:clrMapOvr>
+    <a:masterClrMapping/>
+  </p:clrMapOvr>
+</p:sld>
+</file>
+
+<file path=ppt/slides/slide18.xml><?xml version="1.0" encoding="utf-8"?>
+<p:sld xmlns:a="http://schemas.openxmlformats.org/drawingml/2006/main" xmlns:r="http://schemas.openxmlformats.org/officeDocument/2006/relationships" xmlns:p="http://schemas.openxmlformats.org/presentationml/2006/main">
+  <p:cSld>
+    <p:spTree>
+      <p:nvGrpSpPr>
+        <p:cNvPr id="1" name=""/>
+        <p:cNvGrpSpPr/>
+        <p:nvPr/>
+      </p:nvGrpSpPr>
+      <p:grpSpPr>
+        <a:xfrm>
+          <a:off x="0" y="0"/>
+          <a:ext cx="0" cy="0"/>
+          <a:chOff x="0" y="0"/>
+          <a:chExt cx="0" cy="0"/>
+        </a:xfrm>
+      </p:grpSpPr>
+      <p:sp>
+        <p:nvSpPr>
+          <p:cNvPr id="169" name="PlaceHolder 1"/>
+          <p:cNvSpPr>
+            <a:spLocks noGrp="1"/>
+          </p:cNvSpPr>
+          <p:nvPr>
+            <p:ph type="title"/>
+          </p:nvPr>
+        </p:nvSpPr>
+        <p:spPr>
+          <a:xfrm>
+            <a:off x="148680" y="3060000"/>
+            <a:ext cx="11731320" cy="630720"/>
+          </a:xfrm>
+          <a:prstGeom prst="rect">
+            <a:avLst/>
+          </a:prstGeom>
+          <a:noFill/>
+          <a:ln w="0">
+            <a:noFill/>
+          </a:ln>
+        </p:spPr>
+        <p:txBody>
+          <a:bodyPr anchor="t">
+            <a:noAutofit/>
+          </a:bodyPr>
+          <a:lstStyle/>
+          <a:p>
+            <a:pPr algn="ctr">
+              <a:lnSpc>
+                <a:spcPct val="90000"/>
+              </a:lnSpc>
+              <a:spcBef>
+                <a:spcPts val="1001"/>
+              </a:spcBef>
+              <a:buNone/>
+            </a:pPr>
+            <a:r>
+              <a:rPr lang="en-US" sz="3600" b="1" cap="all" spc="-1" dirty="0">
+                <a:solidFill>
+                  <a:srgbClr val="000000"/>
+                </a:solidFill>
+                <a:latin typeface="Speak Pro"/>
+              </a:rPr>
+              <a:t>Which columns were dropped?</a:t>
+            </a:r>
+            <a:endParaRPr lang="es-ES" sz="3600" b="0" strike="noStrike" spc="-1" dirty="0">
+              <a:solidFill>
+                <a:srgbClr val="000000"/>
+              </a:solidFill>
+              <a:latin typeface="Avenir Next LT Pro Light"/>
+            </a:endParaRPr>
+          </a:p>
+        </p:txBody>
+      </p:sp>
+    </p:spTree>
+    <p:extLst>
+      <p:ext uri="{BB962C8B-B14F-4D97-AF65-F5344CB8AC3E}">
+        <p14:creationId xmlns:p14="http://schemas.microsoft.com/office/powerpoint/2010/main" val="4287750046"/>
+      </p:ext>
+    </p:extLst>
+  </p:cSld>
+  <p:clrMapOvr>
+    <a:masterClrMapping/>
+  </p:clrMapOvr>
+</p:sld>
+</file>
+
+<file path=ppt/slides/slide19.xml><?xml version="1.0" encoding="utf-8"?>
+<p:sld xmlns:a="http://schemas.openxmlformats.org/drawingml/2006/main" xmlns:r="http://schemas.openxmlformats.org/officeDocument/2006/relationships" xmlns:p="http://schemas.openxmlformats.org/presentationml/2006/main">
+  <p:cSld>
+    <p:spTree>
+      <p:nvGrpSpPr>
+        <p:cNvPr id="1" name=""/>
+        <p:cNvGrpSpPr/>
+        <p:nvPr/>
+      </p:nvGrpSpPr>
+      <p:grpSpPr>
+        <a:xfrm>
+          <a:off x="0" y="0"/>
+          <a:ext cx="0" cy="0"/>
+          <a:chOff x="0" y="0"/>
+          <a:chExt cx="0" cy="0"/>
+        </a:xfrm>
+      </p:grpSpPr>
+      <p:sp>
+        <p:nvSpPr>
+          <p:cNvPr id="169" name="PlaceHolder 1"/>
+          <p:cNvSpPr>
+            <a:spLocks noGrp="1"/>
+          </p:cNvSpPr>
+          <p:nvPr>
+            <p:ph type="title"/>
+          </p:nvPr>
+        </p:nvSpPr>
+        <p:spPr>
+          <a:xfrm>
+            <a:off x="230340" y="440786"/>
+            <a:ext cx="11731320" cy="630720"/>
+          </a:xfrm>
+          <a:prstGeom prst="rect">
+            <a:avLst/>
+          </a:prstGeom>
+          <a:noFill/>
+          <a:ln w="0">
+            <a:noFill/>
+          </a:ln>
+        </p:spPr>
+        <p:txBody>
+          <a:bodyPr anchor="t">
+            <a:noAutofit/>
+          </a:bodyPr>
+          <a:lstStyle/>
+          <a:p>
+            <a:pPr algn="ctr">
+              <a:lnSpc>
+                <a:spcPct val="90000"/>
+              </a:lnSpc>
+              <a:spcBef>
+                <a:spcPts val="1001"/>
+              </a:spcBef>
+              <a:buNone/>
+            </a:pPr>
+            <a:r>
+              <a:rPr lang="en-US" sz="3600" b="1" strike="noStrike" cap="all" spc="-1" dirty="0">
+                <a:solidFill>
+                  <a:srgbClr val="000000"/>
+                </a:solidFill>
+                <a:latin typeface="Speak Pro"/>
+              </a:rPr>
+              <a:t>Constant columns</a:t>
+            </a:r>
+            <a:endParaRPr lang="es-ES" sz="3600" b="0" strike="noStrike" spc="-1" dirty="0">
+              <a:solidFill>
+                <a:srgbClr val="000000"/>
+              </a:solidFill>
+              <a:latin typeface="Avenir Next LT Pro Light"/>
+            </a:endParaRPr>
+          </a:p>
+        </p:txBody>
+      </p:sp>
+      <p:pic>
+        <p:nvPicPr>
+          <p:cNvPr id="3" name="Imagen 2">
+            <a:extLst>
+              <a:ext uri="{FF2B5EF4-FFF2-40B4-BE49-F238E27FC236}">
+                <a16:creationId xmlns:a16="http://schemas.microsoft.com/office/drawing/2014/main" id="{1ACB4B19-178E-4286-808D-36ACA95136C2}"/>
+              </a:ext>
+            </a:extLst>
+          </p:cNvPr>
+          <p:cNvPicPr>
+            <a:picLocks noChangeAspect="1"/>
+          </p:cNvPicPr>
+          <p:nvPr/>
+        </p:nvPicPr>
+        <p:blipFill>
+          <a:blip r:embed="rId2"/>
+          <a:stretch>
+            <a:fillRect/>
+          </a:stretch>
+        </p:blipFill>
+        <p:spPr>
+          <a:xfrm>
+            <a:off x="1117552" y="2061030"/>
+            <a:ext cx="9956896" cy="2735940"/>
+          </a:xfrm>
+          <a:prstGeom prst="rect">
+            <a:avLst/>
+          </a:prstGeom>
+        </p:spPr>
+      </p:pic>
+    </p:spTree>
+    <p:extLst>
+      <p:ext uri="{BB962C8B-B14F-4D97-AF65-F5344CB8AC3E}">
+        <p14:creationId xmlns:p14="http://schemas.microsoft.com/office/powerpoint/2010/main" val="1755208298"/>
+      </p:ext>
+    </p:extLst>
+  </p:cSld>
+  <p:clrMapOvr>
+    <a:masterClrMapping/>
+  </p:clrMapOvr>
+</p:sld>
+</file>
+
 <file path=ppt/slides/slide2.xml><?xml version="1.0" encoding="utf-8"?>
 <p:sld xmlns:a="http://schemas.openxmlformats.org/drawingml/2006/main" xmlns:r="http://schemas.openxmlformats.org/officeDocument/2006/relationships" xmlns:p="http://schemas.openxmlformats.org/presentationml/2006/main">
   <p:cSld>
@@ -9800,6 +11079,1154 @@
         </p:spPr>
       </p:pic>
     </p:spTree>
+  </p:cSld>
+  <p:clrMapOvr>
+    <a:masterClrMapping/>
+  </p:clrMapOvr>
+</p:sld>
+</file>
+
+<file path=ppt/slides/slide20.xml><?xml version="1.0" encoding="utf-8"?>
+<p:sld xmlns:a="http://schemas.openxmlformats.org/drawingml/2006/main" xmlns:r="http://schemas.openxmlformats.org/officeDocument/2006/relationships" xmlns:p="http://schemas.openxmlformats.org/presentationml/2006/main">
+  <p:cSld>
+    <p:spTree>
+      <p:nvGrpSpPr>
+        <p:cNvPr id="1" name=""/>
+        <p:cNvGrpSpPr/>
+        <p:nvPr/>
+      </p:nvGrpSpPr>
+      <p:grpSpPr>
+        <a:xfrm>
+          <a:off x="0" y="0"/>
+          <a:ext cx="0" cy="0"/>
+          <a:chOff x="0" y="0"/>
+          <a:chExt cx="0" cy="0"/>
+        </a:xfrm>
+      </p:grpSpPr>
+      <p:sp>
+        <p:nvSpPr>
+          <p:cNvPr id="169" name="PlaceHolder 1"/>
+          <p:cNvSpPr>
+            <a:spLocks noGrp="1"/>
+          </p:cNvSpPr>
+          <p:nvPr>
+            <p:ph type="title"/>
+          </p:nvPr>
+        </p:nvSpPr>
+        <p:spPr>
+          <a:xfrm>
+            <a:off x="230340" y="440786"/>
+            <a:ext cx="11731320" cy="733212"/>
+          </a:xfrm>
+          <a:prstGeom prst="rect">
+            <a:avLst/>
+          </a:prstGeom>
+          <a:noFill/>
+          <a:ln w="0">
+            <a:noFill/>
+          </a:ln>
+        </p:spPr>
+        <p:txBody>
+          <a:bodyPr anchor="t">
+            <a:noAutofit/>
+          </a:bodyPr>
+          <a:lstStyle/>
+          <a:p>
+            <a:pPr algn="ctr">
+              <a:lnSpc>
+                <a:spcPct val="90000"/>
+              </a:lnSpc>
+              <a:spcBef>
+                <a:spcPts val="1001"/>
+              </a:spcBef>
+              <a:buNone/>
+            </a:pPr>
+            <a:r>
+              <a:rPr lang="en-US" sz="3600" b="1" cap="all" spc="-1" dirty="0">
+                <a:solidFill>
+                  <a:srgbClr val="000000"/>
+                </a:solidFill>
+                <a:latin typeface="Speak Pro"/>
+              </a:rPr>
+              <a:t>columns represented by other columns</a:t>
+            </a:r>
+            <a:endParaRPr lang="es-ES" sz="3600" b="0" strike="noStrike" spc="-1" dirty="0">
+              <a:solidFill>
+                <a:srgbClr val="000000"/>
+              </a:solidFill>
+              <a:latin typeface="Avenir Next LT Pro Light"/>
+            </a:endParaRPr>
+          </a:p>
+        </p:txBody>
+      </p:sp>
+      <p:pic>
+        <p:nvPicPr>
+          <p:cNvPr id="4" name="Imagen 3">
+            <a:extLst>
+              <a:ext uri="{FF2B5EF4-FFF2-40B4-BE49-F238E27FC236}">
+                <a16:creationId xmlns:a16="http://schemas.microsoft.com/office/drawing/2014/main" id="{A1003A0B-35A9-9121-5BCF-0E80C58E4109}"/>
+              </a:ext>
+            </a:extLst>
+          </p:cNvPr>
+          <p:cNvPicPr>
+            <a:picLocks noChangeAspect="1"/>
+          </p:cNvPicPr>
+          <p:nvPr/>
+        </p:nvPicPr>
+        <p:blipFill>
+          <a:blip r:embed="rId2"/>
+          <a:stretch>
+            <a:fillRect/>
+          </a:stretch>
+        </p:blipFill>
+        <p:spPr>
+          <a:xfrm>
+            <a:off x="1566170" y="2166151"/>
+            <a:ext cx="9138820" cy="2712983"/>
+          </a:xfrm>
+          <a:prstGeom prst="rect">
+            <a:avLst/>
+          </a:prstGeom>
+        </p:spPr>
+      </p:pic>
+    </p:spTree>
+    <p:extLst>
+      <p:ext uri="{BB962C8B-B14F-4D97-AF65-F5344CB8AC3E}">
+        <p14:creationId xmlns:p14="http://schemas.microsoft.com/office/powerpoint/2010/main" val="2165762503"/>
+      </p:ext>
+    </p:extLst>
+  </p:cSld>
+  <p:clrMapOvr>
+    <a:masterClrMapping/>
+  </p:clrMapOvr>
+</p:sld>
+</file>
+
+<file path=ppt/slides/slide21.xml><?xml version="1.0" encoding="utf-8"?>
+<p:sld xmlns:a="http://schemas.openxmlformats.org/drawingml/2006/main" xmlns:r="http://schemas.openxmlformats.org/officeDocument/2006/relationships" xmlns:p="http://schemas.openxmlformats.org/presentationml/2006/main">
+  <p:cSld>
+    <p:spTree>
+      <p:nvGrpSpPr>
+        <p:cNvPr id="1" name=""/>
+        <p:cNvGrpSpPr/>
+        <p:nvPr/>
+      </p:nvGrpSpPr>
+      <p:grpSpPr>
+        <a:xfrm>
+          <a:off x="0" y="0"/>
+          <a:ext cx="0" cy="0"/>
+          <a:chOff x="0" y="0"/>
+          <a:chExt cx="0" cy="0"/>
+        </a:xfrm>
+      </p:grpSpPr>
+      <p:sp>
+        <p:nvSpPr>
+          <p:cNvPr id="169" name="PlaceHolder 1"/>
+          <p:cNvSpPr>
+            <a:spLocks noGrp="1"/>
+          </p:cNvSpPr>
+          <p:nvPr>
+            <p:ph type="title"/>
+          </p:nvPr>
+        </p:nvSpPr>
+        <p:spPr>
+          <a:xfrm>
+            <a:off x="230340" y="440786"/>
+            <a:ext cx="11731320" cy="733212"/>
+          </a:xfrm>
+          <a:prstGeom prst="rect">
+            <a:avLst/>
+          </a:prstGeom>
+          <a:noFill/>
+          <a:ln w="0">
+            <a:noFill/>
+          </a:ln>
+        </p:spPr>
+        <p:txBody>
+          <a:bodyPr anchor="t">
+            <a:noAutofit/>
+          </a:bodyPr>
+          <a:lstStyle/>
+          <a:p>
+            <a:pPr algn="ctr">
+              <a:lnSpc>
+                <a:spcPct val="90000"/>
+              </a:lnSpc>
+              <a:spcBef>
+                <a:spcPts val="1001"/>
+              </a:spcBef>
+              <a:buNone/>
+            </a:pPr>
+            <a:r>
+              <a:rPr lang="en-US" sz="3600" b="1" strike="noStrike" cap="all" spc="-1" dirty="0">
+                <a:solidFill>
+                  <a:srgbClr val="000000"/>
+                </a:solidFill>
+                <a:latin typeface="Speak Pro"/>
+              </a:rPr>
+              <a:t>Data that can only be known after the </a:t>
+            </a:r>
+            <a:r>
+              <a:rPr lang="en-US" sz="3600" b="1" cap="all" spc="-1" dirty="0">
+                <a:solidFill>
+                  <a:srgbClr val="000000"/>
+                </a:solidFill>
+                <a:latin typeface="Speak Pro"/>
+              </a:rPr>
+              <a:t>fight</a:t>
+            </a:r>
+            <a:endParaRPr lang="es-ES" sz="3600" b="0" strike="noStrike" spc="-1" dirty="0">
+              <a:solidFill>
+                <a:srgbClr val="000000"/>
+              </a:solidFill>
+              <a:latin typeface="Avenir Next LT Pro Light"/>
+            </a:endParaRPr>
+          </a:p>
+        </p:txBody>
+      </p:sp>
+      <p:pic>
+        <p:nvPicPr>
+          <p:cNvPr id="3" name="Imagen 2">
+            <a:extLst>
+              <a:ext uri="{FF2B5EF4-FFF2-40B4-BE49-F238E27FC236}">
+                <a16:creationId xmlns:a16="http://schemas.microsoft.com/office/drawing/2014/main" id="{7D85FF40-63B7-703D-44E5-C4B913C36B36}"/>
+              </a:ext>
+            </a:extLst>
+          </p:cNvPr>
+          <p:cNvPicPr>
+            <a:picLocks noChangeAspect="1"/>
+          </p:cNvPicPr>
+          <p:nvPr/>
+        </p:nvPicPr>
+        <p:blipFill>
+          <a:blip r:embed="rId2"/>
+          <a:stretch>
+            <a:fillRect/>
+          </a:stretch>
+        </p:blipFill>
+        <p:spPr>
+          <a:xfrm>
+            <a:off x="1641035" y="2027016"/>
+            <a:ext cx="8909930" cy="2803967"/>
+          </a:xfrm>
+          <a:prstGeom prst="rect">
+            <a:avLst/>
+          </a:prstGeom>
+        </p:spPr>
+      </p:pic>
+    </p:spTree>
+    <p:extLst>
+      <p:ext uri="{BB962C8B-B14F-4D97-AF65-F5344CB8AC3E}">
+        <p14:creationId xmlns:p14="http://schemas.microsoft.com/office/powerpoint/2010/main" val="3741293230"/>
+      </p:ext>
+    </p:extLst>
+  </p:cSld>
+  <p:clrMapOvr>
+    <a:masterClrMapping/>
+  </p:clrMapOvr>
+</p:sld>
+</file>
+
+<file path=ppt/slides/slide22.xml><?xml version="1.0" encoding="utf-8"?>
+<p:sld xmlns:a="http://schemas.openxmlformats.org/drawingml/2006/main" xmlns:r="http://schemas.openxmlformats.org/officeDocument/2006/relationships" xmlns:p="http://schemas.openxmlformats.org/presentationml/2006/main">
+  <p:cSld>
+    <p:spTree>
+      <p:nvGrpSpPr>
+        <p:cNvPr id="1" name=""/>
+        <p:cNvGrpSpPr/>
+        <p:nvPr/>
+      </p:nvGrpSpPr>
+      <p:grpSpPr>
+        <a:xfrm>
+          <a:off x="0" y="0"/>
+          <a:ext cx="0" cy="0"/>
+          <a:chOff x="0" y="0"/>
+          <a:chExt cx="0" cy="0"/>
+        </a:xfrm>
+      </p:grpSpPr>
+      <p:sp>
+        <p:nvSpPr>
+          <p:cNvPr id="169" name="PlaceHolder 1"/>
+          <p:cNvSpPr>
+            <a:spLocks noGrp="1"/>
+          </p:cNvSpPr>
+          <p:nvPr>
+            <p:ph type="title"/>
+          </p:nvPr>
+        </p:nvSpPr>
+        <p:spPr>
+          <a:xfrm>
+            <a:off x="230340" y="440786"/>
+            <a:ext cx="11731320" cy="733212"/>
+          </a:xfrm>
+          <a:prstGeom prst="rect">
+            <a:avLst/>
+          </a:prstGeom>
+          <a:noFill/>
+          <a:ln w="0">
+            <a:noFill/>
+          </a:ln>
+        </p:spPr>
+        <p:txBody>
+          <a:bodyPr anchor="t">
+            <a:noAutofit/>
+          </a:bodyPr>
+          <a:lstStyle/>
+          <a:p>
+            <a:pPr algn="ctr">
+              <a:lnSpc>
+                <a:spcPct val="90000"/>
+              </a:lnSpc>
+              <a:spcBef>
+                <a:spcPts val="1001"/>
+              </a:spcBef>
+              <a:buNone/>
+            </a:pPr>
+            <a:r>
+              <a:rPr lang="en-US" sz="3600" b="1" cap="all" spc="-1" dirty="0">
+                <a:solidFill>
+                  <a:srgbClr val="000000"/>
+                </a:solidFill>
+                <a:latin typeface="Speak Pro"/>
+              </a:rPr>
+              <a:t>Hard-to-code categorical data</a:t>
+            </a:r>
+            <a:endParaRPr lang="es-ES" sz="3600" b="0" strike="noStrike" spc="-1" dirty="0">
+              <a:solidFill>
+                <a:srgbClr val="000000"/>
+              </a:solidFill>
+              <a:latin typeface="Avenir Next LT Pro Light"/>
+            </a:endParaRPr>
+          </a:p>
+        </p:txBody>
+      </p:sp>
+      <p:pic>
+        <p:nvPicPr>
+          <p:cNvPr id="4" name="Imagen 3">
+            <a:extLst>
+              <a:ext uri="{FF2B5EF4-FFF2-40B4-BE49-F238E27FC236}">
+                <a16:creationId xmlns:a16="http://schemas.microsoft.com/office/drawing/2014/main" id="{424AC0B6-3B0E-D4D9-EB3E-A65A46CFF497}"/>
+              </a:ext>
+            </a:extLst>
+          </p:cNvPr>
+          <p:cNvPicPr>
+            <a:picLocks noChangeAspect="1"/>
+          </p:cNvPicPr>
+          <p:nvPr/>
+        </p:nvPicPr>
+        <p:blipFill>
+          <a:blip r:embed="rId2"/>
+          <a:stretch>
+            <a:fillRect/>
+          </a:stretch>
+        </p:blipFill>
+        <p:spPr>
+          <a:xfrm>
+            <a:off x="2807078" y="1611365"/>
+            <a:ext cx="6577844" cy="3635270"/>
+          </a:xfrm>
+          <a:prstGeom prst="rect">
+            <a:avLst/>
+          </a:prstGeom>
+        </p:spPr>
+      </p:pic>
+    </p:spTree>
+    <p:extLst>
+      <p:ext uri="{BB962C8B-B14F-4D97-AF65-F5344CB8AC3E}">
+        <p14:creationId xmlns:p14="http://schemas.microsoft.com/office/powerpoint/2010/main" val="1329119663"/>
+      </p:ext>
+    </p:extLst>
+  </p:cSld>
+  <p:clrMapOvr>
+    <a:masterClrMapping/>
+  </p:clrMapOvr>
+</p:sld>
+</file>
+
+<file path=ppt/slides/slide23.xml><?xml version="1.0" encoding="utf-8"?>
+<p:sld xmlns:a="http://schemas.openxmlformats.org/drawingml/2006/main" xmlns:r="http://schemas.openxmlformats.org/officeDocument/2006/relationships" xmlns:p="http://schemas.openxmlformats.org/presentationml/2006/main">
+  <p:cSld>
+    <p:spTree>
+      <p:nvGrpSpPr>
+        <p:cNvPr id="1" name=""/>
+        <p:cNvGrpSpPr/>
+        <p:nvPr/>
+      </p:nvGrpSpPr>
+      <p:grpSpPr>
+        <a:xfrm>
+          <a:off x="0" y="0"/>
+          <a:ext cx="0" cy="0"/>
+          <a:chOff x="0" y="0"/>
+          <a:chExt cx="0" cy="0"/>
+        </a:xfrm>
+      </p:grpSpPr>
+      <p:sp>
+        <p:nvSpPr>
+          <p:cNvPr id="169" name="PlaceHolder 1"/>
+          <p:cNvSpPr>
+            <a:spLocks noGrp="1"/>
+          </p:cNvSpPr>
+          <p:nvPr>
+            <p:ph type="title"/>
+          </p:nvPr>
+        </p:nvSpPr>
+        <p:spPr>
+          <a:xfrm>
+            <a:off x="230340" y="440786"/>
+            <a:ext cx="11731320" cy="733212"/>
+          </a:xfrm>
+          <a:prstGeom prst="rect">
+            <a:avLst/>
+          </a:prstGeom>
+          <a:noFill/>
+          <a:ln w="0">
+            <a:noFill/>
+          </a:ln>
+        </p:spPr>
+        <p:txBody>
+          <a:bodyPr anchor="t">
+            <a:noAutofit/>
+          </a:bodyPr>
+          <a:lstStyle/>
+          <a:p>
+            <a:pPr algn="ctr">
+              <a:lnSpc>
+                <a:spcPct val="90000"/>
+              </a:lnSpc>
+              <a:spcBef>
+                <a:spcPts val="1001"/>
+              </a:spcBef>
+              <a:buNone/>
+            </a:pPr>
+            <a:r>
+              <a:rPr lang="en-US" sz="3600" b="1" strike="noStrike" cap="all" spc="-1" dirty="0">
+                <a:solidFill>
+                  <a:srgbClr val="000000"/>
+                </a:solidFill>
+                <a:latin typeface="Speak Pro"/>
+              </a:rPr>
+              <a:t>Draw data</a:t>
+            </a:r>
+            <a:endParaRPr lang="es-ES" sz="3600" b="0" strike="noStrike" spc="-1" dirty="0">
+              <a:solidFill>
+                <a:srgbClr val="000000"/>
+              </a:solidFill>
+              <a:latin typeface="Avenir Next LT Pro Light"/>
+            </a:endParaRPr>
+          </a:p>
+        </p:txBody>
+      </p:sp>
+      <p:pic>
+        <p:nvPicPr>
+          <p:cNvPr id="3" name="Imagen 2">
+            <a:extLst>
+              <a:ext uri="{FF2B5EF4-FFF2-40B4-BE49-F238E27FC236}">
+                <a16:creationId xmlns:a16="http://schemas.microsoft.com/office/drawing/2014/main" id="{BB6FCB98-DC40-A0D1-F41F-CC181F23FBD8}"/>
+              </a:ext>
+            </a:extLst>
+          </p:cNvPr>
+          <p:cNvPicPr>
+            <a:picLocks noChangeAspect="1"/>
+          </p:cNvPicPr>
+          <p:nvPr/>
+        </p:nvPicPr>
+        <p:blipFill>
+          <a:blip r:embed="rId2"/>
+          <a:stretch>
+            <a:fillRect/>
+          </a:stretch>
+        </p:blipFill>
+        <p:spPr>
+          <a:xfrm>
+            <a:off x="2900012" y="1560576"/>
+            <a:ext cx="6391975" cy="3736847"/>
+          </a:xfrm>
+          <a:prstGeom prst="rect">
+            <a:avLst/>
+          </a:prstGeom>
+        </p:spPr>
+      </p:pic>
+    </p:spTree>
+    <p:extLst>
+      <p:ext uri="{BB962C8B-B14F-4D97-AF65-F5344CB8AC3E}">
+        <p14:creationId xmlns:p14="http://schemas.microsoft.com/office/powerpoint/2010/main" val="4232780712"/>
+      </p:ext>
+    </p:extLst>
+  </p:cSld>
+  <p:clrMapOvr>
+    <a:masterClrMapping/>
+  </p:clrMapOvr>
+</p:sld>
+</file>
+
+<file path=ppt/slides/slide24.xml><?xml version="1.0" encoding="utf-8"?>
+<p:sld xmlns:a="http://schemas.openxmlformats.org/drawingml/2006/main" xmlns:r="http://schemas.openxmlformats.org/officeDocument/2006/relationships" xmlns:p="http://schemas.openxmlformats.org/presentationml/2006/main">
+  <p:cSld>
+    <p:spTree>
+      <p:nvGrpSpPr>
+        <p:cNvPr id="1" name=""/>
+        <p:cNvGrpSpPr/>
+        <p:nvPr/>
+      </p:nvGrpSpPr>
+      <p:grpSpPr>
+        <a:xfrm>
+          <a:off x="0" y="0"/>
+          <a:ext cx="0" cy="0"/>
+          <a:chOff x="0" y="0"/>
+          <a:chExt cx="0" cy="0"/>
+        </a:xfrm>
+      </p:grpSpPr>
+      <p:sp>
+        <p:nvSpPr>
+          <p:cNvPr id="169" name="PlaceHolder 1"/>
+          <p:cNvSpPr>
+            <a:spLocks noGrp="1"/>
+          </p:cNvSpPr>
+          <p:nvPr>
+            <p:ph type="title"/>
+          </p:nvPr>
+        </p:nvSpPr>
+        <p:spPr>
+          <a:xfrm>
+            <a:off x="230340" y="440786"/>
+            <a:ext cx="11731320" cy="733212"/>
+          </a:xfrm>
+          <a:prstGeom prst="rect">
+            <a:avLst/>
+          </a:prstGeom>
+          <a:noFill/>
+          <a:ln w="0">
+            <a:noFill/>
+          </a:ln>
+        </p:spPr>
+        <p:txBody>
+          <a:bodyPr anchor="t">
+            <a:noAutofit/>
+          </a:bodyPr>
+          <a:lstStyle/>
+          <a:p>
+            <a:pPr algn="ctr">
+              <a:lnSpc>
+                <a:spcPct val="90000"/>
+              </a:lnSpc>
+              <a:spcBef>
+                <a:spcPts val="1001"/>
+              </a:spcBef>
+              <a:buNone/>
+            </a:pPr>
+            <a:r>
+              <a:rPr lang="en-US" sz="3600" b="1" cap="all" spc="-1" dirty="0">
+                <a:solidFill>
+                  <a:srgbClr val="000000"/>
+                </a:solidFill>
+                <a:latin typeface="Speak Pro"/>
+              </a:rPr>
+              <a:t>Duplicate features</a:t>
+            </a:r>
+            <a:endParaRPr lang="es-ES" sz="3600" b="0" strike="noStrike" spc="-1" dirty="0">
+              <a:solidFill>
+                <a:srgbClr val="000000"/>
+              </a:solidFill>
+              <a:latin typeface="Avenir Next LT Pro Light"/>
+            </a:endParaRPr>
+          </a:p>
+        </p:txBody>
+      </p:sp>
+      <p:pic>
+        <p:nvPicPr>
+          <p:cNvPr id="4" name="Imagen 3">
+            <a:extLst>
+              <a:ext uri="{FF2B5EF4-FFF2-40B4-BE49-F238E27FC236}">
+                <a16:creationId xmlns:a16="http://schemas.microsoft.com/office/drawing/2014/main" id="{E7D1FC7B-E3E8-5FFD-B6EB-C1E2C6E18D03}"/>
+              </a:ext>
+            </a:extLst>
+          </p:cNvPr>
+          <p:cNvPicPr>
+            <a:picLocks noChangeAspect="1"/>
+          </p:cNvPicPr>
+          <p:nvPr/>
+        </p:nvPicPr>
+        <p:blipFill>
+          <a:blip r:embed="rId2"/>
+          <a:stretch>
+            <a:fillRect/>
+          </a:stretch>
+        </p:blipFill>
+        <p:spPr>
+          <a:xfrm>
+            <a:off x="2222809" y="2177711"/>
+            <a:ext cx="7746382" cy="2502578"/>
+          </a:xfrm>
+          <a:prstGeom prst="rect">
+            <a:avLst/>
+          </a:prstGeom>
+        </p:spPr>
+      </p:pic>
+    </p:spTree>
+    <p:extLst>
+      <p:ext uri="{BB962C8B-B14F-4D97-AF65-F5344CB8AC3E}">
+        <p14:creationId xmlns:p14="http://schemas.microsoft.com/office/powerpoint/2010/main" val="1217976197"/>
+      </p:ext>
+    </p:extLst>
+  </p:cSld>
+  <p:clrMapOvr>
+    <a:masterClrMapping/>
+  </p:clrMapOvr>
+</p:sld>
+</file>
+
+<file path=ppt/slides/slide25.xml><?xml version="1.0" encoding="utf-8"?>
+<p:sld xmlns:a="http://schemas.openxmlformats.org/drawingml/2006/main" xmlns:r="http://schemas.openxmlformats.org/officeDocument/2006/relationships" xmlns:p="http://schemas.openxmlformats.org/presentationml/2006/main">
+  <p:cSld>
+    <p:spTree>
+      <p:nvGrpSpPr>
+        <p:cNvPr id="1" name=""/>
+        <p:cNvGrpSpPr/>
+        <p:nvPr/>
+      </p:nvGrpSpPr>
+      <p:grpSpPr>
+        <a:xfrm>
+          <a:off x="0" y="0"/>
+          <a:ext cx="0" cy="0"/>
+          <a:chOff x="0" y="0"/>
+          <a:chExt cx="0" cy="0"/>
+        </a:xfrm>
+      </p:grpSpPr>
+      <p:sp>
+        <p:nvSpPr>
+          <p:cNvPr id="169" name="PlaceHolder 1"/>
+          <p:cNvSpPr>
+            <a:spLocks noGrp="1"/>
+          </p:cNvSpPr>
+          <p:nvPr>
+            <p:ph type="title"/>
+          </p:nvPr>
+        </p:nvSpPr>
+        <p:spPr>
+          <a:xfrm>
+            <a:off x="230340" y="440786"/>
+            <a:ext cx="11731320" cy="733212"/>
+          </a:xfrm>
+          <a:prstGeom prst="rect">
+            <a:avLst/>
+          </a:prstGeom>
+          <a:noFill/>
+          <a:ln w="0">
+            <a:noFill/>
+          </a:ln>
+        </p:spPr>
+        <p:txBody>
+          <a:bodyPr anchor="t">
+            <a:noAutofit/>
+          </a:bodyPr>
+          <a:lstStyle/>
+          <a:p>
+            <a:pPr algn="ctr">
+              <a:lnSpc>
+                <a:spcPct val="90000"/>
+              </a:lnSpc>
+              <a:spcBef>
+                <a:spcPts val="1001"/>
+              </a:spcBef>
+              <a:buNone/>
+            </a:pPr>
+            <a:r>
+              <a:rPr lang="en-US" sz="3600" b="1" cap="all" spc="-1" dirty="0">
+                <a:solidFill>
+                  <a:srgbClr val="000000"/>
+                </a:solidFill>
+                <a:latin typeface="Speak Pro"/>
+              </a:rPr>
+              <a:t>Duplicate samples</a:t>
+            </a:r>
+            <a:endParaRPr lang="es-ES" sz="3600" b="0" strike="noStrike" spc="-1" dirty="0">
+              <a:solidFill>
+                <a:srgbClr val="000000"/>
+              </a:solidFill>
+              <a:latin typeface="Avenir Next LT Pro Light"/>
+            </a:endParaRPr>
+          </a:p>
+        </p:txBody>
+      </p:sp>
+      <p:pic>
+        <p:nvPicPr>
+          <p:cNvPr id="3" name="Imagen 2">
+            <a:extLst>
+              <a:ext uri="{FF2B5EF4-FFF2-40B4-BE49-F238E27FC236}">
+                <a16:creationId xmlns:a16="http://schemas.microsoft.com/office/drawing/2014/main" id="{FBA9EC57-789A-5332-50F8-6DAD57D79EBD}"/>
+              </a:ext>
+            </a:extLst>
+          </p:cNvPr>
+          <p:cNvPicPr>
+            <a:picLocks noChangeAspect="1"/>
+          </p:cNvPicPr>
+          <p:nvPr/>
+        </p:nvPicPr>
+        <p:blipFill>
+          <a:blip r:embed="rId2"/>
+          <a:stretch>
+            <a:fillRect/>
+          </a:stretch>
+        </p:blipFill>
+        <p:spPr>
+          <a:xfrm>
+            <a:off x="2108495" y="2009012"/>
+            <a:ext cx="7975009" cy="2839975"/>
+          </a:xfrm>
+          <a:prstGeom prst="rect">
+            <a:avLst/>
+          </a:prstGeom>
+        </p:spPr>
+      </p:pic>
+    </p:spTree>
+    <p:extLst>
+      <p:ext uri="{BB962C8B-B14F-4D97-AF65-F5344CB8AC3E}">
+        <p14:creationId xmlns:p14="http://schemas.microsoft.com/office/powerpoint/2010/main" val="4285333388"/>
+      </p:ext>
+    </p:extLst>
+  </p:cSld>
+  <p:clrMapOvr>
+    <a:masterClrMapping/>
+  </p:clrMapOvr>
+</p:sld>
+</file>
+
+<file path=ppt/slides/slide26.xml><?xml version="1.0" encoding="utf-8"?>
+<p:sld xmlns:a="http://schemas.openxmlformats.org/drawingml/2006/main" xmlns:r="http://schemas.openxmlformats.org/officeDocument/2006/relationships" xmlns:p="http://schemas.openxmlformats.org/presentationml/2006/main">
+  <p:cSld>
+    <p:spTree>
+      <p:nvGrpSpPr>
+        <p:cNvPr id="1" name=""/>
+        <p:cNvGrpSpPr/>
+        <p:nvPr/>
+      </p:nvGrpSpPr>
+      <p:grpSpPr>
+        <a:xfrm>
+          <a:off x="0" y="0"/>
+          <a:ext cx="0" cy="0"/>
+          <a:chOff x="0" y="0"/>
+          <a:chExt cx="0" cy="0"/>
+        </a:xfrm>
+      </p:grpSpPr>
+      <p:sp>
+        <p:nvSpPr>
+          <p:cNvPr id="169" name="PlaceHolder 1"/>
+          <p:cNvSpPr>
+            <a:spLocks noGrp="1"/>
+          </p:cNvSpPr>
+          <p:nvPr>
+            <p:ph type="title"/>
+          </p:nvPr>
+        </p:nvSpPr>
+        <p:spPr>
+          <a:xfrm>
+            <a:off x="148680" y="3060000"/>
+            <a:ext cx="11731320" cy="630720"/>
+          </a:xfrm>
+          <a:prstGeom prst="rect">
+            <a:avLst/>
+          </a:prstGeom>
+          <a:noFill/>
+          <a:ln w="0">
+            <a:noFill/>
+          </a:ln>
+        </p:spPr>
+        <p:txBody>
+          <a:bodyPr anchor="t">
+            <a:noAutofit/>
+          </a:bodyPr>
+          <a:lstStyle/>
+          <a:p>
+            <a:pPr algn="ctr">
+              <a:lnSpc>
+                <a:spcPct val="90000"/>
+              </a:lnSpc>
+              <a:spcBef>
+                <a:spcPts val="1001"/>
+              </a:spcBef>
+              <a:buNone/>
+            </a:pPr>
+            <a:r>
+              <a:rPr lang="en-US" sz="3600" b="1" strike="noStrike" cap="all" spc="-1" dirty="0">
+                <a:solidFill>
+                  <a:srgbClr val="000000"/>
+                </a:solidFill>
+                <a:latin typeface="Speak Pro"/>
+              </a:rPr>
+              <a:t>tr</a:t>
+            </a:r>
+            <a:r>
+              <a:rPr lang="en-US" sz="3600" b="1" cap="all" spc="-1" dirty="0">
+                <a:solidFill>
+                  <a:srgbClr val="000000"/>
+                </a:solidFill>
+                <a:latin typeface="Speak Pro"/>
+              </a:rPr>
+              <a:t>ansformations</a:t>
+            </a:r>
+            <a:endParaRPr lang="es-ES" sz="3600" b="0" strike="noStrike" spc="-1" dirty="0">
+              <a:solidFill>
+                <a:srgbClr val="000000"/>
+              </a:solidFill>
+              <a:latin typeface="Avenir Next LT Pro Light"/>
+            </a:endParaRPr>
+          </a:p>
+        </p:txBody>
+      </p:sp>
+    </p:spTree>
+    <p:extLst>
+      <p:ext uri="{BB962C8B-B14F-4D97-AF65-F5344CB8AC3E}">
+        <p14:creationId xmlns:p14="http://schemas.microsoft.com/office/powerpoint/2010/main" val="3279660879"/>
+      </p:ext>
+    </p:extLst>
+  </p:cSld>
+  <p:clrMapOvr>
+    <a:masterClrMapping/>
+  </p:clrMapOvr>
+</p:sld>
+</file>
+
+<file path=ppt/slides/slide27.xml><?xml version="1.0" encoding="utf-8"?>
+<p:sld xmlns:a="http://schemas.openxmlformats.org/drawingml/2006/main" xmlns:r="http://schemas.openxmlformats.org/officeDocument/2006/relationships" xmlns:p="http://schemas.openxmlformats.org/presentationml/2006/main">
+  <p:cSld>
+    <p:spTree>
+      <p:nvGrpSpPr>
+        <p:cNvPr id="1" name=""/>
+        <p:cNvGrpSpPr/>
+        <p:nvPr/>
+      </p:nvGrpSpPr>
+      <p:grpSpPr>
+        <a:xfrm>
+          <a:off x="0" y="0"/>
+          <a:ext cx="0" cy="0"/>
+          <a:chOff x="0" y="0"/>
+          <a:chExt cx="0" cy="0"/>
+        </a:xfrm>
+      </p:grpSpPr>
+      <p:sp>
+        <p:nvSpPr>
+          <p:cNvPr id="169" name="PlaceHolder 1"/>
+          <p:cNvSpPr>
+            <a:spLocks noGrp="1"/>
+          </p:cNvSpPr>
+          <p:nvPr>
+            <p:ph type="title"/>
+          </p:nvPr>
+        </p:nvSpPr>
+        <p:spPr>
+          <a:xfrm>
+            <a:off x="230340" y="440786"/>
+            <a:ext cx="11731320" cy="733212"/>
+          </a:xfrm>
+          <a:prstGeom prst="rect">
+            <a:avLst/>
+          </a:prstGeom>
+          <a:noFill/>
+          <a:ln w="0">
+            <a:noFill/>
+          </a:ln>
+        </p:spPr>
+        <p:txBody>
+          <a:bodyPr anchor="t">
+            <a:noAutofit/>
+          </a:bodyPr>
+          <a:lstStyle/>
+          <a:p>
+            <a:pPr algn="ctr">
+              <a:lnSpc>
+                <a:spcPct val="90000"/>
+              </a:lnSpc>
+              <a:spcBef>
+                <a:spcPts val="1001"/>
+              </a:spcBef>
+              <a:buNone/>
+            </a:pPr>
+            <a:r>
+              <a:rPr lang="en-US" sz="3600" b="1" cap="all" spc="-1" dirty="0">
+                <a:solidFill>
+                  <a:srgbClr val="000000"/>
+                </a:solidFill>
+                <a:latin typeface="Speak Pro"/>
+              </a:rPr>
+              <a:t>winner</a:t>
+            </a:r>
+            <a:endParaRPr lang="es-ES" sz="3600" b="0" strike="noStrike" spc="-1" dirty="0">
+              <a:solidFill>
+                <a:srgbClr val="000000"/>
+              </a:solidFill>
+              <a:latin typeface="Avenir Next LT Pro Light"/>
+            </a:endParaRPr>
+          </a:p>
+        </p:txBody>
+      </p:sp>
+      <p:pic>
+        <p:nvPicPr>
+          <p:cNvPr id="4" name="Imagen 3">
+            <a:extLst>
+              <a:ext uri="{FF2B5EF4-FFF2-40B4-BE49-F238E27FC236}">
+                <a16:creationId xmlns:a16="http://schemas.microsoft.com/office/drawing/2014/main" id="{CA64952E-6423-E6F9-81A9-134ACFA4D328}"/>
+              </a:ext>
+            </a:extLst>
+          </p:cNvPr>
+          <p:cNvPicPr>
+            <a:picLocks noChangeAspect="1"/>
+          </p:cNvPicPr>
+          <p:nvPr/>
+        </p:nvPicPr>
+        <p:blipFill>
+          <a:blip r:embed="rId2"/>
+          <a:stretch>
+            <a:fillRect/>
+          </a:stretch>
+        </p:blipFill>
+        <p:spPr>
+          <a:xfrm>
+            <a:off x="3139805" y="1701715"/>
+            <a:ext cx="5912389" cy="3454569"/>
+          </a:xfrm>
+          <a:prstGeom prst="rect">
+            <a:avLst/>
+          </a:prstGeom>
+        </p:spPr>
+      </p:pic>
+    </p:spTree>
+    <p:extLst>
+      <p:ext uri="{BB962C8B-B14F-4D97-AF65-F5344CB8AC3E}">
+        <p14:creationId xmlns:p14="http://schemas.microsoft.com/office/powerpoint/2010/main" val="899514266"/>
+      </p:ext>
+    </p:extLst>
+  </p:cSld>
+  <p:clrMapOvr>
+    <a:masterClrMapping/>
+  </p:clrMapOvr>
+</p:sld>
+</file>
+
+<file path=ppt/slides/slide28.xml><?xml version="1.0" encoding="utf-8"?>
+<p:sld xmlns:a="http://schemas.openxmlformats.org/drawingml/2006/main" xmlns:r="http://schemas.openxmlformats.org/officeDocument/2006/relationships" xmlns:p="http://schemas.openxmlformats.org/presentationml/2006/main">
+  <p:cSld>
+    <p:spTree>
+      <p:nvGrpSpPr>
+        <p:cNvPr id="1" name=""/>
+        <p:cNvGrpSpPr/>
+        <p:nvPr/>
+      </p:nvGrpSpPr>
+      <p:grpSpPr>
+        <a:xfrm>
+          <a:off x="0" y="0"/>
+          <a:ext cx="0" cy="0"/>
+          <a:chOff x="0" y="0"/>
+          <a:chExt cx="0" cy="0"/>
+        </a:xfrm>
+      </p:grpSpPr>
+      <p:sp>
+        <p:nvSpPr>
+          <p:cNvPr id="169" name="PlaceHolder 1"/>
+          <p:cNvSpPr>
+            <a:spLocks noGrp="1"/>
+          </p:cNvSpPr>
+          <p:nvPr>
+            <p:ph type="title"/>
+          </p:nvPr>
+        </p:nvSpPr>
+        <p:spPr>
+          <a:xfrm>
+            <a:off x="230340" y="440786"/>
+            <a:ext cx="11731320" cy="733212"/>
+          </a:xfrm>
+          <a:prstGeom prst="rect">
+            <a:avLst/>
+          </a:prstGeom>
+          <a:noFill/>
+          <a:ln w="0">
+            <a:noFill/>
+          </a:ln>
+        </p:spPr>
+        <p:txBody>
+          <a:bodyPr anchor="t">
+            <a:noAutofit/>
+          </a:bodyPr>
+          <a:lstStyle/>
+          <a:p>
+            <a:pPr algn="ctr">
+              <a:lnSpc>
+                <a:spcPct val="90000"/>
+              </a:lnSpc>
+              <a:spcBef>
+                <a:spcPts val="1001"/>
+              </a:spcBef>
+              <a:buNone/>
+            </a:pPr>
+            <a:r>
+              <a:rPr lang="en-US" sz="3600" b="1" cap="all" spc="-1" dirty="0">
+                <a:solidFill>
+                  <a:srgbClr val="000000"/>
+                </a:solidFill>
+                <a:latin typeface="Speak Pro"/>
+              </a:rPr>
+              <a:t>Strings to categories</a:t>
+            </a:r>
+            <a:endParaRPr lang="es-ES" sz="3600" b="0" strike="noStrike" spc="-1" dirty="0">
+              <a:solidFill>
+                <a:srgbClr val="000000"/>
+              </a:solidFill>
+              <a:latin typeface="Avenir Next LT Pro Light"/>
+            </a:endParaRPr>
+          </a:p>
+        </p:txBody>
+      </p:sp>
+      <p:pic>
+        <p:nvPicPr>
+          <p:cNvPr id="3" name="Imagen 2">
+            <a:extLst>
+              <a:ext uri="{FF2B5EF4-FFF2-40B4-BE49-F238E27FC236}">
+                <a16:creationId xmlns:a16="http://schemas.microsoft.com/office/drawing/2014/main" id="{31A8D219-2E7F-25B1-020B-A0619D2FBB6A}"/>
+              </a:ext>
+            </a:extLst>
+          </p:cNvPr>
+          <p:cNvPicPr>
+            <a:picLocks noChangeAspect="1"/>
+          </p:cNvPicPr>
+          <p:nvPr/>
+        </p:nvPicPr>
+        <p:blipFill>
+          <a:blip r:embed="rId2"/>
+          <a:stretch>
+            <a:fillRect/>
+          </a:stretch>
+        </p:blipFill>
+        <p:spPr>
+          <a:xfrm>
+            <a:off x="2207714" y="2444859"/>
+            <a:ext cx="7776571" cy="1968282"/>
+          </a:xfrm>
+          <a:prstGeom prst="rect">
+            <a:avLst/>
+          </a:prstGeom>
+        </p:spPr>
+      </p:pic>
+    </p:spTree>
+    <p:extLst>
+      <p:ext uri="{BB962C8B-B14F-4D97-AF65-F5344CB8AC3E}">
+        <p14:creationId xmlns:p14="http://schemas.microsoft.com/office/powerpoint/2010/main" val="3968077993"/>
+      </p:ext>
+    </p:extLst>
+  </p:cSld>
+  <p:clrMapOvr>
+    <a:masterClrMapping/>
+  </p:clrMapOvr>
+</p:sld>
+</file>
+
+<file path=ppt/slides/slide29.xml><?xml version="1.0" encoding="utf-8"?>
+<p:sld xmlns:a="http://schemas.openxmlformats.org/drawingml/2006/main" xmlns:r="http://schemas.openxmlformats.org/officeDocument/2006/relationships" xmlns:p="http://schemas.openxmlformats.org/presentationml/2006/main">
+  <p:cSld>
+    <p:spTree>
+      <p:nvGrpSpPr>
+        <p:cNvPr id="1" name=""/>
+        <p:cNvGrpSpPr/>
+        <p:nvPr/>
+      </p:nvGrpSpPr>
+      <p:grpSpPr>
+        <a:xfrm>
+          <a:off x="0" y="0"/>
+          <a:ext cx="0" cy="0"/>
+          <a:chOff x="0" y="0"/>
+          <a:chExt cx="0" cy="0"/>
+        </a:xfrm>
+      </p:grpSpPr>
+      <p:sp>
+        <p:nvSpPr>
+          <p:cNvPr id="169" name="PlaceHolder 1"/>
+          <p:cNvSpPr>
+            <a:spLocks noGrp="1"/>
+          </p:cNvSpPr>
+          <p:nvPr>
+            <p:ph type="title"/>
+          </p:nvPr>
+        </p:nvSpPr>
+        <p:spPr>
+          <a:xfrm>
+            <a:off x="230340" y="440786"/>
+            <a:ext cx="11731320" cy="733212"/>
+          </a:xfrm>
+          <a:prstGeom prst="rect">
+            <a:avLst/>
+          </a:prstGeom>
+          <a:noFill/>
+          <a:ln w="0">
+            <a:noFill/>
+          </a:ln>
+        </p:spPr>
+        <p:txBody>
+          <a:bodyPr anchor="t">
+            <a:noAutofit/>
+          </a:bodyPr>
+          <a:lstStyle/>
+          <a:p>
+            <a:pPr algn="ctr">
+              <a:lnSpc>
+                <a:spcPct val="90000"/>
+              </a:lnSpc>
+              <a:spcBef>
+                <a:spcPts val="1001"/>
+              </a:spcBef>
+              <a:buNone/>
+            </a:pPr>
+            <a:r>
+              <a:rPr lang="en-US" sz="3600" b="1" cap="all" spc="-1" dirty="0">
+                <a:solidFill>
+                  <a:srgbClr val="000000"/>
+                </a:solidFill>
+                <a:latin typeface="Speak Pro"/>
+              </a:rPr>
+              <a:t>Strings to categories</a:t>
+            </a:r>
+            <a:endParaRPr lang="es-ES" sz="3600" b="0" strike="noStrike" spc="-1" dirty="0">
+              <a:solidFill>
+                <a:srgbClr val="000000"/>
+              </a:solidFill>
+              <a:latin typeface="Avenir Next LT Pro Light"/>
+            </a:endParaRPr>
+          </a:p>
+        </p:txBody>
+      </p:sp>
+      <p:pic>
+        <p:nvPicPr>
+          <p:cNvPr id="3" name="Imagen 2">
+            <a:extLst>
+              <a:ext uri="{FF2B5EF4-FFF2-40B4-BE49-F238E27FC236}">
+                <a16:creationId xmlns:a16="http://schemas.microsoft.com/office/drawing/2014/main" id="{31A8D219-2E7F-25B1-020B-A0619D2FBB6A}"/>
+              </a:ext>
+            </a:extLst>
+          </p:cNvPr>
+          <p:cNvPicPr>
+            <a:picLocks noChangeAspect="1"/>
+          </p:cNvPicPr>
+          <p:nvPr/>
+        </p:nvPicPr>
+        <p:blipFill>
+          <a:blip r:embed="rId2"/>
+          <a:stretch>
+            <a:fillRect/>
+          </a:stretch>
+        </p:blipFill>
+        <p:spPr>
+          <a:xfrm>
+            <a:off x="2207714" y="2444859"/>
+            <a:ext cx="7776571" cy="1968282"/>
+          </a:xfrm>
+          <a:prstGeom prst="rect">
+            <a:avLst/>
+          </a:prstGeom>
+        </p:spPr>
+      </p:pic>
+    </p:spTree>
+    <p:extLst>
+      <p:ext uri="{BB962C8B-B14F-4D97-AF65-F5344CB8AC3E}">
+        <p14:creationId xmlns:p14="http://schemas.microsoft.com/office/powerpoint/2010/main" val="1342481686"/>
+      </p:ext>
+    </p:extLst>
   </p:cSld>
   <p:clrMapOvr>
     <a:masterClrMapping/>
@@ -10015,6 +12442,294 @@
         </p:txBody>
       </p:sp>
     </p:spTree>
+  </p:cSld>
+  <p:clrMapOvr>
+    <a:masterClrMapping/>
+  </p:clrMapOvr>
+</p:sld>
+</file>
+
+<file path=ppt/slides/slide30.xml><?xml version="1.0" encoding="utf-8"?>
+<p:sld xmlns:a="http://schemas.openxmlformats.org/drawingml/2006/main" xmlns:r="http://schemas.openxmlformats.org/officeDocument/2006/relationships" xmlns:p="http://schemas.openxmlformats.org/presentationml/2006/main">
+  <p:cSld>
+    <p:spTree>
+      <p:nvGrpSpPr>
+        <p:cNvPr id="1" name=""/>
+        <p:cNvGrpSpPr/>
+        <p:nvPr/>
+      </p:nvGrpSpPr>
+      <p:grpSpPr>
+        <a:xfrm>
+          <a:off x="0" y="0"/>
+          <a:ext cx="0" cy="0"/>
+          <a:chOff x="0" y="0"/>
+          <a:chExt cx="0" cy="0"/>
+        </a:xfrm>
+      </p:grpSpPr>
+      <p:sp>
+        <p:nvSpPr>
+          <p:cNvPr id="169" name="PlaceHolder 1"/>
+          <p:cNvSpPr>
+            <a:spLocks noGrp="1"/>
+          </p:cNvSpPr>
+          <p:nvPr>
+            <p:ph type="title"/>
+          </p:nvPr>
+        </p:nvSpPr>
+        <p:spPr>
+          <a:xfrm>
+            <a:off x="230340" y="440786"/>
+            <a:ext cx="11731320" cy="733212"/>
+          </a:xfrm>
+          <a:prstGeom prst="rect">
+            <a:avLst/>
+          </a:prstGeom>
+          <a:noFill/>
+          <a:ln w="0">
+            <a:noFill/>
+          </a:ln>
+        </p:spPr>
+        <p:txBody>
+          <a:bodyPr anchor="t">
+            <a:noAutofit/>
+          </a:bodyPr>
+          <a:lstStyle/>
+          <a:p>
+            <a:pPr algn="ctr">
+              <a:lnSpc>
+                <a:spcPct val="90000"/>
+              </a:lnSpc>
+              <a:spcBef>
+                <a:spcPts val="1001"/>
+              </a:spcBef>
+              <a:buNone/>
+            </a:pPr>
+            <a:r>
+              <a:rPr lang="en-US" sz="3600" b="1" cap="all" spc="-1" dirty="0">
+                <a:solidFill>
+                  <a:srgbClr val="000000"/>
+                </a:solidFill>
+                <a:latin typeface="Speak Pro"/>
+              </a:rPr>
+              <a:t>Categories to dummies</a:t>
+            </a:r>
+            <a:endParaRPr lang="es-ES" sz="3600" b="0" strike="noStrike" spc="-1" dirty="0">
+              <a:solidFill>
+                <a:srgbClr val="000000"/>
+              </a:solidFill>
+              <a:latin typeface="Avenir Next LT Pro Light"/>
+            </a:endParaRPr>
+          </a:p>
+        </p:txBody>
+      </p:sp>
+      <p:pic>
+        <p:nvPicPr>
+          <p:cNvPr id="4" name="Imagen 3">
+            <a:extLst>
+              <a:ext uri="{FF2B5EF4-FFF2-40B4-BE49-F238E27FC236}">
+                <a16:creationId xmlns:a16="http://schemas.microsoft.com/office/drawing/2014/main" id="{78EB8273-A93F-B988-A526-1FCB7B57D99E}"/>
+              </a:ext>
+            </a:extLst>
+          </p:cNvPr>
+          <p:cNvPicPr>
+            <a:picLocks noChangeAspect="1"/>
+          </p:cNvPicPr>
+          <p:nvPr/>
+        </p:nvPicPr>
+        <p:blipFill>
+          <a:blip r:embed="rId2"/>
+          <a:stretch>
+            <a:fillRect/>
+          </a:stretch>
+        </p:blipFill>
+        <p:spPr>
+          <a:xfrm>
+            <a:off x="2409881" y="2012330"/>
+            <a:ext cx="7372237" cy="2833339"/>
+          </a:xfrm>
+          <a:prstGeom prst="rect">
+            <a:avLst/>
+          </a:prstGeom>
+        </p:spPr>
+      </p:pic>
+    </p:spTree>
+    <p:extLst>
+      <p:ext uri="{BB962C8B-B14F-4D97-AF65-F5344CB8AC3E}">
+        <p14:creationId xmlns:p14="http://schemas.microsoft.com/office/powerpoint/2010/main" val="188659717"/>
+      </p:ext>
+    </p:extLst>
+  </p:cSld>
+  <p:clrMapOvr>
+    <a:masterClrMapping/>
+  </p:clrMapOvr>
+</p:sld>
+</file>
+
+<file path=ppt/slides/slide31.xml><?xml version="1.0" encoding="utf-8"?>
+<p:sld xmlns:a="http://schemas.openxmlformats.org/drawingml/2006/main" xmlns:r="http://schemas.openxmlformats.org/officeDocument/2006/relationships" xmlns:p="http://schemas.openxmlformats.org/presentationml/2006/main">
+  <p:cSld>
+    <p:spTree>
+      <p:nvGrpSpPr>
+        <p:cNvPr id="1" name=""/>
+        <p:cNvGrpSpPr/>
+        <p:nvPr/>
+      </p:nvGrpSpPr>
+      <p:grpSpPr>
+        <a:xfrm>
+          <a:off x="0" y="0"/>
+          <a:ext cx="0" cy="0"/>
+          <a:chOff x="0" y="0"/>
+          <a:chExt cx="0" cy="0"/>
+        </a:xfrm>
+      </p:grpSpPr>
+      <p:sp>
+        <p:nvSpPr>
+          <p:cNvPr id="169" name="PlaceHolder 1"/>
+          <p:cNvSpPr>
+            <a:spLocks noGrp="1"/>
+          </p:cNvSpPr>
+          <p:nvPr>
+            <p:ph type="title"/>
+          </p:nvPr>
+        </p:nvSpPr>
+        <p:spPr>
+          <a:xfrm>
+            <a:off x="148680" y="3060000"/>
+            <a:ext cx="11731320" cy="630720"/>
+          </a:xfrm>
+          <a:prstGeom prst="rect">
+            <a:avLst/>
+          </a:prstGeom>
+          <a:noFill/>
+          <a:ln w="0">
+            <a:noFill/>
+          </a:ln>
+        </p:spPr>
+        <p:txBody>
+          <a:bodyPr anchor="t">
+            <a:noAutofit/>
+          </a:bodyPr>
+          <a:lstStyle/>
+          <a:p>
+            <a:pPr algn="ctr">
+              <a:lnSpc>
+                <a:spcPct val="90000"/>
+              </a:lnSpc>
+              <a:spcBef>
+                <a:spcPts val="1001"/>
+              </a:spcBef>
+              <a:buNone/>
+            </a:pPr>
+            <a:r>
+              <a:rPr lang="en-US" sz="3600" b="1" cap="all" spc="-1" dirty="0">
+                <a:solidFill>
+                  <a:srgbClr val="000000"/>
+                </a:solidFill>
+                <a:latin typeface="Speak Pro"/>
+              </a:rPr>
+              <a:t>Feature engineering</a:t>
+            </a:r>
+            <a:endParaRPr lang="es-ES" sz="3600" b="0" strike="noStrike" spc="-1" dirty="0">
+              <a:solidFill>
+                <a:srgbClr val="000000"/>
+              </a:solidFill>
+              <a:latin typeface="Avenir Next LT Pro Light"/>
+            </a:endParaRPr>
+          </a:p>
+        </p:txBody>
+      </p:sp>
+    </p:spTree>
+    <p:extLst>
+      <p:ext uri="{BB962C8B-B14F-4D97-AF65-F5344CB8AC3E}">
+        <p14:creationId xmlns:p14="http://schemas.microsoft.com/office/powerpoint/2010/main" val="4142462465"/>
+      </p:ext>
+    </p:extLst>
+  </p:cSld>
+  <p:clrMapOvr>
+    <a:masterClrMapping/>
+  </p:clrMapOvr>
+</p:sld>
+</file>
+
+<file path=ppt/slides/slide32.xml><?xml version="1.0" encoding="utf-8"?>
+<p:sld xmlns:a="http://schemas.openxmlformats.org/drawingml/2006/main" xmlns:r="http://schemas.openxmlformats.org/officeDocument/2006/relationships" xmlns:p="http://schemas.openxmlformats.org/presentationml/2006/main">
+  <p:cSld>
+    <p:spTree>
+      <p:nvGrpSpPr>
+        <p:cNvPr id="1" name=""/>
+        <p:cNvGrpSpPr/>
+        <p:nvPr/>
+      </p:nvGrpSpPr>
+      <p:grpSpPr>
+        <a:xfrm>
+          <a:off x="0" y="0"/>
+          <a:ext cx="0" cy="0"/>
+          <a:chOff x="0" y="0"/>
+          <a:chExt cx="0" cy="0"/>
+        </a:xfrm>
+      </p:grpSpPr>
+      <p:sp>
+        <p:nvSpPr>
+          <p:cNvPr id="169" name="PlaceHolder 1"/>
+          <p:cNvSpPr>
+            <a:spLocks noGrp="1"/>
+          </p:cNvSpPr>
+          <p:nvPr>
+            <p:ph type="title"/>
+          </p:nvPr>
+        </p:nvSpPr>
+        <p:spPr>
+          <a:xfrm>
+            <a:off x="148680" y="3060000"/>
+            <a:ext cx="11731320" cy="630720"/>
+          </a:xfrm>
+          <a:prstGeom prst="rect">
+            <a:avLst/>
+          </a:prstGeom>
+          <a:noFill/>
+          <a:ln w="0">
+            <a:noFill/>
+          </a:ln>
+        </p:spPr>
+        <p:txBody>
+          <a:bodyPr anchor="t">
+            <a:noAutofit/>
+          </a:bodyPr>
+          <a:lstStyle/>
+          <a:p>
+            <a:pPr algn="ctr">
+              <a:lnSpc>
+                <a:spcPct val="90000"/>
+              </a:lnSpc>
+              <a:spcBef>
+                <a:spcPts val="1001"/>
+              </a:spcBef>
+              <a:buNone/>
+            </a:pPr>
+            <a:r>
+              <a:rPr lang="en-US" sz="3600" b="1" strike="noStrike" cap="all" spc="-1" dirty="0">
+                <a:solidFill>
+                  <a:srgbClr val="000000"/>
+                </a:solidFill>
+                <a:latin typeface="Speak Pro"/>
+              </a:rPr>
+              <a:t>results</a:t>
+            </a:r>
+            <a:endParaRPr lang="es-ES" sz="3600" b="0" strike="noStrike" spc="-1" dirty="0">
+              <a:solidFill>
+                <a:srgbClr val="000000"/>
+              </a:solidFill>
+              <a:latin typeface="Avenir Next LT Pro Light"/>
+            </a:endParaRPr>
+          </a:p>
+        </p:txBody>
+      </p:sp>
+    </p:spTree>
+    <p:extLst>
+      <p:ext uri="{BB962C8B-B14F-4D97-AF65-F5344CB8AC3E}">
+        <p14:creationId xmlns:p14="http://schemas.microsoft.com/office/powerpoint/2010/main" val="3981203669"/>
+      </p:ext>
+    </p:extLst>
   </p:cSld>
   <p:clrMapOvr>
     <a:masterClrMapping/>
@@ -10408,13 +13123,22 @@
               <a:buNone/>
             </a:pPr>
             <a:r>
+              <a:rPr lang="en-US" sz="3600" b="1" cap="all" spc="-1" dirty="0">
+                <a:solidFill>
+                  <a:srgbClr val="000000"/>
+                </a:solidFill>
+                <a:latin typeface="Speak Pro"/>
+              </a:rPr>
+              <a:t>About the</a:t>
+            </a:r>
+            <a:r>
               <a:rPr lang="en-US" sz="3600" b="1" strike="noStrike" cap="all" spc="-1" dirty="0">
                 <a:solidFill>
                   <a:srgbClr val="000000"/>
                 </a:solidFill>
                 <a:latin typeface="Speak Pro"/>
               </a:rPr>
-              <a:t>type of data</a:t>
+              <a:t> data</a:t>
             </a:r>
             <a:endParaRPr lang="es-ES" sz="3600" b="0" strike="noStrike" spc="-1" dirty="0">
               <a:solidFill>
@@ -10439,8 +13163,8 @@
         </p:nvSpPr>
         <p:spPr>
           <a:xfrm>
-            <a:off x="1779428" y="2315522"/>
-            <a:ext cx="8493071" cy="2226956"/>
+            <a:off x="1779428" y="2114044"/>
+            <a:ext cx="8493071" cy="2780954"/>
           </a:xfrm>
           <a:prstGeom prst="rect">
             <a:avLst/>
@@ -10452,6 +13176,21 @@
             <a:spAutoFit/>
           </a:bodyPr>
           <a:lstStyle/>
+          <a:p>
+            <a:pPr marL="285750" indent="-285750">
+              <a:lnSpc>
+                <a:spcPct val="200000"/>
+              </a:lnSpc>
+              <a:buFont typeface="Arial" panose="020B0604020202020204" pitchFamily="34" charset="0"/>
+              <a:buChar char="•"/>
+            </a:pPr>
+            <a:r>
+              <a:rPr lang="en-US" dirty="0">
+                <a:latin typeface="Avenir Next LT Pro Light" panose="020B0304020202020204" pitchFamily="34" charset="0"/>
+              </a:rPr>
+              <a:t>ultimate UFC Dataset - Kaggle</a:t>
+            </a:r>
+          </a:p>
           <a:p>
             <a:pPr marL="285750" indent="-285750">
               <a:lnSpc>
@@ -10533,6 +13272,92 @@
     <p:extLst>
       <p:ext uri="{BB962C8B-B14F-4D97-AF65-F5344CB8AC3E}">
         <p14:creationId xmlns:p14="http://schemas.microsoft.com/office/powerpoint/2010/main" val="3566341705"/>
+      </p:ext>
+    </p:extLst>
+  </p:cSld>
+  <p:clrMapOvr>
+    <a:masterClrMapping/>
+  </p:clrMapOvr>
+</p:sld>
+</file>
+
+<file path=ppt/slides/slide9.xml><?xml version="1.0" encoding="utf-8"?>
+<p:sld xmlns:a="http://schemas.openxmlformats.org/drawingml/2006/main" xmlns:r="http://schemas.openxmlformats.org/officeDocument/2006/relationships" xmlns:p="http://schemas.openxmlformats.org/presentationml/2006/main">
+  <p:cSld>
+    <p:spTree>
+      <p:nvGrpSpPr>
+        <p:cNvPr id="1" name=""/>
+        <p:cNvGrpSpPr/>
+        <p:nvPr/>
+      </p:nvGrpSpPr>
+      <p:grpSpPr>
+        <a:xfrm>
+          <a:off x="0" y="0"/>
+          <a:ext cx="0" cy="0"/>
+          <a:chOff x="0" y="0"/>
+          <a:chExt cx="0" cy="0"/>
+        </a:xfrm>
+      </p:grpSpPr>
+      <p:sp>
+        <p:nvSpPr>
+          <p:cNvPr id="169" name="PlaceHolder 1"/>
+          <p:cNvSpPr>
+            <a:spLocks noGrp="1"/>
+          </p:cNvSpPr>
+          <p:nvPr>
+            <p:ph type="title"/>
+          </p:nvPr>
+        </p:nvSpPr>
+        <p:spPr>
+          <a:xfrm>
+            <a:off x="148680" y="3060000"/>
+            <a:ext cx="11731320" cy="630720"/>
+          </a:xfrm>
+          <a:prstGeom prst="rect">
+            <a:avLst/>
+          </a:prstGeom>
+          <a:noFill/>
+          <a:ln w="0">
+            <a:noFill/>
+          </a:ln>
+        </p:spPr>
+        <p:txBody>
+          <a:bodyPr anchor="t">
+            <a:noAutofit/>
+          </a:bodyPr>
+          <a:lstStyle/>
+          <a:p>
+            <a:pPr algn="ctr">
+              <a:lnSpc>
+                <a:spcPct val="90000"/>
+              </a:lnSpc>
+              <a:spcBef>
+                <a:spcPts val="1001"/>
+              </a:spcBef>
+              <a:buNone/>
+            </a:pPr>
+            <a:r>
+              <a:rPr lang="en-US" sz="3600" b="1" cap="all" spc="-1" dirty="0">
+                <a:solidFill>
+                  <a:srgbClr val="000000"/>
+                </a:solidFill>
+                <a:latin typeface="Speak Pro"/>
+              </a:rPr>
+              <a:t>visualization</a:t>
+            </a:r>
+            <a:endParaRPr lang="es-ES" sz="3600" b="0" strike="noStrike" spc="-1" dirty="0">
+              <a:solidFill>
+                <a:srgbClr val="000000"/>
+              </a:solidFill>
+              <a:latin typeface="Avenir Next LT Pro Light"/>
+            </a:endParaRPr>
+          </a:p>
+        </p:txBody>
+      </p:sp>
+    </p:spTree>
+    <p:extLst>
+      <p:ext uri="{BB962C8B-B14F-4D97-AF65-F5344CB8AC3E}">
+        <p14:creationId xmlns:p14="http://schemas.microsoft.com/office/powerpoint/2010/main" val="4220513478"/>
       </p:ext>
     </p:extLst>
   </p:cSld>
